--- a/report/Projet_classification_MLOps_Partie3_Aymen.pptx
+++ b/report/Projet_classification_MLOps_Partie3_Aymen.pptx
@@ -12,7 +12,7 @@
   </p:handoutMasterIdLst>
   <p:sldIdLst>
     <p:sldId id="287" r:id="rId5"/>
-    <p:sldId id="285" r:id="rId6"/>
+    <p:sldId id="289" r:id="rId6"/>
     <p:sldId id="288" r:id="rId7"/>
   </p:sldIdLst>
   <p:sldSz cx="12192000" cy="6858000"/>
@@ -240,7 +240,7 @@
           <a:p>
             <a:fld id="{F352A77B-D33C-49B3-A83C-450AA2ED72B3}" type="datetimeFigureOut">
               <a:rPr lang="en-US" smtClean="0"/>
-              <a:t>2/11/2025</a:t>
+              <a:t>2/13/2025</a:t>
             </a:fld>
             <a:endParaRPr lang="en-US" dirty="0"/>
           </a:p>
@@ -417,7 +417,7 @@
           <a:p>
             <a:fld id="{E38D8F9A-F5CB-4EF8-A859-ED5E107B9763}" type="datetimeFigureOut">
               <a:rPr lang="en-US" smtClean="0"/>
-              <a:t>2/11/2025</a:t>
+              <a:t>2/13/2025</a:t>
             </a:fld>
             <a:endParaRPr lang="en-US" dirty="0"/>
           </a:p>
@@ -19676,33 +19676,15 @@
                                   </p:childTnLst>
                                 </p:cTn>
                               </p:par>
-                            </p:childTnLst>
-                          </p:cTn>
-                        </p:par>
-                      </p:childTnLst>
-                    </p:cTn>
-                  </p:par>
-                  <p:par>
-                    <p:cTn id="13" fill="hold">
-                      <p:stCondLst>
-                        <p:cond delay="indefinite"/>
-                      </p:stCondLst>
-                      <p:childTnLst>
-                        <p:par>
-                          <p:cTn id="14" fill="hold">
-                            <p:stCondLst>
-                              <p:cond delay="0"/>
-                            </p:stCondLst>
-                            <p:childTnLst>
                               <p:par>
-                                <p:cTn id="15" presetID="1" presetClass="entr" presetSubtype="0" fill="hold" nodeType="clickEffect">
+                                <p:cTn id="13" presetID="1" presetClass="entr" presetSubtype="0" fill="hold" nodeType="withEffect">
                                   <p:stCondLst>
                                     <p:cond delay="0"/>
                                   </p:stCondLst>
                                   <p:childTnLst>
                                     <p:set>
                                       <p:cBhvr>
-                                        <p:cTn id="16" dur="1" fill="hold">
+                                        <p:cTn id="14" dur="1" fill="hold">
                                           <p:stCondLst>
                                             <p:cond delay="0"/>
                                           </p:stCondLst>
@@ -19728,26 +19710,26 @@
                     </p:cTn>
                   </p:par>
                   <p:par>
-                    <p:cTn id="17" fill="hold">
+                    <p:cTn id="15" fill="hold">
                       <p:stCondLst>
                         <p:cond delay="indefinite"/>
                       </p:stCondLst>
                       <p:childTnLst>
                         <p:par>
-                          <p:cTn id="18" fill="hold">
+                          <p:cTn id="16" fill="hold">
                             <p:stCondLst>
                               <p:cond delay="0"/>
                             </p:stCondLst>
                             <p:childTnLst>
                               <p:par>
-                                <p:cTn id="19" presetID="1" presetClass="entr" presetSubtype="0" fill="hold" nodeType="clickEffect">
+                                <p:cTn id="17" presetID="1" presetClass="entr" presetSubtype="0" fill="hold" nodeType="clickEffect">
                                   <p:stCondLst>
                                     <p:cond delay="0"/>
                                   </p:stCondLst>
                                   <p:childTnLst>
                                     <p:set>
                                       <p:cBhvr>
-                                        <p:cTn id="20" dur="1" fill="hold">
+                                        <p:cTn id="18" dur="1" fill="hold">
                                           <p:stCondLst>
                                             <p:cond delay="0"/>
                                           </p:stCondLst>
@@ -19767,14 +19749,14 @@
                                 </p:cTn>
                               </p:par>
                               <p:par>
-                                <p:cTn id="21" presetID="1" presetClass="entr" presetSubtype="0" fill="hold" nodeType="withEffect">
+                                <p:cTn id="19" presetID="1" presetClass="entr" presetSubtype="0" fill="hold" nodeType="withEffect">
                                   <p:stCondLst>
                                     <p:cond delay="0"/>
                                   </p:stCondLst>
                                   <p:childTnLst>
                                     <p:set>
                                       <p:cBhvr>
-                                        <p:cTn id="22" dur="1" fill="hold">
+                                        <p:cTn id="20" dur="1" fill="hold">
                                           <p:stCondLst>
                                             <p:cond delay="0"/>
                                           </p:stCondLst>
@@ -19794,14 +19776,14 @@
                                 </p:cTn>
                               </p:par>
                               <p:par>
-                                <p:cTn id="23" presetID="1" presetClass="entr" presetSubtype="0" fill="hold" grpId="0" nodeType="withEffect">
+                                <p:cTn id="21" presetID="1" presetClass="entr" presetSubtype="0" fill="hold" grpId="0" nodeType="withEffect">
                                   <p:stCondLst>
                                     <p:cond delay="0"/>
                                   </p:stCondLst>
                                   <p:childTnLst>
                                     <p:set>
                                       <p:cBhvr>
-                                        <p:cTn id="24" dur="1" fill="hold">
+                                        <p:cTn id="22" dur="1" fill="hold">
                                           <p:stCondLst>
                                             <p:cond delay="0"/>
                                           </p:stCondLst>
@@ -19821,14 +19803,14 @@
                                 </p:cTn>
                               </p:par>
                               <p:par>
-                                <p:cTn id="25" presetID="1" presetClass="entr" presetSubtype="0" fill="hold" nodeType="withEffect">
+                                <p:cTn id="23" presetID="1" presetClass="entr" presetSubtype="0" fill="hold" nodeType="withEffect">
                                   <p:stCondLst>
                                     <p:cond delay="0"/>
                                   </p:stCondLst>
                                   <p:childTnLst>
                                     <p:set>
                                       <p:cBhvr>
-                                        <p:cTn id="26" dur="1" fill="hold">
+                                        <p:cTn id="24" dur="1" fill="hold">
                                           <p:stCondLst>
                                             <p:cond delay="0"/>
                                           </p:stCondLst>
@@ -19848,14 +19830,14 @@
                                 </p:cTn>
                               </p:par>
                               <p:par>
-                                <p:cTn id="27" presetID="1" presetClass="entr" presetSubtype="0" fill="hold" grpId="0" nodeType="withEffect">
+                                <p:cTn id="25" presetID="1" presetClass="entr" presetSubtype="0" fill="hold" grpId="0" nodeType="withEffect">
                                   <p:stCondLst>
                                     <p:cond delay="0"/>
                                   </p:stCondLst>
                                   <p:childTnLst>
                                     <p:set>
                                       <p:cBhvr>
-                                        <p:cTn id="28" dur="1" fill="hold">
+                                        <p:cTn id="26" dur="1" fill="hold">
                                           <p:stCondLst>
                                             <p:cond delay="0"/>
                                           </p:stCondLst>
@@ -19875,14 +19857,14 @@
                                 </p:cTn>
                               </p:par>
                               <p:par>
-                                <p:cTn id="29" presetID="1" presetClass="entr" presetSubtype="0" fill="hold" nodeType="withEffect">
+                                <p:cTn id="27" presetID="1" presetClass="entr" presetSubtype="0" fill="hold" nodeType="withEffect">
                                   <p:stCondLst>
                                     <p:cond delay="0"/>
                                   </p:stCondLst>
                                   <p:childTnLst>
                                     <p:set>
                                       <p:cBhvr>
-                                        <p:cTn id="30" dur="1" fill="hold">
+                                        <p:cTn id="28" dur="1" fill="hold">
                                           <p:stCondLst>
                                             <p:cond delay="0"/>
                                           </p:stCondLst>
@@ -19908,19 +19890,46 @@
                     </p:cTn>
                   </p:par>
                   <p:par>
-                    <p:cTn id="31" fill="hold">
+                    <p:cTn id="29" fill="hold">
                       <p:stCondLst>
                         <p:cond delay="indefinite"/>
                       </p:stCondLst>
                       <p:childTnLst>
                         <p:par>
-                          <p:cTn id="32" fill="hold">
+                          <p:cTn id="30" fill="hold">
                             <p:stCondLst>
                               <p:cond delay="0"/>
                             </p:stCondLst>
                             <p:childTnLst>
                               <p:par>
-                                <p:cTn id="33" presetID="1" presetClass="entr" presetSubtype="0" fill="hold" nodeType="clickEffect">
+                                <p:cTn id="31" presetID="1" presetClass="entr" presetSubtype="0" fill="hold" nodeType="clickEffect">
+                                  <p:stCondLst>
+                                    <p:cond delay="0"/>
+                                  </p:stCondLst>
+                                  <p:childTnLst>
+                                    <p:set>
+                                      <p:cBhvr>
+                                        <p:cTn id="32" dur="1" fill="hold">
+                                          <p:stCondLst>
+                                            <p:cond delay="0"/>
+                                          </p:stCondLst>
+                                        </p:cTn>
+                                        <p:tgtEl>
+                                          <p:spTgt spid="18"/>
+                                        </p:tgtEl>
+                                        <p:attrNameLst>
+                                          <p:attrName>style.visibility</p:attrName>
+                                        </p:attrNameLst>
+                                      </p:cBhvr>
+                                      <p:to>
+                                        <p:strVal val="visible"/>
+                                      </p:to>
+                                    </p:set>
+                                  </p:childTnLst>
+                                </p:cTn>
+                              </p:par>
+                              <p:par>
+                                <p:cTn id="33" presetID="1" presetClass="entr" presetSubtype="0" fill="hold" nodeType="withEffect">
                                   <p:stCondLst>
                                     <p:cond delay="0"/>
                                   </p:stCondLst>
@@ -19933,7 +19942,7 @@
                                           </p:stCondLst>
                                         </p:cTn>
                                         <p:tgtEl>
-                                          <p:spTgt spid="18"/>
+                                          <p:spTgt spid="24"/>
                                         </p:tgtEl>
                                         <p:attrNameLst>
                                           <p:attrName>style.visibility</p:attrName>
@@ -19960,33 +19969,6 @@
                                           </p:stCondLst>
                                         </p:cTn>
                                         <p:tgtEl>
-                                          <p:spTgt spid="24"/>
-                                        </p:tgtEl>
-                                        <p:attrNameLst>
-                                          <p:attrName>style.visibility</p:attrName>
-                                        </p:attrNameLst>
-                                      </p:cBhvr>
-                                      <p:to>
-                                        <p:strVal val="visible"/>
-                                      </p:to>
-                                    </p:set>
-                                  </p:childTnLst>
-                                </p:cTn>
-                              </p:par>
-                              <p:par>
-                                <p:cTn id="37" presetID="1" presetClass="entr" presetSubtype="0" fill="hold" nodeType="withEffect">
-                                  <p:stCondLst>
-                                    <p:cond delay="0"/>
-                                  </p:stCondLst>
-                                  <p:childTnLst>
-                                    <p:set>
-                                      <p:cBhvr>
-                                        <p:cTn id="38" dur="1" fill="hold">
-                                          <p:stCondLst>
-                                            <p:cond delay="0"/>
-                                          </p:stCondLst>
-                                        </p:cTn>
-                                        <p:tgtEl>
                                           <p:spTgt spid="52"/>
                                         </p:tgtEl>
                                         <p:attrNameLst>
@@ -20007,26 +19989,26 @@
                     </p:cTn>
                   </p:par>
                   <p:par>
-                    <p:cTn id="39" fill="hold">
+                    <p:cTn id="37" fill="hold">
                       <p:stCondLst>
                         <p:cond delay="indefinite"/>
                       </p:stCondLst>
                       <p:childTnLst>
                         <p:par>
-                          <p:cTn id="40" fill="hold">
+                          <p:cTn id="38" fill="hold">
                             <p:stCondLst>
                               <p:cond delay="0"/>
                             </p:stCondLst>
                             <p:childTnLst>
                               <p:par>
-                                <p:cTn id="41" presetID="1" presetClass="entr" presetSubtype="0" fill="hold" grpId="0" nodeType="clickEffect">
+                                <p:cTn id="39" presetID="1" presetClass="entr" presetSubtype="0" fill="hold" grpId="0" nodeType="clickEffect">
                                   <p:stCondLst>
                                     <p:cond delay="0"/>
                                   </p:stCondLst>
                                   <p:childTnLst>
                                     <p:set>
                                       <p:cBhvr>
-                                        <p:cTn id="42" dur="1" fill="hold">
+                                        <p:cTn id="40" dur="1" fill="hold">
                                           <p:stCondLst>
                                             <p:cond delay="0"/>
                                           </p:stCondLst>
@@ -20046,14 +20028,14 @@
                                 </p:cTn>
                               </p:par>
                               <p:par>
-                                <p:cTn id="43" presetID="1" presetClass="entr" presetSubtype="0" fill="hold" grpId="0" nodeType="withEffect">
+                                <p:cTn id="41" presetID="1" presetClass="entr" presetSubtype="0" fill="hold" grpId="0" nodeType="withEffect">
                                   <p:stCondLst>
                                     <p:cond delay="0"/>
                                   </p:stCondLst>
                                   <p:childTnLst>
                                     <p:set>
                                       <p:cBhvr>
-                                        <p:cTn id="44" dur="1" fill="hold">
+                                        <p:cTn id="42" dur="1" fill="hold">
                                           <p:stCondLst>
                                             <p:cond delay="0"/>
                                           </p:stCondLst>
@@ -20073,14 +20055,14 @@
                                 </p:cTn>
                               </p:par>
                               <p:par>
-                                <p:cTn id="45" presetID="1" presetClass="entr" presetSubtype="0" fill="hold" nodeType="withEffect">
+                                <p:cTn id="43" presetID="1" presetClass="entr" presetSubtype="0" fill="hold" nodeType="withEffect">
                                   <p:stCondLst>
                                     <p:cond delay="0"/>
                                   </p:stCondLst>
                                   <p:childTnLst>
                                     <p:set>
                                       <p:cBhvr>
-                                        <p:cTn id="46" dur="1" fill="hold">
+                                        <p:cTn id="44" dur="1" fill="hold">
                                           <p:stCondLst>
                                             <p:cond delay="0"/>
                                           </p:stCondLst>
@@ -20100,14 +20082,14 @@
                                 </p:cTn>
                               </p:par>
                               <p:par>
-                                <p:cTn id="47" presetID="1" presetClass="entr" presetSubtype="0" fill="hold" grpId="0" nodeType="withEffect">
+                                <p:cTn id="45" presetID="1" presetClass="entr" presetSubtype="0" fill="hold" grpId="0" nodeType="withEffect">
                                   <p:stCondLst>
                                     <p:cond delay="0"/>
                                   </p:stCondLst>
                                   <p:childTnLst>
                                     <p:set>
                                       <p:cBhvr>
-                                        <p:cTn id="48" dur="1" fill="hold">
+                                        <p:cTn id="46" dur="1" fill="hold">
                                           <p:stCondLst>
                                             <p:cond delay="0"/>
                                           </p:stCondLst>
@@ -20127,14 +20109,14 @@
                                 </p:cTn>
                               </p:par>
                               <p:par>
-                                <p:cTn id="49" presetID="1" presetClass="entr" presetSubtype="0" fill="hold" nodeType="withEffect">
+                                <p:cTn id="47" presetID="1" presetClass="entr" presetSubtype="0" fill="hold" nodeType="withEffect">
                                   <p:stCondLst>
                                     <p:cond delay="0"/>
                                   </p:stCondLst>
                                   <p:childTnLst>
                                     <p:set>
                                       <p:cBhvr>
-                                        <p:cTn id="50" dur="1" fill="hold">
+                                        <p:cTn id="48" dur="1" fill="hold">
                                           <p:stCondLst>
                                             <p:cond delay="0"/>
                                           </p:stCondLst>
@@ -20160,26 +20142,26 @@
                     </p:cTn>
                   </p:par>
                   <p:par>
-                    <p:cTn id="51" fill="hold">
+                    <p:cTn id="49" fill="hold">
                       <p:stCondLst>
                         <p:cond delay="indefinite"/>
                       </p:stCondLst>
                       <p:childTnLst>
                         <p:par>
-                          <p:cTn id="52" fill="hold">
+                          <p:cTn id="50" fill="hold">
                             <p:stCondLst>
                               <p:cond delay="0"/>
                             </p:stCondLst>
                             <p:childTnLst>
                               <p:par>
-                                <p:cTn id="53" presetID="1" presetClass="entr" presetSubtype="0" fill="hold" nodeType="clickEffect">
+                                <p:cTn id="51" presetID="1" presetClass="entr" presetSubtype="0" fill="hold" nodeType="clickEffect">
                                   <p:stCondLst>
                                     <p:cond delay="0"/>
                                   </p:stCondLst>
                                   <p:childTnLst>
                                     <p:set>
                                       <p:cBhvr>
-                                        <p:cTn id="54" dur="1" fill="hold">
+                                        <p:cTn id="52" dur="1" fill="hold">
                                           <p:stCondLst>
                                             <p:cond delay="0"/>
                                           </p:stCondLst>
@@ -20205,19 +20187,46 @@
                     </p:cTn>
                   </p:par>
                   <p:par>
-                    <p:cTn id="55" fill="hold">
+                    <p:cTn id="53" fill="hold">
                       <p:stCondLst>
                         <p:cond delay="indefinite"/>
                       </p:stCondLst>
                       <p:childTnLst>
                         <p:par>
-                          <p:cTn id="56" fill="hold">
+                          <p:cTn id="54" fill="hold">
                             <p:stCondLst>
                               <p:cond delay="0"/>
                             </p:stCondLst>
                             <p:childTnLst>
                               <p:par>
-                                <p:cTn id="57" presetID="1" presetClass="entr" presetSubtype="0" fill="hold" nodeType="clickEffect">
+                                <p:cTn id="55" presetID="1" presetClass="entr" presetSubtype="0" fill="hold" nodeType="clickEffect">
+                                  <p:stCondLst>
+                                    <p:cond delay="0"/>
+                                  </p:stCondLst>
+                                  <p:childTnLst>
+                                    <p:set>
+                                      <p:cBhvr>
+                                        <p:cTn id="56" dur="1" fill="hold">
+                                          <p:stCondLst>
+                                            <p:cond delay="0"/>
+                                          </p:stCondLst>
+                                        </p:cTn>
+                                        <p:tgtEl>
+                                          <p:spTgt spid="40"/>
+                                        </p:tgtEl>
+                                        <p:attrNameLst>
+                                          <p:attrName>style.visibility</p:attrName>
+                                        </p:attrNameLst>
+                                      </p:cBhvr>
+                                      <p:to>
+                                        <p:strVal val="visible"/>
+                                      </p:to>
+                                    </p:set>
+                                  </p:childTnLst>
+                                </p:cTn>
+                              </p:par>
+                              <p:par>
+                                <p:cTn id="57" presetID="1" presetClass="entr" presetSubtype="0" fill="hold" grpId="0" nodeType="withEffect">
                                   <p:stCondLst>
                                     <p:cond delay="0"/>
                                   </p:stCondLst>
@@ -20230,7 +20239,7 @@
                                           </p:stCondLst>
                                         </p:cTn>
                                         <p:tgtEl>
-                                          <p:spTgt spid="40"/>
+                                          <p:spTgt spid="62"/>
                                         </p:tgtEl>
                                         <p:attrNameLst>
                                           <p:attrName>style.visibility</p:attrName>
@@ -20257,33 +20266,6 @@
                                           </p:stCondLst>
                                         </p:cTn>
                                         <p:tgtEl>
-                                          <p:spTgt spid="62"/>
-                                        </p:tgtEl>
-                                        <p:attrNameLst>
-                                          <p:attrName>style.visibility</p:attrName>
-                                        </p:attrNameLst>
-                                      </p:cBhvr>
-                                      <p:to>
-                                        <p:strVal val="visible"/>
-                                      </p:to>
-                                    </p:set>
-                                  </p:childTnLst>
-                                </p:cTn>
-                              </p:par>
-                              <p:par>
-                                <p:cTn id="61" presetID="1" presetClass="entr" presetSubtype="0" fill="hold" grpId="0" nodeType="withEffect">
-                                  <p:stCondLst>
-                                    <p:cond delay="0"/>
-                                  </p:stCondLst>
-                                  <p:childTnLst>
-                                    <p:set>
-                                      <p:cBhvr>
-                                        <p:cTn id="62" dur="1" fill="hold">
-                                          <p:stCondLst>
-                                            <p:cond delay="0"/>
-                                          </p:stCondLst>
-                                        </p:cTn>
-                                        <p:tgtEl>
                                           <p:spTgt spid="63"/>
                                         </p:tgtEl>
                                         <p:attrNameLst>
@@ -20304,26 +20286,26 @@
                     </p:cTn>
                   </p:par>
                   <p:par>
-                    <p:cTn id="63" fill="hold">
+                    <p:cTn id="61" fill="hold">
                       <p:stCondLst>
                         <p:cond delay="indefinite"/>
                       </p:stCondLst>
                       <p:childTnLst>
                         <p:par>
-                          <p:cTn id="64" fill="hold">
+                          <p:cTn id="62" fill="hold">
                             <p:stCondLst>
                               <p:cond delay="0"/>
                             </p:stCondLst>
                             <p:childTnLst>
                               <p:par>
-                                <p:cTn id="65" presetID="1" presetClass="entr" presetSubtype="0" fill="hold" grpId="0" nodeType="clickEffect">
+                                <p:cTn id="63" presetID="1" presetClass="entr" presetSubtype="0" fill="hold" grpId="0" nodeType="clickEffect">
                                   <p:stCondLst>
                                     <p:cond delay="0"/>
                                   </p:stCondLst>
                                   <p:childTnLst>
                                     <p:set>
                                       <p:cBhvr>
-                                        <p:cTn id="66" dur="1" fill="hold">
+                                        <p:cTn id="64" dur="1" fill="hold">
                                           <p:stCondLst>
                                             <p:cond delay="0"/>
                                           </p:stCondLst>
@@ -20353,26 +20335,26 @@
                     </p:cTn>
                   </p:par>
                   <p:par>
-                    <p:cTn id="67" fill="hold">
+                    <p:cTn id="65" fill="hold">
                       <p:stCondLst>
                         <p:cond delay="indefinite"/>
                       </p:stCondLst>
                       <p:childTnLst>
                         <p:par>
-                          <p:cTn id="68" fill="hold">
+                          <p:cTn id="66" fill="hold">
                             <p:stCondLst>
                               <p:cond delay="0"/>
                             </p:stCondLst>
                             <p:childTnLst>
                               <p:par>
-                                <p:cTn id="69" presetID="1" presetClass="entr" presetSubtype="0" fill="hold" grpId="0" nodeType="clickEffect">
+                                <p:cTn id="67" presetID="1" presetClass="entr" presetSubtype="0" fill="hold" grpId="0" nodeType="clickEffect">
                                   <p:stCondLst>
                                     <p:cond delay="0"/>
                                   </p:stCondLst>
                                   <p:childTnLst>
                                     <p:set>
                                       <p:cBhvr>
-                                        <p:cTn id="70" dur="1" fill="hold">
+                                        <p:cTn id="68" dur="1" fill="hold">
                                           <p:stCondLst>
                                             <p:cond delay="0"/>
                                           </p:stCondLst>
@@ -20396,14 +20378,14 @@
                                 </p:cTn>
                               </p:par>
                               <p:par>
-                                <p:cTn id="71" presetID="1" presetClass="entr" presetSubtype="0" fill="hold" grpId="0" nodeType="withEffect">
+                                <p:cTn id="69" presetID="1" presetClass="entr" presetSubtype="0" fill="hold" grpId="0" nodeType="withEffect">
                                   <p:stCondLst>
                                     <p:cond delay="0"/>
                                   </p:stCondLst>
                                   <p:childTnLst>
                                     <p:set>
                                       <p:cBhvr>
-                                        <p:cTn id="72" dur="1" fill="hold">
+                                        <p:cTn id="70" dur="1" fill="hold">
                                           <p:stCondLst>
                                             <p:cond delay="0"/>
                                           </p:stCondLst>
@@ -20427,14 +20409,14 @@
                                 </p:cTn>
                               </p:par>
                               <p:par>
-                                <p:cTn id="73" presetID="1" presetClass="entr" presetSubtype="0" fill="hold" grpId="0" nodeType="withEffect">
+                                <p:cTn id="71" presetID="1" presetClass="entr" presetSubtype="0" fill="hold" grpId="0" nodeType="withEffect">
                                   <p:stCondLst>
                                     <p:cond delay="0"/>
                                   </p:stCondLst>
                                   <p:childTnLst>
                                     <p:set>
                                       <p:cBhvr>
-                                        <p:cTn id="74" dur="1" fill="hold">
+                                        <p:cTn id="72" dur="1" fill="hold">
                                           <p:stCondLst>
                                             <p:cond delay="0"/>
                                           </p:stCondLst>
@@ -20507,7 +20489,7 @@
         <p:cNvPr id="1" name="">
           <a:extLst>
             <a:ext uri="{FF2B5EF4-FFF2-40B4-BE49-F238E27FC236}">
-              <a16:creationId xmlns:a16="http://schemas.microsoft.com/office/drawing/2014/main" id="{48BDBFD8-7FF3-1BDE-B570-EF4B1B4472BF}"/>
+              <a16:creationId xmlns:a16="http://schemas.microsoft.com/office/drawing/2014/main" id="{67F14ECF-AD44-7067-2D6F-853307EA2222}"/>
             </a:ext>
           </a:extLst>
         </p:cNvPr>
@@ -20527,7 +20509,7 @@
           <p:cNvPr id="42" name="Groupe 41">
             <a:extLst>
               <a:ext uri="{FF2B5EF4-FFF2-40B4-BE49-F238E27FC236}">
-                <a16:creationId xmlns:a16="http://schemas.microsoft.com/office/drawing/2014/main" id="{D519628B-5FED-51C2-64F7-CC7CE46121B8}"/>
+                <a16:creationId xmlns:a16="http://schemas.microsoft.com/office/drawing/2014/main" id="{3C64E623-0710-02AD-4178-2B03F0624959}"/>
               </a:ext>
             </a:extLst>
           </p:cNvPr>
@@ -20536,7 +20518,7 @@
         </p:nvGrpSpPr>
         <p:grpSpPr>
           <a:xfrm>
-            <a:off x="1764194" y="3048000"/>
+            <a:off x="2360448" y="1163549"/>
             <a:ext cx="6262124" cy="1674246"/>
             <a:chOff x="1764194" y="3048000"/>
             <a:chExt cx="6262124" cy="1674246"/>
@@ -20547,7 +20529,7 @@
             <p:cNvPr id="17" name="ZoneTexte 16">
               <a:extLst>
                 <a:ext uri="{FF2B5EF4-FFF2-40B4-BE49-F238E27FC236}">
-                  <a16:creationId xmlns:a16="http://schemas.microsoft.com/office/drawing/2014/main" id="{F87FB202-D47A-9920-2F00-F1764BCC09F7}"/>
+                  <a16:creationId xmlns:a16="http://schemas.microsoft.com/office/drawing/2014/main" id="{7A3737C3-213A-3A90-59F5-A3549FAA4801}"/>
                 </a:ext>
               </a:extLst>
             </p:cNvPr>
@@ -20586,7 +20568,6 @@
             </a:bodyPr>
             <a:lstStyle/>
             <a:p>
-              <a:pPr algn="ctr"/>
               <a:r>
                 <a:rPr lang="fr-FR" b="1" dirty="0" err="1"/>
                 <a:t>Streamlit</a:t>
@@ -20603,7 +20584,7 @@
             <p:cNvPr id="41" name="Image 40" descr="Une image contenant symbole, Graphique, clipart, conception&#10;&#10;Le contenu généré par l’IA peut être incorrect.">
               <a:extLst>
                 <a:ext uri="{FF2B5EF4-FFF2-40B4-BE49-F238E27FC236}">
-                  <a16:creationId xmlns:a16="http://schemas.microsoft.com/office/drawing/2014/main" id="{8BA07AD8-A29E-C65D-83D3-4D36BC073B77}"/>
+                  <a16:creationId xmlns:a16="http://schemas.microsoft.com/office/drawing/2014/main" id="{46AEB8CB-B901-92B5-EC8A-F6B7BEA967AC}"/>
                 </a:ext>
               </a:extLst>
             </p:cNvPr>
@@ -20634,7 +20615,7 @@
           <p:cNvPr id="2" name="Titre 1">
             <a:extLst>
               <a:ext uri="{FF2B5EF4-FFF2-40B4-BE49-F238E27FC236}">
-                <a16:creationId xmlns:a16="http://schemas.microsoft.com/office/drawing/2014/main" id="{D48241B3-3750-B0BD-41F4-36648DAE1D10}"/>
+                <a16:creationId xmlns:a16="http://schemas.microsoft.com/office/drawing/2014/main" id="{8CEE2EEE-D24C-8C17-2FEB-6320BFC5F431}"/>
               </a:ext>
             </a:extLst>
           </p:cNvPr>
@@ -20668,7 +20649,7 @@
           <p:cNvPr id="3" name="Espace réservé de la date 2">
             <a:extLst>
               <a:ext uri="{FF2B5EF4-FFF2-40B4-BE49-F238E27FC236}">
-                <a16:creationId xmlns:a16="http://schemas.microsoft.com/office/drawing/2014/main" id="{B975202B-B635-2A0D-438D-2B4CA943E68F}"/>
+                <a16:creationId xmlns:a16="http://schemas.microsoft.com/office/drawing/2014/main" id="{469C637B-98FC-3680-CE13-088FD0ACAA07}"/>
               </a:ext>
             </a:extLst>
           </p:cNvPr>
@@ -20701,7 +20682,7 @@
           <p:cNvPr id="4" name="Espace réservé du pied de page 3">
             <a:extLst>
               <a:ext uri="{FF2B5EF4-FFF2-40B4-BE49-F238E27FC236}">
-                <a16:creationId xmlns:a16="http://schemas.microsoft.com/office/drawing/2014/main" id="{5B09DB82-C56C-2E5D-96AF-2AA7E01D49BD}"/>
+                <a16:creationId xmlns:a16="http://schemas.microsoft.com/office/drawing/2014/main" id="{6012C39F-FA4C-1A82-8449-ED58FAA10D83}"/>
               </a:ext>
             </a:extLst>
           </p:cNvPr>
@@ -20735,7 +20716,7 @@
           <p:cNvPr id="5" name="Espace réservé du numéro de diapositive 4">
             <a:extLst>
               <a:ext uri="{FF2B5EF4-FFF2-40B4-BE49-F238E27FC236}">
-                <a16:creationId xmlns:a16="http://schemas.microsoft.com/office/drawing/2014/main" id="{3F060DE5-1E00-54E7-8810-4D6CE849E9E0}"/>
+                <a16:creationId xmlns:a16="http://schemas.microsoft.com/office/drawing/2014/main" id="{DC1A1AB6-7BC5-2DC9-1D78-C97550399DEC}"/>
               </a:ext>
             </a:extLst>
           </p:cNvPr>
@@ -20765,87 +20746,12 @@
           </a:p>
         </p:txBody>
       </p:sp>
-      <p:sp>
-        <p:nvSpPr>
-          <p:cNvPr id="6" name="Espace réservé du contenu 5">
-            <a:extLst>
-              <a:ext uri="{FF2B5EF4-FFF2-40B4-BE49-F238E27FC236}">
-                <a16:creationId xmlns:a16="http://schemas.microsoft.com/office/drawing/2014/main" id="{16740E6D-D947-F4A1-6908-45D0C41197C2}"/>
-              </a:ext>
-            </a:extLst>
-          </p:cNvPr>
-          <p:cNvSpPr>
-            <a:spLocks noGrp="1"/>
-          </p:cNvSpPr>
-          <p:nvPr>
-            <p:ph sz="quarter" idx="16"/>
-          </p:nvPr>
-        </p:nvSpPr>
-        <p:spPr>
-          <a:xfrm>
-            <a:off x="838200" y="1198563"/>
-            <a:ext cx="11353800" cy="4900612"/>
-          </a:xfrm>
-        </p:spPr>
-        <p:txBody>
-          <a:bodyPr/>
-          <a:lstStyle/>
-          <a:p>
-            <a:r>
-              <a:rPr lang="fr-FR" dirty="0" err="1"/>
-              <a:t>Streamlit</a:t>
-            </a:r>
-            <a:r>
-              <a:rPr lang="fr-FR" dirty="0"/>
-              <a:t> </a:t>
-            </a:r>
-            <a:r>
-              <a:rPr lang="fr-FR" dirty="0" err="1"/>
-              <a:t>FrontEnd</a:t>
-            </a:r>
-            <a:endParaRPr lang="fr-FR" dirty="0"/>
-          </a:p>
-          <a:p>
-            <a:pPr lvl="1"/>
-            <a:r>
-              <a:rPr lang="fr-FR" dirty="0"/>
-              <a:t>Affiche les images avec les prédictions du modèle</a:t>
-            </a:r>
-          </a:p>
-          <a:p>
-            <a:pPr lvl="1"/>
-            <a:r>
-              <a:rPr lang="fr-FR" dirty="0"/>
-              <a:t>Propose à l’utilisateur de pouvoir </a:t>
-            </a:r>
-            <a:r>
-              <a:rPr lang="fr-FR" b="1" dirty="0"/>
-              <a:t>valider ou corriger les prédictions</a:t>
-            </a:r>
-          </a:p>
-          <a:p>
-            <a:pPr lvl="1"/>
-            <a:r>
-              <a:rPr lang="fr-FR" dirty="0"/>
-              <a:t>Publie </a:t>
-            </a:r>
-            <a:r>
-              <a:rPr lang="fr-FR" b="1" dirty="0"/>
-              <a:t>Feedback User </a:t>
-            </a:r>
-            <a:r>
-              <a:rPr lang="fr-FR" dirty="0"/>
-              <a:t>dans S3 depuis une BDD interne (MongoDB)</a:t>
-            </a:r>
-          </a:p>
-        </p:txBody>
-      </p:sp>
       <p:grpSp>
         <p:nvGrpSpPr>
           <p:cNvPr id="7" name="Groupe 6">
             <a:extLst>
               <a:ext uri="{FF2B5EF4-FFF2-40B4-BE49-F238E27FC236}">
-                <a16:creationId xmlns:a16="http://schemas.microsoft.com/office/drawing/2014/main" id="{CF00A5F4-7092-ABB3-79B4-6DEDF1A246C3}"/>
+                <a16:creationId xmlns:a16="http://schemas.microsoft.com/office/drawing/2014/main" id="{A97068AC-920B-ABCF-0C84-DFA8F85FE64B}"/>
               </a:ext>
             </a:extLst>
           </p:cNvPr>
@@ -20854,7 +20760,7 @@
         </p:nvGrpSpPr>
         <p:grpSpPr>
           <a:xfrm>
-            <a:off x="1876598" y="4736648"/>
+            <a:off x="2472852" y="2852197"/>
             <a:ext cx="1613134" cy="681771"/>
             <a:chOff x="10283338" y="1022096"/>
             <a:chExt cx="1613134" cy="671329"/>
@@ -20865,7 +20771,7 @@
             <p:cNvPr id="8" name="Connecteur droit avec flèche 7">
               <a:extLst>
                 <a:ext uri="{FF2B5EF4-FFF2-40B4-BE49-F238E27FC236}">
-                  <a16:creationId xmlns:a16="http://schemas.microsoft.com/office/drawing/2014/main" id="{DFBA96FD-D046-0338-B26B-15AE9CE5126A}"/>
+                  <a16:creationId xmlns:a16="http://schemas.microsoft.com/office/drawing/2014/main" id="{324D1BB7-49F8-1461-2CAE-0AC8C9308D34}"/>
                 </a:ext>
               </a:extLst>
             </p:cNvPr>
@@ -20912,7 +20818,7 @@
             <p:cNvPr id="9" name="ZoneTexte 8">
               <a:extLst>
                 <a:ext uri="{FF2B5EF4-FFF2-40B4-BE49-F238E27FC236}">
-                  <a16:creationId xmlns:a16="http://schemas.microsoft.com/office/drawing/2014/main" id="{0929AF48-7CE7-71B0-E6FA-C8E3CE000C2B}"/>
+                  <a16:creationId xmlns:a16="http://schemas.microsoft.com/office/drawing/2014/main" id="{7C79B8DF-46D9-66FC-1F09-C4A5D546543D}"/>
                 </a:ext>
               </a:extLst>
             </p:cNvPr>
@@ -20984,7 +20890,7 @@
           <p:cNvPr id="10" name="Groupe 9">
             <a:extLst>
               <a:ext uri="{FF2B5EF4-FFF2-40B4-BE49-F238E27FC236}">
-                <a16:creationId xmlns:a16="http://schemas.microsoft.com/office/drawing/2014/main" id="{4AF79747-5BFC-67EE-0C06-3C54D5A07D66}"/>
+                <a16:creationId xmlns:a16="http://schemas.microsoft.com/office/drawing/2014/main" id="{688DDC96-4D85-1BC0-0E8D-47A21CFE1222}"/>
               </a:ext>
             </a:extLst>
           </p:cNvPr>
@@ -20993,7 +20899,7 @@
         </p:nvGrpSpPr>
         <p:grpSpPr>
           <a:xfrm>
-            <a:off x="1764194" y="5430203"/>
+            <a:off x="2360448" y="3545752"/>
             <a:ext cx="6250152" cy="542613"/>
             <a:chOff x="539213" y="1428401"/>
             <a:chExt cx="6250152" cy="542613"/>
@@ -21004,7 +20910,7 @@
             <p:cNvPr id="11" name="ZoneTexte 10">
               <a:extLst>
                 <a:ext uri="{FF2B5EF4-FFF2-40B4-BE49-F238E27FC236}">
-                  <a16:creationId xmlns:a16="http://schemas.microsoft.com/office/drawing/2014/main" id="{8C7AB29C-CBF8-BA67-67A4-B590057BC97D}"/>
+                  <a16:creationId xmlns:a16="http://schemas.microsoft.com/office/drawing/2014/main" id="{D29F1AD2-F168-ECE0-1199-BDA2F7026257}"/>
                 </a:ext>
               </a:extLst>
             </p:cNvPr>
@@ -21043,7 +20949,6 @@
             </a:bodyPr>
             <a:lstStyle/>
             <a:p>
-              <a:pPr algn="ctr"/>
               <a:r>
                 <a:rPr lang="fr-FR" b="1" dirty="0" err="1"/>
                 <a:t>Predict-Orchestrator</a:t>
@@ -21057,7 +20962,7 @@
             <p:cNvPr id="12" name="Image 11" descr="Une image contenant symbole, Graphique, clipart, conception&#10;&#10;Le contenu généré par l’IA peut être incorrect.">
               <a:extLst>
                 <a:ext uri="{FF2B5EF4-FFF2-40B4-BE49-F238E27FC236}">
-                  <a16:creationId xmlns:a16="http://schemas.microsoft.com/office/drawing/2014/main" id="{CEC15474-7AEE-BED3-5EE2-41B3F37B2006}"/>
+                  <a16:creationId xmlns:a16="http://schemas.microsoft.com/office/drawing/2014/main" id="{CCA8D0D9-3968-644B-C78D-E284978C21FB}"/>
                 </a:ext>
               </a:extLst>
             </p:cNvPr>
@@ -21088,7 +20993,7 @@
           <p:cNvPr id="13" name="Groupe 12">
             <a:extLst>
               <a:ext uri="{FF2B5EF4-FFF2-40B4-BE49-F238E27FC236}">
-                <a16:creationId xmlns:a16="http://schemas.microsoft.com/office/drawing/2014/main" id="{5FF02C70-7A0E-644B-2E7B-EACDE1ED0C3A}"/>
+                <a16:creationId xmlns:a16="http://schemas.microsoft.com/office/drawing/2014/main" id="{260872C0-5A23-35CE-E6DB-F4CC5417227A}"/>
               </a:ext>
             </a:extLst>
           </p:cNvPr>
@@ -21097,10 +21002,10 @@
         </p:nvGrpSpPr>
         <p:grpSpPr>
           <a:xfrm>
-            <a:off x="3752374" y="4723738"/>
-            <a:ext cx="596631" cy="687060"/>
+            <a:off x="4348628" y="2839287"/>
+            <a:ext cx="596630" cy="637169"/>
             <a:chOff x="9704996" y="1064105"/>
-            <a:chExt cx="1675656" cy="675248"/>
+            <a:chExt cx="1675653" cy="626215"/>
           </a:xfrm>
         </p:grpSpPr>
         <p:cxnSp>
@@ -21108,7 +21013,7 @@
             <p:cNvPr id="14" name="Connecteur droit avec flèche 13">
               <a:extLst>
                 <a:ext uri="{FF2B5EF4-FFF2-40B4-BE49-F238E27FC236}">
-                  <a16:creationId xmlns:a16="http://schemas.microsoft.com/office/drawing/2014/main" id="{C67DB3B5-EEA6-A5C5-1769-82DE24777DD2}"/>
+                  <a16:creationId xmlns:a16="http://schemas.microsoft.com/office/drawing/2014/main" id="{F2BF7E90-FC2A-FDD7-089C-046AA96E62B9}"/>
                 </a:ext>
               </a:extLst>
             </p:cNvPr>
@@ -21155,7 +21060,7 @@
             <p:cNvPr id="15" name="ZoneTexte 14">
               <a:extLst>
                 <a:ext uri="{FF2B5EF4-FFF2-40B4-BE49-F238E27FC236}">
-                  <a16:creationId xmlns:a16="http://schemas.microsoft.com/office/drawing/2014/main" id="{059198E2-AC16-84C9-83A1-DBA260C8733E}"/>
+                  <a16:creationId xmlns:a16="http://schemas.microsoft.com/office/drawing/2014/main" id="{9F6631E2-C452-6846-31EE-0D66D425AF29}"/>
                 </a:ext>
               </a:extLst>
             </p:cNvPr>
@@ -21165,7 +21070,7 @@
           <p:spPr>
             <a:xfrm>
               <a:off x="9749997" y="1245390"/>
-              <a:ext cx="1630655" cy="493963"/>
+              <a:ext cx="1630652" cy="302486"/>
             </a:xfrm>
             <a:prstGeom prst="rect">
               <a:avLst/>
@@ -21195,7 +21100,7 @@
           <p:cNvPr id="26" name="Groupe 25">
             <a:extLst>
               <a:ext uri="{FF2B5EF4-FFF2-40B4-BE49-F238E27FC236}">
-                <a16:creationId xmlns:a16="http://schemas.microsoft.com/office/drawing/2014/main" id="{820E8C84-BC6F-8DB0-2673-0B32E2CA65EB}"/>
+                <a16:creationId xmlns:a16="http://schemas.microsoft.com/office/drawing/2014/main" id="{7E2E7517-1830-EC65-7C29-6C36D45AE6E7}"/>
               </a:ext>
             </a:extLst>
           </p:cNvPr>
@@ -21204,7 +21109,7 @@
         </p:nvGrpSpPr>
         <p:grpSpPr>
           <a:xfrm>
-            <a:off x="5071770" y="4746735"/>
+            <a:off x="5668024" y="2862284"/>
             <a:ext cx="1511311" cy="681771"/>
             <a:chOff x="10307639" y="1022096"/>
             <a:chExt cx="1511311" cy="671329"/>
@@ -21215,7 +21120,7 @@
             <p:cNvPr id="27" name="Connecteur droit avec flèche 26">
               <a:extLst>
                 <a:ext uri="{FF2B5EF4-FFF2-40B4-BE49-F238E27FC236}">
-                  <a16:creationId xmlns:a16="http://schemas.microsoft.com/office/drawing/2014/main" id="{F536788D-44E6-6D3A-B5F7-63C363113B99}"/>
+                  <a16:creationId xmlns:a16="http://schemas.microsoft.com/office/drawing/2014/main" id="{B6DA11F5-35ED-8F77-E07A-F639EFAFF0E4}"/>
                 </a:ext>
               </a:extLst>
             </p:cNvPr>
@@ -21262,7 +21167,7 @@
             <p:cNvPr id="28" name="ZoneTexte 27">
               <a:extLst>
                 <a:ext uri="{FF2B5EF4-FFF2-40B4-BE49-F238E27FC236}">
-                  <a16:creationId xmlns:a16="http://schemas.microsoft.com/office/drawing/2014/main" id="{8D94CA1E-E1DD-A374-05CB-D5AB065F1E69}"/>
+                  <a16:creationId xmlns:a16="http://schemas.microsoft.com/office/drawing/2014/main" id="{F027E9E0-8E12-C063-D168-EC5868B0F7A5}"/>
                 </a:ext>
               </a:extLst>
             </p:cNvPr>
@@ -21357,7 +21262,7 @@
           <p:cNvPr id="29" name="Groupe 28">
             <a:extLst>
               <a:ext uri="{FF2B5EF4-FFF2-40B4-BE49-F238E27FC236}">
-                <a16:creationId xmlns:a16="http://schemas.microsoft.com/office/drawing/2014/main" id="{E134536C-B79B-246B-E264-EEAD07F0F848}"/>
+                <a16:creationId xmlns:a16="http://schemas.microsoft.com/office/drawing/2014/main" id="{92BEF7C8-B78E-1BCA-D2E0-7162D8F34935}"/>
               </a:ext>
             </a:extLst>
           </p:cNvPr>
@@ -21366,7 +21271,7 @@
         </p:nvGrpSpPr>
         <p:grpSpPr>
           <a:xfrm>
-            <a:off x="6657057" y="4754224"/>
+            <a:off x="7253311" y="2869773"/>
             <a:ext cx="1747459" cy="637169"/>
             <a:chOff x="9704996" y="1064105"/>
             <a:chExt cx="4907792" cy="626215"/>
@@ -21377,7 +21282,7 @@
             <p:cNvPr id="30" name="Connecteur droit avec flèche 29">
               <a:extLst>
                 <a:ext uri="{FF2B5EF4-FFF2-40B4-BE49-F238E27FC236}">
-                  <a16:creationId xmlns:a16="http://schemas.microsoft.com/office/drawing/2014/main" id="{82EBA814-F909-1B52-EC3A-2871514C6373}"/>
+                  <a16:creationId xmlns:a16="http://schemas.microsoft.com/office/drawing/2014/main" id="{8A2B3D1E-086F-A5E5-A730-60D3650993A7}"/>
                 </a:ext>
               </a:extLst>
             </p:cNvPr>
@@ -21424,7 +21329,7 @@
             <p:cNvPr id="31" name="ZoneTexte 30">
               <a:extLst>
                 <a:ext uri="{FF2B5EF4-FFF2-40B4-BE49-F238E27FC236}">
-                  <a16:creationId xmlns:a16="http://schemas.microsoft.com/office/drawing/2014/main" id="{16A5E46D-449A-7870-4D99-00225A982E54}"/>
+                  <a16:creationId xmlns:a16="http://schemas.microsoft.com/office/drawing/2014/main" id="{4C9F34EC-9CF0-63C7-F079-B6B59EB71D63}"/>
                 </a:ext>
               </a:extLst>
             </p:cNvPr>
@@ -21477,7 +21382,7 @@
           <p:cNvPr id="32" name="Groupe 31">
             <a:extLst>
               <a:ext uri="{FF2B5EF4-FFF2-40B4-BE49-F238E27FC236}">
-                <a16:creationId xmlns:a16="http://schemas.microsoft.com/office/drawing/2014/main" id="{375D3A33-8F72-CF42-619E-1715F8D1C8C6}"/>
+                <a16:creationId xmlns:a16="http://schemas.microsoft.com/office/drawing/2014/main" id="{486E9228-BD1F-8C4D-70C7-1087F6C8E44F}"/>
               </a:ext>
             </a:extLst>
           </p:cNvPr>
@@ -21486,7 +21391,7 @@
         </p:nvGrpSpPr>
         <p:grpSpPr>
           <a:xfrm>
-            <a:off x="4783919" y="3465086"/>
+            <a:off x="5380173" y="1580635"/>
             <a:ext cx="2272738" cy="1061202"/>
             <a:chOff x="4447760" y="5066581"/>
             <a:chExt cx="2272738" cy="1061202"/>
@@ -21497,7 +21402,7 @@
             <p:cNvPr id="33" name="Graphique 32" descr="Base de données avec un remplissage uni">
               <a:extLst>
                 <a:ext uri="{FF2B5EF4-FFF2-40B4-BE49-F238E27FC236}">
-                  <a16:creationId xmlns:a16="http://schemas.microsoft.com/office/drawing/2014/main" id="{451FD8F5-7D7B-B332-5375-149235E51215}"/>
+                  <a16:creationId xmlns:a16="http://schemas.microsoft.com/office/drawing/2014/main" id="{E75BB7B8-5A00-B10A-6043-AB61F14F9A06}"/>
                 </a:ext>
               </a:extLst>
             </p:cNvPr>
@@ -21533,7 +21438,7 @@
             <p:cNvPr id="34" name="ZoneTexte 33">
               <a:extLst>
                 <a:ext uri="{FF2B5EF4-FFF2-40B4-BE49-F238E27FC236}">
-                  <a16:creationId xmlns:a16="http://schemas.microsoft.com/office/drawing/2014/main" id="{CB30D413-846D-E735-BA6B-352892A53A4E}"/>
+                  <a16:creationId xmlns:a16="http://schemas.microsoft.com/office/drawing/2014/main" id="{13104689-2032-58D5-5E11-5268BFB023F3}"/>
                 </a:ext>
               </a:extLst>
             </p:cNvPr>
@@ -21556,7 +21461,6 @@
             </a:bodyPr>
             <a:lstStyle/>
             <a:p>
-              <a:pPr algn="ctr"/>
               <a:r>
                 <a:rPr lang="fr-FR" sz="1200" b="1" dirty="0">
                   <a:solidFill>
@@ -21569,7 +21473,6 @@
               </a:r>
             </a:p>
             <a:p>
-              <a:pPr algn="ctr"/>
               <a:r>
                 <a:rPr lang="fr-FR" sz="1200" dirty="0">
                   <a:solidFill>
@@ -21589,7 +21492,7 @@
           <p:cNvPr id="36" name="Groupe 35">
             <a:extLst>
               <a:ext uri="{FF2B5EF4-FFF2-40B4-BE49-F238E27FC236}">
-                <a16:creationId xmlns:a16="http://schemas.microsoft.com/office/drawing/2014/main" id="{4D6879EA-3ABD-4776-E0FE-E206844A48FF}"/>
+                <a16:creationId xmlns:a16="http://schemas.microsoft.com/office/drawing/2014/main" id="{7A268938-366D-60B3-6CD4-8319571B39CB}"/>
               </a:ext>
             </a:extLst>
           </p:cNvPr>
@@ -21598,7 +21501,7 @@
         </p:nvGrpSpPr>
         <p:grpSpPr>
           <a:xfrm>
-            <a:off x="8498045" y="3577347"/>
+            <a:off x="9094299" y="1692896"/>
             <a:ext cx="1310102" cy="960591"/>
             <a:chOff x="8106314" y="3786269"/>
             <a:chExt cx="1646040" cy="1166981"/>
@@ -21609,7 +21512,7 @@
             <p:cNvPr id="37" name="ZoneTexte 36">
               <a:extLst>
                 <a:ext uri="{FF2B5EF4-FFF2-40B4-BE49-F238E27FC236}">
-                  <a16:creationId xmlns:a16="http://schemas.microsoft.com/office/drawing/2014/main" id="{10D9D821-7F1D-71C7-367B-EAA81A30D46B}"/>
+                  <a16:creationId xmlns:a16="http://schemas.microsoft.com/office/drawing/2014/main" id="{59897E9F-9D72-9A7D-C6A3-4887C574F10D}"/>
                 </a:ext>
               </a:extLst>
             </p:cNvPr>
@@ -21650,7 +21553,7 @@
             <p:cNvPr id="38" name="Image 37" descr="Une image contenant Graphique, conception&#10;&#10;Le contenu généré par l’IA peut être incorrect.">
               <a:extLst>
                 <a:ext uri="{FF2B5EF4-FFF2-40B4-BE49-F238E27FC236}">
-                  <a16:creationId xmlns:a16="http://schemas.microsoft.com/office/drawing/2014/main" id="{B17887D6-CE2D-FAC8-8C1B-6FCEC9AD077E}"/>
+                  <a16:creationId xmlns:a16="http://schemas.microsoft.com/office/drawing/2014/main" id="{2699257E-E73C-A05C-3DDF-ECA3F82DF391}"/>
                 </a:ext>
               </a:extLst>
             </p:cNvPr>
@@ -21680,7 +21583,7 @@
           <p:cNvPr id="39" name="Flèche : bas 38">
             <a:extLst>
               <a:ext uri="{FF2B5EF4-FFF2-40B4-BE49-F238E27FC236}">
-                <a16:creationId xmlns:a16="http://schemas.microsoft.com/office/drawing/2014/main" id="{11E04734-5B86-F71B-E1B1-925D291E120A}"/>
+                <a16:creationId xmlns:a16="http://schemas.microsoft.com/office/drawing/2014/main" id="{1486061F-9F9F-768B-E135-3717582366D9}"/>
               </a:ext>
             </a:extLst>
           </p:cNvPr>
@@ -21689,7 +21592,7 @@
         </p:nvSpPr>
         <p:spPr>
           <a:xfrm rot="16200000">
-            <a:off x="7465728" y="2838551"/>
+            <a:off x="8061982" y="954100"/>
             <a:ext cx="156115" cy="2470388"/>
           </a:xfrm>
           <a:prstGeom prst="downArrow">
@@ -21727,15 +21630,89 @@
           <a:bodyPr rtlCol="0" anchor="ctr"/>
           <a:lstStyle/>
           <a:p>
-            <a:pPr algn="ctr"/>
             <a:endParaRPr lang="fr-FR" dirty="0"/>
+          </a:p>
+        </p:txBody>
+      </p:sp>
+      <p:sp>
+        <p:nvSpPr>
+          <p:cNvPr id="19" name="Espace réservé du contenu 5">
+            <a:extLst>
+              <a:ext uri="{FF2B5EF4-FFF2-40B4-BE49-F238E27FC236}">
+                <a16:creationId xmlns:a16="http://schemas.microsoft.com/office/drawing/2014/main" id="{DD765F01-4C32-D125-32AC-470D7FA5077B}"/>
+              </a:ext>
+            </a:extLst>
+          </p:cNvPr>
+          <p:cNvSpPr>
+            <a:spLocks noGrp="1"/>
+          </p:cNvSpPr>
+          <p:nvPr>
+            <p:ph sz="quarter" idx="16"/>
+          </p:nvPr>
+        </p:nvSpPr>
+        <p:spPr>
+          <a:xfrm>
+            <a:off x="642937" y="4446072"/>
+            <a:ext cx="11353800" cy="1725970"/>
+          </a:xfrm>
+        </p:spPr>
+        <p:txBody>
+          <a:bodyPr/>
+          <a:lstStyle/>
+          <a:p>
+            <a:r>
+              <a:rPr lang="fr-FR" dirty="0" err="1"/>
+              <a:t>Streamlit</a:t>
+            </a:r>
+            <a:r>
+              <a:rPr lang="fr-FR" dirty="0"/>
+              <a:t> </a:t>
+            </a:r>
+            <a:r>
+              <a:rPr lang="fr-FR" dirty="0" err="1"/>
+              <a:t>FrontEnd</a:t>
+            </a:r>
+            <a:endParaRPr lang="fr-FR" dirty="0"/>
+          </a:p>
+          <a:p>
+            <a:pPr lvl="1"/>
+            <a:r>
+              <a:rPr lang="fr-FR" dirty="0"/>
+              <a:t>Afficher les images avec les prédictions du modèle</a:t>
+            </a:r>
+          </a:p>
+          <a:p>
+            <a:pPr lvl="1"/>
+            <a:r>
+              <a:rPr lang="fr-FR" dirty="0"/>
+              <a:t>Proposer à l’utilisateur de pouvoir </a:t>
+            </a:r>
+            <a:r>
+              <a:rPr lang="fr-FR" b="1" dirty="0"/>
+              <a:t>valider ou corriger les prédictions</a:t>
+            </a:r>
+          </a:p>
+          <a:p>
+            <a:pPr lvl="1"/>
+            <a:r>
+              <a:rPr lang="fr-FR" dirty="0"/>
+              <a:t>Publier </a:t>
+            </a:r>
+            <a:r>
+              <a:rPr lang="fr-FR" b="1" dirty="0"/>
+              <a:t>Feedback User </a:t>
+            </a:r>
+            <a:r>
+              <a:rPr lang="fr-FR" dirty="0"/>
+              <a:t>dans S3 depuis une BDD interne (MongoDB)</a:t>
+            </a:r>
           </a:p>
         </p:txBody>
       </p:sp>
     </p:spTree>
     <p:extLst>
       <p:ext uri="{BB962C8B-B14F-4D97-AF65-F5344CB8AC3E}">
-        <p14:creationId xmlns:p14="http://schemas.microsoft.com/office/powerpoint/2010/main" val="4073593546"/>
+        <p14:creationId xmlns:p14="http://schemas.microsoft.com/office/powerpoint/2010/main" val="3216027775"/>
       </p:ext>
     </p:extLst>
   </p:cSld>
@@ -21776,34 +21753,7 @@
                                           </p:stCondLst>
                                         </p:cTn>
                                         <p:tgtEl>
-                                          <p:spTgt spid="7"/>
-                                        </p:tgtEl>
-                                        <p:attrNameLst>
-                                          <p:attrName>style.visibility</p:attrName>
-                                        </p:attrNameLst>
-                                      </p:cBhvr>
-                                      <p:to>
-                                        <p:strVal val="visible"/>
-                                      </p:to>
-                                    </p:set>
-                                  </p:childTnLst>
-                                </p:cTn>
-                              </p:par>
-                              <p:par>
-                                <p:cTn id="7" presetID="1" presetClass="entr" presetSubtype="0" fill="hold" nodeType="withEffect">
-                                  <p:stCondLst>
-                                    <p:cond delay="0"/>
-                                  </p:stCondLst>
-                                  <p:childTnLst>
-                                    <p:set>
-                                      <p:cBhvr>
-                                        <p:cTn id="8" dur="1" fill="hold">
-                                          <p:stCondLst>
-                                            <p:cond delay="0"/>
-                                          </p:stCondLst>
-                                        </p:cTn>
-                                        <p:tgtEl>
-                                          <p:spTgt spid="13"/>
+                                          <p:spTgt spid="26"/>
                                         </p:tgtEl>
                                         <p:attrNameLst>
                                           <p:attrName>style.visibility</p:attrName>
@@ -21823,19 +21773,46 @@
                     </p:cTn>
                   </p:par>
                   <p:par>
-                    <p:cTn id="9" fill="hold">
+                    <p:cTn id="7" fill="hold">
                       <p:stCondLst>
                         <p:cond delay="indefinite"/>
                       </p:stCondLst>
                       <p:childTnLst>
                         <p:par>
-                          <p:cTn id="10" fill="hold">
+                          <p:cTn id="8" fill="hold">
                             <p:stCondLst>
                               <p:cond delay="0"/>
                             </p:stCondLst>
                             <p:childTnLst>
                               <p:par>
-                                <p:cTn id="11" presetID="1" presetClass="entr" presetSubtype="0" fill="hold" nodeType="clickEffect">
+                                <p:cTn id="9" presetID="1" presetClass="entr" presetSubtype="0" fill="hold" nodeType="clickEffect">
+                                  <p:stCondLst>
+                                    <p:cond delay="0"/>
+                                  </p:stCondLst>
+                                  <p:childTnLst>
+                                    <p:set>
+                                      <p:cBhvr>
+                                        <p:cTn id="10" dur="1" fill="hold">
+                                          <p:stCondLst>
+                                            <p:cond delay="0"/>
+                                          </p:stCondLst>
+                                        </p:cTn>
+                                        <p:tgtEl>
+                                          <p:spTgt spid="29"/>
+                                        </p:tgtEl>
+                                        <p:attrNameLst>
+                                          <p:attrName>style.visibility</p:attrName>
+                                        </p:attrNameLst>
+                                      </p:cBhvr>
+                                      <p:to>
+                                        <p:strVal val="visible"/>
+                                      </p:to>
+                                    </p:set>
+                                  </p:childTnLst>
+                                </p:cTn>
+                              </p:par>
+                              <p:par>
+                                <p:cTn id="11" presetID="1" presetClass="entr" presetSubtype="0" fill="hold" nodeType="withEffect">
                                   <p:stCondLst>
                                     <p:cond delay="0"/>
                                   </p:stCondLst>
@@ -21848,7 +21825,7 @@
                                           </p:stCondLst>
                                         </p:cTn>
                                         <p:tgtEl>
-                                          <p:spTgt spid="26"/>
+                                          <p:spTgt spid="32"/>
                                         </p:tgtEl>
                                         <p:attrNameLst>
                                           <p:attrName>style.visibility</p:attrName>
@@ -21893,7 +21870,7 @@
                                           </p:stCondLst>
                                         </p:cTn>
                                         <p:tgtEl>
-                                          <p:spTgt spid="29"/>
+                                          <p:spTgt spid="36"/>
                                         </p:tgtEl>
                                         <p:attrNameLst>
                                           <p:attrName>style.visibility</p:attrName>
@@ -21907,7 +21884,7 @@
                                 </p:cTn>
                               </p:par>
                               <p:par>
-                                <p:cTn id="17" presetID="1" presetClass="entr" presetSubtype="0" fill="hold" nodeType="withEffect">
+                                <p:cTn id="17" presetID="1" presetClass="entr" presetSubtype="0" fill="hold" grpId="0" nodeType="withEffect">
                                   <p:stCondLst>
                                     <p:cond delay="0"/>
                                   </p:stCondLst>
@@ -21920,7 +21897,7 @@
                                           </p:stCondLst>
                                         </p:cTn>
                                         <p:tgtEl>
-                                          <p:spTgt spid="32"/>
+                                          <p:spTgt spid="39"/>
                                         </p:tgtEl>
                                         <p:attrNameLst>
                                           <p:attrName>style.visibility</p:attrName>
@@ -21952,7 +21929,7 @@
                             </p:stCondLst>
                             <p:childTnLst>
                               <p:par>
-                                <p:cTn id="21" presetID="1" presetClass="entr" presetSubtype="0" fill="hold" nodeType="clickEffect">
+                                <p:cTn id="21" presetID="1" presetClass="entr" presetSubtype="0" fill="hold" grpId="0" nodeType="clickEffect">
                                   <p:stCondLst>
                                     <p:cond delay="0"/>
                                   </p:stCondLst>
@@ -21965,7 +21942,11 @@
                                           </p:stCondLst>
                                         </p:cTn>
                                         <p:tgtEl>
-                                          <p:spTgt spid="36"/>
+                                          <p:spTgt spid="19">
+                                            <p:txEl>
+                                              <p:pRg st="0" end="0"/>
+                                            </p:txEl>
+                                          </p:spTgt>
                                         </p:tgtEl>
                                         <p:attrNameLst>
                                           <p:attrName>style.visibility</p:attrName>
@@ -21978,21 +21959,132 @@
                                   </p:childTnLst>
                                 </p:cTn>
                               </p:par>
+                            </p:childTnLst>
+                          </p:cTn>
+                        </p:par>
+                        <p:par>
+                          <p:cTn id="23" fill="hold">
+                            <p:stCondLst>
+                              <p:cond delay="0"/>
+                            </p:stCondLst>
+                            <p:childTnLst>
                               <p:par>
-                                <p:cTn id="23" presetID="1" presetClass="entr" presetSubtype="0" fill="hold" grpId="0" nodeType="withEffect">
+                                <p:cTn id="24" presetID="1" presetClass="entr" presetSubtype="0" fill="hold" grpId="0" nodeType="afterEffect">
                                   <p:stCondLst>
                                     <p:cond delay="0"/>
                                   </p:stCondLst>
                                   <p:childTnLst>
                                     <p:set>
                                       <p:cBhvr>
-                                        <p:cTn id="24" dur="1" fill="hold">
+                                        <p:cTn id="25" dur="1" fill="hold">
                                           <p:stCondLst>
                                             <p:cond delay="0"/>
                                           </p:stCondLst>
                                         </p:cTn>
                                         <p:tgtEl>
-                                          <p:spTgt spid="39"/>
+                                          <p:spTgt spid="19">
+                                            <p:txEl>
+                                              <p:pRg st="1" end="1"/>
+                                            </p:txEl>
+                                          </p:spTgt>
+                                        </p:tgtEl>
+                                        <p:attrNameLst>
+                                          <p:attrName>style.visibility</p:attrName>
+                                        </p:attrNameLst>
+                                      </p:cBhvr>
+                                      <p:to>
+                                        <p:strVal val="visible"/>
+                                      </p:to>
+                                    </p:set>
+                                  </p:childTnLst>
+                                </p:cTn>
+                              </p:par>
+                            </p:childTnLst>
+                          </p:cTn>
+                        </p:par>
+                      </p:childTnLst>
+                    </p:cTn>
+                  </p:par>
+                  <p:par>
+                    <p:cTn id="26" fill="hold">
+                      <p:stCondLst>
+                        <p:cond delay="indefinite"/>
+                      </p:stCondLst>
+                      <p:childTnLst>
+                        <p:par>
+                          <p:cTn id="27" fill="hold">
+                            <p:stCondLst>
+                              <p:cond delay="0"/>
+                            </p:stCondLst>
+                            <p:childTnLst>
+                              <p:par>
+                                <p:cTn id="28" presetID="1" presetClass="entr" presetSubtype="0" fill="hold" grpId="0" nodeType="clickEffect">
+                                  <p:stCondLst>
+                                    <p:cond delay="0"/>
+                                  </p:stCondLst>
+                                  <p:childTnLst>
+                                    <p:set>
+                                      <p:cBhvr>
+                                        <p:cTn id="29" dur="1" fill="hold">
+                                          <p:stCondLst>
+                                            <p:cond delay="0"/>
+                                          </p:stCondLst>
+                                        </p:cTn>
+                                        <p:tgtEl>
+                                          <p:spTgt spid="19">
+                                            <p:txEl>
+                                              <p:pRg st="2" end="2"/>
+                                            </p:txEl>
+                                          </p:spTgt>
+                                        </p:tgtEl>
+                                        <p:attrNameLst>
+                                          <p:attrName>style.visibility</p:attrName>
+                                        </p:attrNameLst>
+                                      </p:cBhvr>
+                                      <p:to>
+                                        <p:strVal val="visible"/>
+                                      </p:to>
+                                    </p:set>
+                                  </p:childTnLst>
+                                </p:cTn>
+                              </p:par>
+                            </p:childTnLst>
+                          </p:cTn>
+                        </p:par>
+                      </p:childTnLst>
+                    </p:cTn>
+                  </p:par>
+                  <p:par>
+                    <p:cTn id="30" fill="hold">
+                      <p:stCondLst>
+                        <p:cond delay="indefinite"/>
+                      </p:stCondLst>
+                      <p:childTnLst>
+                        <p:par>
+                          <p:cTn id="31" fill="hold">
+                            <p:stCondLst>
+                              <p:cond delay="0"/>
+                            </p:stCondLst>
+                            <p:childTnLst>
+                              <p:par>
+                                <p:cTn id="32" presetID="1" presetClass="entr" presetSubtype="0" fill="hold" grpId="0" nodeType="clickEffect">
+                                  <p:stCondLst>
+                                    <p:cond delay="0"/>
+                                  </p:stCondLst>
+                                  <p:childTnLst>
+                                    <p:set>
+                                      <p:cBhvr>
+                                        <p:cTn id="33" dur="1" fill="hold">
+                                          <p:stCondLst>
+                                            <p:cond delay="0"/>
+                                          </p:stCondLst>
+                                        </p:cTn>
+                                        <p:tgtEl>
+                                          <p:spTgt spid="19">
+                                            <p:txEl>
+                                              <p:pRg st="3" end="3"/>
+                                            </p:txEl>
+                                          </p:spTgt>
                                         </p:tgtEl>
                                         <p:attrNameLst>
                                           <p:attrName>style.visibility</p:attrName>
@@ -22034,6 +22126,7 @@
     </p:tnLst>
     <p:bldLst>
       <p:bldP spid="39" grpId="0" animBg="1"/>
+      <p:bldP spid="19" grpId="0" uiExpand="1" build="p"/>
     </p:bldLst>
   </p:timing>
 </p:sld>
@@ -22098,24 +22191,24 @@
       </p:sp>
       <p:sp>
         <p:nvSpPr>
-          <p:cNvPr id="3" name="Espace réservé de la date 2">
-            <a:extLst>
-              <a:ext uri="{FF2B5EF4-FFF2-40B4-BE49-F238E27FC236}">
-                <a16:creationId xmlns:a16="http://schemas.microsoft.com/office/drawing/2014/main" id="{B49DBBE6-E2E0-E0D2-730A-3FC96693FAA9}"/>
-              </a:ext>
-            </a:extLst>
-          </p:cNvPr>
-          <p:cNvSpPr>
-            <a:spLocks noGrp="1"/>
-          </p:cNvSpPr>
-          <p:nvPr>
-            <p:ph type="dt" sz="half" idx="10"/>
-          </p:nvPr>
-        </p:nvSpPr>
-        <p:spPr>
-          <a:xfrm>
-            <a:off x="838200" y="6356350"/>
-            <a:ext cx="2743200" cy="365125"/>
+          <p:cNvPr id="6" name="Espace réservé du contenu 5">
+            <a:extLst>
+              <a:ext uri="{FF2B5EF4-FFF2-40B4-BE49-F238E27FC236}">
+                <a16:creationId xmlns:a16="http://schemas.microsoft.com/office/drawing/2014/main" id="{51C7BFB4-139F-100E-CE74-73E29B1D2FDF}"/>
+              </a:ext>
+            </a:extLst>
+          </p:cNvPr>
+          <p:cNvSpPr>
+            <a:spLocks noGrp="1"/>
+          </p:cNvSpPr>
+          <p:nvPr>
+            <p:ph sz="quarter" idx="16"/>
+          </p:nvPr>
+        </p:nvSpPr>
+        <p:spPr>
+          <a:xfrm>
+            <a:off x="838200" y="1198563"/>
+            <a:ext cx="11353800" cy="4900612"/>
           </a:xfrm>
         </p:spPr>
         <p:txBody>
@@ -22123,145 +22216,6 @@
           <a:lstStyle/>
           <a:p>
             <a:r>
-              <a:rPr lang="en-US" dirty="0"/>
-              <a:t>2025</a:t>
-            </a:r>
-          </a:p>
-        </p:txBody>
-      </p:sp>
-      <p:sp>
-        <p:nvSpPr>
-          <p:cNvPr id="4" name="Espace réservé du pied de page 3">
-            <a:extLst>
-              <a:ext uri="{FF2B5EF4-FFF2-40B4-BE49-F238E27FC236}">
-                <a16:creationId xmlns:a16="http://schemas.microsoft.com/office/drawing/2014/main" id="{787A2DDF-5738-2408-932C-2324F9570F2B}"/>
-              </a:ext>
-            </a:extLst>
-          </p:cNvPr>
-          <p:cNvSpPr>
-            <a:spLocks noGrp="1"/>
-          </p:cNvSpPr>
-          <p:nvPr>
-            <p:ph type="ftr" sz="quarter" idx="11"/>
-          </p:nvPr>
-        </p:nvSpPr>
-        <p:spPr>
-          <a:xfrm>
-            <a:off x="4038600" y="6356350"/>
-            <a:ext cx="4114800" cy="365125"/>
-          </a:xfrm>
-        </p:spPr>
-        <p:txBody>
-          <a:bodyPr/>
-          <a:lstStyle/>
-          <a:p>
-            <a:r>
-              <a:rPr lang="en-US"/>
-              <a:t>Projet classification de documents</a:t>
-            </a:r>
-            <a:endParaRPr lang="en-US" dirty="0"/>
-          </a:p>
-        </p:txBody>
-      </p:sp>
-      <p:sp>
-        <p:nvSpPr>
-          <p:cNvPr id="5" name="Espace réservé du numéro de diapositive 4">
-            <a:extLst>
-              <a:ext uri="{FF2B5EF4-FFF2-40B4-BE49-F238E27FC236}">
-                <a16:creationId xmlns:a16="http://schemas.microsoft.com/office/drawing/2014/main" id="{0588CD59-636C-0866-8CB3-A0FB101BEFEC}"/>
-              </a:ext>
-            </a:extLst>
-          </p:cNvPr>
-          <p:cNvSpPr>
-            <a:spLocks noGrp="1"/>
-          </p:cNvSpPr>
-          <p:nvPr>
-            <p:ph type="sldNum" sz="quarter" idx="12"/>
-          </p:nvPr>
-        </p:nvSpPr>
-        <p:spPr>
-          <a:xfrm>
-            <a:off x="8610600" y="6356350"/>
-            <a:ext cx="2743200" cy="365125"/>
-          </a:xfrm>
-        </p:spPr>
-        <p:txBody>
-          <a:bodyPr/>
-          <a:lstStyle/>
-          <a:p>
-            <a:fld id="{B5CEABB6-07DC-46E8-9B57-56EC44A396E5}" type="slidenum">
-              <a:rPr lang="en-US" smtClean="0"/>
-              <a:pPr/>
-              <a:t>3</a:t>
-            </a:fld>
-            <a:endParaRPr lang="en-US" dirty="0"/>
-          </a:p>
-        </p:txBody>
-      </p:sp>
-      <p:sp>
-        <p:nvSpPr>
-          <p:cNvPr id="6" name="Espace réservé du contenu 5">
-            <a:extLst>
-              <a:ext uri="{FF2B5EF4-FFF2-40B4-BE49-F238E27FC236}">
-                <a16:creationId xmlns:a16="http://schemas.microsoft.com/office/drawing/2014/main" id="{51C7BFB4-139F-100E-CE74-73E29B1D2FDF}"/>
-              </a:ext>
-            </a:extLst>
-          </p:cNvPr>
-          <p:cNvSpPr>
-            <a:spLocks noGrp="1"/>
-          </p:cNvSpPr>
-          <p:nvPr>
-            <p:ph sz="quarter" idx="16"/>
-          </p:nvPr>
-        </p:nvSpPr>
-        <p:spPr>
-          <a:xfrm>
-            <a:off x="838200" y="1198563"/>
-            <a:ext cx="11353800" cy="4900612"/>
-          </a:xfrm>
-        </p:spPr>
-        <p:txBody>
-          <a:bodyPr/>
-          <a:lstStyle/>
-          <a:p>
-            <a:r>
-              <a:rPr lang="fr-FR" dirty="0"/>
-              <a:t>Model Drift</a:t>
-            </a:r>
-          </a:p>
-          <a:p>
-            <a:pPr lvl="1"/>
-            <a:r>
-              <a:rPr lang="fr-FR" dirty="0"/>
-              <a:t>Idée non implémentée utiliser le Feedback utilisateur </a:t>
-            </a:r>
-          </a:p>
-          <a:p>
-            <a:pPr lvl="1">
-              <a:buFont typeface="Wingdings" panose="05000000000000000000" pitchFamily="2" charset="2"/>
-              <a:buChar char="è"/>
-            </a:pPr>
-            <a:r>
-              <a:rPr lang="fr-FR" dirty="0">
-                <a:sym typeface="Wingdings" panose="05000000000000000000" pitchFamily="2" charset="2"/>
-              </a:rPr>
-              <a:t> Calculer métrique de performance du Modèle </a:t>
-            </a:r>
-          </a:p>
-          <a:p>
-            <a:pPr lvl="1">
-              <a:buFont typeface="Wingdings" panose="05000000000000000000" pitchFamily="2" charset="2"/>
-              <a:buChar char="è"/>
-            </a:pPr>
-            <a:r>
-              <a:rPr lang="fr-FR" dirty="0">
-                <a:sym typeface="Wingdings" panose="05000000000000000000" pitchFamily="2" charset="2"/>
-              </a:rPr>
-              <a:t> Déclencher alerte si perte de performance</a:t>
-            </a:r>
-          </a:p>
-          <a:p>
-            <a:r>
               <a:rPr lang="fr-FR" dirty="0"/>
               <a:t>Feedback User avec les corrections permet de ré-entrainer le modèle</a:t>
             </a:r>
@@ -22269,7 +22223,7 @@
           <a:p>
             <a:pPr lvl="1"/>
             <a:r>
-              <a:rPr lang="fr-FR" dirty="0"/>
+              <a:rPr lang="fr-FR" sz="2000" dirty="0"/>
               <a:t>Réutilisation de la pipeline Training avec déclenchement manuel</a:t>
             </a:r>
           </a:p>
@@ -22289,7 +22243,7 @@
         </p:nvGrpSpPr>
         <p:grpSpPr>
           <a:xfrm>
-            <a:off x="3056213" y="3977807"/>
+            <a:off x="2871575" y="2351230"/>
             <a:ext cx="5181879" cy="583781"/>
             <a:chOff x="3254674" y="1912786"/>
             <a:chExt cx="5068391" cy="583781"/>
@@ -22392,7 +22346,7 @@
         </p:nvGrpSpPr>
         <p:grpSpPr>
           <a:xfrm>
-            <a:off x="3526150" y="4561589"/>
+            <a:off x="3341512" y="2935012"/>
             <a:ext cx="1979453" cy="443880"/>
             <a:chOff x="10300062" y="777207"/>
             <a:chExt cx="1979453" cy="916218"/>
@@ -22512,7 +22466,7 @@
         </p:nvGrpSpPr>
         <p:grpSpPr>
           <a:xfrm>
-            <a:off x="5987980" y="4580216"/>
+            <a:off x="5803342" y="2953639"/>
             <a:ext cx="615040" cy="443880"/>
             <a:chOff x="10270557" y="777207"/>
             <a:chExt cx="615040" cy="916218"/>
@@ -22619,7 +22573,7 @@
         </p:nvGrpSpPr>
         <p:grpSpPr>
           <a:xfrm>
-            <a:off x="1141698" y="3719084"/>
+            <a:off x="957060" y="2092507"/>
             <a:ext cx="1310102" cy="960591"/>
             <a:chOff x="8106314" y="3786269"/>
             <a:chExt cx="1646040" cy="1166981"/>
@@ -22710,7 +22664,7 @@
         </p:nvSpPr>
         <p:spPr>
           <a:xfrm rot="16200000">
-            <a:off x="2435935" y="3898938"/>
+            <a:off x="2251297" y="2272361"/>
             <a:ext cx="213605" cy="827684"/>
           </a:xfrm>
           <a:prstGeom prst="downArrow">
@@ -22767,7 +22721,7 @@
         </p:nvGrpSpPr>
         <p:grpSpPr>
           <a:xfrm>
-            <a:off x="3077570" y="5041988"/>
+            <a:off x="2892932" y="3415411"/>
             <a:ext cx="5181879" cy="1371696"/>
             <a:chOff x="3284658" y="1893047"/>
             <a:chExt cx="5068391" cy="1371696"/>
@@ -22870,7 +22824,7 @@
         </p:nvGrpSpPr>
         <p:grpSpPr>
           <a:xfrm>
-            <a:off x="9326702" y="4720306"/>
+            <a:off x="9142064" y="3093729"/>
             <a:ext cx="762420" cy="960763"/>
             <a:chOff x="8474329" y="3786059"/>
             <a:chExt cx="957921" cy="1167191"/>
@@ -22968,7 +22922,7 @@
         </p:nvSpPr>
         <p:spPr>
           <a:xfrm rot="16200000">
-            <a:off x="8667506" y="4832927"/>
+            <a:off x="8482868" y="3206350"/>
             <a:ext cx="213605" cy="827684"/>
           </a:xfrm>
           <a:prstGeom prst="downArrow">
@@ -23025,7 +22979,7 @@
         </p:nvGrpSpPr>
         <p:grpSpPr>
           <a:xfrm>
-            <a:off x="10433334" y="5046073"/>
+            <a:off x="10248696" y="3419496"/>
             <a:ext cx="1636568" cy="1354217"/>
             <a:chOff x="10430230" y="3528632"/>
             <a:chExt cx="1636568" cy="1354217"/>
@@ -23166,7 +23120,7 @@
         </p:nvSpPr>
         <p:spPr>
           <a:xfrm rot="16200000">
-            <a:off x="9282402" y="5016308"/>
+            <a:off x="9097764" y="3389731"/>
             <a:ext cx="228996" cy="2072868"/>
           </a:xfrm>
           <a:prstGeom prst="downArrow">
@@ -23223,7 +23177,7 @@
         </p:nvSpPr>
         <p:spPr>
           <a:xfrm>
-            <a:off x="6571562" y="5609501"/>
+            <a:off x="6386924" y="3982924"/>
             <a:ext cx="1383159" cy="332276"/>
           </a:xfrm>
           <a:prstGeom prst="rect">
@@ -23279,7 +23233,7 @@
         </p:nvSpPr>
         <p:spPr>
           <a:xfrm>
-            <a:off x="3526150" y="5634796"/>
+            <a:off x="3341512" y="4008219"/>
             <a:ext cx="1154751" cy="332275"/>
           </a:xfrm>
           <a:prstGeom prst="rect">
@@ -23338,7 +23292,7 @@
         </p:nvSpPr>
         <p:spPr>
           <a:xfrm>
-            <a:off x="4914719" y="5393752"/>
+            <a:off x="4730081" y="3767175"/>
             <a:ext cx="1429127" cy="886632"/>
           </a:xfrm>
           <a:prstGeom prst="rect">
@@ -23409,6 +23363,178 @@
           <a:p>
             <a:pPr algn="ctr"/>
             <a:endParaRPr lang="fr-FR" sz="1400" dirty="0"/>
+          </a:p>
+        </p:txBody>
+      </p:sp>
+      <p:sp>
+        <p:nvSpPr>
+          <p:cNvPr id="33" name="ZoneTexte 32">
+            <a:extLst>
+              <a:ext uri="{FF2B5EF4-FFF2-40B4-BE49-F238E27FC236}">
+                <a16:creationId xmlns:a16="http://schemas.microsoft.com/office/drawing/2014/main" id="{6B26C1B5-7658-9890-0D91-CA216D2B3A5C}"/>
+              </a:ext>
+            </a:extLst>
+          </p:cNvPr>
+          <p:cNvSpPr txBox="1"/>
+          <p:nvPr/>
+        </p:nvSpPr>
+        <p:spPr>
+          <a:xfrm>
+            <a:off x="1008164" y="4908008"/>
+            <a:ext cx="10820435" cy="1446550"/>
+          </a:xfrm>
+          <a:prstGeom prst="rect">
+            <a:avLst/>
+          </a:prstGeom>
+          <a:noFill/>
+        </p:spPr>
+        <p:txBody>
+          <a:bodyPr wrap="square">
+            <a:spAutoFit/>
+          </a:bodyPr>
+          <a:lstStyle/>
+          <a:p>
+            <a:pPr marL="285750" indent="-285750">
+              <a:buFont typeface="Arial" panose="020B0604020202020204" pitchFamily="34" charset="0"/>
+              <a:buChar char="•"/>
+            </a:pPr>
+            <a:r>
+              <a:rPr lang="fr-FR" sz="2800" dirty="0"/>
+              <a:t>Model Drift</a:t>
+            </a:r>
+          </a:p>
+          <a:p>
+            <a:pPr lvl="1"/>
+            <a:r>
+              <a:rPr lang="fr-FR" sz="2000" dirty="0"/>
+              <a:t>Idée non implémentée utiliser le Feedback utilisateur </a:t>
+            </a:r>
+          </a:p>
+          <a:p>
+            <a:pPr lvl="1">
+              <a:buFont typeface="Wingdings" panose="05000000000000000000" pitchFamily="2" charset="2"/>
+              <a:buChar char="è"/>
+            </a:pPr>
+            <a:r>
+              <a:rPr lang="fr-FR" sz="2000" dirty="0">
+                <a:sym typeface="Wingdings" panose="05000000000000000000" pitchFamily="2" charset="2"/>
+              </a:rPr>
+              <a:t> Calculer métrique de performance du Modèle </a:t>
+            </a:r>
+          </a:p>
+          <a:p>
+            <a:pPr lvl="1">
+              <a:buFont typeface="Wingdings" panose="05000000000000000000" pitchFamily="2" charset="2"/>
+              <a:buChar char="è"/>
+            </a:pPr>
+            <a:r>
+              <a:rPr lang="fr-FR" sz="2000" dirty="0">
+                <a:sym typeface="Wingdings" panose="05000000000000000000" pitchFamily="2" charset="2"/>
+              </a:rPr>
+              <a:t> Déclencher alerte si perte de performance</a:t>
+            </a:r>
+          </a:p>
+        </p:txBody>
+      </p:sp>
+      <p:sp>
+        <p:nvSpPr>
+          <p:cNvPr id="34" name="Espace réservé de la date 2">
+            <a:extLst>
+              <a:ext uri="{FF2B5EF4-FFF2-40B4-BE49-F238E27FC236}">
+                <a16:creationId xmlns:a16="http://schemas.microsoft.com/office/drawing/2014/main" id="{256CB483-ECE6-D724-8C12-5286937F4190}"/>
+              </a:ext>
+            </a:extLst>
+          </p:cNvPr>
+          <p:cNvSpPr>
+            <a:spLocks noGrp="1"/>
+          </p:cNvSpPr>
+          <p:nvPr>
+            <p:ph type="dt" sz="half" idx="10"/>
+          </p:nvPr>
+        </p:nvSpPr>
+        <p:spPr>
+          <a:xfrm>
+            <a:off x="838200" y="6356350"/>
+            <a:ext cx="2743200" cy="365125"/>
+          </a:xfrm>
+        </p:spPr>
+        <p:txBody>
+          <a:bodyPr/>
+          <a:lstStyle/>
+          <a:p>
+            <a:r>
+              <a:rPr lang="en-US" dirty="0"/>
+              <a:t>2025</a:t>
+            </a:r>
+          </a:p>
+        </p:txBody>
+      </p:sp>
+      <p:sp>
+        <p:nvSpPr>
+          <p:cNvPr id="35" name="Espace réservé du pied de page 3">
+            <a:extLst>
+              <a:ext uri="{FF2B5EF4-FFF2-40B4-BE49-F238E27FC236}">
+                <a16:creationId xmlns:a16="http://schemas.microsoft.com/office/drawing/2014/main" id="{DFE0CC29-0663-7CDD-FCF2-EE405CF01A0E}"/>
+              </a:ext>
+            </a:extLst>
+          </p:cNvPr>
+          <p:cNvSpPr>
+            <a:spLocks noGrp="1"/>
+          </p:cNvSpPr>
+          <p:nvPr>
+            <p:ph type="ftr" sz="quarter" idx="11"/>
+          </p:nvPr>
+        </p:nvSpPr>
+        <p:spPr>
+          <a:xfrm>
+            <a:off x="4038600" y="6356350"/>
+            <a:ext cx="4114800" cy="365125"/>
+          </a:xfrm>
+        </p:spPr>
+        <p:txBody>
+          <a:bodyPr/>
+          <a:lstStyle/>
+          <a:p>
+            <a:r>
+              <a:rPr lang="en-US"/>
+              <a:t>Projet classification de documents</a:t>
+            </a:r>
+            <a:endParaRPr lang="en-US" dirty="0"/>
+          </a:p>
+        </p:txBody>
+      </p:sp>
+      <p:sp>
+        <p:nvSpPr>
+          <p:cNvPr id="39" name="Espace réservé du numéro de diapositive 4">
+            <a:extLst>
+              <a:ext uri="{FF2B5EF4-FFF2-40B4-BE49-F238E27FC236}">
+                <a16:creationId xmlns:a16="http://schemas.microsoft.com/office/drawing/2014/main" id="{B0133693-0C64-F484-D0CE-DD14CD8F9080}"/>
+              </a:ext>
+            </a:extLst>
+          </p:cNvPr>
+          <p:cNvSpPr>
+            <a:spLocks noGrp="1"/>
+          </p:cNvSpPr>
+          <p:nvPr>
+            <p:ph type="sldNum" sz="quarter" idx="12"/>
+          </p:nvPr>
+        </p:nvSpPr>
+        <p:spPr>
+          <a:xfrm>
+            <a:off x="8610600" y="6356350"/>
+            <a:ext cx="2743200" cy="365125"/>
+          </a:xfrm>
+        </p:spPr>
+        <p:txBody>
+          <a:bodyPr/>
+          <a:lstStyle/>
+          <a:p>
+            <a:fld id="{B5CEABB6-07DC-46E8-9B57-56EC44A396E5}" type="slidenum">
+              <a:rPr lang="en-US" smtClean="0"/>
+              <a:pPr/>
+              <a:t>3</a:t>
+            </a:fld>
+            <a:endParaRPr lang="en-US" dirty="0"/>
           </a:p>
         </p:txBody>
       </p:sp>
@@ -23682,6 +23808,51 @@
                       </p:childTnLst>
                     </p:cTn>
                   </p:par>
+                  <p:par>
+                    <p:cTn id="23" fill="hold">
+                      <p:stCondLst>
+                        <p:cond delay="indefinite"/>
+                      </p:stCondLst>
+                      <p:childTnLst>
+                        <p:par>
+                          <p:cTn id="24" fill="hold">
+                            <p:stCondLst>
+                              <p:cond delay="0"/>
+                            </p:stCondLst>
+                            <p:childTnLst>
+                              <p:par>
+                                <p:cTn id="25" presetID="1" presetClass="entr" presetSubtype="0" fill="hold" grpId="0" nodeType="clickEffect">
+                                  <p:stCondLst>
+                                    <p:cond delay="0"/>
+                                  </p:stCondLst>
+                                  <p:childTnLst>
+                                    <p:set>
+                                      <p:cBhvr>
+                                        <p:cTn id="26" dur="1" fill="hold">
+                                          <p:stCondLst>
+                                            <p:cond delay="0"/>
+                                          </p:stCondLst>
+                                        </p:cTn>
+                                        <p:tgtEl>
+                                          <p:spTgt spid="33"/>
+                                        </p:tgtEl>
+                                        <p:attrNameLst>
+                                          <p:attrName>style.visibility</p:attrName>
+                                        </p:attrNameLst>
+                                      </p:cBhvr>
+                                      <p:to>
+                                        <p:strVal val="visible"/>
+                                      </p:to>
+                                    </p:set>
+                                  </p:childTnLst>
+                                </p:cTn>
+                              </p:par>
+                            </p:childTnLst>
+                          </p:cTn>
+                        </p:par>
+                      </p:childTnLst>
+                    </p:cTn>
+                  </p:par>
                 </p:childTnLst>
               </p:cTn>
               <p:prevCondLst>
@@ -23709,6 +23880,7 @@
       <p:bldP spid="36" grpId="0" animBg="1"/>
       <p:bldP spid="37" grpId="0" animBg="1"/>
       <p:bldP spid="38" grpId="0" animBg="1"/>
+      <p:bldP spid="33" grpId="0"/>
     </p:bldLst>
   </p:timing>
 </p:sld>
@@ -24506,6 +24678,35 @@
 </file>
 
 <file path=customXml/item1.xml><?xml version="1.0" encoding="utf-8"?>
+<?mso-contentType ?>
+<FormTemplates xmlns="http://schemas.microsoft.com/sharepoint/v3/contenttype/forms">
+  <Display>DocumentLibraryForm</Display>
+  <Edit>DocumentLibraryForm</Edit>
+  <New>DocumentLibraryForm</New>
+</FormTemplates>
+</file>
+
+<file path=customXml/item2.xml><?xml version="1.0" encoding="utf-8"?>
+<p:properties xmlns:p="http://schemas.microsoft.com/office/2006/metadata/properties" xmlns:xsi="http://www.w3.org/2001/XMLSchema-instance" xmlns:pc="http://schemas.microsoft.com/office/infopath/2007/PartnerControls">
+  <documentManagement>
+    <_ip_UnifiedCompliancePolicyUIAction xmlns="http://schemas.microsoft.com/sharepoint/v3" xsi:nil="true"/>
+    <Image xmlns="71af3243-3dd4-4a8d-8c0d-dd76da1f02a5">
+      <Url xsi:nil="true"/>
+      <Description xsi:nil="true"/>
+    </Image>
+    <Status xmlns="71af3243-3dd4-4a8d-8c0d-dd76da1f02a5">Not started</Status>
+    <Background xmlns="71af3243-3dd4-4a8d-8c0d-dd76da1f02a5">false</Background>
+    <_ip_UnifiedCompliancePolicyProperties xmlns="http://schemas.microsoft.com/sharepoint/v3" xsi:nil="true"/>
+    <ImageTagsTaxHTField xmlns="71af3243-3dd4-4a8d-8c0d-dd76da1f02a5">
+      <Terms xmlns="http://schemas.microsoft.com/office/infopath/2007/PartnerControls"/>
+    </ImageTagsTaxHTField>
+    <TaxCatchAll xmlns="230e9df3-be65-4c73-a93b-d1236ebd677e" xsi:nil="true"/>
+    <MediaServiceKeyPoints xmlns="71af3243-3dd4-4a8d-8c0d-dd76da1f02a5" xsi:nil="true"/>
+  </documentManagement>
+</p:properties>
+</file>
+
+<file path=customXml/item3.xml><?xml version="1.0" encoding="utf-8"?>
 <ct:contentTypeSchema xmlns:ct="http://schemas.microsoft.com/office/2006/metadata/contentType" xmlns:ma="http://schemas.microsoft.com/office/2006/metadata/properties/metaAttributes" ct:_="" ma:_="" ma:contentTypeName="Document" ma:contentTypeID="0x01010079F111ED35F8CC479449609E8A0923A6" ma:contentTypeVersion="27" ma:contentTypeDescription="Create a new document." ma:contentTypeScope="" ma:versionID="c6f9a84f66a9c8b9a21755b9ffafb945">
   <xsd:schema xmlns:xsd="http://www.w3.org/2001/XMLSchema" xmlns:xs="http://www.w3.org/2001/XMLSchema" xmlns:p="http://schemas.microsoft.com/office/2006/metadata/properties" xmlns:ns1="http://schemas.microsoft.com/sharepoint/v3" xmlns:ns2="71af3243-3dd4-4a8d-8c0d-dd76da1f02a5" xmlns:ns3="16c05727-aa75-4e4a-9b5f-8a80a1165891" xmlns:ns4="230e9df3-be65-4c73-a93b-d1236ebd677e" targetNamespace="http://schemas.microsoft.com/office/2006/metadata/properties" ma:root="true" ma:fieldsID="27df39e3e7036dff54f89ddd5805ce72" ns1:_="" ns2:_="" ns3:_="" ns4:_="">
     <xsd:import namespace="http://schemas.microsoft.com/sharepoint/v3"/>
@@ -24811,36 +25012,27 @@
 </ct:contentTypeSchema>
 </file>
 
-<file path=customXml/item2.xml><?xml version="1.0" encoding="utf-8"?>
-<p:properties xmlns:p="http://schemas.microsoft.com/office/2006/metadata/properties" xmlns:xsi="http://www.w3.org/2001/XMLSchema-instance" xmlns:pc="http://schemas.microsoft.com/office/infopath/2007/PartnerControls">
-  <documentManagement>
-    <_ip_UnifiedCompliancePolicyUIAction xmlns="http://schemas.microsoft.com/sharepoint/v3" xsi:nil="true"/>
-    <Image xmlns="71af3243-3dd4-4a8d-8c0d-dd76da1f02a5">
-      <Url xsi:nil="true"/>
-      <Description xsi:nil="true"/>
-    </Image>
-    <Status xmlns="71af3243-3dd4-4a8d-8c0d-dd76da1f02a5">Not started</Status>
-    <Background xmlns="71af3243-3dd4-4a8d-8c0d-dd76da1f02a5">false</Background>
-    <_ip_UnifiedCompliancePolicyProperties xmlns="http://schemas.microsoft.com/sharepoint/v3" xsi:nil="true"/>
-    <ImageTagsTaxHTField xmlns="71af3243-3dd4-4a8d-8c0d-dd76da1f02a5">
-      <Terms xmlns="http://schemas.microsoft.com/office/infopath/2007/PartnerControls"/>
-    </ImageTagsTaxHTField>
-    <TaxCatchAll xmlns="230e9df3-be65-4c73-a93b-d1236ebd677e" xsi:nil="true"/>
-    <MediaServiceKeyPoints xmlns="71af3243-3dd4-4a8d-8c0d-dd76da1f02a5" xsi:nil="true"/>
-  </documentManagement>
-</p:properties>
+<file path=customXml/itemProps1.xml><?xml version="1.0" encoding="utf-8"?>
+<ds:datastoreItem xmlns:ds="http://schemas.openxmlformats.org/officeDocument/2006/customXml" ds:itemID="{79BF405E-7930-4D5C-ABB3-493E9D6D6CEA}">
+  <ds:schemaRefs>
+    <ds:schemaRef ds:uri="http://schemas.microsoft.com/sharepoint/v3/contenttype/forms"/>
+  </ds:schemaRefs>
+</ds:datastoreItem>
 </file>
 
-<file path=customXml/item3.xml><?xml version="1.0" encoding="utf-8"?>
-<?mso-contentType ?>
-<FormTemplates xmlns="http://schemas.microsoft.com/sharepoint/v3/contenttype/forms">
-  <Display>DocumentLibraryForm</Display>
-  <Edit>DocumentLibraryForm</Edit>
-  <New>DocumentLibraryForm</New>
-</FormTemplates>
+<file path=customXml/itemProps2.xml><?xml version="1.0" encoding="utf-8"?>
+<ds:datastoreItem xmlns:ds="http://schemas.openxmlformats.org/officeDocument/2006/customXml" ds:itemID="{6EA97235-BEC4-4F82-87A8-2F5DAD53B5F9}">
+  <ds:schemaRefs>
+    <ds:schemaRef ds:uri="http://schemas.microsoft.com/office/2006/metadata/properties"/>
+    <ds:schemaRef ds:uri="http://schemas.microsoft.com/office/infopath/2007/PartnerControls"/>
+    <ds:schemaRef ds:uri="http://schemas.microsoft.com/sharepoint/v3"/>
+    <ds:schemaRef ds:uri="71af3243-3dd4-4a8d-8c0d-dd76da1f02a5"/>
+    <ds:schemaRef ds:uri="230e9df3-be65-4c73-a93b-d1236ebd677e"/>
+  </ds:schemaRefs>
+</ds:datastoreItem>
 </file>
 
-<file path=customXml/itemProps1.xml><?xml version="1.0" encoding="utf-8"?>
+<file path=customXml/itemProps3.xml><?xml version="1.0" encoding="utf-8"?>
 <ds:datastoreItem xmlns:ds="http://schemas.openxmlformats.org/officeDocument/2006/customXml" ds:itemID="{2C1F447F-FAA8-4106-988B-648F3C8EDB2D}">
   <ds:schemaRefs>
     <ds:schemaRef ds:uri="http://schemas.microsoft.com/office/2006/metadata/contentType"/>
@@ -24861,26 +25053,6 @@
 </ds:datastoreItem>
 </file>
 
-<file path=customXml/itemProps2.xml><?xml version="1.0" encoding="utf-8"?>
-<ds:datastoreItem xmlns:ds="http://schemas.openxmlformats.org/officeDocument/2006/customXml" ds:itemID="{6EA97235-BEC4-4F82-87A8-2F5DAD53B5F9}">
-  <ds:schemaRefs>
-    <ds:schemaRef ds:uri="http://schemas.microsoft.com/office/2006/metadata/properties"/>
-    <ds:schemaRef ds:uri="http://schemas.microsoft.com/office/infopath/2007/PartnerControls"/>
-    <ds:schemaRef ds:uri="http://schemas.microsoft.com/sharepoint/v3"/>
-    <ds:schemaRef ds:uri="71af3243-3dd4-4a8d-8c0d-dd76da1f02a5"/>
-    <ds:schemaRef ds:uri="230e9df3-be65-4c73-a93b-d1236ebd677e"/>
-  </ds:schemaRefs>
-</ds:datastoreItem>
-</file>
-
-<file path=customXml/itemProps3.xml><?xml version="1.0" encoding="utf-8"?>
-<ds:datastoreItem xmlns:ds="http://schemas.openxmlformats.org/officeDocument/2006/customXml" ds:itemID="{79BF405E-7930-4D5C-ABB3-493E9D6D6CEA}">
-  <ds:schemaRefs>
-    <ds:schemaRef ds:uri="http://schemas.microsoft.com/sharepoint/v3/contenttype/forms"/>
-  </ds:schemaRefs>
-</ds:datastoreItem>
-</file>
-
 <file path=docMetadata/LabelInfo.xml><?xml version="1.0" encoding="utf-8"?>
 <clbl:labelList xmlns:clbl="http://schemas.microsoft.com/office/2020/mipLabelMetadata"/>
 </file>
--- a/report/Projet_classification_MLOps_Partie3_Aymen.pptx
+++ b/report/Projet_classification_MLOps_Partie3_Aymen.pptx
@@ -19582,7 +19582,7 @@
                                           </p:stCondLst>
                                         </p:cTn>
                                         <p:tgtEl>
-                                          <p:spTgt spid="9"/>
+                                          <p:spTgt spid="65"/>
                                         </p:tgtEl>
                                         <p:attrNameLst>
                                           <p:attrName>style.visibility</p:attrName>
@@ -19609,7 +19609,7 @@
                                           </p:stCondLst>
                                         </p:cTn>
                                         <p:tgtEl>
-                                          <p:spTgt spid="6"/>
+                                          <p:spTgt spid="114"/>
                                         </p:tgtEl>
                                         <p:attrNameLst>
                                           <p:attrName>style.visibility</p:attrName>
@@ -19623,7 +19623,7 @@
                                 </p:cTn>
                               </p:par>
                               <p:par>
-                                <p:cTn id="9" presetID="1" presetClass="entr" presetSubtype="0" fill="hold" grpId="0" nodeType="withEffect">
+                                <p:cTn id="9" presetID="1" presetClass="entr" presetSubtype="0" fill="hold" nodeType="withEffect">
                                   <p:stCondLst>
                                     <p:cond delay="0"/>
                                   </p:stCondLst>
@@ -19636,7 +19636,7 @@
                                           </p:stCondLst>
                                         </p:cTn>
                                         <p:tgtEl>
-                                          <p:spTgt spid="125"/>
+                                          <p:spTgt spid="12"/>
                                         </p:tgtEl>
                                         <p:attrNameLst>
                                           <p:attrName>style.visibility</p:attrName>
@@ -19663,7 +19663,7 @@
                                           </p:stCondLst>
                                         </p:cTn>
                                         <p:tgtEl>
-                                          <p:spTgt spid="126"/>
+                                          <p:spTgt spid="57"/>
                                         </p:tgtEl>
                                         <p:attrNameLst>
                                           <p:attrName>style.visibility</p:attrName>
@@ -19690,7 +19690,34 @@
                                           </p:stCondLst>
                                         </p:cTn>
                                         <p:tgtEl>
-                                          <p:spTgt spid="31"/>
+                                          <p:spTgt spid="37"/>
+                                        </p:tgtEl>
+                                        <p:attrNameLst>
+                                          <p:attrName>style.visibility</p:attrName>
+                                        </p:attrNameLst>
+                                      </p:cBhvr>
+                                      <p:to>
+                                        <p:strVal val="visible"/>
+                                      </p:to>
+                                    </p:set>
+                                  </p:childTnLst>
+                                </p:cTn>
+                              </p:par>
+                              <p:par>
+                                <p:cTn id="15" presetID="1" presetClass="entr" presetSubtype="0" fill="hold" nodeType="withEffect">
+                                  <p:stCondLst>
+                                    <p:cond delay="0"/>
+                                  </p:stCondLst>
+                                  <p:childTnLst>
+                                    <p:set>
+                                      <p:cBhvr>
+                                        <p:cTn id="16" dur="1" fill="hold">
+                                          <p:stCondLst>
+                                            <p:cond delay="0"/>
+                                          </p:stCondLst>
+                                        </p:cTn>
+                                        <p:tgtEl>
+                                          <p:spTgt spid="97"/>
                                         </p:tgtEl>
                                         <p:attrNameLst>
                                           <p:attrName>style.visibility</p:attrName>
@@ -19710,32 +19737,32 @@
                     </p:cTn>
                   </p:par>
                   <p:par>
-                    <p:cTn id="15" fill="hold">
+                    <p:cTn id="17" fill="hold">
                       <p:stCondLst>
                         <p:cond delay="indefinite"/>
                       </p:stCondLst>
                       <p:childTnLst>
                         <p:par>
-                          <p:cTn id="16" fill="hold">
+                          <p:cTn id="18" fill="hold">
                             <p:stCondLst>
                               <p:cond delay="0"/>
                             </p:stCondLst>
                             <p:childTnLst>
                               <p:par>
-                                <p:cTn id="17" presetID="1" presetClass="entr" presetSubtype="0" fill="hold" nodeType="clickEffect">
+                                <p:cTn id="19" presetID="1" presetClass="entr" presetSubtype="0" fill="hold" nodeType="clickEffect">
                                   <p:stCondLst>
                                     <p:cond delay="0"/>
                                   </p:stCondLst>
                                   <p:childTnLst>
                                     <p:set>
                                       <p:cBhvr>
-                                        <p:cTn id="18" dur="1" fill="hold">
+                                        <p:cTn id="20" dur="1" fill="hold">
                                           <p:stCondLst>
                                             <p:cond delay="0"/>
                                           </p:stCondLst>
                                         </p:cTn>
                                         <p:tgtEl>
-                                          <p:spTgt spid="15"/>
+                                          <p:spTgt spid="9"/>
                                         </p:tgtEl>
                                         <p:attrNameLst>
                                           <p:attrName>style.visibility</p:attrName>
@@ -19749,20 +19776,20 @@
                                 </p:cTn>
                               </p:par>
                               <p:par>
-                                <p:cTn id="19" presetID="1" presetClass="entr" presetSubtype="0" fill="hold" nodeType="withEffect">
+                                <p:cTn id="21" presetID="1" presetClass="entr" presetSubtype="0" fill="hold" nodeType="withEffect">
                                   <p:stCondLst>
                                     <p:cond delay="0"/>
                                   </p:stCondLst>
                                   <p:childTnLst>
                                     <p:set>
                                       <p:cBhvr>
-                                        <p:cTn id="20" dur="1" fill="hold">
+                                        <p:cTn id="22" dur="1" fill="hold">
                                           <p:stCondLst>
                                             <p:cond delay="0"/>
                                           </p:stCondLst>
                                         </p:cTn>
                                         <p:tgtEl>
-                                          <p:spTgt spid="21"/>
+                                          <p:spTgt spid="6"/>
                                         </p:tgtEl>
                                         <p:attrNameLst>
                                           <p:attrName>style.visibility</p:attrName>
@@ -19776,20 +19803,20 @@
                                 </p:cTn>
                               </p:par>
                               <p:par>
-                                <p:cTn id="21" presetID="1" presetClass="entr" presetSubtype="0" fill="hold" grpId="0" nodeType="withEffect">
+                                <p:cTn id="23" presetID="1" presetClass="entr" presetSubtype="0" fill="hold" grpId="0" nodeType="withEffect">
                                   <p:stCondLst>
                                     <p:cond delay="0"/>
                                   </p:stCondLst>
                                   <p:childTnLst>
                                     <p:set>
                                       <p:cBhvr>
-                                        <p:cTn id="22" dur="1" fill="hold">
+                                        <p:cTn id="24" dur="1" fill="hold">
                                           <p:stCondLst>
                                             <p:cond delay="0"/>
                                           </p:stCondLst>
                                         </p:cTn>
                                         <p:tgtEl>
-                                          <p:spTgt spid="129"/>
+                                          <p:spTgt spid="125"/>
                                         </p:tgtEl>
                                         <p:attrNameLst>
                                           <p:attrName>style.visibility</p:attrName>
@@ -19803,34 +19830,7 @@
                                 </p:cTn>
                               </p:par>
                               <p:par>
-                                <p:cTn id="23" presetID="1" presetClass="entr" presetSubtype="0" fill="hold" nodeType="withEffect">
-                                  <p:stCondLst>
-                                    <p:cond delay="0"/>
-                                  </p:stCondLst>
-                                  <p:childTnLst>
-                                    <p:set>
-                                      <p:cBhvr>
-                                        <p:cTn id="24" dur="1" fill="hold">
-                                          <p:stCondLst>
-                                            <p:cond delay="0"/>
-                                          </p:stCondLst>
-                                        </p:cTn>
-                                        <p:tgtEl>
-                                          <p:spTgt spid="133"/>
-                                        </p:tgtEl>
-                                        <p:attrNameLst>
-                                          <p:attrName>style.visibility</p:attrName>
-                                        </p:attrNameLst>
-                                      </p:cBhvr>
-                                      <p:to>
-                                        <p:strVal val="visible"/>
-                                      </p:to>
-                                    </p:set>
-                                  </p:childTnLst>
-                                </p:cTn>
-                              </p:par>
-                              <p:par>
-                                <p:cTn id="25" presetID="1" presetClass="entr" presetSubtype="0" fill="hold" grpId="0" nodeType="withEffect">
+                                <p:cTn id="25" presetID="1" presetClass="entr" presetSubtype="0" fill="hold" nodeType="withEffect">
                                   <p:stCondLst>
                                     <p:cond delay="0"/>
                                   </p:stCondLst>
@@ -19843,7 +19843,7 @@
                                           </p:stCondLst>
                                         </p:cTn>
                                         <p:tgtEl>
-                                          <p:spTgt spid="54"/>
+                                          <p:spTgt spid="126"/>
                                         </p:tgtEl>
                                         <p:attrNameLst>
                                           <p:attrName>style.visibility</p:attrName>
@@ -19870,7 +19870,7 @@
                                           </p:stCondLst>
                                         </p:cTn>
                                         <p:tgtEl>
-                                          <p:spTgt spid="44"/>
+                                          <p:spTgt spid="31"/>
                                         </p:tgtEl>
                                         <p:attrNameLst>
                                           <p:attrName>style.visibility</p:attrName>
@@ -19915,7 +19915,7 @@
                                           </p:stCondLst>
                                         </p:cTn>
                                         <p:tgtEl>
-                                          <p:spTgt spid="18"/>
+                                          <p:spTgt spid="15"/>
                                         </p:tgtEl>
                                         <p:attrNameLst>
                                           <p:attrName>style.visibility</p:attrName>
@@ -19942,7 +19942,7 @@
                                           </p:stCondLst>
                                         </p:cTn>
                                         <p:tgtEl>
-                                          <p:spTgt spid="24"/>
+                                          <p:spTgt spid="21"/>
                                         </p:tgtEl>
                                         <p:attrNameLst>
                                           <p:attrName>style.visibility</p:attrName>
@@ -19956,7 +19956,7 @@
                                 </p:cTn>
                               </p:par>
                               <p:par>
-                                <p:cTn id="35" presetID="1" presetClass="entr" presetSubtype="0" fill="hold" nodeType="withEffect">
+                                <p:cTn id="35" presetID="1" presetClass="entr" presetSubtype="0" fill="hold" grpId="0" nodeType="withEffect">
                                   <p:stCondLst>
                                     <p:cond delay="0"/>
                                   </p:stCondLst>
@@ -19969,7 +19969,88 @@
                                           </p:stCondLst>
                                         </p:cTn>
                                         <p:tgtEl>
-                                          <p:spTgt spid="52"/>
+                                          <p:spTgt spid="129"/>
+                                        </p:tgtEl>
+                                        <p:attrNameLst>
+                                          <p:attrName>style.visibility</p:attrName>
+                                        </p:attrNameLst>
+                                      </p:cBhvr>
+                                      <p:to>
+                                        <p:strVal val="visible"/>
+                                      </p:to>
+                                    </p:set>
+                                  </p:childTnLst>
+                                </p:cTn>
+                              </p:par>
+                              <p:par>
+                                <p:cTn id="37" presetID="1" presetClass="entr" presetSubtype="0" fill="hold" nodeType="withEffect">
+                                  <p:stCondLst>
+                                    <p:cond delay="0"/>
+                                  </p:stCondLst>
+                                  <p:childTnLst>
+                                    <p:set>
+                                      <p:cBhvr>
+                                        <p:cTn id="38" dur="1" fill="hold">
+                                          <p:stCondLst>
+                                            <p:cond delay="0"/>
+                                          </p:stCondLst>
+                                        </p:cTn>
+                                        <p:tgtEl>
+                                          <p:spTgt spid="133"/>
+                                        </p:tgtEl>
+                                        <p:attrNameLst>
+                                          <p:attrName>style.visibility</p:attrName>
+                                        </p:attrNameLst>
+                                      </p:cBhvr>
+                                      <p:to>
+                                        <p:strVal val="visible"/>
+                                      </p:to>
+                                    </p:set>
+                                  </p:childTnLst>
+                                </p:cTn>
+                              </p:par>
+                              <p:par>
+                                <p:cTn id="39" presetID="1" presetClass="entr" presetSubtype="0" fill="hold" grpId="0" nodeType="withEffect">
+                                  <p:stCondLst>
+                                    <p:cond delay="0"/>
+                                  </p:stCondLst>
+                                  <p:childTnLst>
+                                    <p:set>
+                                      <p:cBhvr>
+                                        <p:cTn id="40" dur="1" fill="hold">
+                                          <p:stCondLst>
+                                            <p:cond delay="0"/>
+                                          </p:stCondLst>
+                                        </p:cTn>
+                                        <p:tgtEl>
+                                          <p:spTgt spid="54"/>
+                                        </p:tgtEl>
+                                        <p:attrNameLst>
+                                          <p:attrName>style.visibility</p:attrName>
+                                        </p:attrNameLst>
+                                      </p:cBhvr>
+                                      <p:to>
+                                        <p:strVal val="visible"/>
+                                      </p:to>
+                                    </p:set>
+                                  </p:childTnLst>
+                                </p:cTn>
+                              </p:par>
+                              <p:par>
+                                <p:cTn id="41" presetID="1" presetClass="entr" presetSubtype="0" fill="hold" nodeType="withEffect">
+                                  <p:stCondLst>
+                                    <p:cond delay="0"/>
+                                  </p:stCondLst>
+                                  <p:childTnLst>
+                                    <p:set>
+                                      <p:cBhvr>
+                                        <p:cTn id="42" dur="1" fill="hold">
+                                          <p:stCondLst>
+                                            <p:cond delay="0"/>
+                                          </p:stCondLst>
+                                        </p:cTn>
+                                        <p:tgtEl>
+                                          <p:spTgt spid="44"/>
                                         </p:tgtEl>
                                         <p:attrNameLst>
                                           <p:attrName>style.visibility</p:attrName>
@@ -19989,100 +20070,19 @@
                     </p:cTn>
                   </p:par>
                   <p:par>
-                    <p:cTn id="37" fill="hold">
+                    <p:cTn id="43" fill="hold">
                       <p:stCondLst>
                         <p:cond delay="indefinite"/>
                       </p:stCondLst>
                       <p:childTnLst>
                         <p:par>
-                          <p:cTn id="38" fill="hold">
+                          <p:cTn id="44" fill="hold">
                             <p:stCondLst>
                               <p:cond delay="0"/>
                             </p:stCondLst>
                             <p:childTnLst>
                               <p:par>
-                                <p:cTn id="39" presetID="1" presetClass="entr" presetSubtype="0" fill="hold" grpId="0" nodeType="clickEffect">
-                                  <p:stCondLst>
-                                    <p:cond delay="0"/>
-                                  </p:stCondLst>
-                                  <p:childTnLst>
-                                    <p:set>
-                                      <p:cBhvr>
-                                        <p:cTn id="40" dur="1" fill="hold">
-                                          <p:stCondLst>
-                                            <p:cond delay="0"/>
-                                          </p:stCondLst>
-                                        </p:cTn>
-                                        <p:tgtEl>
-                                          <p:spTgt spid="56"/>
-                                        </p:tgtEl>
-                                        <p:attrNameLst>
-                                          <p:attrName>style.visibility</p:attrName>
-                                        </p:attrNameLst>
-                                      </p:cBhvr>
-                                      <p:to>
-                                        <p:strVal val="visible"/>
-                                      </p:to>
-                                    </p:set>
-                                  </p:childTnLst>
-                                </p:cTn>
-                              </p:par>
-                              <p:par>
-                                <p:cTn id="41" presetID="1" presetClass="entr" presetSubtype="0" fill="hold" grpId="0" nodeType="withEffect">
-                                  <p:stCondLst>
-                                    <p:cond delay="0"/>
-                                  </p:stCondLst>
-                                  <p:childTnLst>
-                                    <p:set>
-                                      <p:cBhvr>
-                                        <p:cTn id="42" dur="1" fill="hold">
-                                          <p:stCondLst>
-                                            <p:cond delay="0"/>
-                                          </p:stCondLst>
-                                        </p:cTn>
-                                        <p:tgtEl>
-                                          <p:spTgt spid="69"/>
-                                        </p:tgtEl>
-                                        <p:attrNameLst>
-                                          <p:attrName>style.visibility</p:attrName>
-                                        </p:attrNameLst>
-                                      </p:cBhvr>
-                                      <p:to>
-                                        <p:strVal val="visible"/>
-                                      </p:to>
-                                    </p:set>
-                                  </p:childTnLst>
-                                </p:cTn>
-                              </p:par>
-                              <p:par>
-                                <p:cTn id="43" presetID="1" presetClass="entr" presetSubtype="0" fill="hold" nodeType="withEffect">
-                                  <p:stCondLst>
-                                    <p:cond delay="0"/>
-                                  </p:stCondLst>
-                                  <p:childTnLst>
-                                    <p:set>
-                                      <p:cBhvr>
-                                        <p:cTn id="44" dur="1" fill="hold">
-                                          <p:stCondLst>
-                                            <p:cond delay="0"/>
-                                          </p:stCondLst>
-                                        </p:cTn>
-                                        <p:tgtEl>
-                                          <p:spTgt spid="47"/>
-                                        </p:tgtEl>
-                                        <p:attrNameLst>
-                                          <p:attrName>style.visibility</p:attrName>
-                                        </p:attrNameLst>
-                                      </p:cBhvr>
-                                      <p:to>
-                                        <p:strVal val="visible"/>
-                                      </p:to>
-                                    </p:set>
-                                  </p:childTnLst>
-                                </p:cTn>
-                              </p:par>
-                              <p:par>
-                                <p:cTn id="45" presetID="1" presetClass="entr" presetSubtype="0" fill="hold" grpId="0" nodeType="withEffect">
+                                <p:cTn id="45" presetID="1" presetClass="entr" presetSubtype="0" fill="hold" nodeType="clickEffect">
                                   <p:stCondLst>
                                     <p:cond delay="0"/>
                                   </p:stCondLst>
@@ -20095,7 +20095,7 @@
                                           </p:stCondLst>
                                         </p:cTn>
                                         <p:tgtEl>
-                                          <p:spTgt spid="144"/>
+                                          <p:spTgt spid="18"/>
                                         </p:tgtEl>
                                         <p:attrNameLst>
                                           <p:attrName>style.visibility</p:attrName>
@@ -20122,7 +20122,34 @@
                                           </p:stCondLst>
                                         </p:cTn>
                                         <p:tgtEl>
-                                          <p:spTgt spid="139"/>
+                                          <p:spTgt spid="24"/>
+                                        </p:tgtEl>
+                                        <p:attrNameLst>
+                                          <p:attrName>style.visibility</p:attrName>
+                                        </p:attrNameLst>
+                                      </p:cBhvr>
+                                      <p:to>
+                                        <p:strVal val="visible"/>
+                                      </p:to>
+                                    </p:set>
+                                  </p:childTnLst>
+                                </p:cTn>
+                              </p:par>
+                              <p:par>
+                                <p:cTn id="49" presetID="1" presetClass="entr" presetSubtype="0" fill="hold" nodeType="withEffect">
+                                  <p:stCondLst>
+                                    <p:cond delay="0"/>
+                                  </p:stCondLst>
+                                  <p:childTnLst>
+                                    <p:set>
+                                      <p:cBhvr>
+                                        <p:cTn id="50" dur="1" fill="hold">
+                                          <p:stCondLst>
+                                            <p:cond delay="0"/>
+                                          </p:stCondLst>
+                                        </p:cTn>
+                                        <p:tgtEl>
+                                          <p:spTgt spid="52"/>
                                         </p:tgtEl>
                                         <p:attrNameLst>
                                           <p:attrName>style.visibility</p:attrName>
@@ -20142,77 +20169,32 @@
                     </p:cTn>
                   </p:par>
                   <p:par>
-                    <p:cTn id="49" fill="hold">
+                    <p:cTn id="51" fill="hold">
                       <p:stCondLst>
                         <p:cond delay="indefinite"/>
                       </p:stCondLst>
                       <p:childTnLst>
                         <p:par>
-                          <p:cTn id="50" fill="hold">
+                          <p:cTn id="52" fill="hold">
                             <p:stCondLst>
                               <p:cond delay="0"/>
                             </p:stCondLst>
                             <p:childTnLst>
                               <p:par>
-                                <p:cTn id="51" presetID="1" presetClass="entr" presetSubtype="0" fill="hold" nodeType="clickEffect">
+                                <p:cTn id="53" presetID="1" presetClass="entr" presetSubtype="0" fill="hold" grpId="0" nodeType="clickEffect">
                                   <p:stCondLst>
                                     <p:cond delay="0"/>
                                   </p:stCondLst>
                                   <p:childTnLst>
                                     <p:set>
                                       <p:cBhvr>
-                                        <p:cTn id="52" dur="1" fill="hold">
+                                        <p:cTn id="54" dur="1" fill="hold">
                                           <p:stCondLst>
                                             <p:cond delay="0"/>
                                           </p:stCondLst>
                                         </p:cTn>
                                         <p:tgtEl>
-                                          <p:spTgt spid="34"/>
-                                        </p:tgtEl>
-                                        <p:attrNameLst>
-                                          <p:attrName>style.visibility</p:attrName>
-                                        </p:attrNameLst>
-                                      </p:cBhvr>
-                                      <p:to>
-                                        <p:strVal val="visible"/>
-                                      </p:to>
-                                    </p:set>
-                                  </p:childTnLst>
-                                </p:cTn>
-                              </p:par>
-                            </p:childTnLst>
-                          </p:cTn>
-                        </p:par>
-                      </p:childTnLst>
-                    </p:cTn>
-                  </p:par>
-                  <p:par>
-                    <p:cTn id="53" fill="hold">
-                      <p:stCondLst>
-                        <p:cond delay="indefinite"/>
-                      </p:stCondLst>
-                      <p:childTnLst>
-                        <p:par>
-                          <p:cTn id="54" fill="hold">
-                            <p:stCondLst>
-                              <p:cond delay="0"/>
-                            </p:stCondLst>
-                            <p:childTnLst>
-                              <p:par>
-                                <p:cTn id="55" presetID="1" presetClass="entr" presetSubtype="0" fill="hold" nodeType="clickEffect">
-                                  <p:stCondLst>
-                                    <p:cond delay="0"/>
-                                  </p:stCondLst>
-                                  <p:childTnLst>
-                                    <p:set>
-                                      <p:cBhvr>
-                                        <p:cTn id="56" dur="1" fill="hold">
-                                          <p:stCondLst>
-                                            <p:cond delay="0"/>
-                                          </p:stCondLst>
-                                        </p:cTn>
-                                        <p:tgtEl>
-                                          <p:spTgt spid="40"/>
+                                          <p:spTgt spid="56"/>
                                         </p:tgtEl>
                                         <p:attrNameLst>
                                           <p:attrName>style.visibility</p:attrName>
@@ -20226,7 +20208,34 @@
                                 </p:cTn>
                               </p:par>
                               <p:par>
-                                <p:cTn id="57" presetID="1" presetClass="entr" presetSubtype="0" fill="hold" grpId="0" nodeType="withEffect">
+                                <p:cTn id="55" presetID="1" presetClass="entr" presetSubtype="0" fill="hold" grpId="0" nodeType="withEffect">
+                                  <p:stCondLst>
+                                    <p:cond delay="0"/>
+                                  </p:stCondLst>
+                                  <p:childTnLst>
+                                    <p:set>
+                                      <p:cBhvr>
+                                        <p:cTn id="56" dur="1" fill="hold">
+                                          <p:stCondLst>
+                                            <p:cond delay="0"/>
+                                          </p:stCondLst>
+                                        </p:cTn>
+                                        <p:tgtEl>
+                                          <p:spTgt spid="69"/>
+                                        </p:tgtEl>
+                                        <p:attrNameLst>
+                                          <p:attrName>style.visibility</p:attrName>
+                                        </p:attrNameLst>
+                                      </p:cBhvr>
+                                      <p:to>
+                                        <p:strVal val="visible"/>
+                                      </p:to>
+                                    </p:set>
+                                  </p:childTnLst>
+                                </p:cTn>
+                              </p:par>
+                              <p:par>
+                                <p:cTn id="57" presetID="1" presetClass="entr" presetSubtype="0" fill="hold" nodeType="withEffect">
                                   <p:stCondLst>
                                     <p:cond delay="0"/>
                                   </p:stCondLst>
@@ -20239,7 +20248,7 @@
                                           </p:stCondLst>
                                         </p:cTn>
                                         <p:tgtEl>
-                                          <p:spTgt spid="62"/>
+                                          <p:spTgt spid="47"/>
                                         </p:tgtEl>
                                         <p:attrNameLst>
                                           <p:attrName>style.visibility</p:attrName>
@@ -20266,7 +20275,34 @@
                                           </p:stCondLst>
                                         </p:cTn>
                                         <p:tgtEl>
-                                          <p:spTgt spid="63"/>
+                                          <p:spTgt spid="144"/>
+                                        </p:tgtEl>
+                                        <p:attrNameLst>
+                                          <p:attrName>style.visibility</p:attrName>
+                                        </p:attrNameLst>
+                                      </p:cBhvr>
+                                      <p:to>
+                                        <p:strVal val="visible"/>
+                                      </p:to>
+                                    </p:set>
+                                  </p:childTnLst>
+                                </p:cTn>
+                              </p:par>
+                              <p:par>
+                                <p:cTn id="61" presetID="1" presetClass="entr" presetSubtype="0" fill="hold" nodeType="withEffect">
+                                  <p:stCondLst>
+                                    <p:cond delay="0"/>
+                                  </p:stCondLst>
+                                  <p:childTnLst>
+                                    <p:set>
+                                      <p:cBhvr>
+                                        <p:cTn id="62" dur="1" fill="hold">
+                                          <p:stCondLst>
+                                            <p:cond delay="0"/>
+                                          </p:stCondLst>
+                                        </p:cTn>
+                                        <p:tgtEl>
+                                          <p:spTgt spid="139"/>
                                         </p:tgtEl>
                                         <p:attrNameLst>
                                           <p:attrName>style.visibility</p:attrName>
@@ -20286,36 +20322,32 @@
                     </p:cTn>
                   </p:par>
                   <p:par>
-                    <p:cTn id="61" fill="hold">
+                    <p:cTn id="63" fill="hold">
                       <p:stCondLst>
                         <p:cond delay="indefinite"/>
                       </p:stCondLst>
                       <p:childTnLst>
                         <p:par>
-                          <p:cTn id="62" fill="hold">
+                          <p:cTn id="64" fill="hold">
                             <p:stCondLst>
                               <p:cond delay="0"/>
                             </p:stCondLst>
                             <p:childTnLst>
                               <p:par>
-                                <p:cTn id="63" presetID="1" presetClass="entr" presetSubtype="0" fill="hold" grpId="0" nodeType="clickEffect">
+                                <p:cTn id="65" presetID="1" presetClass="entr" presetSubtype="0" fill="hold" nodeType="clickEffect">
                                   <p:stCondLst>
                                     <p:cond delay="0"/>
                                   </p:stCondLst>
                                   <p:childTnLst>
                                     <p:set>
                                       <p:cBhvr>
-                                        <p:cTn id="64" dur="1" fill="hold">
+                                        <p:cTn id="66" dur="1" fill="hold">
                                           <p:stCondLst>
                                             <p:cond delay="0"/>
                                           </p:stCondLst>
                                         </p:cTn>
                                         <p:tgtEl>
-                                          <p:spTgt spid="152">
-                                            <p:txEl>
-                                              <p:pRg st="0" end="0"/>
-                                            </p:txEl>
-                                          </p:spTgt>
+                                          <p:spTgt spid="34"/>
                                         </p:tgtEl>
                                         <p:attrNameLst>
                                           <p:attrName>style.visibility</p:attrName>
@@ -20335,50 +20367,19 @@
                     </p:cTn>
                   </p:par>
                   <p:par>
-                    <p:cTn id="65" fill="hold">
+                    <p:cTn id="67" fill="hold">
                       <p:stCondLst>
                         <p:cond delay="indefinite"/>
                       </p:stCondLst>
                       <p:childTnLst>
                         <p:par>
-                          <p:cTn id="66" fill="hold">
+                          <p:cTn id="68" fill="hold">
                             <p:stCondLst>
                               <p:cond delay="0"/>
                             </p:stCondLst>
                             <p:childTnLst>
                               <p:par>
-                                <p:cTn id="67" presetID="1" presetClass="entr" presetSubtype="0" fill="hold" grpId="0" nodeType="clickEffect">
-                                  <p:stCondLst>
-                                    <p:cond delay="0"/>
-                                  </p:stCondLst>
-                                  <p:childTnLst>
-                                    <p:set>
-                                      <p:cBhvr>
-                                        <p:cTn id="68" dur="1" fill="hold">
-                                          <p:stCondLst>
-                                            <p:cond delay="0"/>
-                                          </p:stCondLst>
-                                        </p:cTn>
-                                        <p:tgtEl>
-                                          <p:spTgt spid="152">
-                                            <p:txEl>
-                                              <p:pRg st="1" end="1"/>
-                                            </p:txEl>
-                                          </p:spTgt>
-                                        </p:tgtEl>
-                                        <p:attrNameLst>
-                                          <p:attrName>style.visibility</p:attrName>
-                                        </p:attrNameLst>
-                                      </p:cBhvr>
-                                      <p:to>
-                                        <p:strVal val="visible"/>
-                                      </p:to>
-                                    </p:set>
-                                  </p:childTnLst>
-                                </p:cTn>
-                              </p:par>
-                              <p:par>
-                                <p:cTn id="69" presetID="1" presetClass="entr" presetSubtype="0" fill="hold" grpId="0" nodeType="withEffect">
+                                <p:cTn id="69" presetID="1" presetClass="entr" presetSubtype="0" fill="hold" nodeType="clickEffect">
                                   <p:stCondLst>
                                     <p:cond delay="0"/>
                                   </p:stCondLst>
@@ -20391,11 +20392,7 @@
                                           </p:stCondLst>
                                         </p:cTn>
                                         <p:tgtEl>
-                                          <p:spTgt spid="152">
-                                            <p:txEl>
-                                              <p:pRg st="2" end="2"/>
-                                            </p:txEl>
-                                          </p:spTgt>
+                                          <p:spTgt spid="40"/>
                                         </p:tgtEl>
                                         <p:attrNameLst>
                                           <p:attrName>style.visibility</p:attrName>
@@ -20422,11 +20419,34 @@
                                           </p:stCondLst>
                                         </p:cTn>
                                         <p:tgtEl>
-                                          <p:spTgt spid="152">
-                                            <p:txEl>
-                                              <p:pRg st="3" end="3"/>
-                                            </p:txEl>
-                                          </p:spTgt>
+                                          <p:spTgt spid="62"/>
+                                        </p:tgtEl>
+                                        <p:attrNameLst>
+                                          <p:attrName>style.visibility</p:attrName>
+                                        </p:attrNameLst>
+                                      </p:cBhvr>
+                                      <p:to>
+                                        <p:strVal val="visible"/>
+                                      </p:to>
+                                    </p:set>
+                                  </p:childTnLst>
+                                </p:cTn>
+                              </p:par>
+                              <p:par>
+                                <p:cTn id="73" presetID="1" presetClass="entr" presetSubtype="0" fill="hold" grpId="0" nodeType="withEffect">
+                                  <p:stCondLst>
+                                    <p:cond delay="0"/>
+                                  </p:stCondLst>
+                                  <p:childTnLst>
+                                    <p:set>
+                                      <p:cBhvr>
+                                        <p:cTn id="74" dur="1" fill="hold">
+                                          <p:stCondLst>
+                                            <p:cond delay="0"/>
+                                          </p:stCondLst>
+                                        </p:cTn>
+                                        <p:tgtEl>
+                                          <p:spTgt spid="63"/>
                                         </p:tgtEl>
                                         <p:attrNameLst>
                                           <p:attrName>style.visibility</p:attrName>
@@ -20473,7 +20493,6 @@
       <p:bldP spid="125" grpId="0" animBg="1"/>
       <p:bldP spid="129" grpId="0" animBg="1"/>
       <p:bldP spid="144" grpId="0" animBg="1"/>
-      <p:bldP spid="152" grpId="0" build="p"/>
       <p:bldP spid="62" grpId="0" animBg="1"/>
       <p:bldP spid="63" grpId="0" animBg="1"/>
     </p:bldLst>
@@ -21704,7 +21723,7 @@
             </a:r>
             <a:r>
               <a:rPr lang="fr-FR" dirty="0"/>
-              <a:t>dans S3 depuis une BDD interne (MongoDB)</a:t>
+              <a:t>dans S3 depuis une BDD interne</a:t>
             </a:r>
           </a:p>
         </p:txBody>
@@ -21753,7 +21772,73 @@
                                           </p:stCondLst>
                                         </p:cTn>
                                         <p:tgtEl>
-                                          <p:spTgt spid="26"/>
+                                          <p:spTgt spid="19">
+                                            <p:txEl>
+                                              <p:pRg st="0" end="0"/>
+                                            </p:txEl>
+                                          </p:spTgt>
+                                        </p:tgtEl>
+                                        <p:attrNameLst>
+                                          <p:attrName>style.visibility</p:attrName>
+                                        </p:attrNameLst>
+                                      </p:cBhvr>
+                                      <p:to>
+                                        <p:strVal val="visible"/>
+                                      </p:to>
+                                    </p:set>
+                                  </p:childTnLst>
+                                </p:cTn>
+                              </p:par>
+                              <p:par>
+                                <p:cTn id="7" presetID="1" presetClass="entr" presetSubtype="0" fill="hold" grpId="0" nodeType="withEffect">
+                                  <p:stCondLst>
+                                    <p:cond delay="0"/>
+                                  </p:stCondLst>
+                                  <p:childTnLst>
+                                    <p:set>
+                                      <p:cBhvr>
+                                        <p:cTn id="8" dur="1" fill="hold">
+                                          <p:stCondLst>
+                                            <p:cond delay="0"/>
+                                          </p:stCondLst>
+                                        </p:cTn>
+                                        <p:tgtEl>
+                                          <p:spTgt spid="19">
+                                            <p:txEl>
+                                              <p:pRg st="2" end="2"/>
+                                            </p:txEl>
+                                          </p:spTgt>
+                                        </p:tgtEl>
+                                        <p:attrNameLst>
+                                          <p:attrName>style.visibility</p:attrName>
+                                        </p:attrNameLst>
+                                      </p:cBhvr>
+                                      <p:to>
+                                        <p:strVal val="visible"/>
+                                      </p:to>
+                                    </p:set>
+                                  </p:childTnLst>
+                                </p:cTn>
+                              </p:par>
+                              <p:par>
+                                <p:cTn id="9" presetID="1" presetClass="entr" presetSubtype="0" fill="hold" nodeType="withEffect">
+                                  <p:stCondLst>
+                                    <p:cond delay="0"/>
+                                  </p:stCondLst>
+                                  <p:childTnLst>
+                                    <p:set>
+                                      <p:cBhvr>
+                                        <p:cTn id="10" dur="1" fill="hold">
+                                          <p:stCondLst>
+                                            <p:cond delay="0"/>
+                                          </p:stCondLst>
+                                        </p:cTn>
+                                        <p:tgtEl>
+                                          <p:spTgt spid="19">
+                                            <p:txEl>
+                                              <p:pRg st="1" end="1"/>
+                                            </p:txEl>
+                                          </p:spTgt>
                                         </p:tgtEl>
                                         <p:attrNameLst>
                                           <p:attrName>style.visibility</p:attrName>
@@ -21773,53 +21858,26 @@
                     </p:cTn>
                   </p:par>
                   <p:par>
-                    <p:cTn id="7" fill="hold">
+                    <p:cTn id="11" fill="hold">
                       <p:stCondLst>
                         <p:cond delay="indefinite"/>
                       </p:stCondLst>
                       <p:childTnLst>
                         <p:par>
-                          <p:cTn id="8" fill="hold">
+                          <p:cTn id="12" fill="hold">
                             <p:stCondLst>
                               <p:cond delay="0"/>
                             </p:stCondLst>
                             <p:childTnLst>
                               <p:par>
-                                <p:cTn id="9" presetID="1" presetClass="entr" presetSubtype="0" fill="hold" nodeType="clickEffect">
+                                <p:cTn id="13" presetID="1" presetClass="entr" presetSubtype="0" fill="hold" nodeType="clickEffect">
                                   <p:stCondLst>
                                     <p:cond delay="0"/>
                                   </p:stCondLst>
                                   <p:childTnLst>
                                     <p:set>
                                       <p:cBhvr>
-                                        <p:cTn id="10" dur="1" fill="hold">
-                                          <p:stCondLst>
-                                            <p:cond delay="0"/>
-                                          </p:stCondLst>
-                                        </p:cTn>
-                                        <p:tgtEl>
-                                          <p:spTgt spid="29"/>
-                                        </p:tgtEl>
-                                        <p:attrNameLst>
-                                          <p:attrName>style.visibility</p:attrName>
-                                        </p:attrNameLst>
-                                      </p:cBhvr>
-                                      <p:to>
-                                        <p:strVal val="visible"/>
-                                      </p:to>
-                                    </p:set>
-                                  </p:childTnLst>
-                                </p:cTn>
-                              </p:par>
-                              <p:par>
-                                <p:cTn id="11" presetID="1" presetClass="entr" presetSubtype="0" fill="hold" nodeType="withEffect">
-                                  <p:stCondLst>
-                                    <p:cond delay="0"/>
-                                  </p:stCondLst>
-                                  <p:childTnLst>
-                                    <p:set>
-                                      <p:cBhvr>
-                                        <p:cTn id="12" dur="1" fill="hold">
+                                        <p:cTn id="14" dur="1" fill="hold">
                                           <p:stCondLst>
                                             <p:cond delay="0"/>
                                           </p:stCondLst>
@@ -21838,26 +21896,8 @@
                                   </p:childTnLst>
                                 </p:cTn>
                               </p:par>
-                            </p:childTnLst>
-                          </p:cTn>
-                        </p:par>
-                      </p:childTnLst>
-                    </p:cTn>
-                  </p:par>
-                  <p:par>
-                    <p:cTn id="13" fill="hold">
-                      <p:stCondLst>
-                        <p:cond delay="indefinite"/>
-                      </p:stCondLst>
-                      <p:childTnLst>
-                        <p:par>
-                          <p:cTn id="14" fill="hold">
-                            <p:stCondLst>
-                              <p:cond delay="0"/>
-                            </p:stCondLst>
-                            <p:childTnLst>
                               <p:par>
-                                <p:cTn id="15" presetID="1" presetClass="entr" presetSubtype="0" fill="hold" nodeType="clickEffect">
+                                <p:cTn id="15" presetID="1" presetClass="entr" presetSubtype="0" fill="hold" nodeType="withEffect">
                                   <p:stCondLst>
                                     <p:cond delay="0"/>
                                   </p:stCondLst>
@@ -21910,171 +21950,15 @@
                                   </p:childTnLst>
                                 </p:cTn>
                               </p:par>
-                            </p:childTnLst>
-                          </p:cTn>
-                        </p:par>
-                      </p:childTnLst>
-                    </p:cTn>
-                  </p:par>
-                  <p:par>
-                    <p:cTn id="19" fill="hold">
-                      <p:stCondLst>
-                        <p:cond delay="indefinite"/>
-                      </p:stCondLst>
-                      <p:childTnLst>
-                        <p:par>
-                          <p:cTn id="20" fill="hold">
-                            <p:stCondLst>
-                              <p:cond delay="0"/>
-                            </p:stCondLst>
-                            <p:childTnLst>
                               <p:par>
-                                <p:cTn id="21" presetID="1" presetClass="entr" presetSubtype="0" fill="hold" grpId="0" nodeType="clickEffect">
+                                <p:cTn id="19" presetID="1" presetClass="entr" presetSubtype="0" fill="hold" grpId="0" nodeType="withEffect">
                                   <p:stCondLst>
                                     <p:cond delay="0"/>
                                   </p:stCondLst>
                                   <p:childTnLst>
                                     <p:set>
                                       <p:cBhvr>
-                                        <p:cTn id="22" dur="1" fill="hold">
-                                          <p:stCondLst>
-                                            <p:cond delay="0"/>
-                                          </p:stCondLst>
-                                        </p:cTn>
-                                        <p:tgtEl>
-                                          <p:spTgt spid="19">
-                                            <p:txEl>
-                                              <p:pRg st="0" end="0"/>
-                                            </p:txEl>
-                                          </p:spTgt>
-                                        </p:tgtEl>
-                                        <p:attrNameLst>
-                                          <p:attrName>style.visibility</p:attrName>
-                                        </p:attrNameLst>
-                                      </p:cBhvr>
-                                      <p:to>
-                                        <p:strVal val="visible"/>
-                                      </p:to>
-                                    </p:set>
-                                  </p:childTnLst>
-                                </p:cTn>
-                              </p:par>
-                            </p:childTnLst>
-                          </p:cTn>
-                        </p:par>
-                        <p:par>
-                          <p:cTn id="23" fill="hold">
-                            <p:stCondLst>
-                              <p:cond delay="0"/>
-                            </p:stCondLst>
-                            <p:childTnLst>
-                              <p:par>
-                                <p:cTn id="24" presetID="1" presetClass="entr" presetSubtype="0" fill="hold" grpId="0" nodeType="afterEffect">
-                                  <p:stCondLst>
-                                    <p:cond delay="0"/>
-                                  </p:stCondLst>
-                                  <p:childTnLst>
-                                    <p:set>
-                                      <p:cBhvr>
-                                        <p:cTn id="25" dur="1" fill="hold">
-                                          <p:stCondLst>
-                                            <p:cond delay="0"/>
-                                          </p:stCondLst>
-                                        </p:cTn>
-                                        <p:tgtEl>
-                                          <p:spTgt spid="19">
-                                            <p:txEl>
-                                              <p:pRg st="1" end="1"/>
-                                            </p:txEl>
-                                          </p:spTgt>
-                                        </p:tgtEl>
-                                        <p:attrNameLst>
-                                          <p:attrName>style.visibility</p:attrName>
-                                        </p:attrNameLst>
-                                      </p:cBhvr>
-                                      <p:to>
-                                        <p:strVal val="visible"/>
-                                      </p:to>
-                                    </p:set>
-                                  </p:childTnLst>
-                                </p:cTn>
-                              </p:par>
-                            </p:childTnLst>
-                          </p:cTn>
-                        </p:par>
-                      </p:childTnLst>
-                    </p:cTn>
-                  </p:par>
-                  <p:par>
-                    <p:cTn id="26" fill="hold">
-                      <p:stCondLst>
-                        <p:cond delay="indefinite"/>
-                      </p:stCondLst>
-                      <p:childTnLst>
-                        <p:par>
-                          <p:cTn id="27" fill="hold">
-                            <p:stCondLst>
-                              <p:cond delay="0"/>
-                            </p:stCondLst>
-                            <p:childTnLst>
-                              <p:par>
-                                <p:cTn id="28" presetID="1" presetClass="entr" presetSubtype="0" fill="hold" grpId="0" nodeType="clickEffect">
-                                  <p:stCondLst>
-                                    <p:cond delay="0"/>
-                                  </p:stCondLst>
-                                  <p:childTnLst>
-                                    <p:set>
-                                      <p:cBhvr>
-                                        <p:cTn id="29" dur="1" fill="hold">
-                                          <p:stCondLst>
-                                            <p:cond delay="0"/>
-                                          </p:stCondLst>
-                                        </p:cTn>
-                                        <p:tgtEl>
-                                          <p:spTgt spid="19">
-                                            <p:txEl>
-                                              <p:pRg st="2" end="2"/>
-                                            </p:txEl>
-                                          </p:spTgt>
-                                        </p:tgtEl>
-                                        <p:attrNameLst>
-                                          <p:attrName>style.visibility</p:attrName>
-                                        </p:attrNameLst>
-                                      </p:cBhvr>
-                                      <p:to>
-                                        <p:strVal val="visible"/>
-                                      </p:to>
-                                    </p:set>
-                                  </p:childTnLst>
-                                </p:cTn>
-                              </p:par>
-                            </p:childTnLst>
-                          </p:cTn>
-                        </p:par>
-                      </p:childTnLst>
-                    </p:cTn>
-                  </p:par>
-                  <p:par>
-                    <p:cTn id="30" fill="hold">
-                      <p:stCondLst>
-                        <p:cond delay="indefinite"/>
-                      </p:stCondLst>
-                      <p:childTnLst>
-                        <p:par>
-                          <p:cTn id="31" fill="hold">
-                            <p:stCondLst>
-                              <p:cond delay="0"/>
-                            </p:stCondLst>
-                            <p:childTnLst>
-                              <p:par>
-                                <p:cTn id="32" presetID="1" presetClass="entr" presetSubtype="0" fill="hold" grpId="0" nodeType="clickEffect">
-                                  <p:stCondLst>
-                                    <p:cond delay="0"/>
-                                  </p:stCondLst>
-                                  <p:childTnLst>
-                                    <p:set>
-                                      <p:cBhvr>
-                                        <p:cTn id="33" dur="1" fill="hold">
+                                        <p:cTn id="20" dur="1" fill="hold">
                                           <p:stCondLst>
                                             <p:cond delay="0"/>
                                           </p:stCondLst>
@@ -23381,7 +23265,7 @@
         <p:spPr>
           <a:xfrm>
             <a:off x="1008164" y="4908008"/>
-            <a:ext cx="10820435" cy="1446550"/>
+            <a:ext cx="11114706" cy="1261884"/>
           </a:xfrm>
           <a:prstGeom prst="rect">
             <a:avLst/>
@@ -23400,14 +23284,11 @@
             </a:pPr>
             <a:r>
               <a:rPr lang="fr-FR" sz="2800" dirty="0"/>
-              <a:t>Model Drift</a:t>
-            </a:r>
-          </a:p>
-          <a:p>
-            <a:pPr lvl="1"/>
+              <a:t>Détecter le Model Drift en utilisant Feedback utilisateur </a:t>
+            </a:r>
             <a:r>
               <a:rPr lang="fr-FR" sz="2000" dirty="0"/>
-              <a:t>Idée non implémentée utiliser le Feedback utilisateur </a:t>
+              <a:t>(non implémenté)</a:t>
             </a:r>
           </a:p>
           <a:p>
@@ -23416,7 +23297,7 @@
               <a:buChar char="è"/>
             </a:pPr>
             <a:r>
-              <a:rPr lang="fr-FR" sz="2000" dirty="0">
+              <a:rPr lang="fr-FR" sz="2400" dirty="0">
                 <a:sym typeface="Wingdings" panose="05000000000000000000" pitchFamily="2" charset="2"/>
               </a:rPr>
               <a:t> Calculer métrique de performance du Modèle </a:t>
@@ -23428,7 +23309,7 @@
               <a:buChar char="è"/>
             </a:pPr>
             <a:r>
-              <a:rPr lang="fr-FR" sz="2000" dirty="0">
+              <a:rPr lang="fr-FR" sz="2400" dirty="0">
                 <a:sym typeface="Wingdings" panose="05000000000000000000" pitchFamily="2" charset="2"/>
               </a:rPr>
               <a:t> Déclencher alerte si perte de performance</a:t>
@@ -24687,26 +24568,6 @@
 </file>
 
 <file path=customXml/item2.xml><?xml version="1.0" encoding="utf-8"?>
-<p:properties xmlns:p="http://schemas.microsoft.com/office/2006/metadata/properties" xmlns:xsi="http://www.w3.org/2001/XMLSchema-instance" xmlns:pc="http://schemas.microsoft.com/office/infopath/2007/PartnerControls">
-  <documentManagement>
-    <_ip_UnifiedCompliancePolicyUIAction xmlns="http://schemas.microsoft.com/sharepoint/v3" xsi:nil="true"/>
-    <Image xmlns="71af3243-3dd4-4a8d-8c0d-dd76da1f02a5">
-      <Url xsi:nil="true"/>
-      <Description xsi:nil="true"/>
-    </Image>
-    <Status xmlns="71af3243-3dd4-4a8d-8c0d-dd76da1f02a5">Not started</Status>
-    <Background xmlns="71af3243-3dd4-4a8d-8c0d-dd76da1f02a5">false</Background>
-    <_ip_UnifiedCompliancePolicyProperties xmlns="http://schemas.microsoft.com/sharepoint/v3" xsi:nil="true"/>
-    <ImageTagsTaxHTField xmlns="71af3243-3dd4-4a8d-8c0d-dd76da1f02a5">
-      <Terms xmlns="http://schemas.microsoft.com/office/infopath/2007/PartnerControls"/>
-    </ImageTagsTaxHTField>
-    <TaxCatchAll xmlns="230e9df3-be65-4c73-a93b-d1236ebd677e" xsi:nil="true"/>
-    <MediaServiceKeyPoints xmlns="71af3243-3dd4-4a8d-8c0d-dd76da1f02a5" xsi:nil="true"/>
-  </documentManagement>
-</p:properties>
-</file>
-
-<file path=customXml/item3.xml><?xml version="1.0" encoding="utf-8"?>
 <ct:contentTypeSchema xmlns:ct="http://schemas.microsoft.com/office/2006/metadata/contentType" xmlns:ma="http://schemas.microsoft.com/office/2006/metadata/properties/metaAttributes" ct:_="" ma:_="" ma:contentTypeName="Document" ma:contentTypeID="0x01010079F111ED35F8CC479449609E8A0923A6" ma:contentTypeVersion="27" ma:contentTypeDescription="Create a new document." ma:contentTypeScope="" ma:versionID="c6f9a84f66a9c8b9a21755b9ffafb945">
   <xsd:schema xmlns:xsd="http://www.w3.org/2001/XMLSchema" xmlns:xs="http://www.w3.org/2001/XMLSchema" xmlns:p="http://schemas.microsoft.com/office/2006/metadata/properties" xmlns:ns1="http://schemas.microsoft.com/sharepoint/v3" xmlns:ns2="71af3243-3dd4-4a8d-8c0d-dd76da1f02a5" xmlns:ns3="16c05727-aa75-4e4a-9b5f-8a80a1165891" xmlns:ns4="230e9df3-be65-4c73-a93b-d1236ebd677e" targetNamespace="http://schemas.microsoft.com/office/2006/metadata/properties" ma:root="true" ma:fieldsID="27df39e3e7036dff54f89ddd5805ce72" ns1:_="" ns2:_="" ns3:_="" ns4:_="">
     <xsd:import namespace="http://schemas.microsoft.com/sharepoint/v3"/>
@@ -25012,6 +24873,26 @@
 </ct:contentTypeSchema>
 </file>
 
+<file path=customXml/item3.xml><?xml version="1.0" encoding="utf-8"?>
+<p:properties xmlns:p="http://schemas.microsoft.com/office/2006/metadata/properties" xmlns:xsi="http://www.w3.org/2001/XMLSchema-instance" xmlns:pc="http://schemas.microsoft.com/office/infopath/2007/PartnerControls">
+  <documentManagement>
+    <_ip_UnifiedCompliancePolicyUIAction xmlns="http://schemas.microsoft.com/sharepoint/v3" xsi:nil="true"/>
+    <Image xmlns="71af3243-3dd4-4a8d-8c0d-dd76da1f02a5">
+      <Url xsi:nil="true"/>
+      <Description xsi:nil="true"/>
+    </Image>
+    <Status xmlns="71af3243-3dd4-4a8d-8c0d-dd76da1f02a5">Not started</Status>
+    <Background xmlns="71af3243-3dd4-4a8d-8c0d-dd76da1f02a5">false</Background>
+    <_ip_UnifiedCompliancePolicyProperties xmlns="http://schemas.microsoft.com/sharepoint/v3" xsi:nil="true"/>
+    <ImageTagsTaxHTField xmlns="71af3243-3dd4-4a8d-8c0d-dd76da1f02a5">
+      <Terms xmlns="http://schemas.microsoft.com/office/infopath/2007/PartnerControls"/>
+    </ImageTagsTaxHTField>
+    <TaxCatchAll xmlns="230e9df3-be65-4c73-a93b-d1236ebd677e" xsi:nil="true"/>
+    <MediaServiceKeyPoints xmlns="71af3243-3dd4-4a8d-8c0d-dd76da1f02a5" xsi:nil="true"/>
+  </documentManagement>
+</p:properties>
+</file>
+
 <file path=customXml/itemProps1.xml><?xml version="1.0" encoding="utf-8"?>
 <ds:datastoreItem xmlns:ds="http://schemas.openxmlformats.org/officeDocument/2006/customXml" ds:itemID="{79BF405E-7930-4D5C-ABB3-493E9D6D6CEA}">
   <ds:schemaRefs>
@@ -25021,18 +24902,6 @@
 </file>
 
 <file path=customXml/itemProps2.xml><?xml version="1.0" encoding="utf-8"?>
-<ds:datastoreItem xmlns:ds="http://schemas.openxmlformats.org/officeDocument/2006/customXml" ds:itemID="{6EA97235-BEC4-4F82-87A8-2F5DAD53B5F9}">
-  <ds:schemaRefs>
-    <ds:schemaRef ds:uri="http://schemas.microsoft.com/office/2006/metadata/properties"/>
-    <ds:schemaRef ds:uri="http://schemas.microsoft.com/office/infopath/2007/PartnerControls"/>
-    <ds:schemaRef ds:uri="http://schemas.microsoft.com/sharepoint/v3"/>
-    <ds:schemaRef ds:uri="71af3243-3dd4-4a8d-8c0d-dd76da1f02a5"/>
-    <ds:schemaRef ds:uri="230e9df3-be65-4c73-a93b-d1236ebd677e"/>
-  </ds:schemaRefs>
-</ds:datastoreItem>
-</file>
-
-<file path=customXml/itemProps3.xml><?xml version="1.0" encoding="utf-8"?>
 <ds:datastoreItem xmlns:ds="http://schemas.openxmlformats.org/officeDocument/2006/customXml" ds:itemID="{2C1F447F-FAA8-4106-988B-648F3C8EDB2D}">
   <ds:schemaRefs>
     <ds:schemaRef ds:uri="http://schemas.microsoft.com/office/2006/metadata/contentType"/>
@@ -25053,6 +24922,18 @@
 </ds:datastoreItem>
 </file>
 
+<file path=customXml/itemProps3.xml><?xml version="1.0" encoding="utf-8"?>
+<ds:datastoreItem xmlns:ds="http://schemas.openxmlformats.org/officeDocument/2006/customXml" ds:itemID="{6EA97235-BEC4-4F82-87A8-2F5DAD53B5F9}">
+  <ds:schemaRefs>
+    <ds:schemaRef ds:uri="http://schemas.microsoft.com/office/2006/metadata/properties"/>
+    <ds:schemaRef ds:uri="http://schemas.microsoft.com/office/infopath/2007/PartnerControls"/>
+    <ds:schemaRef ds:uri="http://schemas.microsoft.com/sharepoint/v3"/>
+    <ds:schemaRef ds:uri="71af3243-3dd4-4a8d-8c0d-dd76da1f02a5"/>
+    <ds:schemaRef ds:uri="230e9df3-be65-4c73-a93b-d1236ebd677e"/>
+  </ds:schemaRefs>
+</ds:datastoreItem>
+</file>
+
 <file path=docMetadata/LabelInfo.xml><?xml version="1.0" encoding="utf-8"?>
 <clbl:labelList xmlns:clbl="http://schemas.microsoft.com/office/2020/mipLabelMetadata"/>
 </file>
--- a/report/Projet_classification_MLOps_Partie3_Aymen.pptx
+++ b/report/Projet_classification_MLOps_Partie3_Aymen.pptx
@@ -5,15 +5,16 @@
     <p:sldMasterId id="2147483666" r:id="rId4"/>
   </p:sldMasterIdLst>
   <p:notesMasterIdLst>
-    <p:notesMasterId r:id="rId8"/>
+    <p:notesMasterId r:id="rId9"/>
   </p:notesMasterIdLst>
   <p:handoutMasterIdLst>
-    <p:handoutMasterId r:id="rId9"/>
+    <p:handoutMasterId r:id="rId10"/>
   </p:handoutMasterIdLst>
   <p:sldIdLst>
-    <p:sldId id="287" r:id="rId5"/>
-    <p:sldId id="289" r:id="rId6"/>
-    <p:sldId id="288" r:id="rId7"/>
+    <p:sldId id="290" r:id="rId5"/>
+    <p:sldId id="287" r:id="rId6"/>
+    <p:sldId id="289" r:id="rId7"/>
+    <p:sldId id="288" r:id="rId8"/>
   </p:sldIdLst>
   <p:sldSz cx="12192000" cy="6858000"/>
   <p:notesSz cx="6858000" cy="9144000"/>
@@ -16449,6 +16450,252 @@
 </file>
 
 <file path=ppt/slides/slide1.xml><?xml version="1.0" encoding="utf-8"?>
+<p:sld xmlns:a="http://schemas.openxmlformats.org/drawingml/2006/main" xmlns:r="http://schemas.openxmlformats.org/officeDocument/2006/relationships" xmlns:p="http://schemas.openxmlformats.org/presentationml/2006/main">
+  <p:cSld>
+    <p:spTree>
+      <p:nvGrpSpPr>
+        <p:cNvPr id="1" name="">
+          <a:extLst>
+            <a:ext uri="{FF2B5EF4-FFF2-40B4-BE49-F238E27FC236}">
+              <a16:creationId xmlns:a16="http://schemas.microsoft.com/office/drawing/2014/main" id="{0A6C99E7-28D1-1863-B843-BDB1BA72BEF8}"/>
+            </a:ext>
+          </a:extLst>
+        </p:cNvPr>
+        <p:cNvGrpSpPr/>
+        <p:nvPr/>
+      </p:nvGrpSpPr>
+      <p:grpSpPr>
+        <a:xfrm>
+          <a:off x="0" y="0"/>
+          <a:ext cx="0" cy="0"/>
+          <a:chOff x="0" y="0"/>
+          <a:chExt cx="0" cy="0"/>
+        </a:xfrm>
+      </p:grpSpPr>
+      <p:sp>
+        <p:nvSpPr>
+          <p:cNvPr id="2" name="Titre 1">
+            <a:extLst>
+              <a:ext uri="{FF2B5EF4-FFF2-40B4-BE49-F238E27FC236}">
+                <a16:creationId xmlns:a16="http://schemas.microsoft.com/office/drawing/2014/main" id="{BCE18273-212A-F2AE-D06C-5D55F27BA295}"/>
+              </a:ext>
+            </a:extLst>
+          </p:cNvPr>
+          <p:cNvSpPr>
+            <a:spLocks noGrp="1"/>
+          </p:cNvSpPr>
+          <p:nvPr>
+            <p:ph type="title"/>
+          </p:nvPr>
+        </p:nvSpPr>
+        <p:spPr>
+          <a:xfrm>
+            <a:off x="838200" y="222062"/>
+            <a:ext cx="10963274" cy="583781"/>
+          </a:xfrm>
+        </p:spPr>
+        <p:txBody>
+          <a:bodyPr/>
+          <a:lstStyle/>
+          <a:p>
+            <a:r>
+              <a:rPr lang="fr-FR" dirty="0"/>
+              <a:t>Plan de la présentation</a:t>
+            </a:r>
+            <a:endParaRPr lang="en-US" dirty="0"/>
+          </a:p>
+        </p:txBody>
+      </p:sp>
+      <p:sp>
+        <p:nvSpPr>
+          <p:cNvPr id="3" name="Espace réservé de la date 2">
+            <a:extLst>
+              <a:ext uri="{FF2B5EF4-FFF2-40B4-BE49-F238E27FC236}">
+                <a16:creationId xmlns:a16="http://schemas.microsoft.com/office/drawing/2014/main" id="{A9D7426C-AC89-D4F1-1CAC-0DFCA9D672FA}"/>
+              </a:ext>
+            </a:extLst>
+          </p:cNvPr>
+          <p:cNvSpPr>
+            <a:spLocks noGrp="1"/>
+          </p:cNvSpPr>
+          <p:nvPr>
+            <p:ph type="dt" sz="half" idx="10"/>
+          </p:nvPr>
+        </p:nvSpPr>
+        <p:spPr>
+          <a:xfrm>
+            <a:off x="838200" y="6356350"/>
+            <a:ext cx="2743200" cy="365125"/>
+          </a:xfrm>
+        </p:spPr>
+        <p:txBody>
+          <a:bodyPr/>
+          <a:lstStyle/>
+          <a:p>
+            <a:r>
+              <a:rPr lang="en-US"/>
+              <a:t>2024</a:t>
+            </a:r>
+            <a:endParaRPr lang="en-US" dirty="0"/>
+          </a:p>
+        </p:txBody>
+      </p:sp>
+      <p:sp>
+        <p:nvSpPr>
+          <p:cNvPr id="4" name="Espace réservé du pied de page 3">
+            <a:extLst>
+              <a:ext uri="{FF2B5EF4-FFF2-40B4-BE49-F238E27FC236}">
+                <a16:creationId xmlns:a16="http://schemas.microsoft.com/office/drawing/2014/main" id="{90746791-CA99-DF79-0910-02C52AF774DE}"/>
+              </a:ext>
+            </a:extLst>
+          </p:cNvPr>
+          <p:cNvSpPr>
+            <a:spLocks noGrp="1"/>
+          </p:cNvSpPr>
+          <p:nvPr>
+            <p:ph type="ftr" sz="quarter" idx="11"/>
+          </p:nvPr>
+        </p:nvSpPr>
+        <p:spPr>
+          <a:xfrm>
+            <a:off x="4038600" y="6356350"/>
+            <a:ext cx="4114800" cy="365125"/>
+          </a:xfrm>
+        </p:spPr>
+        <p:txBody>
+          <a:bodyPr/>
+          <a:lstStyle/>
+          <a:p>
+            <a:r>
+              <a:rPr lang="en-US"/>
+              <a:t>Projet classification de documents</a:t>
+            </a:r>
+            <a:endParaRPr lang="en-US" dirty="0"/>
+          </a:p>
+        </p:txBody>
+      </p:sp>
+      <p:sp>
+        <p:nvSpPr>
+          <p:cNvPr id="5" name="Espace réservé du numéro de diapositive 4">
+            <a:extLst>
+              <a:ext uri="{FF2B5EF4-FFF2-40B4-BE49-F238E27FC236}">
+                <a16:creationId xmlns:a16="http://schemas.microsoft.com/office/drawing/2014/main" id="{A3D6B29D-9783-626C-C979-1CB7066ADACD}"/>
+              </a:ext>
+            </a:extLst>
+          </p:cNvPr>
+          <p:cNvSpPr>
+            <a:spLocks noGrp="1"/>
+          </p:cNvSpPr>
+          <p:nvPr>
+            <p:ph type="sldNum" sz="quarter" idx="12"/>
+          </p:nvPr>
+        </p:nvSpPr>
+        <p:spPr>
+          <a:xfrm>
+            <a:off x="8610600" y="6356350"/>
+            <a:ext cx="2743200" cy="365125"/>
+          </a:xfrm>
+        </p:spPr>
+        <p:txBody>
+          <a:bodyPr/>
+          <a:lstStyle/>
+          <a:p>
+            <a:fld id="{B5CEABB6-07DC-46E8-9B57-56EC44A396E5}" type="slidenum">
+              <a:rPr lang="en-US" smtClean="0"/>
+              <a:pPr/>
+              <a:t>1</a:t>
+            </a:fld>
+            <a:endParaRPr lang="en-US" dirty="0"/>
+          </a:p>
+        </p:txBody>
+      </p:sp>
+      <p:sp>
+        <p:nvSpPr>
+          <p:cNvPr id="6" name="Espace réservé du contenu 5">
+            <a:extLst>
+              <a:ext uri="{FF2B5EF4-FFF2-40B4-BE49-F238E27FC236}">
+                <a16:creationId xmlns:a16="http://schemas.microsoft.com/office/drawing/2014/main" id="{FFA3E202-4659-00EF-1638-0CEE05105C9E}"/>
+              </a:ext>
+            </a:extLst>
+          </p:cNvPr>
+          <p:cNvSpPr>
+            <a:spLocks noGrp="1"/>
+          </p:cNvSpPr>
+          <p:nvPr>
+            <p:ph sz="quarter" idx="16"/>
+          </p:nvPr>
+        </p:nvSpPr>
+        <p:spPr>
+          <a:xfrm>
+            <a:off x="838200" y="1199072"/>
+            <a:ext cx="10963274" cy="4899803"/>
+          </a:xfrm>
+        </p:spPr>
+        <p:txBody>
+          <a:bodyPr/>
+          <a:lstStyle/>
+          <a:p>
+            <a:r>
+              <a:rPr lang="fr-FR" dirty="0"/>
+              <a:t>Introduction &amp; Démo</a:t>
+            </a:r>
+          </a:p>
+          <a:p>
+            <a:r>
+              <a:rPr lang="fr-FR" dirty="0"/>
+              <a:t>Modèle et jeu de données</a:t>
+            </a:r>
+          </a:p>
+          <a:p>
+            <a:r>
+              <a:rPr lang="fr-FR" dirty="0"/>
+              <a:t>Pipeline Training &amp; Monitoring</a:t>
+            </a:r>
+          </a:p>
+          <a:p>
+            <a:r>
+              <a:rPr lang="fr-FR" b="1" dirty="0"/>
+              <a:t>Pipeline Prédiction &amp; Feedback User</a:t>
+            </a:r>
+          </a:p>
+          <a:p>
+            <a:r>
+              <a:rPr lang="fr-FR" dirty="0"/>
+              <a:t>Déploiement </a:t>
+            </a:r>
+            <a:r>
+              <a:rPr lang="fr-FR" dirty="0" err="1"/>
+              <a:t>MLOps</a:t>
+            </a:r>
+            <a:r>
+              <a:rPr lang="fr-FR" dirty="0"/>
+              <a:t> (CI/CD, </a:t>
+            </a:r>
+            <a:r>
+              <a:rPr lang="fr-FR" dirty="0" err="1"/>
+              <a:t>Kubernetes</a:t>
+            </a:r>
+            <a:r>
+              <a:rPr lang="fr-FR" dirty="0"/>
+              <a:t>, Sécurisation)</a:t>
+            </a:r>
+          </a:p>
+        </p:txBody>
+      </p:sp>
+    </p:spTree>
+    <p:extLst>
+      <p:ext uri="{BB962C8B-B14F-4D97-AF65-F5344CB8AC3E}">
+        <p14:creationId xmlns:p14="http://schemas.microsoft.com/office/powerpoint/2010/main" val="502873019"/>
+      </p:ext>
+    </p:extLst>
+  </p:cSld>
+  <p:clrMapOvr>
+    <a:masterClrMapping/>
+  </p:clrMapOvr>
+</p:sld>
+</file>
+
+<file path=ppt/slides/slide2.xml><?xml version="1.0" encoding="utf-8"?>
 <p:sld xmlns:a="http://schemas.openxmlformats.org/drawingml/2006/main" xmlns:r="http://schemas.openxmlformats.org/officeDocument/2006/relationships" xmlns:p="http://schemas.openxmlformats.org/presentationml/2006/main">
   <p:cSld>
     <p:spTree>
@@ -20063,26 +20310,35 @@
                                   </p:childTnLst>
                                 </p:cTn>
                               </p:par>
-                            </p:childTnLst>
-                          </p:cTn>
-                        </p:par>
-                      </p:childTnLst>
-                    </p:cTn>
-                  </p:par>
-                  <p:par>
-                    <p:cTn id="43" fill="hold">
-                      <p:stCondLst>
-                        <p:cond delay="indefinite"/>
-                      </p:stCondLst>
-                      <p:childTnLst>
-                        <p:par>
-                          <p:cTn id="44" fill="hold">
-                            <p:stCondLst>
-                              <p:cond delay="0"/>
-                            </p:stCondLst>
-                            <p:childTnLst>
                               <p:par>
-                                <p:cTn id="45" presetID="1" presetClass="entr" presetSubtype="0" fill="hold" nodeType="clickEffect">
+                                <p:cTn id="43" presetID="1" presetClass="entr" presetSubtype="0" fill="hold" nodeType="withEffect">
+                                  <p:stCondLst>
+                                    <p:cond delay="0"/>
+                                  </p:stCondLst>
+                                  <p:childTnLst>
+                                    <p:set>
+                                      <p:cBhvr>
+                                        <p:cTn id="44" dur="1" fill="hold">
+                                          <p:stCondLst>
+                                            <p:cond delay="0"/>
+                                          </p:stCondLst>
+                                        </p:cTn>
+                                        <p:tgtEl>
+                                          <p:spTgt spid="18"/>
+                                        </p:tgtEl>
+                                        <p:attrNameLst>
+                                          <p:attrName>style.visibility</p:attrName>
+                                        </p:attrNameLst>
+                                      </p:cBhvr>
+                                      <p:to>
+                                        <p:strVal val="visible"/>
+                                      </p:to>
+                                    </p:set>
+                                  </p:childTnLst>
+                                </p:cTn>
+                              </p:par>
+                              <p:par>
+                                <p:cTn id="45" presetID="1" presetClass="entr" presetSubtype="0" fill="hold" nodeType="withEffect">
                                   <p:stCondLst>
                                     <p:cond delay="0"/>
                                   </p:stCondLst>
@@ -20095,7 +20351,7 @@
                                           </p:stCondLst>
                                         </p:cTn>
                                         <p:tgtEl>
-                                          <p:spTgt spid="18"/>
+                                          <p:spTgt spid="24"/>
                                         </p:tgtEl>
                                         <p:attrNameLst>
                                           <p:attrName>style.visibility</p:attrName>
@@ -20122,33 +20378,6 @@
                                           </p:stCondLst>
                                         </p:cTn>
                                         <p:tgtEl>
-                                          <p:spTgt spid="24"/>
-                                        </p:tgtEl>
-                                        <p:attrNameLst>
-                                          <p:attrName>style.visibility</p:attrName>
-                                        </p:attrNameLst>
-                                      </p:cBhvr>
-                                      <p:to>
-                                        <p:strVal val="visible"/>
-                                      </p:to>
-                                    </p:set>
-                                  </p:childTnLst>
-                                </p:cTn>
-                              </p:par>
-                              <p:par>
-                                <p:cTn id="49" presetID="1" presetClass="entr" presetSubtype="0" fill="hold" nodeType="withEffect">
-                                  <p:stCondLst>
-                                    <p:cond delay="0"/>
-                                  </p:stCondLst>
-                                  <p:childTnLst>
-                                    <p:set>
-                                      <p:cBhvr>
-                                        <p:cTn id="50" dur="1" fill="hold">
-                                          <p:stCondLst>
-                                            <p:cond delay="0"/>
-                                          </p:stCondLst>
-                                        </p:cTn>
-                                        <p:tgtEl>
                                           <p:spTgt spid="52"/>
                                         </p:tgtEl>
                                         <p:attrNameLst>
@@ -20169,26 +20398,26 @@
                     </p:cTn>
                   </p:par>
                   <p:par>
-                    <p:cTn id="51" fill="hold">
+                    <p:cTn id="49" fill="hold">
                       <p:stCondLst>
                         <p:cond delay="indefinite"/>
                       </p:stCondLst>
                       <p:childTnLst>
                         <p:par>
-                          <p:cTn id="52" fill="hold">
+                          <p:cTn id="50" fill="hold">
                             <p:stCondLst>
                               <p:cond delay="0"/>
                             </p:stCondLst>
                             <p:childTnLst>
                               <p:par>
-                                <p:cTn id="53" presetID="1" presetClass="entr" presetSubtype="0" fill="hold" grpId="0" nodeType="clickEffect">
+                                <p:cTn id="51" presetID="1" presetClass="entr" presetSubtype="0" fill="hold" grpId="0" nodeType="clickEffect">
                                   <p:stCondLst>
                                     <p:cond delay="0"/>
                                   </p:stCondLst>
                                   <p:childTnLst>
                                     <p:set>
                                       <p:cBhvr>
-                                        <p:cTn id="54" dur="1" fill="hold">
+                                        <p:cTn id="52" dur="1" fill="hold">
                                           <p:stCondLst>
                                             <p:cond delay="0"/>
                                           </p:stCondLst>
@@ -20208,14 +20437,14 @@
                                 </p:cTn>
                               </p:par>
                               <p:par>
-                                <p:cTn id="55" presetID="1" presetClass="entr" presetSubtype="0" fill="hold" grpId="0" nodeType="withEffect">
+                                <p:cTn id="53" presetID="1" presetClass="entr" presetSubtype="0" fill="hold" grpId="0" nodeType="withEffect">
                                   <p:stCondLst>
                                     <p:cond delay="0"/>
                                   </p:stCondLst>
                                   <p:childTnLst>
                                     <p:set>
                                       <p:cBhvr>
-                                        <p:cTn id="56" dur="1" fill="hold">
+                                        <p:cTn id="54" dur="1" fill="hold">
                                           <p:stCondLst>
                                             <p:cond delay="0"/>
                                           </p:stCondLst>
@@ -20235,14 +20464,14 @@
                                 </p:cTn>
                               </p:par>
                               <p:par>
-                                <p:cTn id="57" presetID="1" presetClass="entr" presetSubtype="0" fill="hold" nodeType="withEffect">
+                                <p:cTn id="55" presetID="1" presetClass="entr" presetSubtype="0" fill="hold" nodeType="withEffect">
                                   <p:stCondLst>
                                     <p:cond delay="0"/>
                                   </p:stCondLst>
                                   <p:childTnLst>
                                     <p:set>
                                       <p:cBhvr>
-                                        <p:cTn id="58" dur="1" fill="hold">
+                                        <p:cTn id="56" dur="1" fill="hold">
                                           <p:stCondLst>
                                             <p:cond delay="0"/>
                                           </p:stCondLst>
@@ -20262,14 +20491,14 @@
                                 </p:cTn>
                               </p:par>
                               <p:par>
-                                <p:cTn id="59" presetID="1" presetClass="entr" presetSubtype="0" fill="hold" grpId="0" nodeType="withEffect">
+                                <p:cTn id="57" presetID="1" presetClass="entr" presetSubtype="0" fill="hold" grpId="0" nodeType="withEffect">
                                   <p:stCondLst>
                                     <p:cond delay="0"/>
                                   </p:stCondLst>
                                   <p:childTnLst>
                                     <p:set>
                                       <p:cBhvr>
-                                        <p:cTn id="60" dur="1" fill="hold">
+                                        <p:cTn id="58" dur="1" fill="hold">
                                           <p:stCondLst>
                                             <p:cond delay="0"/>
                                           </p:stCondLst>
@@ -20289,14 +20518,14 @@
                                 </p:cTn>
                               </p:par>
                               <p:par>
-                                <p:cTn id="61" presetID="1" presetClass="entr" presetSubtype="0" fill="hold" nodeType="withEffect">
+                                <p:cTn id="59" presetID="1" presetClass="entr" presetSubtype="0" fill="hold" nodeType="withEffect">
                                   <p:stCondLst>
                                     <p:cond delay="0"/>
                                   </p:stCondLst>
                                   <p:childTnLst>
                                     <p:set>
                                       <p:cBhvr>
-                                        <p:cTn id="62" dur="1" fill="hold">
+                                        <p:cTn id="60" dur="1" fill="hold">
                                           <p:stCondLst>
                                             <p:cond delay="0"/>
                                           </p:stCondLst>
@@ -20322,26 +20551,26 @@
                     </p:cTn>
                   </p:par>
                   <p:par>
-                    <p:cTn id="63" fill="hold">
+                    <p:cTn id="61" fill="hold">
                       <p:stCondLst>
                         <p:cond delay="indefinite"/>
                       </p:stCondLst>
                       <p:childTnLst>
                         <p:par>
-                          <p:cTn id="64" fill="hold">
+                          <p:cTn id="62" fill="hold">
                             <p:stCondLst>
                               <p:cond delay="0"/>
                             </p:stCondLst>
                             <p:childTnLst>
                               <p:par>
-                                <p:cTn id="65" presetID="1" presetClass="entr" presetSubtype="0" fill="hold" nodeType="clickEffect">
+                                <p:cTn id="63" presetID="1" presetClass="entr" presetSubtype="0" fill="hold" nodeType="clickEffect">
                                   <p:stCondLst>
                                     <p:cond delay="0"/>
                                   </p:stCondLst>
                                   <p:childTnLst>
                                     <p:set>
                                       <p:cBhvr>
-                                        <p:cTn id="66" dur="1" fill="hold">
+                                        <p:cTn id="64" dur="1" fill="hold">
                                           <p:stCondLst>
                                             <p:cond delay="0"/>
                                           </p:stCondLst>
@@ -20367,19 +20596,46 @@
                     </p:cTn>
                   </p:par>
                   <p:par>
-                    <p:cTn id="67" fill="hold">
+                    <p:cTn id="65" fill="hold">
                       <p:stCondLst>
                         <p:cond delay="indefinite"/>
                       </p:stCondLst>
                       <p:childTnLst>
                         <p:par>
-                          <p:cTn id="68" fill="hold">
+                          <p:cTn id="66" fill="hold">
                             <p:stCondLst>
                               <p:cond delay="0"/>
                             </p:stCondLst>
                             <p:childTnLst>
                               <p:par>
-                                <p:cTn id="69" presetID="1" presetClass="entr" presetSubtype="0" fill="hold" nodeType="clickEffect">
+                                <p:cTn id="67" presetID="1" presetClass="entr" presetSubtype="0" fill="hold" nodeType="clickEffect">
+                                  <p:stCondLst>
+                                    <p:cond delay="0"/>
+                                  </p:stCondLst>
+                                  <p:childTnLst>
+                                    <p:set>
+                                      <p:cBhvr>
+                                        <p:cTn id="68" dur="1" fill="hold">
+                                          <p:stCondLst>
+                                            <p:cond delay="0"/>
+                                          </p:stCondLst>
+                                        </p:cTn>
+                                        <p:tgtEl>
+                                          <p:spTgt spid="40"/>
+                                        </p:tgtEl>
+                                        <p:attrNameLst>
+                                          <p:attrName>style.visibility</p:attrName>
+                                        </p:attrNameLst>
+                                      </p:cBhvr>
+                                      <p:to>
+                                        <p:strVal val="visible"/>
+                                      </p:to>
+                                    </p:set>
+                                  </p:childTnLst>
+                                </p:cTn>
+                              </p:par>
+                              <p:par>
+                                <p:cTn id="69" presetID="1" presetClass="entr" presetSubtype="0" fill="hold" grpId="0" nodeType="withEffect">
                                   <p:stCondLst>
                                     <p:cond delay="0"/>
                                   </p:stCondLst>
@@ -20392,7 +20648,7 @@
                                           </p:stCondLst>
                                         </p:cTn>
                                         <p:tgtEl>
-                                          <p:spTgt spid="40"/>
+                                          <p:spTgt spid="62"/>
                                         </p:tgtEl>
                                         <p:attrNameLst>
                                           <p:attrName>style.visibility</p:attrName>
@@ -20414,33 +20670,6 @@
                                     <p:set>
                                       <p:cBhvr>
                                         <p:cTn id="72" dur="1" fill="hold">
-                                          <p:stCondLst>
-                                            <p:cond delay="0"/>
-                                          </p:stCondLst>
-                                        </p:cTn>
-                                        <p:tgtEl>
-                                          <p:spTgt spid="62"/>
-                                        </p:tgtEl>
-                                        <p:attrNameLst>
-                                          <p:attrName>style.visibility</p:attrName>
-                                        </p:attrNameLst>
-                                      </p:cBhvr>
-                                      <p:to>
-                                        <p:strVal val="visible"/>
-                                      </p:to>
-                                    </p:set>
-                                  </p:childTnLst>
-                                </p:cTn>
-                              </p:par>
-                              <p:par>
-                                <p:cTn id="73" presetID="1" presetClass="entr" presetSubtype="0" fill="hold" grpId="0" nodeType="withEffect">
-                                  <p:stCondLst>
-                                    <p:cond delay="0"/>
-                                  </p:stCondLst>
-                                  <p:childTnLst>
-                                    <p:set>
-                                      <p:cBhvr>
-                                        <p:cTn id="74" dur="1" fill="hold">
                                           <p:stCondLst>
                                             <p:cond delay="0"/>
                                           </p:stCondLst>
@@ -20500,7 +20729,7 @@
 </p:sld>
 </file>
 
-<file path=ppt/slides/slide2.xml><?xml version="1.0" encoding="utf-8"?>
+<file path=ppt/slides/slide3.xml><?xml version="1.0" encoding="utf-8"?>
 <p:sld xmlns:a="http://schemas.openxmlformats.org/drawingml/2006/main" xmlns:r="http://schemas.openxmlformats.org/officeDocument/2006/relationships" xmlns:p="http://schemas.openxmlformats.org/presentationml/2006/main">
   <p:cSld>
     <p:spTree>
@@ -20588,12 +20817,8 @@
             <a:lstStyle/>
             <a:p>
               <a:r>
-                <a:rPr lang="fr-FR" b="1" dirty="0" err="1"/>
-                <a:t>Streamlit</a:t>
-              </a:r>
-              <a:r>
                 <a:rPr lang="fr-FR" b="1" dirty="0"/>
-                <a:t>-frontend</a:t>
+                <a:t>USER-frontend</a:t>
               </a:r>
             </a:p>
           </p:txBody>
@@ -20759,7 +20984,7 @@
             <a:fld id="{B5CEABB6-07DC-46E8-9B57-56EC44A396E5}" type="slidenum">
               <a:rPr lang="en-US" smtClean="0"/>
               <a:pPr/>
-              <a:t>2</a:t>
+              <a:t>3</a:t>
             </a:fld>
             <a:endParaRPr lang="en-US" dirty="0"/>
           </a:p>
@@ -21685,7 +21910,7 @@
             </a:r>
             <a:r>
               <a:rPr lang="fr-FR" dirty="0"/>
-              <a:t> </a:t>
+              <a:t> User </a:t>
             </a:r>
             <a:r>
               <a:rPr lang="fr-FR" dirty="0" err="1"/>
@@ -21728,6 +21953,35 @@
           </a:p>
         </p:txBody>
       </p:sp>
+      <p:pic>
+        <p:nvPicPr>
+          <p:cNvPr id="16" name="Image 15" descr="Une image contenant logo, Graphique, Police, graphisme&#10;&#10;Le contenu généré par l’IA peut être incorrect.">
+            <a:extLst>
+              <a:ext uri="{FF2B5EF4-FFF2-40B4-BE49-F238E27FC236}">
+                <a16:creationId xmlns:a16="http://schemas.microsoft.com/office/drawing/2014/main" id="{850FA15F-4B23-56EF-8FF4-5F7B9A000FAD}"/>
+              </a:ext>
+            </a:extLst>
+          </p:cNvPr>
+          <p:cNvPicPr>
+            <a:picLocks noChangeAspect="1"/>
+          </p:cNvPicPr>
+          <p:nvPr/>
+        </p:nvPicPr>
+        <p:blipFill>
+          <a:blip r:embed="rId6"/>
+          <a:srcRect l="3961" t="27473" r="4988" b="25711"/>
+          <a:stretch/>
+        </p:blipFill>
+        <p:spPr>
+          <a:xfrm>
+            <a:off x="2497153" y="1532617"/>
+            <a:ext cx="1227480" cy="628333"/>
+          </a:xfrm>
+          <a:prstGeom prst="rect">
+            <a:avLst/>
+          </a:prstGeom>
+        </p:spPr>
+      </p:pic>
     </p:spTree>
     <p:extLst>
       <p:ext uri="{BB962C8B-B14F-4D97-AF65-F5344CB8AC3E}">
@@ -22016,7 +22270,7 @@
 </p:sld>
 </file>
 
-<file path=ppt/slides/slide3.xml><?xml version="1.0" encoding="utf-8"?>
+<file path=ppt/slides/slide4.xml><?xml version="1.0" encoding="utf-8"?>
 <p:sld xmlns:a="http://schemas.openxmlformats.org/drawingml/2006/main" xmlns:r="http://schemas.openxmlformats.org/officeDocument/2006/relationships" xmlns:p="http://schemas.openxmlformats.org/presentationml/2006/main">
   <p:cSld>
     <p:spTree>
@@ -22127,10 +22381,10 @@
         </p:nvGrpSpPr>
         <p:grpSpPr>
           <a:xfrm>
-            <a:off x="2871575" y="2351230"/>
-            <a:ext cx="5181879" cy="583781"/>
-            <a:chOff x="3254674" y="1912786"/>
-            <a:chExt cx="5068391" cy="583781"/>
+            <a:off x="2871575" y="2135928"/>
+            <a:ext cx="5181879" cy="799084"/>
+            <a:chOff x="3254674" y="1697484"/>
+            <a:chExt cx="5068391" cy="799084"/>
           </a:xfrm>
         </p:grpSpPr>
         <p:sp>
@@ -22147,8 +22401,8 @@
           </p:nvSpPr>
           <p:spPr>
             <a:xfrm>
-              <a:off x="3254674" y="1912786"/>
-              <a:ext cx="5068391" cy="583781"/>
+              <a:off x="3254674" y="1697484"/>
+              <a:ext cx="5068391" cy="799084"/>
             </a:xfrm>
             <a:prstGeom prst="rect">
               <a:avLst/>
@@ -22180,7 +22434,7 @@
               <a:pPr algn="ctr"/>
               <a:r>
                 <a:rPr lang="fr-FR" b="1" dirty="0"/>
-                <a:t>TRAINING-Admin-Frontend</a:t>
+                <a:t>ADMIN-Frontend</a:t>
               </a:r>
             </a:p>
           </p:txBody>
@@ -22207,7 +22461,7 @@
           </p:blipFill>
           <p:spPr>
             <a:xfrm>
-              <a:off x="7789590" y="2006351"/>
+              <a:off x="7836020" y="2030182"/>
               <a:ext cx="396649" cy="396649"/>
             </a:xfrm>
             <a:prstGeom prst="rect">
@@ -22457,7 +22711,7 @@
         </p:nvGrpSpPr>
         <p:grpSpPr>
           <a:xfrm>
-            <a:off x="957060" y="2092507"/>
+            <a:off x="945600" y="2014554"/>
             <a:ext cx="1310102" cy="960591"/>
             <a:chOff x="8106314" y="3786269"/>
             <a:chExt cx="1646040" cy="1166981"/>
@@ -22548,7 +22802,7 @@
         </p:nvSpPr>
         <p:spPr>
           <a:xfrm rot="16200000">
-            <a:off x="2251297" y="2272361"/>
+            <a:off x="2239837" y="2194408"/>
             <a:ext cx="213605" cy="827684"/>
           </a:xfrm>
           <a:prstGeom prst="downArrow">
@@ -23413,12 +23667,41 @@
             <a:fld id="{B5CEABB6-07DC-46E8-9B57-56EC44A396E5}" type="slidenum">
               <a:rPr lang="en-US" smtClean="0"/>
               <a:pPr/>
-              <a:t>3</a:t>
+              <a:t>4</a:t>
             </a:fld>
             <a:endParaRPr lang="en-US" dirty="0"/>
           </a:p>
         </p:txBody>
       </p:sp>
+      <p:pic>
+        <p:nvPicPr>
+          <p:cNvPr id="3" name="Image 2" descr="Une image contenant logo, Graphique, Police, graphisme&#10;&#10;Le contenu généré par l’IA peut être incorrect.">
+            <a:extLst>
+              <a:ext uri="{FF2B5EF4-FFF2-40B4-BE49-F238E27FC236}">
+                <a16:creationId xmlns:a16="http://schemas.microsoft.com/office/drawing/2014/main" id="{A6F81CA3-08ED-6083-3BAF-62A3B52907F5}"/>
+              </a:ext>
+            </a:extLst>
+          </p:cNvPr>
+          <p:cNvPicPr>
+            <a:picLocks noChangeAspect="1"/>
+          </p:cNvPicPr>
+          <p:nvPr/>
+        </p:nvPicPr>
+        <p:blipFill>
+          <a:blip r:embed="rId6"/>
+          <a:srcRect l="3961" t="27473" r="4988" b="25711"/>
+          <a:stretch/>
+        </p:blipFill>
+        <p:spPr>
+          <a:xfrm>
+            <a:off x="3055521" y="2228231"/>
+            <a:ext cx="1227480" cy="628333"/>
+          </a:xfrm>
+          <a:prstGeom prst="rect">
+            <a:avLst/>
+          </a:prstGeom>
+        </p:spPr>
+      </p:pic>
     </p:spTree>
     <p:extLst>
       <p:ext uri="{BB962C8B-B14F-4D97-AF65-F5344CB8AC3E}">
@@ -24559,15 +24842,6 @@
 </file>
 
 <file path=customXml/item1.xml><?xml version="1.0" encoding="utf-8"?>
-<?mso-contentType ?>
-<FormTemplates xmlns="http://schemas.microsoft.com/sharepoint/v3/contenttype/forms">
-  <Display>DocumentLibraryForm</Display>
-  <Edit>DocumentLibraryForm</Edit>
-  <New>DocumentLibraryForm</New>
-</FormTemplates>
-</file>
-
-<file path=customXml/item2.xml><?xml version="1.0" encoding="utf-8"?>
 <ct:contentTypeSchema xmlns:ct="http://schemas.microsoft.com/office/2006/metadata/contentType" xmlns:ma="http://schemas.microsoft.com/office/2006/metadata/properties/metaAttributes" ct:_="" ma:_="" ma:contentTypeName="Document" ma:contentTypeID="0x01010079F111ED35F8CC479449609E8A0923A6" ma:contentTypeVersion="27" ma:contentTypeDescription="Create a new document." ma:contentTypeScope="" ma:versionID="c6f9a84f66a9c8b9a21755b9ffafb945">
   <xsd:schema xmlns:xsd="http://www.w3.org/2001/XMLSchema" xmlns:xs="http://www.w3.org/2001/XMLSchema" xmlns:p="http://schemas.microsoft.com/office/2006/metadata/properties" xmlns:ns1="http://schemas.microsoft.com/sharepoint/v3" xmlns:ns2="71af3243-3dd4-4a8d-8c0d-dd76da1f02a5" xmlns:ns3="16c05727-aa75-4e4a-9b5f-8a80a1165891" xmlns:ns4="230e9df3-be65-4c73-a93b-d1236ebd677e" targetNamespace="http://schemas.microsoft.com/office/2006/metadata/properties" ma:root="true" ma:fieldsID="27df39e3e7036dff54f89ddd5805ce72" ns1:_="" ns2:_="" ns3:_="" ns4:_="">
     <xsd:import namespace="http://schemas.microsoft.com/sharepoint/v3"/>
@@ -24873,6 +25147,15 @@
 </ct:contentTypeSchema>
 </file>
 
+<file path=customXml/item2.xml><?xml version="1.0" encoding="utf-8"?>
+<?mso-contentType ?>
+<FormTemplates xmlns="http://schemas.microsoft.com/sharepoint/v3/contenttype/forms">
+  <Display>DocumentLibraryForm</Display>
+  <Edit>DocumentLibraryForm</Edit>
+  <New>DocumentLibraryForm</New>
+</FormTemplates>
+</file>
+
 <file path=customXml/item3.xml><?xml version="1.0" encoding="utf-8"?>
 <p:properties xmlns:p="http://schemas.microsoft.com/office/2006/metadata/properties" xmlns:xsi="http://www.w3.org/2001/XMLSchema-instance" xmlns:pc="http://schemas.microsoft.com/office/infopath/2007/PartnerControls">
   <documentManagement>
@@ -24894,14 +25177,6 @@
 </file>
 
 <file path=customXml/itemProps1.xml><?xml version="1.0" encoding="utf-8"?>
-<ds:datastoreItem xmlns:ds="http://schemas.openxmlformats.org/officeDocument/2006/customXml" ds:itemID="{79BF405E-7930-4D5C-ABB3-493E9D6D6CEA}">
-  <ds:schemaRefs>
-    <ds:schemaRef ds:uri="http://schemas.microsoft.com/sharepoint/v3/contenttype/forms"/>
-  </ds:schemaRefs>
-</ds:datastoreItem>
-</file>
-
-<file path=customXml/itemProps2.xml><?xml version="1.0" encoding="utf-8"?>
 <ds:datastoreItem xmlns:ds="http://schemas.openxmlformats.org/officeDocument/2006/customXml" ds:itemID="{2C1F447F-FAA8-4106-988B-648F3C8EDB2D}">
   <ds:schemaRefs>
     <ds:schemaRef ds:uri="http://schemas.microsoft.com/office/2006/metadata/contentType"/>
@@ -24922,6 +25197,14 @@
 </ds:datastoreItem>
 </file>
 
+<file path=customXml/itemProps2.xml><?xml version="1.0" encoding="utf-8"?>
+<ds:datastoreItem xmlns:ds="http://schemas.openxmlformats.org/officeDocument/2006/customXml" ds:itemID="{79BF405E-7930-4D5C-ABB3-493E9D6D6CEA}">
+  <ds:schemaRefs>
+    <ds:schemaRef ds:uri="http://schemas.microsoft.com/sharepoint/v3/contenttype/forms"/>
+  </ds:schemaRefs>
+</ds:datastoreItem>
+</file>
+
 <file path=customXml/itemProps3.xml><?xml version="1.0" encoding="utf-8"?>
 <ds:datastoreItem xmlns:ds="http://schemas.openxmlformats.org/officeDocument/2006/customXml" ds:itemID="{6EA97235-BEC4-4F82-87A8-2F5DAD53B5F9}">
   <ds:schemaRefs>

--- a/report/Projet_classification_MLOps_Partie3_Aymen.pptx
+++ b/report/Projet_classification_MLOps_Partie3_Aymen.pptx
@@ -16732,7 +16732,7 @@
         </p:nvGrpSpPr>
         <p:grpSpPr>
           <a:xfrm>
-            <a:off x="609127" y="1551899"/>
+            <a:off x="923041" y="3429000"/>
             <a:ext cx="10744671" cy="1006741"/>
             <a:chOff x="609127" y="1551899"/>
             <a:chExt cx="10744671" cy="1006741"/>
@@ -16836,10 +16836,10 @@
         </p:nvGrpSpPr>
         <p:grpSpPr>
           <a:xfrm>
-            <a:off x="3535828" y="3677801"/>
-            <a:ext cx="724289" cy="951280"/>
-            <a:chOff x="8474329" y="3797580"/>
-            <a:chExt cx="910012" cy="1155670"/>
+            <a:off x="3672404" y="5526353"/>
+            <a:ext cx="1078950" cy="979829"/>
+            <a:chOff x="8251526" y="3762897"/>
+            <a:chExt cx="1355617" cy="1190353"/>
           </a:xfrm>
         </p:grpSpPr>
         <p:sp>
@@ -16856,8 +16856,8 @@
           </p:nvSpPr>
           <p:spPr>
             <a:xfrm>
-              <a:off x="8682502" y="3797580"/>
-              <a:ext cx="507943" cy="373905"/>
+              <a:off x="8251526" y="3762897"/>
+              <a:ext cx="1355617" cy="373905"/>
             </a:xfrm>
             <a:prstGeom prst="rect">
               <a:avLst/>
@@ -16871,6 +16871,16 @@
             <a:lstStyle/>
             <a:p>
               <a:r>
+                <a:rPr lang="fr-FR" sz="1400" dirty="0" err="1">
+                  <a:solidFill>
+                    <a:schemeClr val="accent2">
+                      <a:lumMod val="75000"/>
+                    </a:schemeClr>
+                  </a:solidFill>
+                </a:rPr>
+                <a:t>Cleaned</a:t>
+              </a:r>
+              <a:r>
                 <a:rPr lang="fr-FR" sz="1400" dirty="0">
                   <a:solidFill>
                     <a:schemeClr val="accent2">
@@ -16878,7 +16888,7 @@
                     </a:schemeClr>
                   </a:solidFill>
                 </a:rPr>
-                <a:t>txt</a:t>
+                <a:t> txt</a:t>
               </a:r>
             </a:p>
           </p:txBody>
@@ -16927,7 +16937,7 @@
         </p:nvGrpSpPr>
         <p:grpSpPr>
           <a:xfrm>
-            <a:off x="4696703" y="2664233"/>
+            <a:off x="5010617" y="4541334"/>
             <a:ext cx="762420" cy="960763"/>
             <a:chOff x="8474329" y="3786059"/>
             <a:chExt cx="957921" cy="1167191"/>
@@ -17025,7 +17035,7 @@
         </p:nvGrpSpPr>
         <p:grpSpPr>
           <a:xfrm>
-            <a:off x="421389" y="3776559"/>
+            <a:off x="735303" y="5653660"/>
             <a:ext cx="762868" cy="960763"/>
             <a:chOff x="8474329" y="3786059"/>
             <a:chExt cx="958484" cy="1167191"/>
@@ -17166,7 +17176,7 @@
         </p:nvGrpSpPr>
         <p:grpSpPr>
           <a:xfrm>
-            <a:off x="4566150" y="3884039"/>
+            <a:off x="4880064" y="5761140"/>
             <a:ext cx="1943005" cy="804556"/>
             <a:chOff x="1791092" y="1630837"/>
             <a:chExt cx="1943005" cy="804556"/>
@@ -17295,7 +17305,7 @@
         </p:nvGrpSpPr>
         <p:grpSpPr>
           <a:xfrm>
-            <a:off x="1703679" y="2603742"/>
+            <a:off x="2017593" y="4480843"/>
             <a:ext cx="721672" cy="1322628"/>
             <a:chOff x="1422234" y="2480531"/>
             <a:chExt cx="721672" cy="1300748"/>
@@ -17413,7 +17423,7 @@
         </p:nvGrpSpPr>
         <p:grpSpPr>
           <a:xfrm>
-            <a:off x="2930970" y="2597505"/>
+            <a:off x="3244884" y="4474606"/>
             <a:ext cx="657488" cy="1310320"/>
             <a:chOff x="3430494" y="2486068"/>
             <a:chExt cx="657488" cy="1300748"/>
@@ -17506,10 +17516,10 @@
       </p:grpSp>
       <p:grpSp>
         <p:nvGrpSpPr>
-          <p:cNvPr id="21" name="Groupe 20">
-            <a:extLst>
-              <a:ext uri="{FF2B5EF4-FFF2-40B4-BE49-F238E27FC236}">
-                <a16:creationId xmlns:a16="http://schemas.microsoft.com/office/drawing/2014/main" id="{1AC749F2-4A41-837C-9146-B1068E9431A0}"/>
+          <p:cNvPr id="47" name="Groupe 46">
+            <a:extLst>
+              <a:ext uri="{FF2B5EF4-FFF2-40B4-BE49-F238E27FC236}">
+                <a16:creationId xmlns:a16="http://schemas.microsoft.com/office/drawing/2014/main" id="{F39AEB83-7961-A8E6-D2B8-D732A56FA655}"/>
               </a:ext>
             </a:extLst>
           </p:cNvPr>
@@ -17518,398 +17528,7 @@
         </p:nvGrpSpPr>
         <p:grpSpPr>
           <a:xfrm>
-            <a:off x="336999" y="4690410"/>
-            <a:ext cx="1349759" cy="738042"/>
-            <a:chOff x="-385734" y="3983852"/>
-            <a:chExt cx="1290674" cy="924849"/>
-          </a:xfrm>
-        </p:grpSpPr>
-        <p:cxnSp>
-          <p:nvCxnSpPr>
-            <p:cNvPr id="22" name="Connecteur droit avec flèche 21">
-              <a:extLst>
-                <a:ext uri="{FF2B5EF4-FFF2-40B4-BE49-F238E27FC236}">
-                  <a16:creationId xmlns:a16="http://schemas.microsoft.com/office/drawing/2014/main" id="{78AA2C8A-F780-EFFB-6D95-F6C89ECBF368}"/>
-                </a:ext>
-              </a:extLst>
-            </p:cNvPr>
-            <p:cNvCxnSpPr>
-              <a:cxnSpLocks/>
-            </p:cNvCxnSpPr>
-            <p:nvPr/>
-          </p:nvCxnSpPr>
-          <p:spPr>
-            <a:xfrm>
-              <a:off x="875758" y="3983852"/>
-              <a:ext cx="0" cy="924849"/>
-            </a:xfrm>
-            <a:prstGeom prst="straightConnector1">
-              <a:avLst/>
-            </a:prstGeom>
-            <a:ln w="19050" cap="flat" cmpd="sng" algn="ctr">
-              <a:solidFill>
-                <a:schemeClr val="accent5"/>
-              </a:solidFill>
-              <a:prstDash val="solid"/>
-              <a:round/>
-              <a:headEnd type="none" w="med" len="med"/>
-              <a:tailEnd type="arrow" w="med" len="med"/>
-            </a:ln>
-          </p:spPr>
-          <p:style>
-            <a:lnRef idx="0">
-              <a:scrgbClr r="0" g="0" b="0"/>
-            </a:lnRef>
-            <a:fillRef idx="0">
-              <a:scrgbClr r="0" g="0" b="0"/>
-            </a:fillRef>
-            <a:effectRef idx="0">
-              <a:scrgbClr r="0" g="0" b="0"/>
-            </a:effectRef>
-            <a:fontRef idx="minor">
-              <a:schemeClr val="tx1"/>
-            </a:fontRef>
-          </p:style>
-        </p:cxnSp>
-        <p:sp>
-          <p:nvSpPr>
-            <p:cNvPr id="23" name="ZoneTexte 22">
-              <a:extLst>
-                <a:ext uri="{FF2B5EF4-FFF2-40B4-BE49-F238E27FC236}">
-                  <a16:creationId xmlns:a16="http://schemas.microsoft.com/office/drawing/2014/main" id="{6BD7494C-E4EC-5C47-669E-25E26AFC4AC5}"/>
-                </a:ext>
-              </a:extLst>
-            </p:cNvPr>
-            <p:cNvSpPr txBox="1"/>
-            <p:nvPr/>
-          </p:nvSpPr>
-          <p:spPr>
-            <a:xfrm>
-              <a:off x="-385734" y="4283760"/>
-              <a:ext cx="1290674" cy="401385"/>
-            </a:xfrm>
-            <a:prstGeom prst="rect">
-              <a:avLst/>
-            </a:prstGeom>
-            <a:noFill/>
-          </p:spPr>
-          <p:txBody>
-            <a:bodyPr wrap="none" rtlCol="0">
-              <a:spAutoFit/>
-            </a:bodyPr>
-            <a:lstStyle/>
-            <a:p>
-              <a:r>
-                <a:rPr lang="fr-FR" sz="1400" dirty="0">
-                  <a:solidFill>
-                    <a:schemeClr val="accent5"/>
-                  </a:solidFill>
-                </a:rPr>
-                <a:t>/blocks-</a:t>
-              </a:r>
-              <a:r>
-                <a:rPr lang="fr-FR" sz="1400" dirty="0" err="1">
-                  <a:solidFill>
-                    <a:schemeClr val="accent5"/>
-                  </a:solidFill>
-                </a:rPr>
-                <a:t>words</a:t>
-              </a:r>
-              <a:endParaRPr lang="fr-FR" sz="1400" dirty="0">
-                <a:solidFill>
-                  <a:schemeClr val="accent5"/>
-                </a:solidFill>
-              </a:endParaRPr>
-            </a:p>
-          </p:txBody>
-        </p:sp>
-      </p:grpSp>
-      <p:grpSp>
-        <p:nvGrpSpPr>
-          <p:cNvPr id="24" name="Groupe 23">
-            <a:extLst>
-              <a:ext uri="{FF2B5EF4-FFF2-40B4-BE49-F238E27FC236}">
-                <a16:creationId xmlns:a16="http://schemas.microsoft.com/office/drawing/2014/main" id="{50E6E8EF-7FE7-22AF-9C93-4F3E33887EFB}"/>
-              </a:ext>
-            </a:extLst>
-          </p:cNvPr>
-          <p:cNvGrpSpPr/>
-          <p:nvPr/>
-        </p:nvGrpSpPr>
-        <p:grpSpPr>
-          <a:xfrm>
-            <a:off x="2412369" y="4692374"/>
-            <a:ext cx="657488" cy="754911"/>
-            <a:chOff x="2608785" y="4216208"/>
-            <a:chExt cx="657488" cy="924849"/>
-          </a:xfrm>
-        </p:grpSpPr>
-        <p:cxnSp>
-          <p:nvCxnSpPr>
-            <p:cNvPr id="25" name="Connecteur droit avec flèche 24">
-              <a:extLst>
-                <a:ext uri="{FF2B5EF4-FFF2-40B4-BE49-F238E27FC236}">
-                  <a16:creationId xmlns:a16="http://schemas.microsoft.com/office/drawing/2014/main" id="{8230AE94-9D26-6E91-1B58-A8EAFDB2A7B3}"/>
-                </a:ext>
-              </a:extLst>
-            </p:cNvPr>
-            <p:cNvCxnSpPr>
-              <a:cxnSpLocks/>
-            </p:cNvCxnSpPr>
-            <p:nvPr/>
-          </p:nvCxnSpPr>
-          <p:spPr>
-            <a:xfrm>
-              <a:off x="3218648" y="4216208"/>
-              <a:ext cx="0" cy="924849"/>
-            </a:xfrm>
-            <a:prstGeom prst="straightConnector1">
-              <a:avLst/>
-            </a:prstGeom>
-            <a:ln w="19050" cap="flat" cmpd="sng" algn="ctr">
-              <a:solidFill>
-                <a:schemeClr val="accent5"/>
-              </a:solidFill>
-              <a:prstDash val="solid"/>
-              <a:round/>
-              <a:headEnd type="none" w="med" len="med"/>
-              <a:tailEnd type="arrow" w="med" len="med"/>
-            </a:ln>
-          </p:spPr>
-          <p:style>
-            <a:lnRef idx="0">
-              <a:scrgbClr r="0" g="0" b="0"/>
-            </a:lnRef>
-            <a:fillRef idx="0">
-              <a:scrgbClr r="0" g="0" b="0"/>
-            </a:fillRef>
-            <a:effectRef idx="0">
-              <a:scrgbClr r="0" g="0" b="0"/>
-            </a:effectRef>
-            <a:fontRef idx="minor">
-              <a:schemeClr val="tx1"/>
-            </a:fontRef>
-          </p:style>
-        </p:cxnSp>
-        <p:sp>
-          <p:nvSpPr>
-            <p:cNvPr id="26" name="ZoneTexte 25">
-              <a:extLst>
-                <a:ext uri="{FF2B5EF4-FFF2-40B4-BE49-F238E27FC236}">
-                  <a16:creationId xmlns:a16="http://schemas.microsoft.com/office/drawing/2014/main" id="{1E0748E8-3BE0-F45E-EBF5-A00838CA8F7A}"/>
-                </a:ext>
-              </a:extLst>
-            </p:cNvPr>
-            <p:cNvSpPr txBox="1"/>
-            <p:nvPr/>
-          </p:nvSpPr>
-          <p:spPr>
-            <a:xfrm>
-              <a:off x="2608785" y="4438991"/>
-              <a:ext cx="657488" cy="393594"/>
-            </a:xfrm>
-            <a:prstGeom prst="rect">
-              <a:avLst/>
-            </a:prstGeom>
-            <a:noFill/>
-          </p:spPr>
-          <p:txBody>
-            <a:bodyPr wrap="none" rtlCol="0">
-              <a:spAutoFit/>
-            </a:bodyPr>
-            <a:lstStyle/>
-            <a:p>
-              <a:r>
-                <a:rPr lang="fr-FR" sz="1400" dirty="0">
-                  <a:solidFill>
-                    <a:schemeClr val="accent5"/>
-                  </a:solidFill>
-                </a:rPr>
-                <a:t>/clean</a:t>
-              </a:r>
-            </a:p>
-          </p:txBody>
-        </p:sp>
-      </p:grpSp>
-      <p:grpSp>
-        <p:nvGrpSpPr>
-          <p:cNvPr id="37" name="Groupe 36">
-            <a:extLst>
-              <a:ext uri="{FF2B5EF4-FFF2-40B4-BE49-F238E27FC236}">
-                <a16:creationId xmlns:a16="http://schemas.microsoft.com/office/drawing/2014/main" id="{5CD2E940-542D-29BC-6559-2A2FE0B101A4}"/>
-              </a:ext>
-            </a:extLst>
-          </p:cNvPr>
-          <p:cNvGrpSpPr/>
-          <p:nvPr/>
-        </p:nvGrpSpPr>
-        <p:grpSpPr>
-          <a:xfrm>
-            <a:off x="2905866" y="5480397"/>
-            <a:ext cx="1942707" cy="1294536"/>
-            <a:chOff x="3325791" y="5386008"/>
-            <a:chExt cx="1942707" cy="1294536"/>
-          </a:xfrm>
-        </p:grpSpPr>
-        <p:sp>
-          <p:nvSpPr>
-            <p:cNvPr id="38" name="ZoneTexte 37">
-              <a:extLst>
-                <a:ext uri="{FF2B5EF4-FFF2-40B4-BE49-F238E27FC236}">
-                  <a16:creationId xmlns:a16="http://schemas.microsoft.com/office/drawing/2014/main" id="{2DD27D69-B8BB-4203-F610-5F09C2DD44A6}"/>
-                </a:ext>
-              </a:extLst>
-            </p:cNvPr>
-            <p:cNvSpPr txBox="1"/>
-            <p:nvPr/>
-          </p:nvSpPr>
-          <p:spPr>
-            <a:xfrm>
-              <a:off x="3325791" y="5386008"/>
-              <a:ext cx="1942707" cy="1240696"/>
-            </a:xfrm>
-            <a:prstGeom prst="rect">
-              <a:avLst/>
-            </a:prstGeom>
-            <a:ln w="41275" cap="rnd">
-              <a:round/>
-            </a:ln>
-          </p:spPr>
-          <p:style>
-            <a:lnRef idx="2">
-              <a:schemeClr val="accent5"/>
-            </a:lnRef>
-            <a:fillRef idx="1">
-              <a:schemeClr val="lt1"/>
-            </a:fillRef>
-            <a:effectRef idx="0">
-              <a:schemeClr val="accent5"/>
-            </a:effectRef>
-            <a:fontRef idx="minor">
-              <a:schemeClr val="dk1"/>
-            </a:fontRef>
-          </p:style>
-          <p:txBody>
-            <a:bodyPr wrap="square" rtlCol="0">
-              <a:noAutofit/>
-            </a:bodyPr>
-            <a:lstStyle/>
-            <a:p>
-              <a:pPr algn="ctr"/>
-              <a:r>
-                <a:rPr lang="fr-FR" b="1" dirty="0"/>
-                <a:t>Clean-</a:t>
-              </a:r>
-              <a:r>
-                <a:rPr lang="fr-FR" b="1" dirty="0" err="1"/>
-                <a:t>text</a:t>
-              </a:r>
-              <a:endParaRPr lang="fr-FR" b="1" dirty="0"/>
-            </a:p>
-            <a:p>
-              <a:r>
-                <a:rPr lang="fr-FR" sz="1400" dirty="0"/>
-                <a:t>- </a:t>
-              </a:r>
-              <a:r>
-                <a:rPr lang="fr-FR" sz="1400" dirty="0" err="1"/>
-                <a:t>Lowercase</a:t>
-              </a:r>
-              <a:endParaRPr lang="fr-FR" sz="1400" dirty="0"/>
-            </a:p>
-            <a:p>
-              <a:r>
-                <a:rPr lang="fr-FR" sz="1400" dirty="0"/>
-                <a:t>- </a:t>
-              </a:r>
-              <a:r>
-                <a:rPr lang="fr-FR" sz="1400" dirty="0" err="1"/>
-                <a:t>Tokenize</a:t>
-              </a:r>
-              <a:r>
-                <a:rPr lang="fr-FR" sz="1400" dirty="0"/>
-                <a:t>/</a:t>
-              </a:r>
-              <a:r>
-                <a:rPr lang="fr-FR" sz="1400" dirty="0" err="1"/>
-                <a:t>Lemmatize</a:t>
-              </a:r>
-              <a:endParaRPr lang="fr-FR" sz="1400" dirty="0"/>
-            </a:p>
-            <a:p>
-              <a:r>
-                <a:rPr lang="fr-FR" sz="1400" dirty="0"/>
-                <a:t>- </a:t>
-              </a:r>
-              <a:r>
-                <a:rPr lang="fr-FR" sz="1400" dirty="0" err="1"/>
-                <a:t>Remove</a:t>
-              </a:r>
-              <a:r>
-                <a:rPr lang="fr-FR" sz="1400" dirty="0"/>
-                <a:t> stop </a:t>
-              </a:r>
-              <a:r>
-                <a:rPr lang="fr-FR" sz="1400" dirty="0" err="1"/>
-                <a:t>words</a:t>
-              </a:r>
-              <a:endParaRPr lang="fr-FR" sz="1400" dirty="0"/>
-            </a:p>
-            <a:p>
-              <a:pPr marL="285750" indent="-285750">
-                <a:buFontTx/>
-                <a:buChar char="-"/>
-              </a:pPr>
-              <a:endParaRPr lang="fr-FR" dirty="0"/>
-            </a:p>
-          </p:txBody>
-        </p:sp>
-        <p:pic>
-          <p:nvPicPr>
-            <p:cNvPr id="39" name="Image 38" descr="Une image contenant symbole, Graphique, clipart, conception&#10;&#10;Le contenu généré par l’IA peut être incorrect.">
-              <a:extLst>
-                <a:ext uri="{FF2B5EF4-FFF2-40B4-BE49-F238E27FC236}">
-                  <a16:creationId xmlns:a16="http://schemas.microsoft.com/office/drawing/2014/main" id="{D99E3633-825C-1637-521C-0AA049E6752F}"/>
-                </a:ext>
-              </a:extLst>
-            </p:cNvPr>
-            <p:cNvPicPr>
-              <a:picLocks noChangeAspect="1"/>
-            </p:cNvPicPr>
-            <p:nvPr/>
-          </p:nvPicPr>
-          <p:blipFill>
-            <a:blip r:embed="rId2"/>
-            <a:stretch>
-              <a:fillRect/>
-            </a:stretch>
-          </p:blipFill>
-          <p:spPr>
-            <a:xfrm>
-              <a:off x="4853989" y="6283895"/>
-              <a:ext cx="396649" cy="396649"/>
-            </a:xfrm>
-            <a:prstGeom prst="rect">
-              <a:avLst/>
-            </a:prstGeom>
-          </p:spPr>
-        </p:pic>
-      </p:grpSp>
-      <p:grpSp>
-        <p:nvGrpSpPr>
-          <p:cNvPr id="47" name="Groupe 46">
-            <a:extLst>
-              <a:ext uri="{FF2B5EF4-FFF2-40B4-BE49-F238E27FC236}">
-                <a16:creationId xmlns:a16="http://schemas.microsoft.com/office/drawing/2014/main" id="{F39AEB83-7961-A8E6-D2B8-D732A56FA655}"/>
-              </a:ext>
-            </a:extLst>
-          </p:cNvPr>
-          <p:cNvGrpSpPr/>
-          <p:nvPr/>
-        </p:nvGrpSpPr>
-        <p:grpSpPr>
-          <a:xfrm>
-            <a:off x="5738475" y="2583940"/>
+            <a:off x="6052389" y="4461041"/>
             <a:ext cx="789447" cy="1321844"/>
             <a:chOff x="10277005" y="1022096"/>
             <a:chExt cx="789447" cy="695201"/>
@@ -18029,7 +17648,7 @@
         </p:nvSpPr>
         <p:spPr>
           <a:xfrm rot="16200000">
-            <a:off x="3302812" y="4136880"/>
+            <a:off x="3616726" y="6013981"/>
             <a:ext cx="178863" cy="252505"/>
           </a:xfrm>
           <a:prstGeom prst="downArrow">
@@ -18086,7 +17705,7 @@
         </p:nvSpPr>
         <p:spPr>
           <a:xfrm rot="16200000">
-            <a:off x="4257877" y="4102609"/>
+            <a:off x="4571791" y="5979710"/>
             <a:ext cx="171873" cy="346400"/>
           </a:xfrm>
           <a:prstGeom prst="downArrow">
@@ -18129,120 +17748,6 @@
           </a:p>
         </p:txBody>
       </p:sp>
-      <p:grpSp>
-        <p:nvGrpSpPr>
-          <p:cNvPr id="57" name="Groupe 56">
-            <a:extLst>
-              <a:ext uri="{FF2B5EF4-FFF2-40B4-BE49-F238E27FC236}">
-                <a16:creationId xmlns:a16="http://schemas.microsoft.com/office/drawing/2014/main" id="{ABE429FC-413B-3FBF-05AC-5D7FB46DAB36}"/>
-              </a:ext>
-            </a:extLst>
-          </p:cNvPr>
-          <p:cNvGrpSpPr/>
-          <p:nvPr/>
-        </p:nvGrpSpPr>
-        <p:grpSpPr>
-          <a:xfrm>
-            <a:off x="466580" y="5465696"/>
-            <a:ext cx="1519088" cy="723200"/>
-            <a:chOff x="395818" y="5386008"/>
-            <a:chExt cx="1519088" cy="723200"/>
-          </a:xfrm>
-        </p:grpSpPr>
-        <p:sp>
-          <p:nvSpPr>
-            <p:cNvPr id="58" name="ZoneTexte 57">
-              <a:extLst>
-                <a:ext uri="{FF2B5EF4-FFF2-40B4-BE49-F238E27FC236}">
-                  <a16:creationId xmlns:a16="http://schemas.microsoft.com/office/drawing/2014/main" id="{0663DC60-B710-0F19-F71D-6B01694D9A06}"/>
-                </a:ext>
-              </a:extLst>
-            </p:cNvPr>
-            <p:cNvSpPr txBox="1"/>
-            <p:nvPr/>
-          </p:nvSpPr>
-          <p:spPr>
-            <a:xfrm>
-              <a:off x="395818" y="5386008"/>
-              <a:ext cx="1519088" cy="723200"/>
-            </a:xfrm>
-            <a:prstGeom prst="rect">
-              <a:avLst/>
-            </a:prstGeom>
-            <a:ln w="41275" cap="rnd">
-              <a:round/>
-            </a:ln>
-          </p:spPr>
-          <p:style>
-            <a:lnRef idx="2">
-              <a:schemeClr val="accent5"/>
-            </a:lnRef>
-            <a:fillRef idx="1">
-              <a:schemeClr val="lt1"/>
-            </a:fillRef>
-            <a:effectRef idx="0">
-              <a:schemeClr val="accent5"/>
-            </a:effectRef>
-            <a:fontRef idx="minor">
-              <a:schemeClr val="dk1"/>
-            </a:fontRef>
-          </p:style>
-          <p:txBody>
-            <a:bodyPr wrap="square" rtlCol="0">
-              <a:noAutofit/>
-            </a:bodyPr>
-            <a:lstStyle/>
-            <a:p>
-              <a:pPr algn="ctr"/>
-              <a:r>
-                <a:rPr lang="fr-FR" b="1" dirty="0"/>
-                <a:t>OCR</a:t>
-              </a:r>
-            </a:p>
-            <a:p>
-              <a:r>
-                <a:rPr lang="fr-FR" sz="1400" dirty="0"/>
-                <a:t>- </a:t>
-              </a:r>
-              <a:r>
-                <a:rPr lang="fr-FR" sz="1400" dirty="0" err="1"/>
-                <a:t>Ocerize</a:t>
-              </a:r>
-              <a:endParaRPr lang="fr-FR" sz="1400" dirty="0"/>
-            </a:p>
-          </p:txBody>
-        </p:sp>
-        <p:pic>
-          <p:nvPicPr>
-            <p:cNvPr id="59" name="Image 58" descr="Une image contenant symbole, Graphique, clipart, conception&#10;&#10;Le contenu généré par l’IA peut être incorrect.">
-              <a:extLst>
-                <a:ext uri="{FF2B5EF4-FFF2-40B4-BE49-F238E27FC236}">
-                  <a16:creationId xmlns:a16="http://schemas.microsoft.com/office/drawing/2014/main" id="{6B286296-6481-A3ED-BEB5-C6B07BD94B5D}"/>
-                </a:ext>
-              </a:extLst>
-            </p:cNvPr>
-            <p:cNvPicPr>
-              <a:picLocks noChangeAspect="1"/>
-            </p:cNvPicPr>
-            <p:nvPr/>
-          </p:nvPicPr>
-          <p:blipFill>
-            <a:blip r:embed="rId2"/>
-            <a:stretch>
-              <a:fillRect/>
-            </a:stretch>
-          </p:blipFill>
-          <p:spPr>
-            <a:xfrm>
-              <a:off x="1468108" y="5689044"/>
-              <a:ext cx="396649" cy="396649"/>
-            </a:xfrm>
-            <a:prstGeom prst="rect">
-              <a:avLst/>
-            </a:prstGeom>
-          </p:spPr>
-        </p:pic>
-      </p:grpSp>
       <p:sp>
         <p:nvSpPr>
           <p:cNvPr id="69" name="Flèche : bas 68">
@@ -18257,7 +17762,7 @@
         </p:nvSpPr>
         <p:spPr>
           <a:xfrm>
-            <a:off x="4980852" y="3639336"/>
+            <a:off x="5294766" y="5516437"/>
             <a:ext cx="102851" cy="221058"/>
           </a:xfrm>
           <a:prstGeom prst="downArrow">
@@ -18314,7 +17819,7 @@
         </p:nvGrpSpPr>
         <p:grpSpPr>
           <a:xfrm>
-            <a:off x="1412341" y="3926370"/>
+            <a:off x="1726255" y="5803471"/>
             <a:ext cx="1752404" cy="738041"/>
             <a:chOff x="1432394" y="3619576"/>
             <a:chExt cx="1752404" cy="738041"/>
@@ -18370,6 +17875,80 @@
                 <a:t>ETL</a:t>
               </a:r>
             </a:p>
+            <a:p>
+              <a:pPr marL="0" marR="0" lvl="0" indent="0" algn="l" defTabSz="914400" rtl="0" eaLnBrk="1" fontAlgn="auto" latinLnBrk="0" hangingPunct="1">
+                <a:lnSpc>
+                  <a:spcPct val="100000"/>
+                </a:lnSpc>
+                <a:spcBef>
+                  <a:spcPts val="0"/>
+                </a:spcBef>
+                <a:spcAft>
+                  <a:spcPts val="0"/>
+                </a:spcAft>
+                <a:buClrTx/>
+                <a:buSzTx/>
+                <a:buFontTx/>
+                <a:buNone/>
+                <a:tabLst/>
+                <a:defRPr/>
+              </a:pPr>
+              <a:r>
+                <a:rPr kumimoji="0" lang="fr-FR" sz="1400" b="0" i="0" u="none" strike="noStrike" kern="1200" cap="none" spc="0" normalizeH="0" baseline="0" noProof="0" dirty="0">
+                  <a:ln>
+                    <a:noFill/>
+                  </a:ln>
+                  <a:solidFill>
+                    <a:prstClr val="black"/>
+                  </a:solidFill>
+                  <a:effectLst/>
+                  <a:uLnTx/>
+                  <a:uFillTx/>
+                  <a:latin typeface="Tenorite"/>
+                  <a:ea typeface="+mn-ea"/>
+                  <a:cs typeface="+mn-cs"/>
+                </a:rPr>
+                <a:t>For </a:t>
+              </a:r>
+              <a:r>
+                <a:rPr kumimoji="0" lang="fr-FR" sz="1400" b="0" i="0" u="none" strike="noStrike" kern="1200" cap="none" spc="0" normalizeH="0" baseline="0" noProof="0" dirty="0" err="1">
+                  <a:ln>
+                    <a:noFill/>
+                  </a:ln>
+                  <a:solidFill>
+                    <a:prstClr val="black"/>
+                  </a:solidFill>
+                  <a:effectLst/>
+                  <a:uLnTx/>
+                  <a:uFillTx/>
+                  <a:latin typeface="Tenorite"/>
+                  <a:ea typeface="+mn-ea"/>
+                  <a:cs typeface="+mn-cs"/>
+                </a:rPr>
+                <a:t>each</a:t>
+              </a:r>
+              <a:r>
+                <a:rPr kumimoji="0" lang="fr-FR" sz="1400" b="0" i="0" u="none" strike="noStrike" kern="1200" cap="none" spc="0" normalizeH="0" baseline="0" noProof="0" dirty="0">
+                  <a:ln>
+                    <a:noFill/>
+                  </a:ln>
+                  <a:solidFill>
+                    <a:prstClr val="black"/>
+                  </a:solidFill>
+                  <a:effectLst/>
+                  <a:uLnTx/>
+                  <a:uFillTx/>
+                  <a:latin typeface="Tenorite"/>
+                  <a:ea typeface="+mn-ea"/>
+                  <a:cs typeface="+mn-cs"/>
+                </a:rPr>
+                <a:t> image</a:t>
+              </a:r>
+            </a:p>
+            <a:p>
+              <a:pPr algn="ctr"/>
+              <a:endParaRPr lang="fr-FR" b="1" dirty="0"/>
+            </a:p>
           </p:txBody>
         </p:sp>
         <p:pic>
@@ -18417,7 +17996,7 @@
         </p:nvSpPr>
         <p:spPr>
           <a:xfrm>
-            <a:off x="727376" y="2588095"/>
+            <a:off x="1041290" y="4465196"/>
             <a:ext cx="127154" cy="1188463"/>
           </a:xfrm>
           <a:prstGeom prst="downArrow">
@@ -18474,7 +18053,7 @@
         </p:nvSpPr>
         <p:spPr>
           <a:xfrm rot="16200000">
-            <a:off x="1154154" y="4129483"/>
+            <a:off x="1468068" y="6006584"/>
             <a:ext cx="143941" cy="371840"/>
           </a:xfrm>
           <a:prstGeom prst="downArrow">
@@ -18531,7 +18110,7 @@
         </p:nvGrpSpPr>
         <p:grpSpPr>
           <a:xfrm>
-            <a:off x="8048214" y="3701691"/>
+            <a:off x="8362128" y="5578792"/>
             <a:ext cx="1038939" cy="968237"/>
             <a:chOff x="8324998" y="3776980"/>
             <a:chExt cx="1305346" cy="1176270"/>
@@ -18629,7 +18208,7 @@
         </p:nvSpPr>
         <p:spPr>
           <a:xfrm rot="16200000">
-            <a:off x="7336416" y="3456049"/>
+            <a:off x="7650330" y="5333150"/>
             <a:ext cx="121651" cy="1539060"/>
           </a:xfrm>
           <a:prstGeom prst="downArrow">
@@ -18690,8 +18269,8 @@
         </p:nvSpPr>
         <p:spPr>
           <a:xfrm>
-            <a:off x="4884018" y="4902797"/>
-            <a:ext cx="7259955" cy="1733141"/>
+            <a:off x="825430" y="1113170"/>
+            <a:ext cx="10998295" cy="1733141"/>
           </a:xfrm>
         </p:spPr>
         <p:txBody>
@@ -18773,7 +18352,7 @@
         </p:nvGrpSpPr>
         <p:grpSpPr>
           <a:xfrm>
-            <a:off x="874304" y="1598003"/>
+            <a:off x="1188218" y="3475104"/>
             <a:ext cx="2060116" cy="904692"/>
             <a:chOff x="4738318" y="5212587"/>
             <a:chExt cx="2060116" cy="904692"/>
@@ -18921,7 +18500,7 @@
         </p:nvGrpSpPr>
         <p:grpSpPr>
           <a:xfrm>
-            <a:off x="676622" y="872657"/>
+            <a:off x="990536" y="2749758"/>
             <a:ext cx="2257798" cy="681771"/>
             <a:chOff x="10283338" y="1022096"/>
             <a:chExt cx="2257798" cy="671329"/>
@@ -19060,7 +18639,7 @@
         </p:nvGrpSpPr>
         <p:grpSpPr>
           <a:xfrm>
-            <a:off x="3047154" y="859777"/>
+            <a:off x="3361068" y="2736878"/>
             <a:ext cx="596631" cy="687060"/>
             <a:chOff x="9704996" y="1064105"/>
             <a:chExt cx="1675656" cy="675248"/>
@@ -19167,7 +18746,7 @@
         </p:nvGrpSpPr>
         <p:grpSpPr>
           <a:xfrm>
-            <a:off x="7292558" y="890328"/>
+            <a:off x="7606472" y="2767429"/>
             <a:ext cx="1570815" cy="1039537"/>
             <a:chOff x="10296082" y="1022096"/>
             <a:chExt cx="1570815" cy="1023615"/>
@@ -19332,7 +18911,7 @@
         </p:nvGrpSpPr>
         <p:grpSpPr>
           <a:xfrm>
-            <a:off x="9029635" y="898038"/>
+            <a:off x="9343549" y="2775139"/>
             <a:ext cx="1731436" cy="1031827"/>
             <a:chOff x="9704996" y="1064105"/>
             <a:chExt cx="4862791" cy="626215"/>
@@ -19438,240 +19017,6 @@
           </p:txBody>
         </p:sp>
       </p:grpSp>
-      <p:grpSp>
-        <p:nvGrpSpPr>
-          <p:cNvPr id="44" name="Groupe 43">
-            <a:extLst>
-              <a:ext uri="{FF2B5EF4-FFF2-40B4-BE49-F238E27FC236}">
-                <a16:creationId xmlns:a16="http://schemas.microsoft.com/office/drawing/2014/main" id="{0FB1D012-08B6-07F7-B65C-EB0314E5067B}"/>
-              </a:ext>
-            </a:extLst>
-          </p:cNvPr>
-          <p:cNvGrpSpPr/>
-          <p:nvPr/>
-        </p:nvGrpSpPr>
-        <p:grpSpPr>
-          <a:xfrm>
-            <a:off x="1759738" y="4690409"/>
-            <a:ext cx="728982" cy="756875"/>
-            <a:chOff x="499927" y="3776550"/>
-            <a:chExt cx="728982" cy="857851"/>
-          </a:xfrm>
-        </p:grpSpPr>
-        <p:cxnSp>
-          <p:nvCxnSpPr>
-            <p:cNvPr id="45" name="Connecteur droit avec flèche 44">
-              <a:extLst>
-                <a:ext uri="{FF2B5EF4-FFF2-40B4-BE49-F238E27FC236}">
-                  <a16:creationId xmlns:a16="http://schemas.microsoft.com/office/drawing/2014/main" id="{D98224CF-4A7A-7649-0E36-A81AD14C6F5F}"/>
-                </a:ext>
-              </a:extLst>
-            </p:cNvPr>
-            <p:cNvCxnSpPr>
-              <a:cxnSpLocks/>
-            </p:cNvCxnSpPr>
-            <p:nvPr/>
-          </p:nvCxnSpPr>
-          <p:spPr>
-            <a:xfrm flipV="1">
-              <a:off x="514792" y="3776550"/>
-              <a:ext cx="1600" cy="857851"/>
-            </a:xfrm>
-            <a:prstGeom prst="straightConnector1">
-              <a:avLst/>
-            </a:prstGeom>
-            <a:ln w="19050" cap="flat" cmpd="sng" algn="ctr">
-              <a:solidFill>
-                <a:schemeClr val="accent5"/>
-              </a:solidFill>
-              <a:prstDash val="dash"/>
-              <a:round/>
-              <a:headEnd type="none" w="med" len="med"/>
-              <a:tailEnd type="arrow" w="med" len="med"/>
-            </a:ln>
-          </p:spPr>
-          <p:style>
-            <a:lnRef idx="0">
-              <a:scrgbClr r="0" g="0" b="0"/>
-            </a:lnRef>
-            <a:fillRef idx="0">
-              <a:scrgbClr r="0" g="0" b="0"/>
-            </a:fillRef>
-            <a:effectRef idx="0">
-              <a:scrgbClr r="0" g="0" b="0"/>
-            </a:effectRef>
-            <a:fontRef idx="minor">
-              <a:schemeClr val="tx1"/>
-            </a:fontRef>
-          </p:style>
-        </p:cxnSp>
-        <p:sp>
-          <p:nvSpPr>
-            <p:cNvPr id="46" name="ZoneTexte 45">
-              <a:extLst>
-                <a:ext uri="{FF2B5EF4-FFF2-40B4-BE49-F238E27FC236}">
-                  <a16:creationId xmlns:a16="http://schemas.microsoft.com/office/drawing/2014/main" id="{9573D9BD-6C14-A377-E94E-2F1EE67BC2EC}"/>
-                </a:ext>
-              </a:extLst>
-            </p:cNvPr>
-            <p:cNvSpPr txBox="1"/>
-            <p:nvPr/>
-          </p:nvSpPr>
-          <p:spPr>
-            <a:xfrm>
-              <a:off x="499927" y="3998246"/>
-              <a:ext cx="728982" cy="593024"/>
-            </a:xfrm>
-            <a:prstGeom prst="rect">
-              <a:avLst/>
-            </a:prstGeom>
-            <a:noFill/>
-          </p:spPr>
-          <p:txBody>
-            <a:bodyPr wrap="none" rtlCol="0">
-              <a:spAutoFit/>
-            </a:bodyPr>
-            <a:lstStyle/>
-            <a:p>
-              <a:r>
-                <a:rPr lang="fr-FR" sz="1400" dirty="0">
-                  <a:solidFill>
-                    <a:schemeClr val="accent5"/>
-                  </a:solidFill>
-                </a:rPr>
-                <a:t>Texte </a:t>
-              </a:r>
-            </a:p>
-            <a:p>
-              <a:r>
-                <a:rPr lang="fr-FR" sz="1400" dirty="0">
-                  <a:solidFill>
-                    <a:schemeClr val="accent5"/>
-                  </a:solidFill>
-                </a:rPr>
-                <a:t>océrisé</a:t>
-              </a:r>
-            </a:p>
-          </p:txBody>
-        </p:sp>
-      </p:grpSp>
-      <p:grpSp>
-        <p:nvGrpSpPr>
-          <p:cNvPr id="52" name="Groupe 51">
-            <a:extLst>
-              <a:ext uri="{FF2B5EF4-FFF2-40B4-BE49-F238E27FC236}">
-                <a16:creationId xmlns:a16="http://schemas.microsoft.com/office/drawing/2014/main" id="{1460A686-3E4A-B0B5-A2AB-DFC847C1492B}"/>
-              </a:ext>
-            </a:extLst>
-          </p:cNvPr>
-          <p:cNvGrpSpPr/>
-          <p:nvPr/>
-        </p:nvGrpSpPr>
-        <p:grpSpPr>
-          <a:xfrm>
-            <a:off x="3098583" y="4699656"/>
-            <a:ext cx="760273" cy="756875"/>
-            <a:chOff x="495895" y="3776550"/>
-            <a:chExt cx="760273" cy="857851"/>
-          </a:xfrm>
-        </p:grpSpPr>
-        <p:cxnSp>
-          <p:nvCxnSpPr>
-            <p:cNvPr id="60" name="Connecteur droit avec flèche 59">
-              <a:extLst>
-                <a:ext uri="{FF2B5EF4-FFF2-40B4-BE49-F238E27FC236}">
-                  <a16:creationId xmlns:a16="http://schemas.microsoft.com/office/drawing/2014/main" id="{52328C07-2DD7-6FDA-D81A-D12BD2FDD4A7}"/>
-                </a:ext>
-              </a:extLst>
-            </p:cNvPr>
-            <p:cNvCxnSpPr>
-              <a:cxnSpLocks/>
-            </p:cNvCxnSpPr>
-            <p:nvPr/>
-          </p:nvCxnSpPr>
-          <p:spPr>
-            <a:xfrm flipV="1">
-              <a:off x="514792" y="3776550"/>
-              <a:ext cx="1600" cy="857851"/>
-            </a:xfrm>
-            <a:prstGeom prst="straightConnector1">
-              <a:avLst/>
-            </a:prstGeom>
-            <a:ln w="19050" cap="flat" cmpd="sng" algn="ctr">
-              <a:solidFill>
-                <a:schemeClr val="accent5"/>
-              </a:solidFill>
-              <a:prstDash val="dash"/>
-              <a:round/>
-              <a:headEnd type="none" w="med" len="med"/>
-              <a:tailEnd type="arrow" w="med" len="med"/>
-            </a:ln>
-          </p:spPr>
-          <p:style>
-            <a:lnRef idx="0">
-              <a:scrgbClr r="0" g="0" b="0"/>
-            </a:lnRef>
-            <a:fillRef idx="0">
-              <a:scrgbClr r="0" g="0" b="0"/>
-            </a:fillRef>
-            <a:effectRef idx="0">
-              <a:scrgbClr r="0" g="0" b="0"/>
-            </a:effectRef>
-            <a:fontRef idx="minor">
-              <a:schemeClr val="tx1"/>
-            </a:fontRef>
-          </p:style>
-        </p:cxnSp>
-        <p:sp>
-          <p:nvSpPr>
-            <p:cNvPr id="61" name="ZoneTexte 60">
-              <a:extLst>
-                <a:ext uri="{FF2B5EF4-FFF2-40B4-BE49-F238E27FC236}">
-                  <a16:creationId xmlns:a16="http://schemas.microsoft.com/office/drawing/2014/main" id="{CE70CB27-3EB3-D1DF-701E-96DD9A26AC1E}"/>
-                </a:ext>
-              </a:extLst>
-            </p:cNvPr>
-            <p:cNvSpPr txBox="1"/>
-            <p:nvPr/>
-          </p:nvSpPr>
-          <p:spPr>
-            <a:xfrm>
-              <a:off x="495895" y="3951420"/>
-              <a:ext cx="760273" cy="593024"/>
-            </a:xfrm>
-            <a:prstGeom prst="rect">
-              <a:avLst/>
-            </a:prstGeom>
-            <a:noFill/>
-          </p:spPr>
-          <p:txBody>
-            <a:bodyPr wrap="none" rtlCol="0">
-              <a:spAutoFit/>
-            </a:bodyPr>
-            <a:lstStyle/>
-            <a:p>
-              <a:r>
-                <a:rPr lang="fr-FR" sz="1400" dirty="0">
-                  <a:solidFill>
-                    <a:schemeClr val="accent5"/>
-                  </a:solidFill>
-                </a:rPr>
-                <a:t>Texte </a:t>
-              </a:r>
-            </a:p>
-            <a:p>
-              <a:r>
-                <a:rPr lang="fr-FR" sz="1400" dirty="0">
-                  <a:solidFill>
-                    <a:schemeClr val="accent5"/>
-                  </a:solidFill>
-                </a:rPr>
-                <a:t>nettoyé</a:t>
-              </a:r>
-            </a:p>
-          </p:txBody>
-        </p:sp>
-      </p:grpSp>
       <p:sp>
         <p:nvSpPr>
           <p:cNvPr id="62" name="ZoneTexte 61">
@@ -19686,7 +19031,7 @@
         </p:nvSpPr>
         <p:spPr>
           <a:xfrm>
-            <a:off x="6964259" y="1929865"/>
+            <a:off x="7278173" y="3806966"/>
             <a:ext cx="3311241" cy="367233"/>
           </a:xfrm>
           <a:prstGeom prst="rect">
@@ -19742,7 +19087,7 @@
         </p:nvSpPr>
         <p:spPr>
           <a:xfrm rot="10800000">
-            <a:off x="8465634" y="2296069"/>
+            <a:off x="8779548" y="4173170"/>
             <a:ext cx="108790" cy="1405622"/>
           </a:xfrm>
           <a:prstGeom prst="downArrow">
@@ -19910,60 +19255,6 @@
                                           </p:stCondLst>
                                         </p:cTn>
                                         <p:tgtEl>
-                                          <p:spTgt spid="57"/>
-                                        </p:tgtEl>
-                                        <p:attrNameLst>
-                                          <p:attrName>style.visibility</p:attrName>
-                                        </p:attrNameLst>
-                                      </p:cBhvr>
-                                      <p:to>
-                                        <p:strVal val="visible"/>
-                                      </p:to>
-                                    </p:set>
-                                  </p:childTnLst>
-                                </p:cTn>
-                              </p:par>
-                              <p:par>
-                                <p:cTn id="13" presetID="1" presetClass="entr" presetSubtype="0" fill="hold" nodeType="withEffect">
-                                  <p:stCondLst>
-                                    <p:cond delay="0"/>
-                                  </p:stCondLst>
-                                  <p:childTnLst>
-                                    <p:set>
-                                      <p:cBhvr>
-                                        <p:cTn id="14" dur="1" fill="hold">
-                                          <p:stCondLst>
-                                            <p:cond delay="0"/>
-                                          </p:stCondLst>
-                                        </p:cTn>
-                                        <p:tgtEl>
-                                          <p:spTgt spid="37"/>
-                                        </p:tgtEl>
-                                        <p:attrNameLst>
-                                          <p:attrName>style.visibility</p:attrName>
-                                        </p:attrNameLst>
-                                      </p:cBhvr>
-                                      <p:to>
-                                        <p:strVal val="visible"/>
-                                      </p:to>
-                                    </p:set>
-                                  </p:childTnLst>
-                                </p:cTn>
-                              </p:par>
-                              <p:par>
-                                <p:cTn id="15" presetID="1" presetClass="entr" presetSubtype="0" fill="hold" nodeType="withEffect">
-                                  <p:stCondLst>
-                                    <p:cond delay="0"/>
-                                  </p:stCondLst>
-                                  <p:childTnLst>
-                                    <p:set>
-                                      <p:cBhvr>
-                                        <p:cTn id="16" dur="1" fill="hold">
-                                          <p:stCondLst>
-                                            <p:cond delay="0"/>
-                                          </p:stCondLst>
-                                        </p:cTn>
-                                        <p:tgtEl>
                                           <p:spTgt spid="97"/>
                                         </p:tgtEl>
                                         <p:attrNameLst>
@@ -19984,19 +19275,73 @@
                     </p:cTn>
                   </p:par>
                   <p:par>
-                    <p:cTn id="17" fill="hold">
+                    <p:cTn id="13" fill="hold">
                       <p:stCondLst>
                         <p:cond delay="indefinite"/>
                       </p:stCondLst>
                       <p:childTnLst>
                         <p:par>
-                          <p:cTn id="18" fill="hold">
+                          <p:cTn id="14" fill="hold">
                             <p:stCondLst>
                               <p:cond delay="0"/>
                             </p:stCondLst>
                             <p:childTnLst>
                               <p:par>
-                                <p:cTn id="19" presetID="1" presetClass="entr" presetSubtype="0" fill="hold" nodeType="clickEffect">
+                                <p:cTn id="15" presetID="1" presetClass="entr" presetSubtype="0" fill="hold" nodeType="clickEffect">
+                                  <p:stCondLst>
+                                    <p:cond delay="0"/>
+                                  </p:stCondLst>
+                                  <p:childTnLst>
+                                    <p:set>
+                                      <p:cBhvr>
+                                        <p:cTn id="16" dur="1" fill="hold">
+                                          <p:stCondLst>
+                                            <p:cond delay="0"/>
+                                          </p:stCondLst>
+                                        </p:cTn>
+                                        <p:tgtEl>
+                                          <p:spTgt spid="9"/>
+                                        </p:tgtEl>
+                                        <p:attrNameLst>
+                                          <p:attrName>style.visibility</p:attrName>
+                                        </p:attrNameLst>
+                                      </p:cBhvr>
+                                      <p:to>
+                                        <p:strVal val="visible"/>
+                                      </p:to>
+                                    </p:set>
+                                  </p:childTnLst>
+                                </p:cTn>
+                              </p:par>
+                              <p:par>
+                                <p:cTn id="17" presetID="1" presetClass="entr" presetSubtype="0" fill="hold" nodeType="withEffect">
+                                  <p:stCondLst>
+                                    <p:cond delay="0"/>
+                                  </p:stCondLst>
+                                  <p:childTnLst>
+                                    <p:set>
+                                      <p:cBhvr>
+                                        <p:cTn id="18" dur="1" fill="hold">
+                                          <p:stCondLst>
+                                            <p:cond delay="0"/>
+                                          </p:stCondLst>
+                                        </p:cTn>
+                                        <p:tgtEl>
+                                          <p:spTgt spid="6"/>
+                                        </p:tgtEl>
+                                        <p:attrNameLst>
+                                          <p:attrName>style.visibility</p:attrName>
+                                        </p:attrNameLst>
+                                      </p:cBhvr>
+                                      <p:to>
+                                        <p:strVal val="visible"/>
+                                      </p:to>
+                                    </p:set>
+                                  </p:childTnLst>
+                                </p:cTn>
+                              </p:par>
+                              <p:par>
+                                <p:cTn id="19" presetID="1" presetClass="entr" presetSubtype="0" fill="hold" grpId="0" nodeType="withEffect">
                                   <p:stCondLst>
                                     <p:cond delay="0"/>
                                   </p:stCondLst>
@@ -20009,7 +19354,7 @@
                                           </p:stCondLst>
                                         </p:cTn>
                                         <p:tgtEl>
-                                          <p:spTgt spid="9"/>
+                                          <p:spTgt spid="125"/>
                                         </p:tgtEl>
                                         <p:attrNameLst>
                                           <p:attrName>style.visibility</p:attrName>
@@ -20036,60 +19381,6 @@
                                           </p:stCondLst>
                                         </p:cTn>
                                         <p:tgtEl>
-                                          <p:spTgt spid="6"/>
-                                        </p:tgtEl>
-                                        <p:attrNameLst>
-                                          <p:attrName>style.visibility</p:attrName>
-                                        </p:attrNameLst>
-                                      </p:cBhvr>
-                                      <p:to>
-                                        <p:strVal val="visible"/>
-                                      </p:to>
-                                    </p:set>
-                                  </p:childTnLst>
-                                </p:cTn>
-                              </p:par>
-                              <p:par>
-                                <p:cTn id="23" presetID="1" presetClass="entr" presetSubtype="0" fill="hold" grpId="0" nodeType="withEffect">
-                                  <p:stCondLst>
-                                    <p:cond delay="0"/>
-                                  </p:stCondLst>
-                                  <p:childTnLst>
-                                    <p:set>
-                                      <p:cBhvr>
-                                        <p:cTn id="24" dur="1" fill="hold">
-                                          <p:stCondLst>
-                                            <p:cond delay="0"/>
-                                          </p:stCondLst>
-                                        </p:cTn>
-                                        <p:tgtEl>
-                                          <p:spTgt spid="125"/>
-                                        </p:tgtEl>
-                                        <p:attrNameLst>
-                                          <p:attrName>style.visibility</p:attrName>
-                                        </p:attrNameLst>
-                                      </p:cBhvr>
-                                      <p:to>
-                                        <p:strVal val="visible"/>
-                                      </p:to>
-                                    </p:set>
-                                  </p:childTnLst>
-                                </p:cTn>
-                              </p:par>
-                              <p:par>
-                                <p:cTn id="25" presetID="1" presetClass="entr" presetSubtype="0" fill="hold" nodeType="withEffect">
-                                  <p:stCondLst>
-                                    <p:cond delay="0"/>
-                                  </p:stCondLst>
-                                  <p:childTnLst>
-                                    <p:set>
-                                      <p:cBhvr>
-                                        <p:cTn id="26" dur="1" fill="hold">
-                                          <p:stCondLst>
-                                            <p:cond delay="0"/>
-                                          </p:stCondLst>
-                                        </p:cTn>
-                                        <p:tgtEl>
                                           <p:spTgt spid="126"/>
                                         </p:tgtEl>
                                         <p:attrNameLst>
@@ -20104,14 +19395,14 @@
                                 </p:cTn>
                               </p:par>
                               <p:par>
-                                <p:cTn id="27" presetID="1" presetClass="entr" presetSubtype="0" fill="hold" nodeType="withEffect">
+                                <p:cTn id="23" presetID="1" presetClass="entr" presetSubtype="0" fill="hold" nodeType="withEffect">
                                   <p:stCondLst>
                                     <p:cond delay="0"/>
                                   </p:stCondLst>
                                   <p:childTnLst>
                                     <p:set>
                                       <p:cBhvr>
-                                        <p:cTn id="28" dur="1" fill="hold">
+                                        <p:cTn id="24" dur="1" fill="hold">
                                           <p:stCondLst>
                                             <p:cond delay="0"/>
                                           </p:stCondLst>
@@ -20137,26 +19428,26 @@
                     </p:cTn>
                   </p:par>
                   <p:par>
-                    <p:cTn id="29" fill="hold">
+                    <p:cTn id="25" fill="hold">
                       <p:stCondLst>
                         <p:cond delay="indefinite"/>
                       </p:stCondLst>
                       <p:childTnLst>
                         <p:par>
-                          <p:cTn id="30" fill="hold">
+                          <p:cTn id="26" fill="hold">
                             <p:stCondLst>
                               <p:cond delay="0"/>
                             </p:stCondLst>
                             <p:childTnLst>
                               <p:par>
-                                <p:cTn id="31" presetID="1" presetClass="entr" presetSubtype="0" fill="hold" nodeType="clickEffect">
+                                <p:cTn id="27" presetID="1" presetClass="entr" presetSubtype="0" fill="hold" nodeType="clickEffect">
                                   <p:stCondLst>
                                     <p:cond delay="0"/>
                                   </p:stCondLst>
                                   <p:childTnLst>
                                     <p:set>
                                       <p:cBhvr>
-                                        <p:cTn id="32" dur="1" fill="hold">
+                                        <p:cTn id="28" dur="1" fill="hold">
                                           <p:stCondLst>
                                             <p:cond delay="0"/>
                                           </p:stCondLst>
@@ -20176,41 +19467,14 @@
                                 </p:cTn>
                               </p:par>
                               <p:par>
-                                <p:cTn id="33" presetID="1" presetClass="entr" presetSubtype="0" fill="hold" nodeType="withEffect">
+                                <p:cTn id="29" presetID="1" presetClass="entr" presetSubtype="0" fill="hold" grpId="0" nodeType="withEffect">
                                   <p:stCondLst>
                                     <p:cond delay="0"/>
                                   </p:stCondLst>
                                   <p:childTnLst>
                                     <p:set>
                                       <p:cBhvr>
-                                        <p:cTn id="34" dur="1" fill="hold">
-                                          <p:stCondLst>
-                                            <p:cond delay="0"/>
-                                          </p:stCondLst>
-                                        </p:cTn>
-                                        <p:tgtEl>
-                                          <p:spTgt spid="21"/>
-                                        </p:tgtEl>
-                                        <p:attrNameLst>
-                                          <p:attrName>style.visibility</p:attrName>
-                                        </p:attrNameLst>
-                                      </p:cBhvr>
-                                      <p:to>
-                                        <p:strVal val="visible"/>
-                                      </p:to>
-                                    </p:set>
-                                  </p:childTnLst>
-                                </p:cTn>
-                              </p:par>
-                              <p:par>
-                                <p:cTn id="35" presetID="1" presetClass="entr" presetSubtype="0" fill="hold" grpId="0" nodeType="withEffect">
-                                  <p:stCondLst>
-                                    <p:cond delay="0"/>
-                                  </p:stCondLst>
-                                  <p:childTnLst>
-                                    <p:set>
-                                      <p:cBhvr>
-                                        <p:cTn id="36" dur="1" fill="hold">
+                                        <p:cTn id="30" dur="1" fill="hold">
                                           <p:stCondLst>
                                             <p:cond delay="0"/>
                                           </p:stCondLst>
@@ -20230,14 +19494,14 @@
                                 </p:cTn>
                               </p:par>
                               <p:par>
-                                <p:cTn id="37" presetID="1" presetClass="entr" presetSubtype="0" fill="hold" nodeType="withEffect">
+                                <p:cTn id="31" presetID="1" presetClass="entr" presetSubtype="0" fill="hold" nodeType="withEffect">
                                   <p:stCondLst>
                                     <p:cond delay="0"/>
                                   </p:stCondLst>
                                   <p:childTnLst>
                                     <p:set>
                                       <p:cBhvr>
-                                        <p:cTn id="38" dur="1" fill="hold">
+                                        <p:cTn id="32" dur="1" fill="hold">
                                           <p:stCondLst>
                                             <p:cond delay="0"/>
                                           </p:stCondLst>
@@ -20257,14 +19521,14 @@
                                 </p:cTn>
                               </p:par>
                               <p:par>
-                                <p:cTn id="39" presetID="1" presetClass="entr" presetSubtype="0" fill="hold" grpId="0" nodeType="withEffect">
+                                <p:cTn id="33" presetID="1" presetClass="entr" presetSubtype="0" fill="hold" grpId="0" nodeType="withEffect">
                                   <p:stCondLst>
                                     <p:cond delay="0"/>
                                   </p:stCondLst>
                                   <p:childTnLst>
                                     <p:set>
                                       <p:cBhvr>
-                                        <p:cTn id="40" dur="1" fill="hold">
+                                        <p:cTn id="34" dur="1" fill="hold">
                                           <p:stCondLst>
                                             <p:cond delay="0"/>
                                           </p:stCondLst>
@@ -20284,7 +19548,79 @@
                                 </p:cTn>
                               </p:par>
                               <p:par>
-                                <p:cTn id="41" presetID="1" presetClass="entr" presetSubtype="0" fill="hold" nodeType="withEffect">
+                                <p:cTn id="35" presetID="1" presetClass="entr" presetSubtype="0" fill="hold" nodeType="withEffect">
+                                  <p:stCondLst>
+                                    <p:cond delay="0"/>
+                                  </p:stCondLst>
+                                  <p:childTnLst>
+                                    <p:set>
+                                      <p:cBhvr>
+                                        <p:cTn id="36" dur="1" fill="hold">
+                                          <p:stCondLst>
+                                            <p:cond delay="0"/>
+                                          </p:stCondLst>
+                                        </p:cTn>
+                                        <p:tgtEl>
+                                          <p:spTgt spid="18"/>
+                                        </p:tgtEl>
+                                        <p:attrNameLst>
+                                          <p:attrName>style.visibility</p:attrName>
+                                        </p:attrNameLst>
+                                      </p:cBhvr>
+                                      <p:to>
+                                        <p:strVal val="visible"/>
+                                      </p:to>
+                                    </p:set>
+                                  </p:childTnLst>
+                                </p:cTn>
+                              </p:par>
+                            </p:childTnLst>
+                          </p:cTn>
+                        </p:par>
+                      </p:childTnLst>
+                    </p:cTn>
+                  </p:par>
+                  <p:par>
+                    <p:cTn id="37" fill="hold">
+                      <p:stCondLst>
+                        <p:cond delay="indefinite"/>
+                      </p:stCondLst>
+                      <p:childTnLst>
+                        <p:par>
+                          <p:cTn id="38" fill="hold">
+                            <p:stCondLst>
+                              <p:cond delay="0"/>
+                            </p:stCondLst>
+                            <p:childTnLst>
+                              <p:par>
+                                <p:cTn id="39" presetID="1" presetClass="entr" presetSubtype="0" fill="hold" grpId="0" nodeType="clickEffect">
+                                  <p:stCondLst>
+                                    <p:cond delay="0"/>
+                                  </p:stCondLst>
+                                  <p:childTnLst>
+                                    <p:set>
+                                      <p:cBhvr>
+                                        <p:cTn id="40" dur="1" fill="hold">
+                                          <p:stCondLst>
+                                            <p:cond delay="0"/>
+                                          </p:stCondLst>
+                                        </p:cTn>
+                                        <p:tgtEl>
+                                          <p:spTgt spid="56"/>
+                                        </p:tgtEl>
+                                        <p:attrNameLst>
+                                          <p:attrName>style.visibility</p:attrName>
+                                        </p:attrNameLst>
+                                      </p:cBhvr>
+                                      <p:to>
+                                        <p:strVal val="visible"/>
+                                      </p:to>
+                                    </p:set>
+                                  </p:childTnLst>
+                                </p:cTn>
+                              </p:par>
+                              <p:par>
+                                <p:cTn id="41" presetID="1" presetClass="entr" presetSubtype="0" fill="hold" grpId="0" nodeType="withEffect">
                                   <p:stCondLst>
                                     <p:cond delay="0"/>
                                   </p:stCondLst>
@@ -20297,7 +19633,7 @@
                                           </p:stCondLst>
                                         </p:cTn>
                                         <p:tgtEl>
-                                          <p:spTgt spid="44"/>
+                                          <p:spTgt spid="69"/>
                                         </p:tgtEl>
                                         <p:attrNameLst>
                                           <p:attrName>style.visibility</p:attrName>
@@ -20324,7 +19660,7 @@
                                           </p:stCondLst>
                                         </p:cTn>
                                         <p:tgtEl>
-                                          <p:spTgt spid="18"/>
+                                          <p:spTgt spid="47"/>
                                         </p:tgtEl>
                                         <p:attrNameLst>
                                           <p:attrName>style.visibility</p:attrName>
@@ -20338,7 +19674,7 @@
                                 </p:cTn>
                               </p:par>
                               <p:par>
-                                <p:cTn id="45" presetID="1" presetClass="entr" presetSubtype="0" fill="hold" nodeType="withEffect">
+                                <p:cTn id="45" presetID="1" presetClass="entr" presetSubtype="0" fill="hold" grpId="0" nodeType="withEffect">
                                   <p:stCondLst>
                                     <p:cond delay="0"/>
                                   </p:stCondLst>
@@ -20351,7 +19687,7 @@
                                           </p:stCondLst>
                                         </p:cTn>
                                         <p:tgtEl>
-                                          <p:spTgt spid="24"/>
+                                          <p:spTgt spid="144"/>
                                         </p:tgtEl>
                                         <p:attrNameLst>
                                           <p:attrName>style.visibility</p:attrName>
@@ -20378,7 +19714,7 @@
                                           </p:stCondLst>
                                         </p:cTn>
                                         <p:tgtEl>
-                                          <p:spTgt spid="52"/>
+                                          <p:spTgt spid="139"/>
                                         </p:tgtEl>
                                         <p:attrNameLst>
                                           <p:attrName>style.visibility</p:attrName>
@@ -20410,7 +19746,7 @@
                             </p:stCondLst>
                             <p:childTnLst>
                               <p:par>
-                                <p:cTn id="51" presetID="1" presetClass="entr" presetSubtype="0" fill="hold" grpId="0" nodeType="clickEffect">
+                                <p:cTn id="51" presetID="1" presetClass="entr" presetSubtype="0" fill="hold" nodeType="clickEffect">
                                   <p:stCondLst>
                                     <p:cond delay="0"/>
                                   </p:stCondLst>
@@ -20423,7 +19759,7 @@
                                           </p:stCondLst>
                                         </p:cTn>
                                         <p:tgtEl>
-                                          <p:spTgt spid="56"/>
+                                          <p:spTgt spid="34"/>
                                         </p:tgtEl>
                                         <p:attrNameLst>
                                           <p:attrName>style.visibility</p:attrName>
@@ -20436,35 +19772,26 @@
                                   </p:childTnLst>
                                 </p:cTn>
                               </p:par>
+                            </p:childTnLst>
+                          </p:cTn>
+                        </p:par>
+                      </p:childTnLst>
+                    </p:cTn>
+                  </p:par>
+                  <p:par>
+                    <p:cTn id="53" fill="hold">
+                      <p:stCondLst>
+                        <p:cond delay="indefinite"/>
+                      </p:stCondLst>
+                      <p:childTnLst>
+                        <p:par>
+                          <p:cTn id="54" fill="hold">
+                            <p:stCondLst>
+                              <p:cond delay="0"/>
+                            </p:stCondLst>
+                            <p:childTnLst>
                               <p:par>
-                                <p:cTn id="53" presetID="1" presetClass="entr" presetSubtype="0" fill="hold" grpId="0" nodeType="withEffect">
-                                  <p:stCondLst>
-                                    <p:cond delay="0"/>
-                                  </p:stCondLst>
-                                  <p:childTnLst>
-                                    <p:set>
-                                      <p:cBhvr>
-                                        <p:cTn id="54" dur="1" fill="hold">
-                                          <p:stCondLst>
-                                            <p:cond delay="0"/>
-                                          </p:stCondLst>
-                                        </p:cTn>
-                                        <p:tgtEl>
-                                          <p:spTgt spid="69"/>
-                                        </p:tgtEl>
-                                        <p:attrNameLst>
-                                          <p:attrName>style.visibility</p:attrName>
-                                        </p:attrNameLst>
-                                      </p:cBhvr>
-                                      <p:to>
-                                        <p:strVal val="visible"/>
-                                      </p:to>
-                                    </p:set>
-                                  </p:childTnLst>
-                                </p:cTn>
-                              </p:par>
-                              <p:par>
-                                <p:cTn id="55" presetID="1" presetClass="entr" presetSubtype="0" fill="hold" nodeType="withEffect">
+                                <p:cTn id="55" presetID="1" presetClass="entr" presetSubtype="0" fill="hold" nodeType="clickEffect">
                                   <p:stCondLst>
                                     <p:cond delay="0"/>
                                   </p:stCondLst>
@@ -20477,7 +19804,7 @@
                                           </p:stCondLst>
                                         </p:cTn>
                                         <p:tgtEl>
-                                          <p:spTgt spid="47"/>
+                                          <p:spTgt spid="40"/>
                                         </p:tgtEl>
                                         <p:attrNameLst>
                                           <p:attrName>style.visibility</p:attrName>
@@ -20504,150 +19831,6 @@
                                           </p:stCondLst>
                                         </p:cTn>
                                         <p:tgtEl>
-                                          <p:spTgt spid="144"/>
-                                        </p:tgtEl>
-                                        <p:attrNameLst>
-                                          <p:attrName>style.visibility</p:attrName>
-                                        </p:attrNameLst>
-                                      </p:cBhvr>
-                                      <p:to>
-                                        <p:strVal val="visible"/>
-                                      </p:to>
-                                    </p:set>
-                                  </p:childTnLst>
-                                </p:cTn>
-                              </p:par>
-                              <p:par>
-                                <p:cTn id="59" presetID="1" presetClass="entr" presetSubtype="0" fill="hold" nodeType="withEffect">
-                                  <p:stCondLst>
-                                    <p:cond delay="0"/>
-                                  </p:stCondLst>
-                                  <p:childTnLst>
-                                    <p:set>
-                                      <p:cBhvr>
-                                        <p:cTn id="60" dur="1" fill="hold">
-                                          <p:stCondLst>
-                                            <p:cond delay="0"/>
-                                          </p:stCondLst>
-                                        </p:cTn>
-                                        <p:tgtEl>
-                                          <p:spTgt spid="139"/>
-                                        </p:tgtEl>
-                                        <p:attrNameLst>
-                                          <p:attrName>style.visibility</p:attrName>
-                                        </p:attrNameLst>
-                                      </p:cBhvr>
-                                      <p:to>
-                                        <p:strVal val="visible"/>
-                                      </p:to>
-                                    </p:set>
-                                  </p:childTnLst>
-                                </p:cTn>
-                              </p:par>
-                            </p:childTnLst>
-                          </p:cTn>
-                        </p:par>
-                      </p:childTnLst>
-                    </p:cTn>
-                  </p:par>
-                  <p:par>
-                    <p:cTn id="61" fill="hold">
-                      <p:stCondLst>
-                        <p:cond delay="indefinite"/>
-                      </p:stCondLst>
-                      <p:childTnLst>
-                        <p:par>
-                          <p:cTn id="62" fill="hold">
-                            <p:stCondLst>
-                              <p:cond delay="0"/>
-                            </p:stCondLst>
-                            <p:childTnLst>
-                              <p:par>
-                                <p:cTn id="63" presetID="1" presetClass="entr" presetSubtype="0" fill="hold" nodeType="clickEffect">
-                                  <p:stCondLst>
-                                    <p:cond delay="0"/>
-                                  </p:stCondLst>
-                                  <p:childTnLst>
-                                    <p:set>
-                                      <p:cBhvr>
-                                        <p:cTn id="64" dur="1" fill="hold">
-                                          <p:stCondLst>
-                                            <p:cond delay="0"/>
-                                          </p:stCondLst>
-                                        </p:cTn>
-                                        <p:tgtEl>
-                                          <p:spTgt spid="34"/>
-                                        </p:tgtEl>
-                                        <p:attrNameLst>
-                                          <p:attrName>style.visibility</p:attrName>
-                                        </p:attrNameLst>
-                                      </p:cBhvr>
-                                      <p:to>
-                                        <p:strVal val="visible"/>
-                                      </p:to>
-                                    </p:set>
-                                  </p:childTnLst>
-                                </p:cTn>
-                              </p:par>
-                            </p:childTnLst>
-                          </p:cTn>
-                        </p:par>
-                      </p:childTnLst>
-                    </p:cTn>
-                  </p:par>
-                  <p:par>
-                    <p:cTn id="65" fill="hold">
-                      <p:stCondLst>
-                        <p:cond delay="indefinite"/>
-                      </p:stCondLst>
-                      <p:childTnLst>
-                        <p:par>
-                          <p:cTn id="66" fill="hold">
-                            <p:stCondLst>
-                              <p:cond delay="0"/>
-                            </p:stCondLst>
-                            <p:childTnLst>
-                              <p:par>
-                                <p:cTn id="67" presetID="1" presetClass="entr" presetSubtype="0" fill="hold" nodeType="clickEffect">
-                                  <p:stCondLst>
-                                    <p:cond delay="0"/>
-                                  </p:stCondLst>
-                                  <p:childTnLst>
-                                    <p:set>
-                                      <p:cBhvr>
-                                        <p:cTn id="68" dur="1" fill="hold">
-                                          <p:stCondLst>
-                                            <p:cond delay="0"/>
-                                          </p:stCondLst>
-                                        </p:cTn>
-                                        <p:tgtEl>
-                                          <p:spTgt spid="40"/>
-                                        </p:tgtEl>
-                                        <p:attrNameLst>
-                                          <p:attrName>style.visibility</p:attrName>
-                                        </p:attrNameLst>
-                                      </p:cBhvr>
-                                      <p:to>
-                                        <p:strVal val="visible"/>
-                                      </p:to>
-                                    </p:set>
-                                  </p:childTnLst>
-                                </p:cTn>
-                              </p:par>
-                              <p:par>
-                                <p:cTn id="69" presetID="1" presetClass="entr" presetSubtype="0" fill="hold" grpId="0" nodeType="withEffect">
-                                  <p:stCondLst>
-                                    <p:cond delay="0"/>
-                                  </p:stCondLst>
-                                  <p:childTnLst>
-                                    <p:set>
-                                      <p:cBhvr>
-                                        <p:cTn id="70" dur="1" fill="hold">
-                                          <p:stCondLst>
-                                            <p:cond delay="0"/>
-                                          </p:stCondLst>
-                                        </p:cTn>
-                                        <p:tgtEl>
                                           <p:spTgt spid="62"/>
                                         </p:tgtEl>
                                         <p:attrNameLst>
@@ -20662,14 +19845,14 @@
                                 </p:cTn>
                               </p:par>
                               <p:par>
-                                <p:cTn id="71" presetID="1" presetClass="entr" presetSubtype="0" fill="hold" grpId="0" nodeType="withEffect">
+                                <p:cTn id="59" presetID="1" presetClass="entr" presetSubtype="0" fill="hold" grpId="0" nodeType="withEffect">
                                   <p:stCondLst>
                                     <p:cond delay="0"/>
                                   </p:stCondLst>
                                   <p:childTnLst>
                                     <p:set>
                                       <p:cBhvr>
-                                        <p:cTn id="72" dur="1" fill="hold">
+                                        <p:cTn id="60" dur="1" fill="hold">
                                           <p:stCondLst>
                                             <p:cond delay="0"/>
                                           </p:stCondLst>
@@ -21246,7 +20429,7 @@
         </p:nvGrpSpPr>
         <p:grpSpPr>
           <a:xfrm>
-            <a:off x="4348628" y="2839287"/>
+            <a:off x="4067173" y="2849579"/>
             <a:ext cx="596630" cy="637169"/>
             <a:chOff x="9704996" y="1064105"/>
             <a:chExt cx="1675653" cy="626215"/>
@@ -21515,7 +20698,7 @@
         </p:nvGrpSpPr>
         <p:grpSpPr>
           <a:xfrm>
-            <a:off x="7253311" y="2869773"/>
+            <a:off x="7179335" y="2851423"/>
             <a:ext cx="1747459" cy="637169"/>
             <a:chOff x="9704996" y="1064105"/>
             <a:chExt cx="4907792" cy="626215"/>
@@ -25148,15 +24331,6 @@
 </file>
 
 <file path=customXml/item2.xml><?xml version="1.0" encoding="utf-8"?>
-<?mso-contentType ?>
-<FormTemplates xmlns="http://schemas.microsoft.com/sharepoint/v3/contenttype/forms">
-  <Display>DocumentLibraryForm</Display>
-  <Edit>DocumentLibraryForm</Edit>
-  <New>DocumentLibraryForm</New>
-</FormTemplates>
-</file>
-
-<file path=customXml/item3.xml><?xml version="1.0" encoding="utf-8"?>
 <p:properties xmlns:p="http://schemas.microsoft.com/office/2006/metadata/properties" xmlns:xsi="http://www.w3.org/2001/XMLSchema-instance" xmlns:pc="http://schemas.microsoft.com/office/infopath/2007/PartnerControls">
   <documentManagement>
     <_ip_UnifiedCompliancePolicyUIAction xmlns="http://schemas.microsoft.com/sharepoint/v3" xsi:nil="true"/>
@@ -25174,6 +24348,15 @@
     <MediaServiceKeyPoints xmlns="71af3243-3dd4-4a8d-8c0d-dd76da1f02a5" xsi:nil="true"/>
   </documentManagement>
 </p:properties>
+</file>
+
+<file path=customXml/item3.xml><?xml version="1.0" encoding="utf-8"?>
+<?mso-contentType ?>
+<FormTemplates xmlns="http://schemas.microsoft.com/sharepoint/v3/contenttype/forms">
+  <Display>DocumentLibraryForm</Display>
+  <Edit>DocumentLibraryForm</Edit>
+  <New>DocumentLibraryForm</New>
+</FormTemplates>
 </file>
 
 <file path=customXml/itemProps1.xml><?xml version="1.0" encoding="utf-8"?>
@@ -25198,14 +24381,6 @@
 </file>
 
 <file path=customXml/itemProps2.xml><?xml version="1.0" encoding="utf-8"?>
-<ds:datastoreItem xmlns:ds="http://schemas.openxmlformats.org/officeDocument/2006/customXml" ds:itemID="{79BF405E-7930-4D5C-ABB3-493E9D6D6CEA}">
-  <ds:schemaRefs>
-    <ds:schemaRef ds:uri="http://schemas.microsoft.com/sharepoint/v3/contenttype/forms"/>
-  </ds:schemaRefs>
-</ds:datastoreItem>
-</file>
-
-<file path=customXml/itemProps3.xml><?xml version="1.0" encoding="utf-8"?>
 <ds:datastoreItem xmlns:ds="http://schemas.openxmlformats.org/officeDocument/2006/customXml" ds:itemID="{6EA97235-BEC4-4F82-87A8-2F5DAD53B5F9}">
   <ds:schemaRefs>
     <ds:schemaRef ds:uri="http://schemas.microsoft.com/office/2006/metadata/properties"/>
@@ -25217,6 +24392,14 @@
 </ds:datastoreItem>
 </file>
 
+<file path=customXml/itemProps3.xml><?xml version="1.0" encoding="utf-8"?>
+<ds:datastoreItem xmlns:ds="http://schemas.openxmlformats.org/officeDocument/2006/customXml" ds:itemID="{79BF405E-7930-4D5C-ABB3-493E9D6D6CEA}">
+  <ds:schemaRefs>
+    <ds:schemaRef ds:uri="http://schemas.microsoft.com/sharepoint/v3/contenttype/forms"/>
+  </ds:schemaRefs>
+</ds:datastoreItem>
+</file>
+
 <file path=docMetadata/LabelInfo.xml><?xml version="1.0" encoding="utf-8"?>
 <clbl:labelList xmlns:clbl="http://schemas.microsoft.com/office/2020/mipLabelMetadata"/>
 </file>
--- a/report/Projet_classification_MLOps_Partie3_Aymen.pptx
+++ b/report/Projet_classification_MLOps_Partie3_Aymen.pptx
@@ -19937,10 +19937,10 @@
       </p:grpSpPr>
       <p:grpSp>
         <p:nvGrpSpPr>
-          <p:cNvPr id="42" name="Groupe 41">
-            <a:extLst>
-              <a:ext uri="{FF2B5EF4-FFF2-40B4-BE49-F238E27FC236}">
-                <a16:creationId xmlns:a16="http://schemas.microsoft.com/office/drawing/2014/main" id="{3C64E623-0710-02AD-4178-2B03F0624959}"/>
+          <p:cNvPr id="18" name="Groupe 17">
+            <a:extLst>
+              <a:ext uri="{FF2B5EF4-FFF2-40B4-BE49-F238E27FC236}">
+                <a16:creationId xmlns:a16="http://schemas.microsoft.com/office/drawing/2014/main" id="{962D8C15-634E-EFBD-97E9-E9F95DDA25A9}"/>
               </a:ext>
             </a:extLst>
           </p:cNvPr>
@@ -19951,67 +19951,119 @@
           <a:xfrm>
             <a:off x="2360448" y="1163549"/>
             <a:ext cx="6262124" cy="1674246"/>
-            <a:chOff x="1764194" y="3048000"/>
+            <a:chOff x="2360448" y="1163549"/>
             <a:chExt cx="6262124" cy="1674246"/>
           </a:xfrm>
         </p:grpSpPr>
-        <p:sp>
-          <p:nvSpPr>
-            <p:cNvPr id="17" name="ZoneTexte 16">
+        <p:grpSp>
+          <p:nvGrpSpPr>
+            <p:cNvPr id="42" name="Groupe 41">
               <a:extLst>
                 <a:ext uri="{FF2B5EF4-FFF2-40B4-BE49-F238E27FC236}">
-                  <a16:creationId xmlns:a16="http://schemas.microsoft.com/office/drawing/2014/main" id="{7A3737C3-213A-3A90-59F5-A3549FAA4801}"/>
+                  <a16:creationId xmlns:a16="http://schemas.microsoft.com/office/drawing/2014/main" id="{3C64E623-0710-02AD-4178-2B03F0624959}"/>
                 </a:ext>
               </a:extLst>
             </p:cNvPr>
-            <p:cNvSpPr txBox="1"/>
+            <p:cNvGrpSpPr/>
             <p:nvPr/>
-          </p:nvSpPr>
-          <p:spPr>
+          </p:nvGrpSpPr>
+          <p:grpSpPr>
             <a:xfrm>
-              <a:off x="1764194" y="3048000"/>
-              <a:ext cx="6250152" cy="1674246"/>
+              <a:off x="2360448" y="1163549"/>
+              <a:ext cx="6262124" cy="1674246"/>
+              <a:chOff x="1764194" y="3048000"/>
+              <a:chExt cx="6262124" cy="1674246"/>
             </a:xfrm>
-            <a:prstGeom prst="rect">
-              <a:avLst/>
-            </a:prstGeom>
-            <a:ln w="41275" cap="rnd">
-              <a:round/>
-            </a:ln>
-          </p:spPr>
-          <p:style>
-            <a:lnRef idx="2">
-              <a:schemeClr val="accent5"/>
-            </a:lnRef>
-            <a:fillRef idx="1">
-              <a:schemeClr val="lt1"/>
-            </a:fillRef>
-            <a:effectRef idx="0">
-              <a:schemeClr val="accent5"/>
-            </a:effectRef>
-            <a:fontRef idx="minor">
-              <a:schemeClr val="dk1"/>
-            </a:fontRef>
-          </p:style>
-          <p:txBody>
-            <a:bodyPr wrap="square" rtlCol="0">
-              <a:noAutofit/>
-            </a:bodyPr>
-            <a:lstStyle/>
-            <a:p>
-              <a:r>
-                <a:rPr lang="fr-FR" b="1" dirty="0"/>
-                <a:t>USER-frontend</a:t>
-              </a:r>
-            </a:p>
-          </p:txBody>
-        </p:sp>
+          </p:grpSpPr>
+          <p:sp>
+            <p:nvSpPr>
+              <p:cNvPr id="17" name="ZoneTexte 16">
+                <a:extLst>
+                  <a:ext uri="{FF2B5EF4-FFF2-40B4-BE49-F238E27FC236}">
+                    <a16:creationId xmlns:a16="http://schemas.microsoft.com/office/drawing/2014/main" id="{7A3737C3-213A-3A90-59F5-A3549FAA4801}"/>
+                  </a:ext>
+                </a:extLst>
+              </p:cNvPr>
+              <p:cNvSpPr txBox="1"/>
+              <p:nvPr/>
+            </p:nvSpPr>
+            <p:spPr>
+              <a:xfrm>
+                <a:off x="1764194" y="3048000"/>
+                <a:ext cx="6250152" cy="1674246"/>
+              </a:xfrm>
+              <a:prstGeom prst="rect">
+                <a:avLst/>
+              </a:prstGeom>
+              <a:ln w="41275" cap="rnd">
+                <a:round/>
+              </a:ln>
+            </p:spPr>
+            <p:style>
+              <a:lnRef idx="2">
+                <a:schemeClr val="accent5"/>
+              </a:lnRef>
+              <a:fillRef idx="1">
+                <a:schemeClr val="lt1"/>
+              </a:fillRef>
+              <a:effectRef idx="0">
+                <a:schemeClr val="accent5"/>
+              </a:effectRef>
+              <a:fontRef idx="minor">
+                <a:schemeClr val="dk1"/>
+              </a:fontRef>
+            </p:style>
+            <p:txBody>
+              <a:bodyPr wrap="square" rtlCol="0">
+                <a:noAutofit/>
+              </a:bodyPr>
+              <a:lstStyle/>
+              <a:p>
+                <a:pPr algn="ctr"/>
+                <a:r>
+                  <a:rPr lang="fr-FR" b="1" dirty="0"/>
+                  <a:t>USER-frontend</a:t>
+                </a:r>
+              </a:p>
+            </p:txBody>
+          </p:sp>
+          <p:pic>
+            <p:nvPicPr>
+              <p:cNvPr id="41" name="Image 40" descr="Une image contenant symbole, Graphique, clipart, conception&#10;&#10;Le contenu généré par l’IA peut être incorrect.">
+                <a:extLst>
+                  <a:ext uri="{FF2B5EF4-FFF2-40B4-BE49-F238E27FC236}">
+                    <a16:creationId xmlns:a16="http://schemas.microsoft.com/office/drawing/2014/main" id="{46AEB8CB-B901-92B5-EC8A-F6B7BEA967AC}"/>
+                  </a:ext>
+                </a:extLst>
+              </p:cNvPr>
+              <p:cNvPicPr>
+                <a:picLocks noChangeAspect="1"/>
+              </p:cNvPicPr>
+              <p:nvPr/>
+            </p:nvPicPr>
+            <p:blipFill>
+              <a:blip r:embed="rId2"/>
+              <a:stretch>
+                <a:fillRect/>
+              </a:stretch>
+            </p:blipFill>
+            <p:spPr>
+              <a:xfrm>
+                <a:off x="7629669" y="4309059"/>
+                <a:ext cx="396649" cy="396649"/>
+              </a:xfrm>
+              <a:prstGeom prst="rect">
+                <a:avLst/>
+              </a:prstGeom>
+            </p:spPr>
+          </p:pic>
+        </p:grpSp>
         <p:pic>
           <p:nvPicPr>
-            <p:cNvPr id="41" name="Image 40" descr="Une image contenant symbole, Graphique, clipart, conception&#10;&#10;Le contenu généré par l’IA peut être incorrect.">
+            <p:cNvPr id="16" name="Image 15" descr="Une image contenant logo, Graphique, Police, graphisme&#10;&#10;Le contenu généré par l’IA peut être incorrect.">
               <a:extLst>
                 <a:ext uri="{FF2B5EF4-FFF2-40B4-BE49-F238E27FC236}">
-                  <a16:creationId xmlns:a16="http://schemas.microsoft.com/office/drawing/2014/main" id="{46AEB8CB-B901-92B5-EC8A-F6B7BEA967AC}"/>
+                  <a16:creationId xmlns:a16="http://schemas.microsoft.com/office/drawing/2014/main" id="{850FA15F-4B23-56EF-8FF4-5F7B9A000FAD}"/>
                 </a:ext>
               </a:extLst>
             </p:cNvPr>
@@ -20021,15 +20073,14 @@
             <p:nvPr/>
           </p:nvPicPr>
           <p:blipFill>
-            <a:blip r:embed="rId2"/>
-            <a:stretch>
-              <a:fillRect/>
-            </a:stretch>
+            <a:blip r:embed="rId3"/>
+            <a:srcRect l="3961" t="27473" r="4988" b="25711"/>
+            <a:stretch/>
           </p:blipFill>
           <p:spPr>
             <a:xfrm>
-              <a:off x="7629669" y="4309059"/>
-              <a:ext cx="396649" cy="396649"/>
+              <a:off x="2714385" y="1561693"/>
+              <a:ext cx="1487354" cy="761360"/>
             </a:xfrm>
             <a:prstGeom prst="rect">
               <a:avLst/>
@@ -20376,6 +20427,7 @@
             </a:bodyPr>
             <a:lstStyle/>
             <a:p>
+              <a:pPr algn="ctr"/>
               <a:r>
                 <a:rPr lang="fr-FR" b="1" dirty="0" err="1"/>
                 <a:t>Predict-Orchestrator</a:t>
@@ -20839,10 +20891,10 @@
             <p:nvPr/>
           </p:nvPicPr>
           <p:blipFill>
-            <a:blip r:embed="rId3">
+            <a:blip r:embed="rId4">
               <a:extLst>
                 <a:ext uri="{96DAC541-7B7A-43D3-8B79-37D633B846F1}">
-                  <asvg:svgBlip xmlns:asvg="http://schemas.microsoft.com/office/drawing/2016/SVG/main" r:embed="rId4"/>
+                  <asvg:svgBlip xmlns:asvg="http://schemas.microsoft.com/office/drawing/2016/SVG/main" r:embed="rId5"/>
                 </a:ext>
               </a:extLst>
             </a:blip>
@@ -20928,10 +20980,10 @@
         </p:nvGrpSpPr>
         <p:grpSpPr>
           <a:xfrm>
-            <a:off x="9094299" y="1692896"/>
-            <a:ext cx="1310102" cy="960591"/>
-            <a:chOff x="8106314" y="3786269"/>
-            <a:chExt cx="1646040" cy="1166981"/>
+            <a:off x="9094294" y="1692896"/>
+            <a:ext cx="1422671" cy="960591"/>
+            <a:chOff x="8106313" y="3786269"/>
+            <a:chExt cx="1787475" cy="1166981"/>
           </a:xfrm>
         </p:grpSpPr>
         <p:sp>
@@ -20948,8 +21000,8 @@
           </p:nvSpPr>
           <p:spPr>
             <a:xfrm>
-              <a:off x="8106314" y="3786269"/>
-              <a:ext cx="1646040" cy="373905"/>
+              <a:off x="8106313" y="3786269"/>
+              <a:ext cx="1787475" cy="373905"/>
             </a:xfrm>
             <a:prstGeom prst="rect">
               <a:avLst/>
@@ -20957,7 +21009,7 @@
             <a:noFill/>
           </p:spPr>
           <p:txBody>
-            <a:bodyPr wrap="none" rtlCol="0">
+            <a:bodyPr wrap="square" rtlCol="0">
               <a:spAutoFit/>
             </a:bodyPr>
             <a:lstStyle/>
@@ -20970,7 +21022,7 @@
                     </a:schemeClr>
                   </a:solidFill>
                 </a:rPr>
-                <a:t>Feedback User</a:t>
+                <a:t> User Feedback</a:t>
               </a:r>
             </a:p>
           </p:txBody>
@@ -20990,7 +21042,7 @@
             <p:nvPr/>
           </p:nvPicPr>
           <p:blipFill>
-            <a:blip r:embed="rId5"/>
+            <a:blip r:embed="rId6"/>
             <a:srcRect l="11406" t="1461" r="10410" b="5393"/>
             <a:stretch/>
           </p:blipFill>
@@ -21136,35 +21188,6 @@
           </a:p>
         </p:txBody>
       </p:sp>
-      <p:pic>
-        <p:nvPicPr>
-          <p:cNvPr id="16" name="Image 15" descr="Une image contenant logo, Graphique, Police, graphisme&#10;&#10;Le contenu généré par l’IA peut être incorrect.">
-            <a:extLst>
-              <a:ext uri="{FF2B5EF4-FFF2-40B4-BE49-F238E27FC236}">
-                <a16:creationId xmlns:a16="http://schemas.microsoft.com/office/drawing/2014/main" id="{850FA15F-4B23-56EF-8FF4-5F7B9A000FAD}"/>
-              </a:ext>
-            </a:extLst>
-          </p:cNvPr>
-          <p:cNvPicPr>
-            <a:picLocks noChangeAspect="1"/>
-          </p:cNvPicPr>
-          <p:nvPr/>
-        </p:nvPicPr>
-        <p:blipFill>
-          <a:blip r:embed="rId6"/>
-          <a:srcRect l="3961" t="27473" r="4988" b="25711"/>
-          <a:stretch/>
-        </p:blipFill>
-        <p:spPr>
-          <a:xfrm>
-            <a:off x="2497153" y="1532617"/>
-            <a:ext cx="1227480" cy="628333"/>
-          </a:xfrm>
-          <a:prstGeom prst="rect">
-            <a:avLst/>
-          </a:prstGeom>
-        </p:spPr>
-      </p:pic>
     </p:spTree>
     <p:extLst>
       <p:ext uri="{BB962C8B-B14F-4D97-AF65-F5344CB8AC3E}">
@@ -21552,109 +21575,6 @@
       </p:sp>
       <p:grpSp>
         <p:nvGrpSpPr>
-          <p:cNvPr id="7" name="Groupe 6">
-            <a:extLst>
-              <a:ext uri="{FF2B5EF4-FFF2-40B4-BE49-F238E27FC236}">
-                <a16:creationId xmlns:a16="http://schemas.microsoft.com/office/drawing/2014/main" id="{D2DA948C-154F-A2DF-7418-112BB23A3B00}"/>
-              </a:ext>
-            </a:extLst>
-          </p:cNvPr>
-          <p:cNvGrpSpPr/>
-          <p:nvPr/>
-        </p:nvGrpSpPr>
-        <p:grpSpPr>
-          <a:xfrm>
-            <a:off x="2871575" y="2135928"/>
-            <a:ext cx="5181879" cy="799084"/>
-            <a:chOff x="3254674" y="1697484"/>
-            <a:chExt cx="5068391" cy="799084"/>
-          </a:xfrm>
-        </p:grpSpPr>
-        <p:sp>
-          <p:nvSpPr>
-            <p:cNvPr id="8" name="ZoneTexte 7">
-              <a:extLst>
-                <a:ext uri="{FF2B5EF4-FFF2-40B4-BE49-F238E27FC236}">
-                  <a16:creationId xmlns:a16="http://schemas.microsoft.com/office/drawing/2014/main" id="{AF66701C-CD3A-443A-2E5F-3EF72A83526E}"/>
-                </a:ext>
-              </a:extLst>
-            </p:cNvPr>
-            <p:cNvSpPr txBox="1"/>
-            <p:nvPr/>
-          </p:nvSpPr>
-          <p:spPr>
-            <a:xfrm>
-              <a:off x="3254674" y="1697484"/>
-              <a:ext cx="5068391" cy="799084"/>
-            </a:xfrm>
-            <a:prstGeom prst="rect">
-              <a:avLst/>
-            </a:prstGeom>
-            <a:ln w="41275" cap="rnd">
-              <a:round/>
-            </a:ln>
-          </p:spPr>
-          <p:style>
-            <a:lnRef idx="2">
-              <a:schemeClr val="accent5"/>
-            </a:lnRef>
-            <a:fillRef idx="1">
-              <a:schemeClr val="lt1"/>
-            </a:fillRef>
-            <a:effectRef idx="0">
-              <a:schemeClr val="accent5"/>
-            </a:effectRef>
-            <a:fontRef idx="minor">
-              <a:schemeClr val="dk1"/>
-            </a:fontRef>
-          </p:style>
-          <p:txBody>
-            <a:bodyPr wrap="square" rtlCol="0">
-              <a:noAutofit/>
-            </a:bodyPr>
-            <a:lstStyle/>
-            <a:p>
-              <a:pPr algn="ctr"/>
-              <a:r>
-                <a:rPr lang="fr-FR" b="1" dirty="0"/>
-                <a:t>ADMIN-Frontend</a:t>
-              </a:r>
-            </a:p>
-          </p:txBody>
-        </p:sp>
-        <p:pic>
-          <p:nvPicPr>
-            <p:cNvPr id="9" name="Image 8" descr="Une image contenant symbole, Graphique, clipart, conception&#10;&#10;Le contenu généré par l’IA peut être incorrect.">
-              <a:extLst>
-                <a:ext uri="{FF2B5EF4-FFF2-40B4-BE49-F238E27FC236}">
-                  <a16:creationId xmlns:a16="http://schemas.microsoft.com/office/drawing/2014/main" id="{8C60AF33-B30C-8D9A-797D-FE91CD33B559}"/>
-                </a:ext>
-              </a:extLst>
-            </p:cNvPr>
-            <p:cNvPicPr>
-              <a:picLocks noChangeAspect="1"/>
-            </p:cNvPicPr>
-            <p:nvPr/>
-          </p:nvPicPr>
-          <p:blipFill>
-            <a:blip r:embed="rId2"/>
-            <a:stretch>
-              <a:fillRect/>
-            </a:stretch>
-          </p:blipFill>
-          <p:spPr>
-            <a:xfrm>
-              <a:off x="7836020" y="2030182"/>
-              <a:ext cx="396649" cy="396649"/>
-            </a:xfrm>
-            <a:prstGeom prst="rect">
-              <a:avLst/>
-            </a:prstGeom>
-          </p:spPr>
-        </p:pic>
-      </p:grpSp>
-      <p:grpSp>
-        <p:nvGrpSpPr>
           <p:cNvPr id="10" name="Groupe 9">
             <a:extLst>
               <a:ext uri="{FF2B5EF4-FFF2-40B4-BE49-F238E27FC236}">
@@ -21894,10 +21814,10 @@
         </p:nvGrpSpPr>
         <p:grpSpPr>
           <a:xfrm>
-            <a:off x="945600" y="2014554"/>
-            <a:ext cx="1310102" cy="960591"/>
+            <a:off x="945597" y="2014554"/>
+            <a:ext cx="1358192" cy="960591"/>
             <a:chOff x="8106314" y="3786269"/>
-            <a:chExt cx="1646040" cy="1166981"/>
+            <a:chExt cx="1706462" cy="1166981"/>
           </a:xfrm>
         </p:grpSpPr>
         <p:sp>
@@ -21915,7 +21835,7 @@
           <p:spPr>
             <a:xfrm>
               <a:off x="8106314" y="3786269"/>
-              <a:ext cx="1646040" cy="373905"/>
+              <a:ext cx="1706462" cy="373905"/>
             </a:xfrm>
             <a:prstGeom prst="rect">
               <a:avLst/>
@@ -21936,7 +21856,7 @@
                     </a:schemeClr>
                   </a:solidFill>
                 </a:rPr>
-                <a:t>Feedback User</a:t>
+                <a:t>User Feedback </a:t>
               </a:r>
             </a:p>
           </p:txBody>
@@ -21956,7 +21876,7 @@
             <p:nvPr/>
           </p:nvPicPr>
           <p:blipFill>
-            <a:blip r:embed="rId3"/>
+            <a:blip r:embed="rId2"/>
             <a:srcRect l="11406" t="1461" r="10410" b="5393"/>
             <a:stretch/>
           </p:blipFill>
@@ -22115,7 +22035,7 @@
             <p:nvPr/>
           </p:nvPicPr>
           <p:blipFill>
-            <a:blip r:embed="rId2"/>
+            <a:blip r:embed="rId3"/>
             <a:stretch>
               <a:fillRect/>
             </a:stretch>
@@ -22145,7 +22065,7 @@
         </p:nvGrpSpPr>
         <p:grpSpPr>
           <a:xfrm>
-            <a:off x="9142064" y="3093729"/>
+            <a:off x="10602796" y="3864404"/>
             <a:ext cx="762420" cy="960763"/>
             <a:chOff x="8474329" y="3786059"/>
             <a:chExt cx="957921" cy="1167191"/>
@@ -22214,7 +22134,7 @@
             <p:nvPr/>
           </p:nvPicPr>
           <p:blipFill>
-            <a:blip r:embed="rId3"/>
+            <a:blip r:embed="rId2"/>
             <a:srcRect l="11406" t="1461" r="10410" b="5393"/>
             <a:stretch/>
           </p:blipFill>
@@ -22243,8 +22163,8 @@
         </p:nvSpPr>
         <p:spPr>
           <a:xfrm rot="16200000">
-            <a:off x="8482868" y="3206350"/>
-            <a:ext cx="213605" cy="827684"/>
+            <a:off x="9242857" y="3273708"/>
+            <a:ext cx="243500" cy="2400119"/>
           </a:xfrm>
           <a:prstGeom prst="downArrow">
             <a:avLst/>
@@ -22300,7 +22220,7 @@
         </p:nvGrpSpPr>
         <p:grpSpPr>
           <a:xfrm>
-            <a:off x="10248696" y="3419496"/>
+            <a:off x="10306320" y="2408915"/>
             <a:ext cx="1636568" cy="1354217"/>
             <a:chOff x="10430230" y="3528632"/>
             <a:chExt cx="1636568" cy="1354217"/>
@@ -22441,7 +22361,7 @@
         </p:nvSpPr>
         <p:spPr>
           <a:xfrm rot="16200000">
-            <a:off x="9097764" y="3389731"/>
+            <a:off x="9082032" y="2573478"/>
             <a:ext cx="228996" cy="2072868"/>
           </a:xfrm>
           <a:prstGeom prst="downArrow">
@@ -22856,35 +22776,279 @@
           </a:p>
         </p:txBody>
       </p:sp>
-      <p:pic>
-        <p:nvPicPr>
-          <p:cNvPr id="3" name="Image 2" descr="Une image contenant logo, Graphique, Police, graphisme&#10;&#10;Le contenu généré par l’IA peut être incorrect.">
-            <a:extLst>
-              <a:ext uri="{FF2B5EF4-FFF2-40B4-BE49-F238E27FC236}">
-                <a16:creationId xmlns:a16="http://schemas.microsoft.com/office/drawing/2014/main" id="{A6F81CA3-08ED-6083-3BAF-62A3B52907F5}"/>
-              </a:ext>
-            </a:extLst>
-          </p:cNvPr>
-          <p:cNvPicPr>
-            <a:picLocks noChangeAspect="1"/>
-          </p:cNvPicPr>
+      <p:grpSp>
+        <p:nvGrpSpPr>
+          <p:cNvPr id="4" name="Groupe 3">
+            <a:extLst>
+              <a:ext uri="{FF2B5EF4-FFF2-40B4-BE49-F238E27FC236}">
+                <a16:creationId xmlns:a16="http://schemas.microsoft.com/office/drawing/2014/main" id="{124A6865-3350-95CC-1B01-EC7AF619E795}"/>
+              </a:ext>
+            </a:extLst>
+          </p:cNvPr>
+          <p:cNvGrpSpPr/>
           <p:nvPr/>
-        </p:nvPicPr>
-        <p:blipFill>
-          <a:blip r:embed="rId6"/>
-          <a:srcRect l="3961" t="27473" r="4988" b="25711"/>
-          <a:stretch/>
-        </p:blipFill>
-        <p:spPr>
-          <a:xfrm>
-            <a:off x="3055521" y="2228231"/>
-            <a:ext cx="1227480" cy="628333"/>
-          </a:xfrm>
-          <a:prstGeom prst="rect">
-            <a:avLst/>
-          </a:prstGeom>
-        </p:spPr>
-      </p:pic>
+        </p:nvGrpSpPr>
+        <p:grpSpPr>
+          <a:xfrm>
+            <a:off x="2871575" y="2135928"/>
+            <a:ext cx="5181879" cy="799084"/>
+            <a:chOff x="2871575" y="2135928"/>
+            <a:chExt cx="5181879" cy="799084"/>
+          </a:xfrm>
+        </p:grpSpPr>
+        <p:grpSp>
+          <p:nvGrpSpPr>
+            <p:cNvPr id="7" name="Groupe 6">
+              <a:extLst>
+                <a:ext uri="{FF2B5EF4-FFF2-40B4-BE49-F238E27FC236}">
+                  <a16:creationId xmlns:a16="http://schemas.microsoft.com/office/drawing/2014/main" id="{D2DA948C-154F-A2DF-7418-112BB23A3B00}"/>
+                </a:ext>
+              </a:extLst>
+            </p:cNvPr>
+            <p:cNvGrpSpPr/>
+            <p:nvPr/>
+          </p:nvGrpSpPr>
+          <p:grpSpPr>
+            <a:xfrm>
+              <a:off x="2871575" y="2135928"/>
+              <a:ext cx="5181879" cy="799084"/>
+              <a:chOff x="3254674" y="1697484"/>
+              <a:chExt cx="5068391" cy="799084"/>
+            </a:xfrm>
+          </p:grpSpPr>
+          <p:sp>
+            <p:nvSpPr>
+              <p:cNvPr id="8" name="ZoneTexte 7">
+                <a:extLst>
+                  <a:ext uri="{FF2B5EF4-FFF2-40B4-BE49-F238E27FC236}">
+                    <a16:creationId xmlns:a16="http://schemas.microsoft.com/office/drawing/2014/main" id="{AF66701C-CD3A-443A-2E5F-3EF72A83526E}"/>
+                  </a:ext>
+                </a:extLst>
+              </p:cNvPr>
+              <p:cNvSpPr txBox="1"/>
+              <p:nvPr/>
+            </p:nvSpPr>
+            <p:spPr>
+              <a:xfrm>
+                <a:off x="3254674" y="1697484"/>
+                <a:ext cx="5068391" cy="799084"/>
+              </a:xfrm>
+              <a:prstGeom prst="rect">
+                <a:avLst/>
+              </a:prstGeom>
+              <a:ln w="41275" cap="rnd">
+                <a:round/>
+              </a:ln>
+            </p:spPr>
+            <p:style>
+              <a:lnRef idx="2">
+                <a:schemeClr val="accent5"/>
+              </a:lnRef>
+              <a:fillRef idx="1">
+                <a:schemeClr val="lt1"/>
+              </a:fillRef>
+              <a:effectRef idx="0">
+                <a:schemeClr val="accent5"/>
+              </a:effectRef>
+              <a:fontRef idx="minor">
+                <a:schemeClr val="dk1"/>
+              </a:fontRef>
+            </p:style>
+            <p:txBody>
+              <a:bodyPr wrap="square" rtlCol="0">
+                <a:noAutofit/>
+              </a:bodyPr>
+              <a:lstStyle/>
+              <a:p>
+                <a:pPr algn="ctr"/>
+                <a:r>
+                  <a:rPr lang="fr-FR" b="1" dirty="0"/>
+                  <a:t>ADMIN-Frontend</a:t>
+                </a:r>
+              </a:p>
+            </p:txBody>
+          </p:sp>
+          <p:pic>
+            <p:nvPicPr>
+              <p:cNvPr id="9" name="Image 8" descr="Une image contenant symbole, Graphique, clipart, conception&#10;&#10;Le contenu généré par l’IA peut être incorrect.">
+                <a:extLst>
+                  <a:ext uri="{FF2B5EF4-FFF2-40B4-BE49-F238E27FC236}">
+                    <a16:creationId xmlns:a16="http://schemas.microsoft.com/office/drawing/2014/main" id="{8C60AF33-B30C-8D9A-797D-FE91CD33B559}"/>
+                  </a:ext>
+                </a:extLst>
+              </p:cNvPr>
+              <p:cNvPicPr>
+                <a:picLocks noChangeAspect="1"/>
+              </p:cNvPicPr>
+              <p:nvPr/>
+            </p:nvPicPr>
+            <p:blipFill>
+              <a:blip r:embed="rId3"/>
+              <a:stretch>
+                <a:fillRect/>
+              </a:stretch>
+            </p:blipFill>
+            <p:spPr>
+              <a:xfrm>
+                <a:off x="7836020" y="2030182"/>
+                <a:ext cx="396649" cy="396649"/>
+              </a:xfrm>
+              <a:prstGeom prst="rect">
+                <a:avLst/>
+              </a:prstGeom>
+            </p:spPr>
+          </p:pic>
+        </p:grpSp>
+        <p:pic>
+          <p:nvPicPr>
+            <p:cNvPr id="3" name="Image 2" descr="Une image contenant logo, Graphique, Police, graphisme&#10;&#10;Le contenu généré par l’IA peut être incorrect.">
+              <a:extLst>
+                <a:ext uri="{FF2B5EF4-FFF2-40B4-BE49-F238E27FC236}">
+                  <a16:creationId xmlns:a16="http://schemas.microsoft.com/office/drawing/2014/main" id="{A6F81CA3-08ED-6083-3BAF-62A3B52907F5}"/>
+                </a:ext>
+              </a:extLst>
+            </p:cNvPr>
+            <p:cNvPicPr>
+              <a:picLocks noChangeAspect="1"/>
+            </p:cNvPicPr>
+            <p:nvPr/>
+          </p:nvPicPr>
+          <p:blipFill>
+            <a:blip r:embed="rId6"/>
+            <a:srcRect l="3961" t="27473" r="4988" b="25711"/>
+            <a:stretch/>
+          </p:blipFill>
+          <p:spPr>
+            <a:xfrm>
+              <a:off x="3055521" y="2228231"/>
+              <a:ext cx="1227480" cy="628333"/>
+            </a:xfrm>
+            <a:prstGeom prst="rect">
+              <a:avLst/>
+            </a:prstGeom>
+          </p:spPr>
+        </p:pic>
+      </p:grpSp>
+      <p:grpSp>
+        <p:nvGrpSpPr>
+          <p:cNvPr id="41" name="Groupe 40">
+            <a:extLst>
+              <a:ext uri="{FF2B5EF4-FFF2-40B4-BE49-F238E27FC236}">
+                <a16:creationId xmlns:a16="http://schemas.microsoft.com/office/drawing/2014/main" id="{04A35B5A-86B6-ECCA-C578-8CB8B0B0995F}"/>
+              </a:ext>
+            </a:extLst>
+          </p:cNvPr>
+          <p:cNvGrpSpPr/>
+          <p:nvPr/>
+        </p:nvGrpSpPr>
+        <p:grpSpPr>
+          <a:xfrm>
+            <a:off x="6776923" y="2935012"/>
+            <a:ext cx="1387624" cy="468948"/>
+            <a:chOff x="10257940" y="1022096"/>
+            <a:chExt cx="1387624" cy="671329"/>
+          </a:xfrm>
+        </p:grpSpPr>
+        <p:cxnSp>
+          <p:nvCxnSpPr>
+            <p:cNvPr id="42" name="Connecteur droit avec flèche 41">
+              <a:extLst>
+                <a:ext uri="{FF2B5EF4-FFF2-40B4-BE49-F238E27FC236}">
+                  <a16:creationId xmlns:a16="http://schemas.microsoft.com/office/drawing/2014/main" id="{58FCABB3-D5C9-FA63-9CB7-2978174F38CC}"/>
+                </a:ext>
+              </a:extLst>
+            </p:cNvPr>
+            <p:cNvCxnSpPr>
+              <a:cxnSpLocks/>
+            </p:cNvCxnSpPr>
+            <p:nvPr/>
+          </p:nvCxnSpPr>
+          <p:spPr>
+            <a:xfrm>
+              <a:off x="10307639" y="1022096"/>
+              <a:ext cx="0" cy="671329"/>
+            </a:xfrm>
+            <a:prstGeom prst="straightConnector1">
+              <a:avLst/>
+            </a:prstGeom>
+            <a:ln w="19050" cap="flat" cmpd="sng" algn="ctr">
+              <a:solidFill>
+                <a:schemeClr val="accent5"/>
+              </a:solidFill>
+              <a:prstDash val="solid"/>
+              <a:round/>
+              <a:headEnd type="none" w="med" len="med"/>
+              <a:tailEnd type="arrow" w="med" len="med"/>
+            </a:ln>
+          </p:spPr>
+          <p:style>
+            <a:lnRef idx="0">
+              <a:scrgbClr r="0" g="0" b="0"/>
+            </a:lnRef>
+            <a:fillRef idx="0">
+              <a:scrgbClr r="0" g="0" b="0"/>
+            </a:fillRef>
+            <a:effectRef idx="0">
+              <a:scrgbClr r="0" g="0" b="0"/>
+            </a:effectRef>
+            <a:fontRef idx="minor">
+              <a:schemeClr val="tx1"/>
+            </a:fontRef>
+          </p:style>
+        </p:cxnSp>
+        <p:sp>
+          <p:nvSpPr>
+            <p:cNvPr id="43" name="ZoneTexte 42">
+              <a:extLst>
+                <a:ext uri="{FF2B5EF4-FFF2-40B4-BE49-F238E27FC236}">
+                  <a16:creationId xmlns:a16="http://schemas.microsoft.com/office/drawing/2014/main" id="{340798A2-3AA8-DBD0-0A2A-BEBF28DBEC56}"/>
+                </a:ext>
+              </a:extLst>
+            </p:cNvPr>
+            <p:cNvSpPr txBox="1"/>
+            <p:nvPr/>
+          </p:nvSpPr>
+          <p:spPr>
+            <a:xfrm>
+              <a:off x="10257940" y="1156538"/>
+              <a:ext cx="1387624" cy="307777"/>
+            </a:xfrm>
+            <a:prstGeom prst="rect">
+              <a:avLst/>
+            </a:prstGeom>
+            <a:noFill/>
+          </p:spPr>
+          <p:txBody>
+            <a:bodyPr wrap="none" rtlCol="0">
+              <a:spAutoFit/>
+            </a:bodyPr>
+            <a:lstStyle/>
+            <a:p>
+              <a:r>
+                <a:rPr lang="fr-FR" sz="1400" dirty="0">
+                  <a:solidFill>
+                    <a:schemeClr val="accent5"/>
+                  </a:solidFill>
+                </a:rPr>
+                <a:t>/</a:t>
+              </a:r>
+              <a:r>
+                <a:rPr lang="fr-FR" sz="1400" dirty="0" err="1">
+                  <a:solidFill>
+                    <a:schemeClr val="accent5"/>
+                  </a:solidFill>
+                </a:rPr>
+                <a:t>register_model</a:t>
+              </a:r>
+              <a:endParaRPr lang="fr-FR" sz="1400" dirty="0">
+                <a:solidFill>
+                  <a:schemeClr val="accent5"/>
+                </a:solidFill>
+              </a:endParaRPr>
+            </a:p>
+          </p:txBody>
+        </p:sp>
+      </p:grpSp>
     </p:spTree>
     <p:extLst>
       <p:ext uri="{BB962C8B-B14F-4D97-AF65-F5344CB8AC3E}">
@@ -22929,7 +23093,7 @@
                                           </p:stCondLst>
                                         </p:cTn>
                                         <p:tgtEl>
-                                          <p:spTgt spid="13"/>
+                                          <p:spTgt spid="10"/>
                                         </p:tgtEl>
                                         <p:attrNameLst>
                                           <p:attrName>style.visibility</p:attrName>
@@ -22942,35 +23106,26 @@
                                   </p:childTnLst>
                                 </p:cTn>
                               </p:par>
+                            </p:childTnLst>
+                          </p:cTn>
+                        </p:par>
+                      </p:childTnLst>
+                    </p:cTn>
+                  </p:par>
+                  <p:par>
+                    <p:cTn id="7" fill="hold">
+                      <p:stCondLst>
+                        <p:cond delay="indefinite"/>
+                      </p:stCondLst>
+                      <p:childTnLst>
+                        <p:par>
+                          <p:cTn id="8" fill="hold">
+                            <p:stCondLst>
+                              <p:cond delay="0"/>
+                            </p:stCondLst>
+                            <p:childTnLst>
                               <p:par>
-                                <p:cTn id="7" presetID="1" presetClass="entr" presetSubtype="0" fill="hold" grpId="0" nodeType="withEffect">
-                                  <p:stCondLst>
-                                    <p:cond delay="0"/>
-                                  </p:stCondLst>
-                                  <p:childTnLst>
-                                    <p:set>
-                                      <p:cBhvr>
-                                        <p:cTn id="8" dur="1" fill="hold">
-                                          <p:stCondLst>
-                                            <p:cond delay="0"/>
-                                          </p:stCondLst>
-                                        </p:cTn>
-                                        <p:tgtEl>
-                                          <p:spTgt spid="37"/>
-                                        </p:tgtEl>
-                                        <p:attrNameLst>
-                                          <p:attrName>style.visibility</p:attrName>
-                                        </p:attrNameLst>
-                                      </p:cBhvr>
-                                      <p:to>
-                                        <p:strVal val="visible"/>
-                                      </p:to>
-                                    </p:set>
-                                  </p:childTnLst>
-                                </p:cTn>
-                              </p:par>
-                              <p:par>
-                                <p:cTn id="9" presetID="1" presetClass="entr" presetSubtype="0" fill="hold" grpId="0" nodeType="withEffect">
+                                <p:cTn id="9" presetID="1" presetClass="entr" presetSubtype="0" fill="hold" nodeType="clickEffect">
                                   <p:stCondLst>
                                     <p:cond delay="0"/>
                                   </p:stCondLst>
@@ -22983,7 +23138,7 @@
                                           </p:stCondLst>
                                         </p:cTn>
                                         <p:tgtEl>
-                                          <p:spTgt spid="38"/>
+                                          <p:spTgt spid="13"/>
                                         </p:tgtEl>
                                         <p:attrNameLst>
                                           <p:attrName>style.visibility</p:attrName>
@@ -23010,52 +23165,7 @@
                                           </p:stCondLst>
                                         </p:cTn>
                                         <p:tgtEl>
-                                          <p:spTgt spid="36"/>
-                                        </p:tgtEl>
-                                        <p:attrNameLst>
-                                          <p:attrName>style.visibility</p:attrName>
-                                        </p:attrNameLst>
-                                      </p:cBhvr>
-                                      <p:to>
-                                        <p:strVal val="visible"/>
-                                      </p:to>
-                                    </p:set>
-                                  </p:childTnLst>
-                                </p:cTn>
-                              </p:par>
-                            </p:childTnLst>
-                          </p:cTn>
-                        </p:par>
-                      </p:childTnLst>
-                    </p:cTn>
-                  </p:par>
-                  <p:par>
-                    <p:cTn id="13" fill="hold">
-                      <p:stCondLst>
-                        <p:cond delay="indefinite"/>
-                      </p:stCondLst>
-                      <p:childTnLst>
-                        <p:par>
-                          <p:cTn id="14" fill="hold">
-                            <p:stCondLst>
-                              <p:cond delay="0"/>
-                            </p:stCondLst>
-                            <p:childTnLst>
-                              <p:par>
-                                <p:cTn id="15" presetID="1" presetClass="entr" presetSubtype="0" fill="hold" grpId="0" nodeType="clickEffect">
-                                  <p:stCondLst>
-                                    <p:cond delay="0"/>
-                                  </p:stCondLst>
-                                  <p:childTnLst>
-                                    <p:set>
-                                      <p:cBhvr>
-                                        <p:cTn id="16" dur="1" fill="hold">
-                                          <p:stCondLst>
-                                            <p:cond delay="0"/>
-                                          </p:stCondLst>
-                                        </p:cTn>
-                                        <p:tgtEl>
-                                          <p:spTgt spid="27"/>
+                                          <p:spTgt spid="32"/>
                                         </p:tgtEl>
                                         <p:attrNameLst>
                                           <p:attrName>style.visibility</p:attrName>
@@ -23069,7 +23179,61 @@
                                 </p:cTn>
                               </p:par>
                               <p:par>
-                                <p:cTn id="17" presetID="1" presetClass="entr" presetSubtype="0" fill="hold" nodeType="withEffect">
+                                <p:cTn id="13" presetID="1" presetClass="entr" presetSubtype="0" fill="hold" nodeType="withEffect">
+                                  <p:stCondLst>
+                                    <p:cond delay="0"/>
+                                  </p:stCondLst>
+                                  <p:childTnLst>
+                                    <p:set>
+                                      <p:cBhvr>
+                                        <p:cTn id="14" dur="1" fill="hold">
+                                          <p:stCondLst>
+                                            <p:cond delay="0"/>
+                                          </p:stCondLst>
+                                        </p:cTn>
+                                        <p:tgtEl>
+                                          <p:spTgt spid="28"/>
+                                        </p:tgtEl>
+                                        <p:attrNameLst>
+                                          <p:attrName>style.visibility</p:attrName>
+                                        </p:attrNameLst>
+                                      </p:cBhvr>
+                                      <p:to>
+                                        <p:strVal val="visible"/>
+                                      </p:to>
+                                    </p:set>
+                                  </p:childTnLst>
+                                </p:cTn>
+                              </p:par>
+                              <p:par>
+                                <p:cTn id="15" presetID="1" presetClass="entr" presetSubtype="0" fill="hold" grpId="0" nodeType="withEffect">
+                                  <p:stCondLst>
+                                    <p:cond delay="0"/>
+                                  </p:stCondLst>
+                                  <p:childTnLst>
+                                    <p:set>
+                                      <p:cBhvr>
+                                        <p:cTn id="16" dur="1" fill="hold">
+                                          <p:stCondLst>
+                                            <p:cond delay="0"/>
+                                          </p:stCondLst>
+                                        </p:cTn>
+                                        <p:tgtEl>
+                                          <p:spTgt spid="37"/>
+                                        </p:tgtEl>
+                                        <p:attrNameLst>
+                                          <p:attrName>style.visibility</p:attrName>
+                                        </p:attrNameLst>
+                                      </p:cBhvr>
+                                      <p:to>
+                                        <p:strVal val="visible"/>
+                                      </p:to>
+                                    </p:set>
+                                  </p:childTnLst>
+                                </p:cTn>
+                              </p:par>
+                              <p:par>
+                                <p:cTn id="17" presetID="1" presetClass="entr" presetSubtype="0" fill="hold" grpId="0" nodeType="withEffect">
                                   <p:stCondLst>
                                     <p:cond delay="0"/>
                                   </p:stCondLst>
@@ -23082,7 +23246,7 @@
                                           </p:stCondLst>
                                         </p:cTn>
                                         <p:tgtEl>
-                                          <p:spTgt spid="24"/>
+                                          <p:spTgt spid="38"/>
                                         </p:tgtEl>
                                         <p:attrNameLst>
                                           <p:attrName>style.visibility</p:attrName>
@@ -23109,34 +23273,7 @@
                                           </p:stCondLst>
                                         </p:cTn>
                                         <p:tgtEl>
-                                          <p:spTgt spid="32"/>
-                                        </p:tgtEl>
-                                        <p:attrNameLst>
-                                          <p:attrName>style.visibility</p:attrName>
-                                        </p:attrNameLst>
-                                      </p:cBhvr>
-                                      <p:to>
-                                        <p:strVal val="visible"/>
-                                      </p:to>
-                                    </p:set>
-                                  </p:childTnLst>
-                                </p:cTn>
-                              </p:par>
-                              <p:par>
-                                <p:cTn id="21" presetID="1" presetClass="entr" presetSubtype="0" fill="hold" nodeType="withEffect">
-                                  <p:stCondLst>
-                                    <p:cond delay="0"/>
-                                  </p:stCondLst>
-                                  <p:childTnLst>
-                                    <p:set>
-                                      <p:cBhvr>
-                                        <p:cTn id="22" dur="1" fill="hold">
-                                          <p:stCondLst>
-                                            <p:cond delay="0"/>
-                                          </p:stCondLst>
-                                        </p:cTn>
-                                        <p:tgtEl>
-                                          <p:spTgt spid="28"/>
+                                          <p:spTgt spid="36"/>
                                         </p:tgtEl>
                                         <p:attrNameLst>
                                           <p:attrName>style.visibility</p:attrName>
@@ -23156,19 +23293,46 @@
                     </p:cTn>
                   </p:par>
                   <p:par>
-                    <p:cTn id="23" fill="hold">
+                    <p:cTn id="21" fill="hold">
                       <p:stCondLst>
                         <p:cond delay="indefinite"/>
                       </p:stCondLst>
                       <p:childTnLst>
                         <p:par>
-                          <p:cTn id="24" fill="hold">
+                          <p:cTn id="22" fill="hold">
                             <p:stCondLst>
                               <p:cond delay="0"/>
                             </p:stCondLst>
                             <p:childTnLst>
                               <p:par>
-                                <p:cTn id="25" presetID="1" presetClass="entr" presetSubtype="0" fill="hold" grpId="0" nodeType="clickEffect">
+                                <p:cTn id="23" presetID="1" presetClass="entr" presetSubtype="0" fill="hold" nodeType="clickEffect">
+                                  <p:stCondLst>
+                                    <p:cond delay="0"/>
+                                  </p:stCondLst>
+                                  <p:childTnLst>
+                                    <p:set>
+                                      <p:cBhvr>
+                                        <p:cTn id="24" dur="1" fill="hold">
+                                          <p:stCondLst>
+                                            <p:cond delay="0"/>
+                                          </p:stCondLst>
+                                        </p:cTn>
+                                        <p:tgtEl>
+                                          <p:spTgt spid="41"/>
+                                        </p:tgtEl>
+                                        <p:attrNameLst>
+                                          <p:attrName>style.visibility</p:attrName>
+                                        </p:attrNameLst>
+                                      </p:cBhvr>
+                                      <p:to>
+                                        <p:strVal val="visible"/>
+                                      </p:to>
+                                    </p:set>
+                                  </p:childTnLst>
+                                </p:cTn>
+                              </p:par>
+                              <p:par>
+                                <p:cTn id="25" presetID="1" presetClass="entr" presetSubtype="0" fill="hold" grpId="0" nodeType="withEffect">
                                   <p:stCondLst>
                                     <p:cond delay="0"/>
                                   </p:stCondLst>
@@ -23176,6 +23340,78 @@
                                     <p:set>
                                       <p:cBhvr>
                                         <p:cTn id="26" dur="1" fill="hold">
+                                          <p:stCondLst>
+                                            <p:cond delay="0"/>
+                                          </p:stCondLst>
+                                        </p:cTn>
+                                        <p:tgtEl>
+                                          <p:spTgt spid="27"/>
+                                        </p:tgtEl>
+                                        <p:attrNameLst>
+                                          <p:attrName>style.visibility</p:attrName>
+                                        </p:attrNameLst>
+                                      </p:cBhvr>
+                                      <p:to>
+                                        <p:strVal val="visible"/>
+                                      </p:to>
+                                    </p:set>
+                                  </p:childTnLst>
+                                </p:cTn>
+                              </p:par>
+                              <p:par>
+                                <p:cTn id="27" presetID="1" presetClass="entr" presetSubtype="0" fill="hold" nodeType="withEffect">
+                                  <p:stCondLst>
+                                    <p:cond delay="0"/>
+                                  </p:stCondLst>
+                                  <p:childTnLst>
+                                    <p:set>
+                                      <p:cBhvr>
+                                        <p:cTn id="28" dur="1" fill="hold">
+                                          <p:stCondLst>
+                                            <p:cond delay="0"/>
+                                          </p:stCondLst>
+                                        </p:cTn>
+                                        <p:tgtEl>
+                                          <p:spTgt spid="24"/>
+                                        </p:tgtEl>
+                                        <p:attrNameLst>
+                                          <p:attrName>style.visibility</p:attrName>
+                                        </p:attrNameLst>
+                                      </p:cBhvr>
+                                      <p:to>
+                                        <p:strVal val="visible"/>
+                                      </p:to>
+                                    </p:set>
+                                  </p:childTnLst>
+                                </p:cTn>
+                              </p:par>
+                            </p:childTnLst>
+                          </p:cTn>
+                        </p:par>
+                      </p:childTnLst>
+                    </p:cTn>
+                  </p:par>
+                  <p:par>
+                    <p:cTn id="29" fill="hold">
+                      <p:stCondLst>
+                        <p:cond delay="indefinite"/>
+                      </p:stCondLst>
+                      <p:childTnLst>
+                        <p:par>
+                          <p:cTn id="30" fill="hold">
+                            <p:stCondLst>
+                              <p:cond delay="0"/>
+                            </p:stCondLst>
+                            <p:childTnLst>
+                              <p:par>
+                                <p:cTn id="31" presetID="1" presetClass="entr" presetSubtype="0" fill="hold" grpId="0" nodeType="clickEffect">
+                                  <p:stCondLst>
+                                    <p:cond delay="0"/>
+                                  </p:stCondLst>
+                                  <p:childTnLst>
+                                    <p:set>
+                                      <p:cBhvr>
+                                        <p:cTn id="32" dur="1" fill="hold">
                                           <p:stCondLst>
                                             <p:cond delay="0"/>
                                           </p:stCondLst>
@@ -24025,6 +24261,35 @@
 </file>
 
 <file path=customXml/item1.xml><?xml version="1.0" encoding="utf-8"?>
+<?mso-contentType ?>
+<FormTemplates xmlns="http://schemas.microsoft.com/sharepoint/v3/contenttype/forms">
+  <Display>DocumentLibraryForm</Display>
+  <Edit>DocumentLibraryForm</Edit>
+  <New>DocumentLibraryForm</New>
+</FormTemplates>
+</file>
+
+<file path=customXml/item2.xml><?xml version="1.0" encoding="utf-8"?>
+<p:properties xmlns:p="http://schemas.microsoft.com/office/2006/metadata/properties" xmlns:xsi="http://www.w3.org/2001/XMLSchema-instance" xmlns:pc="http://schemas.microsoft.com/office/infopath/2007/PartnerControls">
+  <documentManagement>
+    <_ip_UnifiedCompliancePolicyUIAction xmlns="http://schemas.microsoft.com/sharepoint/v3" xsi:nil="true"/>
+    <Image xmlns="71af3243-3dd4-4a8d-8c0d-dd76da1f02a5">
+      <Url xsi:nil="true"/>
+      <Description xsi:nil="true"/>
+    </Image>
+    <Status xmlns="71af3243-3dd4-4a8d-8c0d-dd76da1f02a5">Not started</Status>
+    <Background xmlns="71af3243-3dd4-4a8d-8c0d-dd76da1f02a5">false</Background>
+    <_ip_UnifiedCompliancePolicyProperties xmlns="http://schemas.microsoft.com/sharepoint/v3" xsi:nil="true"/>
+    <ImageTagsTaxHTField xmlns="71af3243-3dd4-4a8d-8c0d-dd76da1f02a5">
+      <Terms xmlns="http://schemas.microsoft.com/office/infopath/2007/PartnerControls"/>
+    </ImageTagsTaxHTField>
+    <TaxCatchAll xmlns="230e9df3-be65-4c73-a93b-d1236ebd677e" xsi:nil="true"/>
+    <MediaServiceKeyPoints xmlns="71af3243-3dd4-4a8d-8c0d-dd76da1f02a5" xsi:nil="true"/>
+  </documentManagement>
+</p:properties>
+</file>
+
+<file path=customXml/item3.xml><?xml version="1.0" encoding="utf-8"?>
 <ct:contentTypeSchema xmlns:ct="http://schemas.microsoft.com/office/2006/metadata/contentType" xmlns:ma="http://schemas.microsoft.com/office/2006/metadata/properties/metaAttributes" ct:_="" ma:_="" ma:contentTypeName="Document" ma:contentTypeID="0x01010079F111ED35F8CC479449609E8A0923A6" ma:contentTypeVersion="27" ma:contentTypeDescription="Create a new document." ma:contentTypeScope="" ma:versionID="c6f9a84f66a9c8b9a21755b9ffafb945">
   <xsd:schema xmlns:xsd="http://www.w3.org/2001/XMLSchema" xmlns:xs="http://www.w3.org/2001/XMLSchema" xmlns:p="http://schemas.microsoft.com/office/2006/metadata/properties" xmlns:ns1="http://schemas.microsoft.com/sharepoint/v3" xmlns:ns2="71af3243-3dd4-4a8d-8c0d-dd76da1f02a5" xmlns:ns3="16c05727-aa75-4e4a-9b5f-8a80a1165891" xmlns:ns4="230e9df3-be65-4c73-a93b-d1236ebd677e" targetNamespace="http://schemas.microsoft.com/office/2006/metadata/properties" ma:root="true" ma:fieldsID="27df39e3e7036dff54f89ddd5805ce72" ns1:_="" ns2:_="" ns3:_="" ns4:_="">
     <xsd:import namespace="http://schemas.microsoft.com/sharepoint/v3"/>
@@ -24330,36 +24595,27 @@
 </ct:contentTypeSchema>
 </file>
 
-<file path=customXml/item2.xml><?xml version="1.0" encoding="utf-8"?>
-<p:properties xmlns:p="http://schemas.microsoft.com/office/2006/metadata/properties" xmlns:xsi="http://www.w3.org/2001/XMLSchema-instance" xmlns:pc="http://schemas.microsoft.com/office/infopath/2007/PartnerControls">
-  <documentManagement>
-    <_ip_UnifiedCompliancePolicyUIAction xmlns="http://schemas.microsoft.com/sharepoint/v3" xsi:nil="true"/>
-    <Image xmlns="71af3243-3dd4-4a8d-8c0d-dd76da1f02a5">
-      <Url xsi:nil="true"/>
-      <Description xsi:nil="true"/>
-    </Image>
-    <Status xmlns="71af3243-3dd4-4a8d-8c0d-dd76da1f02a5">Not started</Status>
-    <Background xmlns="71af3243-3dd4-4a8d-8c0d-dd76da1f02a5">false</Background>
-    <_ip_UnifiedCompliancePolicyProperties xmlns="http://schemas.microsoft.com/sharepoint/v3" xsi:nil="true"/>
-    <ImageTagsTaxHTField xmlns="71af3243-3dd4-4a8d-8c0d-dd76da1f02a5">
-      <Terms xmlns="http://schemas.microsoft.com/office/infopath/2007/PartnerControls"/>
-    </ImageTagsTaxHTField>
-    <TaxCatchAll xmlns="230e9df3-be65-4c73-a93b-d1236ebd677e" xsi:nil="true"/>
-    <MediaServiceKeyPoints xmlns="71af3243-3dd4-4a8d-8c0d-dd76da1f02a5" xsi:nil="true"/>
-  </documentManagement>
-</p:properties>
+<file path=customXml/itemProps1.xml><?xml version="1.0" encoding="utf-8"?>
+<ds:datastoreItem xmlns:ds="http://schemas.openxmlformats.org/officeDocument/2006/customXml" ds:itemID="{79BF405E-7930-4D5C-ABB3-493E9D6D6CEA}">
+  <ds:schemaRefs>
+    <ds:schemaRef ds:uri="http://schemas.microsoft.com/sharepoint/v3/contenttype/forms"/>
+  </ds:schemaRefs>
+</ds:datastoreItem>
 </file>
 
-<file path=customXml/item3.xml><?xml version="1.0" encoding="utf-8"?>
-<?mso-contentType ?>
-<FormTemplates xmlns="http://schemas.microsoft.com/sharepoint/v3/contenttype/forms">
-  <Display>DocumentLibraryForm</Display>
-  <Edit>DocumentLibraryForm</Edit>
-  <New>DocumentLibraryForm</New>
-</FormTemplates>
+<file path=customXml/itemProps2.xml><?xml version="1.0" encoding="utf-8"?>
+<ds:datastoreItem xmlns:ds="http://schemas.openxmlformats.org/officeDocument/2006/customXml" ds:itemID="{6EA97235-BEC4-4F82-87A8-2F5DAD53B5F9}">
+  <ds:schemaRefs>
+    <ds:schemaRef ds:uri="http://schemas.microsoft.com/office/2006/metadata/properties"/>
+    <ds:schemaRef ds:uri="http://schemas.microsoft.com/office/infopath/2007/PartnerControls"/>
+    <ds:schemaRef ds:uri="http://schemas.microsoft.com/sharepoint/v3"/>
+    <ds:schemaRef ds:uri="71af3243-3dd4-4a8d-8c0d-dd76da1f02a5"/>
+    <ds:schemaRef ds:uri="230e9df3-be65-4c73-a93b-d1236ebd677e"/>
+  </ds:schemaRefs>
+</ds:datastoreItem>
 </file>
 
-<file path=customXml/itemProps1.xml><?xml version="1.0" encoding="utf-8"?>
+<file path=customXml/itemProps3.xml><?xml version="1.0" encoding="utf-8"?>
 <ds:datastoreItem xmlns:ds="http://schemas.openxmlformats.org/officeDocument/2006/customXml" ds:itemID="{2C1F447F-FAA8-4106-988B-648F3C8EDB2D}">
   <ds:schemaRefs>
     <ds:schemaRef ds:uri="http://schemas.microsoft.com/office/2006/metadata/contentType"/>
@@ -24380,26 +24636,6 @@
 </ds:datastoreItem>
 </file>
 
-<file path=customXml/itemProps2.xml><?xml version="1.0" encoding="utf-8"?>
-<ds:datastoreItem xmlns:ds="http://schemas.openxmlformats.org/officeDocument/2006/customXml" ds:itemID="{6EA97235-BEC4-4F82-87A8-2F5DAD53B5F9}">
-  <ds:schemaRefs>
-    <ds:schemaRef ds:uri="http://schemas.microsoft.com/office/2006/metadata/properties"/>
-    <ds:schemaRef ds:uri="http://schemas.microsoft.com/office/infopath/2007/PartnerControls"/>
-    <ds:schemaRef ds:uri="http://schemas.microsoft.com/sharepoint/v3"/>
-    <ds:schemaRef ds:uri="71af3243-3dd4-4a8d-8c0d-dd76da1f02a5"/>
-    <ds:schemaRef ds:uri="230e9df3-be65-4c73-a93b-d1236ebd677e"/>
-  </ds:schemaRefs>
-</ds:datastoreItem>
-</file>
-
-<file path=customXml/itemProps3.xml><?xml version="1.0" encoding="utf-8"?>
-<ds:datastoreItem xmlns:ds="http://schemas.openxmlformats.org/officeDocument/2006/customXml" ds:itemID="{79BF405E-7930-4D5C-ABB3-493E9D6D6CEA}">
-  <ds:schemaRefs>
-    <ds:schemaRef ds:uri="http://schemas.microsoft.com/sharepoint/v3/contenttype/forms"/>
-  </ds:schemaRefs>
-</ds:datastoreItem>
-</file>
-
 <file path=docMetadata/LabelInfo.xml><?xml version="1.0" encoding="utf-8"?>
 <clbl:labelList xmlns:clbl="http://schemas.microsoft.com/office/2020/mipLabelMetadata"/>
 </file>
--- a/report/Projet_classification_MLOps_Partie3_Aymen.pptx
+++ b/report/Projet_classification_MLOps_Partie3_Aymen.pptx
@@ -241,7 +241,7 @@
           <a:p>
             <a:fld id="{F352A77B-D33C-49B3-A83C-450AA2ED72B3}" type="datetimeFigureOut">
               <a:rPr lang="en-US" smtClean="0"/>
-              <a:t>2/13/2025</a:t>
+              <a:t>2/16/2025</a:t>
             </a:fld>
             <a:endParaRPr lang="en-US" dirty="0"/>
           </a:p>
@@ -418,7 +418,7 @@
           <a:p>
             <a:fld id="{E38D8F9A-F5CB-4EF8-A859-ED5E107B9763}" type="datetimeFigureOut">
               <a:rPr lang="en-US" smtClean="0"/>
-              <a:t>2/13/2025</a:t>
+              <a:t>2/16/2025</a:t>
             </a:fld>
             <a:endParaRPr lang="en-US" dirty="0"/>
           </a:p>
@@ -16732,10 +16732,10 @@
         </p:nvGrpSpPr>
         <p:grpSpPr>
           <a:xfrm>
-            <a:off x="923041" y="3429000"/>
-            <a:ext cx="10744671" cy="1006741"/>
+            <a:off x="1007946" y="3117422"/>
+            <a:ext cx="10744671" cy="776849"/>
             <a:chOff x="609127" y="1551899"/>
-            <a:chExt cx="10744671" cy="1006741"/>
+            <a:chExt cx="10744671" cy="776849"/>
           </a:xfrm>
         </p:grpSpPr>
         <p:sp>
@@ -16753,7 +16753,7 @@
           <p:spPr>
             <a:xfrm>
               <a:off x="609127" y="1551899"/>
-              <a:ext cx="10744671" cy="1006741"/>
+              <a:ext cx="10744671" cy="776849"/>
             </a:xfrm>
             <a:prstGeom prst="rect">
               <a:avLst/>
@@ -16813,7 +16813,7 @@
           </p:blipFill>
           <p:spPr>
             <a:xfrm>
-              <a:off x="10880319" y="2092460"/>
+              <a:off x="10892939" y="1931783"/>
               <a:ext cx="396649" cy="396649"/>
             </a:xfrm>
             <a:prstGeom prst="rect">
@@ -16836,10 +16836,10 @@
         </p:nvGrpSpPr>
         <p:grpSpPr>
           <a:xfrm>
-            <a:off x="3672404" y="5526353"/>
-            <a:ext cx="1078950" cy="979829"/>
+            <a:off x="5153793" y="4325408"/>
+            <a:ext cx="1118576" cy="979829"/>
             <a:chOff x="8251526" y="3762897"/>
-            <a:chExt cx="1355617" cy="1190353"/>
+            <a:chExt cx="1405403" cy="1190353"/>
           </a:xfrm>
         </p:grpSpPr>
         <p:sp>
@@ -16857,7 +16857,7 @@
           <p:spPr>
             <a:xfrm>
               <a:off x="8251526" y="3762897"/>
-              <a:ext cx="1355617" cy="373905"/>
+              <a:ext cx="1405403" cy="373905"/>
             </a:xfrm>
             <a:prstGeom prst="rect">
               <a:avLst/>
@@ -16878,7 +16878,7 @@
                     </a:schemeClr>
                   </a:solidFill>
                 </a:rPr>
-                <a:t>Cleaned</a:t>
+                <a:t>Ocerized</a:t>
               </a:r>
               <a:r>
                 <a:rPr lang="fr-FR" sz="1400" dirty="0">
@@ -16937,7 +16937,7 @@
         </p:nvGrpSpPr>
         <p:grpSpPr>
           <a:xfrm>
-            <a:off x="5010617" y="4541334"/>
+            <a:off x="7456295" y="5656022"/>
             <a:ext cx="762420" cy="960763"/>
             <a:chOff x="8474329" y="3786059"/>
             <a:chExt cx="957921" cy="1167191"/>
@@ -17035,7 +17035,7 @@
         </p:nvGrpSpPr>
         <p:grpSpPr>
           <a:xfrm>
-            <a:off x="735303" y="5653660"/>
+            <a:off x="1231336" y="4295274"/>
             <a:ext cx="762868" cy="960763"/>
             <a:chOff x="8474329" y="3786059"/>
             <a:chExt cx="958484" cy="1167191"/>
@@ -17176,7 +17176,7 @@
         </p:nvGrpSpPr>
         <p:grpSpPr>
           <a:xfrm>
-            <a:off x="4880064" y="5761140"/>
+            <a:off x="6851109" y="4506221"/>
             <a:ext cx="1943005" cy="804556"/>
             <a:chOff x="1791092" y="1630837"/>
             <a:chExt cx="1943005" cy="804556"/>
@@ -17305,9 +17305,9 @@
         </p:nvGrpSpPr>
         <p:grpSpPr>
           <a:xfrm>
-            <a:off x="2017593" y="4480843"/>
-            <a:ext cx="721672" cy="1322628"/>
-            <a:chOff x="1422234" y="2480531"/>
+            <a:off x="3006013" y="3946668"/>
+            <a:ext cx="721672" cy="533653"/>
+            <a:chOff x="1427279" y="2480531"/>
             <a:chExt cx="721672" cy="1300748"/>
           </a:xfrm>
         </p:grpSpPr>
@@ -17370,7 +17370,7 @@
           </p:nvSpPr>
           <p:spPr>
             <a:xfrm>
-              <a:off x="1422234" y="2773928"/>
+              <a:off x="1427279" y="2702319"/>
               <a:ext cx="721672" cy="537853"/>
             </a:xfrm>
             <a:prstGeom prst="rect">
@@ -17423,9 +17423,9 @@
         </p:nvGrpSpPr>
         <p:grpSpPr>
           <a:xfrm>
-            <a:off x="3244884" y="4474606"/>
-            <a:ext cx="657488" cy="1310320"/>
-            <a:chOff x="3430494" y="2486068"/>
+            <a:off x="4128946" y="3929226"/>
+            <a:ext cx="657488" cy="519075"/>
+            <a:chOff x="3449049" y="2486068"/>
             <a:chExt cx="657488" cy="1300748"/>
           </a:xfrm>
         </p:grpSpPr>
@@ -17488,8 +17488,8 @@
           </p:nvSpPr>
           <p:spPr>
             <a:xfrm>
-              <a:off x="3430494" y="2757792"/>
-              <a:ext cx="657488" cy="529755"/>
+              <a:off x="3449049" y="2739888"/>
+              <a:ext cx="657488" cy="529754"/>
             </a:xfrm>
             <a:prstGeom prst="rect">
               <a:avLst/>
@@ -17528,10 +17528,10 @@
         </p:nvGrpSpPr>
         <p:grpSpPr>
           <a:xfrm>
-            <a:off x="6052389" y="4461041"/>
-            <a:ext cx="789447" cy="1321844"/>
-            <a:chOff x="10277005" y="1022096"/>
-            <a:chExt cx="789447" cy="695201"/>
+            <a:off x="7594961" y="3925057"/>
+            <a:ext cx="789447" cy="555264"/>
+            <a:chOff x="10307639" y="1022096"/>
+            <a:chExt cx="789447" cy="671329"/>
           </a:xfrm>
         </p:grpSpPr>
         <p:cxnSp>
@@ -17595,7 +17595,7 @@
           </p:nvSpPr>
           <p:spPr>
             <a:xfrm>
-              <a:off x="10277005" y="1281430"/>
+              <a:off x="10307639" y="1120806"/>
               <a:ext cx="789447" cy="435867"/>
             </a:xfrm>
             <a:prstGeom prst="rect">
@@ -17648,8 +17648,8 @@
         </p:nvSpPr>
         <p:spPr>
           <a:xfrm rot="16200000">
-            <a:off x="3616726" y="6013981"/>
-            <a:ext cx="178863" cy="252505"/>
+            <a:off x="4859268" y="4534270"/>
+            <a:ext cx="211400" cy="724289"/>
           </a:xfrm>
           <a:prstGeom prst="downArrow">
             <a:avLst/>
@@ -17705,8 +17705,8 @@
         </p:nvSpPr>
         <p:spPr>
           <a:xfrm rot="16200000">
-            <a:off x="4571791" y="5979710"/>
-            <a:ext cx="171873" cy="346400"/>
+            <a:off x="6327772" y="4527912"/>
+            <a:ext cx="190060" cy="758343"/>
           </a:xfrm>
           <a:prstGeom prst="downArrow">
             <a:avLst/>
@@ -17761,9 +17761,9 @@
           <p:nvPr/>
         </p:nvSpPr>
         <p:spPr>
-          <a:xfrm>
-            <a:off x="5294766" y="5516437"/>
-            <a:ext cx="102851" cy="221058"/>
+          <a:xfrm rot="10800000">
+            <a:off x="7715587" y="5369501"/>
+            <a:ext cx="199031" cy="307777"/>
           </a:xfrm>
           <a:prstGeom prst="downArrow">
             <a:avLst/>
@@ -17819,7 +17819,7 @@
         </p:nvGrpSpPr>
         <p:grpSpPr>
           <a:xfrm>
-            <a:off x="1726255" y="5803471"/>
+            <a:off x="2810201" y="4494302"/>
             <a:ext cx="1752404" cy="738041"/>
             <a:chOff x="1432394" y="3619576"/>
             <a:chExt cx="1752404" cy="738041"/>
@@ -17996,8 +17996,8 @@
         </p:nvSpPr>
         <p:spPr>
           <a:xfrm>
-            <a:off x="1041290" y="4465196"/>
-            <a:ext cx="127154" cy="1188463"/>
+            <a:off x="1529947" y="3925057"/>
+            <a:ext cx="163227" cy="409254"/>
           </a:xfrm>
           <a:prstGeom prst="downArrow">
             <a:avLst/>
@@ -18053,8 +18053,8 @@
         </p:nvSpPr>
         <p:spPr>
           <a:xfrm rot="16200000">
-            <a:off x="1468068" y="6006584"/>
-            <a:ext cx="143941" cy="371840"/>
+            <a:off x="2210217" y="4432158"/>
+            <a:ext cx="188027" cy="894196"/>
           </a:xfrm>
           <a:prstGeom prst="downArrow">
             <a:avLst/>
@@ -18110,7 +18110,7 @@
         </p:nvGrpSpPr>
         <p:grpSpPr>
           <a:xfrm>
-            <a:off x="8362128" y="5578792"/>
+            <a:off x="9364550" y="4295274"/>
             <a:ext cx="1038939" cy="968237"/>
             <a:chOff x="8324998" y="3776980"/>
             <a:chExt cx="1305346" cy="1176270"/>
@@ -18208,8 +18208,8 @@
         </p:nvSpPr>
         <p:spPr>
           <a:xfrm rot="16200000">
-            <a:off x="7650330" y="5333150"/>
-            <a:ext cx="121651" cy="1539060"/>
+            <a:off x="9090299" y="4609306"/>
+            <a:ext cx="215181" cy="570437"/>
           </a:xfrm>
           <a:prstGeom prst="downArrow">
             <a:avLst/>
@@ -18352,10 +18352,10 @@
         </p:nvGrpSpPr>
         <p:grpSpPr>
           <a:xfrm>
-            <a:off x="1188218" y="3475104"/>
-            <a:ext cx="2060116" cy="904692"/>
+            <a:off x="1007946" y="3134975"/>
+            <a:ext cx="2060116" cy="758199"/>
             <a:chOff x="4738318" y="5212587"/>
-            <a:chExt cx="2060116" cy="904692"/>
+            <a:chExt cx="2060116" cy="758199"/>
           </a:xfrm>
         </p:grpSpPr>
         <p:pic>
@@ -18386,8 +18386,8 @@
           </p:blipFill>
           <p:spPr>
             <a:xfrm>
-              <a:off x="5351659" y="5395126"/>
-              <a:ext cx="722153" cy="722153"/>
+              <a:off x="5403785" y="5398128"/>
+              <a:ext cx="572658" cy="572658"/>
             </a:xfrm>
             <a:prstGeom prst="rect">
               <a:avLst/>
@@ -18500,9 +18500,9 @@
         </p:nvGrpSpPr>
         <p:grpSpPr>
           <a:xfrm>
-            <a:off x="990536" y="2749758"/>
-            <a:ext cx="2257798" cy="681771"/>
-            <a:chOff x="10283338" y="1022096"/>
+            <a:off x="1384406" y="2664624"/>
+            <a:ext cx="2257798" cy="451720"/>
+            <a:chOff x="10280667" y="1022096"/>
             <a:chExt cx="2257798" cy="671329"/>
           </a:xfrm>
         </p:grpSpPr>
@@ -18567,7 +18567,7 @@
           </p:nvSpPr>
           <p:spPr>
             <a:xfrm>
-              <a:off x="10283338" y="1160098"/>
+              <a:off x="10280667" y="1063172"/>
               <a:ext cx="2257798" cy="303063"/>
             </a:xfrm>
             <a:prstGeom prst="rect">
@@ -18639,10 +18639,10 @@
         </p:nvGrpSpPr>
         <p:grpSpPr>
           <a:xfrm>
-            <a:off x="3361068" y="2736878"/>
-            <a:ext cx="596631" cy="687060"/>
-            <a:chOff x="9704996" y="1064105"/>
-            <a:chExt cx="1675656" cy="675248"/>
+            <a:off x="3620572" y="2664624"/>
+            <a:ext cx="580608" cy="475790"/>
+            <a:chOff x="9666744" y="1064105"/>
+            <a:chExt cx="1630655" cy="626215"/>
           </a:xfrm>
         </p:grpSpPr>
         <p:cxnSp>
@@ -18706,7 +18706,7 @@
           </p:nvSpPr>
           <p:spPr>
             <a:xfrm>
-              <a:off x="9749997" y="1245390"/>
+              <a:off x="9666744" y="1182380"/>
               <a:ext cx="1630655" cy="493963"/>
             </a:xfrm>
             <a:prstGeom prst="rect">
@@ -18746,8 +18746,8 @@
         </p:nvGrpSpPr>
         <p:grpSpPr>
           <a:xfrm>
-            <a:off x="7606472" y="2767429"/>
-            <a:ext cx="1570815" cy="1039537"/>
+            <a:off x="8918015" y="2501064"/>
+            <a:ext cx="1570815" cy="885245"/>
             <a:chOff x="10296082" y="1022096"/>
             <a:chExt cx="1570815" cy="1023615"/>
           </a:xfrm>
@@ -18911,8 +18911,8 @@
         </p:nvGrpSpPr>
         <p:grpSpPr>
           <a:xfrm>
-            <a:off x="9343549" y="2775139"/>
-            <a:ext cx="1731436" cy="1031827"/>
+            <a:off x="10460564" y="2536549"/>
+            <a:ext cx="1731436" cy="804447"/>
             <a:chOff x="9704996" y="1064105"/>
             <a:chExt cx="4862791" cy="626215"/>
           </a:xfrm>
@@ -18979,7 +18979,7 @@
           <p:spPr>
             <a:xfrm>
               <a:off x="9704996" y="1134860"/>
-              <a:ext cx="4862791" cy="302486"/>
+              <a:ext cx="4862791" cy="239586"/>
             </a:xfrm>
             <a:prstGeom prst="rect">
               <a:avLst/>
@@ -18998,21 +18998,8 @@
                     <a:schemeClr val="accent5"/>
                   </a:solidFill>
                 </a:rPr>
-                <a:t>JSON de </a:t>
+                <a:t>JSON de Prédictions</a:t>
               </a:r>
-              <a:r>
-                <a:rPr lang="fr-FR" sz="1400" dirty="0" err="1">
-                  <a:solidFill>
-                    <a:schemeClr val="accent5"/>
-                  </a:solidFill>
-                </a:rPr>
-                <a:t>Predictions</a:t>
-              </a:r>
-              <a:endParaRPr lang="fr-FR" sz="1400" dirty="0">
-                <a:solidFill>
-                  <a:schemeClr val="accent5"/>
-                </a:solidFill>
-              </a:endParaRPr>
             </a:p>
           </p:txBody>
         </p:sp>
@@ -19031,8 +19018,8 @@
         </p:nvSpPr>
         <p:spPr>
           <a:xfrm>
-            <a:off x="7278173" y="3806966"/>
-            <a:ext cx="3311241" cy="367233"/>
+            <a:off x="8534661" y="3386309"/>
+            <a:ext cx="2730706" cy="367233"/>
           </a:xfrm>
           <a:prstGeom prst="rect">
             <a:avLst/>
@@ -19087,8 +19074,8 @@
         </p:nvSpPr>
         <p:spPr>
           <a:xfrm rot="10800000">
-            <a:off x="8779548" y="4173170"/>
-            <a:ext cx="108790" cy="1405622"/>
+            <a:off x="9703422" y="3769202"/>
+            <a:ext cx="206085" cy="519076"/>
           </a:xfrm>
           <a:prstGeom prst="downArrow">
             <a:avLst/>
@@ -19127,6 +19114,791 @@
           <a:p>
             <a:pPr algn="ctr"/>
             <a:endParaRPr lang="fr-FR" dirty="0"/>
+          </a:p>
+        </p:txBody>
+      </p:sp>
+      <p:grpSp>
+        <p:nvGrpSpPr>
+          <p:cNvPr id="3" name="Groupe 2">
+            <a:extLst>
+              <a:ext uri="{FF2B5EF4-FFF2-40B4-BE49-F238E27FC236}">
+                <a16:creationId xmlns:a16="http://schemas.microsoft.com/office/drawing/2014/main" id="{37129919-7FD2-B867-8584-1B60C061AD3A}"/>
+              </a:ext>
+            </a:extLst>
+          </p:cNvPr>
+          <p:cNvGrpSpPr/>
+          <p:nvPr/>
+        </p:nvGrpSpPr>
+        <p:grpSpPr>
+          <a:xfrm>
+            <a:off x="4157292" y="5814370"/>
+            <a:ext cx="2295524" cy="1021710"/>
+            <a:chOff x="3325791" y="5386008"/>
+            <a:chExt cx="2295524" cy="1021710"/>
+          </a:xfrm>
+        </p:grpSpPr>
+        <p:sp>
+          <p:nvSpPr>
+            <p:cNvPr id="4" name="ZoneTexte 3">
+              <a:extLst>
+                <a:ext uri="{FF2B5EF4-FFF2-40B4-BE49-F238E27FC236}">
+                  <a16:creationId xmlns:a16="http://schemas.microsoft.com/office/drawing/2014/main" id="{7EC1CE28-DFE4-6D04-8BE4-5AB8D1268AC4}"/>
+                </a:ext>
+              </a:extLst>
+            </p:cNvPr>
+            <p:cNvSpPr txBox="1"/>
+            <p:nvPr/>
+          </p:nvSpPr>
+          <p:spPr>
+            <a:xfrm>
+              <a:off x="3325791" y="5386008"/>
+              <a:ext cx="2295524" cy="1012338"/>
+            </a:xfrm>
+            <a:prstGeom prst="rect">
+              <a:avLst/>
+            </a:prstGeom>
+            <a:ln w="41275" cap="rnd">
+              <a:round/>
+            </a:ln>
+          </p:spPr>
+          <p:style>
+            <a:lnRef idx="2">
+              <a:schemeClr val="accent5"/>
+            </a:lnRef>
+            <a:fillRef idx="1">
+              <a:schemeClr val="lt1"/>
+            </a:fillRef>
+            <a:effectRef idx="0">
+              <a:schemeClr val="accent5"/>
+            </a:effectRef>
+            <a:fontRef idx="minor">
+              <a:schemeClr val="dk1"/>
+            </a:fontRef>
+          </p:style>
+          <p:txBody>
+            <a:bodyPr wrap="square" rtlCol="0">
+              <a:noAutofit/>
+            </a:bodyPr>
+            <a:lstStyle/>
+            <a:p>
+              <a:pPr algn="ctr"/>
+              <a:r>
+                <a:rPr lang="fr-FR" b="1" dirty="0"/>
+                <a:t>Clean-</a:t>
+              </a:r>
+              <a:r>
+                <a:rPr lang="fr-FR" b="1" dirty="0" err="1"/>
+                <a:t>text</a:t>
+              </a:r>
+              <a:endParaRPr lang="fr-FR" b="1" dirty="0"/>
+            </a:p>
+            <a:p>
+              <a:r>
+                <a:rPr lang="fr-FR" sz="1400" dirty="0"/>
+                <a:t>- </a:t>
+              </a:r>
+              <a:r>
+                <a:rPr lang="fr-FR" sz="1400" dirty="0" err="1"/>
+                <a:t>Lowercase</a:t>
+              </a:r>
+              <a:endParaRPr lang="fr-FR" sz="1400" dirty="0"/>
+            </a:p>
+            <a:p>
+              <a:r>
+                <a:rPr lang="fr-FR" sz="1400" dirty="0"/>
+                <a:t>- </a:t>
+              </a:r>
+              <a:r>
+                <a:rPr lang="fr-FR" sz="1400" dirty="0" err="1"/>
+                <a:t>Tokenize</a:t>
+              </a:r>
+              <a:r>
+                <a:rPr lang="fr-FR" sz="1400" dirty="0"/>
+                <a:t>/</a:t>
+              </a:r>
+              <a:r>
+                <a:rPr lang="fr-FR" sz="1400" dirty="0" err="1"/>
+                <a:t>Lemmatize</a:t>
+              </a:r>
+              <a:endParaRPr lang="fr-FR" sz="1400" dirty="0"/>
+            </a:p>
+            <a:p>
+              <a:r>
+                <a:rPr lang="fr-FR" sz="1400" dirty="0"/>
+                <a:t>- </a:t>
+              </a:r>
+              <a:r>
+                <a:rPr lang="fr-FR" sz="1400" dirty="0" err="1"/>
+                <a:t>Remove</a:t>
+              </a:r>
+              <a:r>
+                <a:rPr lang="fr-FR" sz="1400" dirty="0"/>
+                <a:t> stop </a:t>
+              </a:r>
+              <a:r>
+                <a:rPr lang="fr-FR" sz="1400" dirty="0" err="1"/>
+                <a:t>words</a:t>
+              </a:r>
+              <a:endParaRPr lang="fr-FR" sz="1400" dirty="0"/>
+            </a:p>
+          </p:txBody>
+        </p:sp>
+        <p:pic>
+          <p:nvPicPr>
+            <p:cNvPr id="5" name="Image 4" descr="Une image contenant symbole, Graphique, clipart, conception&#10;&#10;Le contenu généré par l’IA peut être incorrect.">
+              <a:extLst>
+                <a:ext uri="{FF2B5EF4-FFF2-40B4-BE49-F238E27FC236}">
+                  <a16:creationId xmlns:a16="http://schemas.microsoft.com/office/drawing/2014/main" id="{84206EE3-E903-D7F0-DD2D-B3482C891B13}"/>
+                </a:ext>
+              </a:extLst>
+            </p:cNvPr>
+            <p:cNvPicPr>
+              <a:picLocks noChangeAspect="1"/>
+            </p:cNvPicPr>
+            <p:nvPr/>
+          </p:nvPicPr>
+          <p:blipFill>
+            <a:blip r:embed="rId2"/>
+            <a:stretch>
+              <a:fillRect/>
+            </a:stretch>
+          </p:blipFill>
+          <p:spPr>
+            <a:xfrm>
+              <a:off x="5140086" y="6011069"/>
+              <a:ext cx="396649" cy="396649"/>
+            </a:xfrm>
+            <a:prstGeom prst="rect">
+              <a:avLst/>
+            </a:prstGeom>
+          </p:spPr>
+        </p:pic>
+      </p:grpSp>
+      <p:grpSp>
+        <p:nvGrpSpPr>
+          <p:cNvPr id="21" name="Groupe 20">
+            <a:extLst>
+              <a:ext uri="{FF2B5EF4-FFF2-40B4-BE49-F238E27FC236}">
+                <a16:creationId xmlns:a16="http://schemas.microsoft.com/office/drawing/2014/main" id="{CEA7B6EF-89B7-68A2-2349-2DD1988FF4D7}"/>
+              </a:ext>
+            </a:extLst>
+          </p:cNvPr>
+          <p:cNvGrpSpPr/>
+          <p:nvPr/>
+        </p:nvGrpSpPr>
+        <p:grpSpPr>
+          <a:xfrm>
+            <a:off x="1634725" y="5893585"/>
+            <a:ext cx="1519088" cy="723200"/>
+            <a:chOff x="395818" y="5386008"/>
+            <a:chExt cx="1519088" cy="723200"/>
+          </a:xfrm>
+        </p:grpSpPr>
+        <p:sp>
+          <p:nvSpPr>
+            <p:cNvPr id="22" name="ZoneTexte 21">
+              <a:extLst>
+                <a:ext uri="{FF2B5EF4-FFF2-40B4-BE49-F238E27FC236}">
+                  <a16:creationId xmlns:a16="http://schemas.microsoft.com/office/drawing/2014/main" id="{970C9C12-2409-0753-A60E-F291DF269750}"/>
+                </a:ext>
+              </a:extLst>
+            </p:cNvPr>
+            <p:cNvSpPr txBox="1"/>
+            <p:nvPr/>
+          </p:nvSpPr>
+          <p:spPr>
+            <a:xfrm>
+              <a:off x="395818" y="5386008"/>
+              <a:ext cx="1519088" cy="723200"/>
+            </a:xfrm>
+            <a:prstGeom prst="rect">
+              <a:avLst/>
+            </a:prstGeom>
+            <a:ln w="41275" cap="rnd">
+              <a:round/>
+            </a:ln>
+          </p:spPr>
+          <p:style>
+            <a:lnRef idx="2">
+              <a:schemeClr val="accent5"/>
+            </a:lnRef>
+            <a:fillRef idx="1">
+              <a:schemeClr val="lt1"/>
+            </a:fillRef>
+            <a:effectRef idx="0">
+              <a:schemeClr val="accent5"/>
+            </a:effectRef>
+            <a:fontRef idx="minor">
+              <a:schemeClr val="dk1"/>
+            </a:fontRef>
+          </p:style>
+          <p:txBody>
+            <a:bodyPr wrap="square" rtlCol="0">
+              <a:noAutofit/>
+            </a:bodyPr>
+            <a:lstStyle/>
+            <a:p>
+              <a:pPr algn="ctr"/>
+              <a:r>
+                <a:rPr lang="fr-FR" b="1" dirty="0"/>
+                <a:t>OCR</a:t>
+              </a:r>
+            </a:p>
+            <a:p>
+              <a:r>
+                <a:rPr lang="fr-FR" sz="1400" dirty="0"/>
+                <a:t>- </a:t>
+              </a:r>
+              <a:r>
+                <a:rPr lang="fr-FR" sz="1400" dirty="0" err="1"/>
+                <a:t>Ocerize</a:t>
+              </a:r>
+              <a:endParaRPr lang="fr-FR" sz="1400" dirty="0"/>
+            </a:p>
+          </p:txBody>
+        </p:sp>
+        <p:pic>
+          <p:nvPicPr>
+            <p:cNvPr id="23" name="Image 22" descr="Une image contenant symbole, Graphique, clipart, conception&#10;&#10;Le contenu généré par l’IA peut être incorrect.">
+              <a:extLst>
+                <a:ext uri="{FF2B5EF4-FFF2-40B4-BE49-F238E27FC236}">
+                  <a16:creationId xmlns:a16="http://schemas.microsoft.com/office/drawing/2014/main" id="{CB2DA589-4546-EF33-CA40-AF4F6BE64CA6}"/>
+                </a:ext>
+              </a:extLst>
+            </p:cNvPr>
+            <p:cNvPicPr>
+              <a:picLocks noChangeAspect="1"/>
+            </p:cNvPicPr>
+            <p:nvPr/>
+          </p:nvPicPr>
+          <p:blipFill>
+            <a:blip r:embed="rId2"/>
+            <a:stretch>
+              <a:fillRect/>
+            </a:stretch>
+          </p:blipFill>
+          <p:spPr>
+            <a:xfrm>
+              <a:off x="1468108" y="5689044"/>
+              <a:ext cx="396649" cy="396649"/>
+            </a:xfrm>
+            <a:prstGeom prst="rect">
+              <a:avLst/>
+            </a:prstGeom>
+          </p:spPr>
+        </p:pic>
+      </p:grpSp>
+      <p:grpSp>
+        <p:nvGrpSpPr>
+          <p:cNvPr id="24" name="Groupe 23">
+            <a:extLst>
+              <a:ext uri="{FF2B5EF4-FFF2-40B4-BE49-F238E27FC236}">
+                <a16:creationId xmlns:a16="http://schemas.microsoft.com/office/drawing/2014/main" id="{AC90216B-AF82-C12B-D8E8-E6DEACEFA01C}"/>
+              </a:ext>
+            </a:extLst>
+          </p:cNvPr>
+          <p:cNvGrpSpPr/>
+          <p:nvPr/>
+        </p:nvGrpSpPr>
+        <p:grpSpPr>
+          <a:xfrm>
+            <a:off x="1686561" y="5221684"/>
+            <a:ext cx="1483602" cy="676980"/>
+            <a:chOff x="-208294" y="3983852"/>
+            <a:chExt cx="1290674" cy="924849"/>
+          </a:xfrm>
+        </p:grpSpPr>
+        <p:cxnSp>
+          <p:nvCxnSpPr>
+            <p:cNvPr id="25" name="Connecteur droit avec flèche 24">
+              <a:extLst>
+                <a:ext uri="{FF2B5EF4-FFF2-40B4-BE49-F238E27FC236}">
+                  <a16:creationId xmlns:a16="http://schemas.microsoft.com/office/drawing/2014/main" id="{BE4F7860-5293-95C5-B278-FE3EA64E582B}"/>
+                </a:ext>
+              </a:extLst>
+            </p:cNvPr>
+            <p:cNvCxnSpPr>
+              <a:cxnSpLocks/>
+            </p:cNvCxnSpPr>
+            <p:nvPr/>
+          </p:nvCxnSpPr>
+          <p:spPr>
+            <a:xfrm>
+              <a:off x="875758" y="3983852"/>
+              <a:ext cx="0" cy="924849"/>
+            </a:xfrm>
+            <a:prstGeom prst="straightConnector1">
+              <a:avLst/>
+            </a:prstGeom>
+            <a:ln w="19050" cap="flat" cmpd="sng" algn="ctr">
+              <a:solidFill>
+                <a:schemeClr val="accent5"/>
+              </a:solidFill>
+              <a:prstDash val="solid"/>
+              <a:round/>
+              <a:headEnd type="none" w="med" len="med"/>
+              <a:tailEnd type="arrow" w="med" len="med"/>
+            </a:ln>
+          </p:spPr>
+          <p:style>
+            <a:lnRef idx="0">
+              <a:scrgbClr r="0" g="0" b="0"/>
+            </a:lnRef>
+            <a:fillRef idx="0">
+              <a:scrgbClr r="0" g="0" b="0"/>
+            </a:fillRef>
+            <a:effectRef idx="0">
+              <a:scrgbClr r="0" g="0" b="0"/>
+            </a:effectRef>
+            <a:fontRef idx="minor">
+              <a:schemeClr val="tx1"/>
+            </a:fontRef>
+          </p:style>
+        </p:cxnSp>
+        <p:sp>
+          <p:nvSpPr>
+            <p:cNvPr id="26" name="ZoneTexte 25">
+              <a:extLst>
+                <a:ext uri="{FF2B5EF4-FFF2-40B4-BE49-F238E27FC236}">
+                  <a16:creationId xmlns:a16="http://schemas.microsoft.com/office/drawing/2014/main" id="{D727FD91-EB13-E1E1-3316-D0FAE522F4A8}"/>
+                </a:ext>
+              </a:extLst>
+            </p:cNvPr>
+            <p:cNvSpPr txBox="1"/>
+            <p:nvPr/>
+          </p:nvSpPr>
+          <p:spPr>
+            <a:xfrm>
+              <a:off x="-208294" y="4277814"/>
+              <a:ext cx="1290674" cy="401385"/>
+            </a:xfrm>
+            <a:prstGeom prst="rect">
+              <a:avLst/>
+            </a:prstGeom>
+            <a:noFill/>
+          </p:spPr>
+          <p:txBody>
+            <a:bodyPr wrap="none" rtlCol="0">
+              <a:spAutoFit/>
+            </a:bodyPr>
+            <a:lstStyle/>
+            <a:p>
+              <a:r>
+                <a:rPr lang="fr-FR" sz="1400" dirty="0">
+                  <a:solidFill>
+                    <a:schemeClr val="accent5"/>
+                  </a:solidFill>
+                </a:rPr>
+                <a:t>/blocks-</a:t>
+              </a:r>
+              <a:r>
+                <a:rPr lang="fr-FR" sz="1400" dirty="0" err="1">
+                  <a:solidFill>
+                    <a:schemeClr val="accent5"/>
+                  </a:solidFill>
+                </a:rPr>
+                <a:t>words</a:t>
+              </a:r>
+              <a:endParaRPr lang="fr-FR" sz="1400" dirty="0">
+                <a:solidFill>
+                  <a:schemeClr val="accent5"/>
+                </a:solidFill>
+              </a:endParaRPr>
+            </a:p>
+          </p:txBody>
+        </p:sp>
+      </p:grpSp>
+      <p:grpSp>
+        <p:nvGrpSpPr>
+          <p:cNvPr id="27" name="Groupe 26">
+            <a:extLst>
+              <a:ext uri="{FF2B5EF4-FFF2-40B4-BE49-F238E27FC236}">
+                <a16:creationId xmlns:a16="http://schemas.microsoft.com/office/drawing/2014/main" id="{5A9242CB-6261-A459-0E62-B2459ECB6BB7}"/>
+              </a:ext>
+            </a:extLst>
+          </p:cNvPr>
+          <p:cNvGrpSpPr/>
+          <p:nvPr/>
+        </p:nvGrpSpPr>
+        <p:grpSpPr>
+          <a:xfrm>
+            <a:off x="3628939" y="5258443"/>
+            <a:ext cx="716182" cy="523221"/>
+            <a:chOff x="2605572" y="4216208"/>
+            <a:chExt cx="657488" cy="924849"/>
+          </a:xfrm>
+        </p:grpSpPr>
+        <p:cxnSp>
+          <p:nvCxnSpPr>
+            <p:cNvPr id="28" name="Connecteur droit avec flèche 27">
+              <a:extLst>
+                <a:ext uri="{FF2B5EF4-FFF2-40B4-BE49-F238E27FC236}">
+                  <a16:creationId xmlns:a16="http://schemas.microsoft.com/office/drawing/2014/main" id="{EA0349CF-0FD8-3B44-3980-367F052E8153}"/>
+                </a:ext>
+              </a:extLst>
+            </p:cNvPr>
+            <p:cNvCxnSpPr>
+              <a:cxnSpLocks/>
+            </p:cNvCxnSpPr>
+            <p:nvPr/>
+          </p:nvCxnSpPr>
+          <p:spPr>
+            <a:xfrm>
+              <a:off x="3218648" y="4216208"/>
+              <a:ext cx="0" cy="924849"/>
+            </a:xfrm>
+            <a:prstGeom prst="straightConnector1">
+              <a:avLst/>
+            </a:prstGeom>
+            <a:ln w="19050" cap="flat" cmpd="sng" algn="ctr">
+              <a:solidFill>
+                <a:schemeClr val="accent5"/>
+              </a:solidFill>
+              <a:prstDash val="solid"/>
+              <a:round/>
+              <a:headEnd type="none" w="med" len="med"/>
+              <a:tailEnd type="arrow" w="med" len="med"/>
+            </a:ln>
+          </p:spPr>
+          <p:style>
+            <a:lnRef idx="0">
+              <a:scrgbClr r="0" g="0" b="0"/>
+            </a:lnRef>
+            <a:fillRef idx="0">
+              <a:scrgbClr r="0" g="0" b="0"/>
+            </a:fillRef>
+            <a:effectRef idx="0">
+              <a:scrgbClr r="0" g="0" b="0"/>
+            </a:effectRef>
+            <a:fontRef idx="minor">
+              <a:schemeClr val="tx1"/>
+            </a:fontRef>
+          </p:style>
+        </p:cxnSp>
+        <p:sp>
+          <p:nvSpPr>
+            <p:cNvPr id="29" name="ZoneTexte 28">
+              <a:extLst>
+                <a:ext uri="{FF2B5EF4-FFF2-40B4-BE49-F238E27FC236}">
+                  <a16:creationId xmlns:a16="http://schemas.microsoft.com/office/drawing/2014/main" id="{2FD26840-939E-70F5-E5E1-19041AA5A17D}"/>
+                </a:ext>
+              </a:extLst>
+            </p:cNvPr>
+            <p:cNvSpPr txBox="1"/>
+            <p:nvPr/>
+          </p:nvSpPr>
+          <p:spPr>
+            <a:xfrm>
+              <a:off x="2605572" y="4461266"/>
+              <a:ext cx="657488" cy="393594"/>
+            </a:xfrm>
+            <a:prstGeom prst="rect">
+              <a:avLst/>
+            </a:prstGeom>
+            <a:noFill/>
+          </p:spPr>
+          <p:txBody>
+            <a:bodyPr wrap="none" rtlCol="0">
+              <a:spAutoFit/>
+            </a:bodyPr>
+            <a:lstStyle/>
+            <a:p>
+              <a:r>
+                <a:rPr lang="fr-FR" sz="1400" dirty="0">
+                  <a:solidFill>
+                    <a:schemeClr val="accent5"/>
+                  </a:solidFill>
+                </a:rPr>
+                <a:t>/clean</a:t>
+              </a:r>
+            </a:p>
+          </p:txBody>
+        </p:sp>
+      </p:grpSp>
+      <p:grpSp>
+        <p:nvGrpSpPr>
+          <p:cNvPr id="37" name="Groupe 36">
+            <a:extLst>
+              <a:ext uri="{FF2B5EF4-FFF2-40B4-BE49-F238E27FC236}">
+                <a16:creationId xmlns:a16="http://schemas.microsoft.com/office/drawing/2014/main" id="{6A352678-83D9-F0E3-0743-EE8884F87CF5}"/>
+              </a:ext>
+            </a:extLst>
+          </p:cNvPr>
+          <p:cNvGrpSpPr/>
+          <p:nvPr/>
+        </p:nvGrpSpPr>
+        <p:grpSpPr>
+          <a:xfrm>
+            <a:off x="2985432" y="5221682"/>
+            <a:ext cx="728982" cy="580685"/>
+            <a:chOff x="508127" y="3752279"/>
+            <a:chExt cx="728982" cy="857851"/>
+          </a:xfrm>
+        </p:grpSpPr>
+        <p:cxnSp>
+          <p:nvCxnSpPr>
+            <p:cNvPr id="38" name="Connecteur droit avec flèche 37">
+              <a:extLst>
+                <a:ext uri="{FF2B5EF4-FFF2-40B4-BE49-F238E27FC236}">
+                  <a16:creationId xmlns:a16="http://schemas.microsoft.com/office/drawing/2014/main" id="{3F6C10B2-36A3-1603-E248-C0E110B662CD}"/>
+                </a:ext>
+              </a:extLst>
+            </p:cNvPr>
+            <p:cNvCxnSpPr>
+              <a:cxnSpLocks/>
+            </p:cNvCxnSpPr>
+            <p:nvPr/>
+          </p:nvCxnSpPr>
+          <p:spPr>
+            <a:xfrm flipV="1">
+              <a:off x="559190" y="3752279"/>
+              <a:ext cx="1600" cy="857851"/>
+            </a:xfrm>
+            <a:prstGeom prst="straightConnector1">
+              <a:avLst/>
+            </a:prstGeom>
+            <a:ln w="19050" cap="flat" cmpd="sng" algn="ctr">
+              <a:solidFill>
+                <a:schemeClr val="accent5"/>
+              </a:solidFill>
+              <a:prstDash val="dash"/>
+              <a:round/>
+              <a:headEnd type="none" w="med" len="med"/>
+              <a:tailEnd type="arrow" w="med" len="med"/>
+            </a:ln>
+          </p:spPr>
+          <p:style>
+            <a:lnRef idx="0">
+              <a:scrgbClr r="0" g="0" b="0"/>
+            </a:lnRef>
+            <a:fillRef idx="0">
+              <a:scrgbClr r="0" g="0" b="0"/>
+            </a:fillRef>
+            <a:effectRef idx="0">
+              <a:scrgbClr r="0" g="0" b="0"/>
+            </a:effectRef>
+            <a:fontRef idx="minor">
+              <a:schemeClr val="tx1"/>
+            </a:fontRef>
+          </p:style>
+        </p:cxnSp>
+        <p:sp>
+          <p:nvSpPr>
+            <p:cNvPr id="39" name="ZoneTexte 38">
+              <a:extLst>
+                <a:ext uri="{FF2B5EF4-FFF2-40B4-BE49-F238E27FC236}">
+                  <a16:creationId xmlns:a16="http://schemas.microsoft.com/office/drawing/2014/main" id="{D219965B-7152-1CA7-143E-6DD48677F322}"/>
+                </a:ext>
+              </a:extLst>
+            </p:cNvPr>
+            <p:cNvSpPr txBox="1"/>
+            <p:nvPr/>
+          </p:nvSpPr>
+          <p:spPr>
+            <a:xfrm>
+              <a:off x="508127" y="3925932"/>
+              <a:ext cx="728982" cy="593024"/>
+            </a:xfrm>
+            <a:prstGeom prst="rect">
+              <a:avLst/>
+            </a:prstGeom>
+            <a:noFill/>
+          </p:spPr>
+          <p:txBody>
+            <a:bodyPr wrap="none" rtlCol="0">
+              <a:spAutoFit/>
+            </a:bodyPr>
+            <a:lstStyle/>
+            <a:p>
+              <a:r>
+                <a:rPr lang="fr-FR" sz="1400" dirty="0">
+                  <a:solidFill>
+                    <a:schemeClr val="accent5"/>
+                  </a:solidFill>
+                </a:rPr>
+                <a:t>Texte </a:t>
+              </a:r>
+            </a:p>
+            <a:p>
+              <a:r>
+                <a:rPr lang="fr-FR" sz="1400" dirty="0">
+                  <a:solidFill>
+                    <a:schemeClr val="accent5"/>
+                  </a:solidFill>
+                </a:rPr>
+                <a:t>océrisé</a:t>
+              </a:r>
+            </a:p>
+          </p:txBody>
+        </p:sp>
+      </p:grpSp>
+      <p:grpSp>
+        <p:nvGrpSpPr>
+          <p:cNvPr id="44" name="Groupe 43">
+            <a:extLst>
+              <a:ext uri="{FF2B5EF4-FFF2-40B4-BE49-F238E27FC236}">
+                <a16:creationId xmlns:a16="http://schemas.microsoft.com/office/drawing/2014/main" id="{D46FF729-3768-AC61-D31E-743EB20F1702}"/>
+              </a:ext>
+            </a:extLst>
+          </p:cNvPr>
+          <p:cNvGrpSpPr/>
+          <p:nvPr/>
+        </p:nvGrpSpPr>
+        <p:grpSpPr>
+          <a:xfrm>
+            <a:off x="4345130" y="5258443"/>
+            <a:ext cx="760273" cy="502087"/>
+            <a:chOff x="441136" y="3615842"/>
+            <a:chExt cx="760273" cy="1169735"/>
+          </a:xfrm>
+        </p:grpSpPr>
+        <p:cxnSp>
+          <p:nvCxnSpPr>
+            <p:cNvPr id="45" name="Connecteur droit avec flèche 44">
+              <a:extLst>
+                <a:ext uri="{FF2B5EF4-FFF2-40B4-BE49-F238E27FC236}">
+                  <a16:creationId xmlns:a16="http://schemas.microsoft.com/office/drawing/2014/main" id="{86C21192-FAE2-41F0-0D8C-A2CDD8315391}"/>
+                </a:ext>
+              </a:extLst>
+            </p:cNvPr>
+            <p:cNvCxnSpPr>
+              <a:cxnSpLocks/>
+            </p:cNvCxnSpPr>
+            <p:nvPr/>
+          </p:nvCxnSpPr>
+          <p:spPr>
+            <a:xfrm flipV="1">
+              <a:off x="491581" y="3615842"/>
+              <a:ext cx="0" cy="1169735"/>
+            </a:xfrm>
+            <a:prstGeom prst="straightConnector1">
+              <a:avLst/>
+            </a:prstGeom>
+            <a:ln w="19050" cap="flat" cmpd="sng" algn="ctr">
+              <a:solidFill>
+                <a:schemeClr val="accent5"/>
+              </a:solidFill>
+              <a:prstDash val="dash"/>
+              <a:round/>
+              <a:headEnd type="none" w="med" len="med"/>
+              <a:tailEnd type="arrow" w="med" len="med"/>
+            </a:ln>
+          </p:spPr>
+          <p:style>
+            <a:lnRef idx="0">
+              <a:scrgbClr r="0" g="0" b="0"/>
+            </a:lnRef>
+            <a:fillRef idx="0">
+              <a:scrgbClr r="0" g="0" b="0"/>
+            </a:fillRef>
+            <a:effectRef idx="0">
+              <a:scrgbClr r="0" g="0" b="0"/>
+            </a:effectRef>
+            <a:fontRef idx="minor">
+              <a:schemeClr val="tx1"/>
+            </a:fontRef>
+          </p:style>
+        </p:cxnSp>
+        <p:sp>
+          <p:nvSpPr>
+            <p:cNvPr id="46" name="ZoneTexte 45">
+              <a:extLst>
+                <a:ext uri="{FF2B5EF4-FFF2-40B4-BE49-F238E27FC236}">
+                  <a16:creationId xmlns:a16="http://schemas.microsoft.com/office/drawing/2014/main" id="{83EF903F-91BF-CF14-293A-60EFE7DAAC53}"/>
+                </a:ext>
+              </a:extLst>
+            </p:cNvPr>
+            <p:cNvSpPr txBox="1"/>
+            <p:nvPr/>
+          </p:nvSpPr>
+          <p:spPr>
+            <a:xfrm>
+              <a:off x="441136" y="3705810"/>
+              <a:ext cx="760273" cy="593025"/>
+            </a:xfrm>
+            <a:prstGeom prst="rect">
+              <a:avLst/>
+            </a:prstGeom>
+            <a:noFill/>
+          </p:spPr>
+          <p:txBody>
+            <a:bodyPr wrap="none" rtlCol="0">
+              <a:spAutoFit/>
+            </a:bodyPr>
+            <a:lstStyle/>
+            <a:p>
+              <a:r>
+                <a:rPr lang="fr-FR" sz="1400" dirty="0">
+                  <a:solidFill>
+                    <a:schemeClr val="accent5"/>
+                  </a:solidFill>
+                </a:rPr>
+                <a:t>Texte </a:t>
+              </a:r>
+            </a:p>
+            <a:p>
+              <a:r>
+                <a:rPr lang="fr-FR" sz="1400" dirty="0">
+                  <a:solidFill>
+                    <a:schemeClr val="accent5"/>
+                  </a:solidFill>
+                </a:rPr>
+                <a:t>nettoyé</a:t>
+              </a:r>
+            </a:p>
+          </p:txBody>
+        </p:sp>
+      </p:grpSp>
+      <p:sp>
+        <p:nvSpPr>
+          <p:cNvPr id="50" name="ZoneTexte 49">
+            <a:extLst>
+              <a:ext uri="{FF2B5EF4-FFF2-40B4-BE49-F238E27FC236}">
+                <a16:creationId xmlns:a16="http://schemas.microsoft.com/office/drawing/2014/main" id="{A4C704F2-4738-CD0D-5813-23EE55BD4DBE}"/>
+              </a:ext>
+            </a:extLst>
+          </p:cNvPr>
+          <p:cNvSpPr txBox="1"/>
+          <p:nvPr/>
+        </p:nvSpPr>
+        <p:spPr>
+          <a:xfrm>
+            <a:off x="5158823" y="4314862"/>
+            <a:ext cx="1078950" cy="307777"/>
+          </a:xfrm>
+          <a:prstGeom prst="rect">
+            <a:avLst/>
+          </a:prstGeom>
+          <a:solidFill>
+            <a:schemeClr val="bg1"/>
+          </a:solidFill>
+        </p:spPr>
+        <p:txBody>
+          <a:bodyPr wrap="none" rtlCol="0">
+            <a:spAutoFit/>
+          </a:bodyPr>
+          <a:lstStyle/>
+          <a:p>
+            <a:r>
+              <a:rPr lang="fr-FR" sz="1400" dirty="0" err="1">
+                <a:solidFill>
+                  <a:schemeClr val="accent2">
+                    <a:lumMod val="75000"/>
+                  </a:schemeClr>
+                </a:solidFill>
+              </a:rPr>
+              <a:t>Cleaned</a:t>
+            </a:r>
+            <a:r>
+              <a:rPr lang="fr-FR" sz="1400" dirty="0">
+                <a:solidFill>
+                  <a:schemeClr val="accent2">
+                    <a:lumMod val="75000"/>
+                  </a:schemeClr>
+                </a:solidFill>
+              </a:rPr>
+              <a:t> txt</a:t>
+            </a:r>
           </a:p>
         </p:txBody>
       </p:sp>
@@ -19241,33 +20013,6 @@
                                   </p:childTnLst>
                                 </p:cTn>
                               </p:par>
-                              <p:par>
-                                <p:cTn id="11" presetID="1" presetClass="entr" presetSubtype="0" fill="hold" nodeType="withEffect">
-                                  <p:stCondLst>
-                                    <p:cond delay="0"/>
-                                  </p:stCondLst>
-                                  <p:childTnLst>
-                                    <p:set>
-                                      <p:cBhvr>
-                                        <p:cTn id="12" dur="1" fill="hold">
-                                          <p:stCondLst>
-                                            <p:cond delay="0"/>
-                                          </p:stCondLst>
-                                        </p:cTn>
-                                        <p:tgtEl>
-                                          <p:spTgt spid="97"/>
-                                        </p:tgtEl>
-                                        <p:attrNameLst>
-                                          <p:attrName>style.visibility</p:attrName>
-                                        </p:attrNameLst>
-                                      </p:cBhvr>
-                                      <p:to>
-                                        <p:strVal val="visible"/>
-                                      </p:to>
-                                    </p:set>
-                                  </p:childTnLst>
-                                </p:cTn>
-                              </p:par>
                             </p:childTnLst>
                           </p:cTn>
                         </p:par>
@@ -19275,26 +20020,26 @@
                     </p:cTn>
                   </p:par>
                   <p:par>
-                    <p:cTn id="13" fill="hold">
+                    <p:cTn id="11" fill="hold">
                       <p:stCondLst>
                         <p:cond delay="indefinite"/>
                       </p:stCondLst>
                       <p:childTnLst>
                         <p:par>
-                          <p:cTn id="14" fill="hold">
+                          <p:cTn id="12" fill="hold">
                             <p:stCondLst>
                               <p:cond delay="0"/>
                             </p:stCondLst>
                             <p:childTnLst>
                               <p:par>
-                                <p:cTn id="15" presetID="1" presetClass="entr" presetSubtype="0" fill="hold" nodeType="clickEffect">
+                                <p:cTn id="13" presetID="1" presetClass="entr" presetSubtype="0" fill="hold" nodeType="clickEffect">
                                   <p:stCondLst>
                                     <p:cond delay="0"/>
                                   </p:stCondLst>
                                   <p:childTnLst>
                                     <p:set>
                                       <p:cBhvr>
-                                        <p:cTn id="16" dur="1" fill="hold">
+                                        <p:cTn id="14" dur="1" fill="hold">
                                           <p:stCondLst>
                                             <p:cond delay="0"/>
                                           </p:stCondLst>
@@ -19314,14 +20059,14 @@
                                 </p:cTn>
                               </p:par>
                               <p:par>
-                                <p:cTn id="17" presetID="1" presetClass="entr" presetSubtype="0" fill="hold" nodeType="withEffect">
+                                <p:cTn id="15" presetID="1" presetClass="entr" presetSubtype="0" fill="hold" nodeType="withEffect">
                                   <p:stCondLst>
                                     <p:cond delay="0"/>
                                   </p:stCondLst>
                                   <p:childTnLst>
                                     <p:set>
                                       <p:cBhvr>
-                                        <p:cTn id="18" dur="1" fill="hold">
+                                        <p:cTn id="16" dur="1" fill="hold">
                                           <p:stCondLst>
                                             <p:cond delay="0"/>
                                           </p:stCondLst>
@@ -19341,7 +20086,34 @@
                                 </p:cTn>
                               </p:par>
                               <p:par>
-                                <p:cTn id="19" presetID="1" presetClass="entr" presetSubtype="0" fill="hold" grpId="0" nodeType="withEffect">
+                                <p:cTn id="17" presetID="1" presetClass="entr" presetSubtype="0" fill="hold" grpId="0" nodeType="withEffect">
+                                  <p:stCondLst>
+                                    <p:cond delay="0"/>
+                                  </p:stCondLst>
+                                  <p:childTnLst>
+                                    <p:set>
+                                      <p:cBhvr>
+                                        <p:cTn id="18" dur="1" fill="hold">
+                                          <p:stCondLst>
+                                            <p:cond delay="0"/>
+                                          </p:stCondLst>
+                                        </p:cTn>
+                                        <p:tgtEl>
+                                          <p:spTgt spid="125"/>
+                                        </p:tgtEl>
+                                        <p:attrNameLst>
+                                          <p:attrName>style.visibility</p:attrName>
+                                        </p:attrNameLst>
+                                      </p:cBhvr>
+                                      <p:to>
+                                        <p:strVal val="visible"/>
+                                      </p:to>
+                                    </p:set>
+                                  </p:childTnLst>
+                                </p:cTn>
+                              </p:par>
+                              <p:par>
+                                <p:cTn id="19" presetID="1" presetClass="entr" presetSubtype="0" fill="hold" nodeType="withEffect">
                                   <p:stCondLst>
                                     <p:cond delay="0"/>
                                   </p:stCondLst>
@@ -19354,7 +20126,7 @@
                                           </p:stCondLst>
                                         </p:cTn>
                                         <p:tgtEl>
-                                          <p:spTgt spid="125"/>
+                                          <p:spTgt spid="126"/>
                                         </p:tgtEl>
                                         <p:attrNameLst>
                                           <p:attrName>style.visibility</p:attrName>
@@ -19381,33 +20153,6 @@
                                           </p:stCondLst>
                                         </p:cTn>
                                         <p:tgtEl>
-                                          <p:spTgt spid="126"/>
-                                        </p:tgtEl>
-                                        <p:attrNameLst>
-                                          <p:attrName>style.visibility</p:attrName>
-                                        </p:attrNameLst>
-                                      </p:cBhvr>
-                                      <p:to>
-                                        <p:strVal val="visible"/>
-                                      </p:to>
-                                    </p:set>
-                                  </p:childTnLst>
-                                </p:cTn>
-                              </p:par>
-                              <p:par>
-                                <p:cTn id="23" presetID="1" presetClass="entr" presetSubtype="0" fill="hold" nodeType="withEffect">
-                                  <p:stCondLst>
-                                    <p:cond delay="0"/>
-                                  </p:stCondLst>
-                                  <p:childTnLst>
-                                    <p:set>
-                                      <p:cBhvr>
-                                        <p:cTn id="24" dur="1" fill="hold">
-                                          <p:stCondLst>
-                                            <p:cond delay="0"/>
-                                          </p:stCondLst>
-                                        </p:cTn>
-                                        <p:tgtEl>
                                           <p:spTgt spid="31"/>
                                         </p:tgtEl>
                                         <p:attrNameLst>
@@ -19428,26 +20173,26 @@
                     </p:cTn>
                   </p:par>
                   <p:par>
-                    <p:cTn id="25" fill="hold">
+                    <p:cTn id="23" fill="hold">
                       <p:stCondLst>
                         <p:cond delay="indefinite"/>
                       </p:stCondLst>
                       <p:childTnLst>
                         <p:par>
-                          <p:cTn id="26" fill="hold">
+                          <p:cTn id="24" fill="hold">
                             <p:stCondLst>
                               <p:cond delay="0"/>
                             </p:stCondLst>
                             <p:childTnLst>
                               <p:par>
-                                <p:cTn id="27" presetID="1" presetClass="entr" presetSubtype="0" fill="hold" nodeType="clickEffect">
+                                <p:cTn id="25" presetID="1" presetClass="entr" presetSubtype="0" fill="hold" nodeType="clickEffect">
                                   <p:stCondLst>
                                     <p:cond delay="0"/>
                                   </p:stCondLst>
                                   <p:childTnLst>
                                     <p:set>
                                       <p:cBhvr>
-                                        <p:cTn id="28" dur="1" fill="hold">
+                                        <p:cTn id="26" dur="1" fill="hold">
                                           <p:stCondLst>
                                             <p:cond delay="0"/>
                                           </p:stCondLst>
@@ -19467,14 +20212,14 @@
                                 </p:cTn>
                               </p:par>
                               <p:par>
-                                <p:cTn id="29" presetID="1" presetClass="entr" presetSubtype="0" fill="hold" grpId="0" nodeType="withEffect">
+                                <p:cTn id="27" presetID="1" presetClass="entr" presetSubtype="0" fill="hold" grpId="0" nodeType="withEffect">
                                   <p:stCondLst>
                                     <p:cond delay="0"/>
                                   </p:stCondLst>
                                   <p:childTnLst>
                                     <p:set>
                                       <p:cBhvr>
-                                        <p:cTn id="30" dur="1" fill="hold">
+                                        <p:cTn id="28" dur="1" fill="hold">
                                           <p:stCondLst>
                                             <p:cond delay="0"/>
                                           </p:stCondLst>
@@ -19493,8 +20238,26 @@
                                   </p:childTnLst>
                                 </p:cTn>
                               </p:par>
+                            </p:childTnLst>
+                          </p:cTn>
+                        </p:par>
+                      </p:childTnLst>
+                    </p:cTn>
+                  </p:par>
+                  <p:par>
+                    <p:cTn id="29" fill="hold">
+                      <p:stCondLst>
+                        <p:cond delay="indefinite"/>
+                      </p:stCondLst>
+                      <p:childTnLst>
+                        <p:par>
+                          <p:cTn id="30" fill="hold">
+                            <p:stCondLst>
+                              <p:cond delay="0"/>
+                            </p:stCondLst>
+                            <p:childTnLst>
                               <p:par>
-                                <p:cTn id="31" presetID="1" presetClass="entr" presetSubtype="0" fill="hold" nodeType="withEffect">
+                                <p:cTn id="31" presetID="1" presetClass="entr" presetSubtype="0" fill="hold" nodeType="clickEffect">
                                   <p:stCondLst>
                                     <p:cond delay="0"/>
                                   </p:stCondLst>
@@ -19507,7 +20270,7 @@
                                           </p:stCondLst>
                                         </p:cTn>
                                         <p:tgtEl>
-                                          <p:spTgt spid="133"/>
+                                          <p:spTgt spid="24"/>
                                         </p:tgtEl>
                                         <p:attrNameLst>
                                           <p:attrName>style.visibility</p:attrName>
@@ -19521,7 +20284,7 @@
                                 </p:cTn>
                               </p:par>
                               <p:par>
-                                <p:cTn id="33" presetID="1" presetClass="entr" presetSubtype="0" fill="hold" grpId="0" nodeType="withEffect">
+                                <p:cTn id="33" presetID="1" presetClass="entr" presetSubtype="0" fill="hold" nodeType="withEffect">
                                   <p:stCondLst>
                                     <p:cond delay="0"/>
                                   </p:stCondLst>
@@ -19534,7 +20297,7 @@
                                           </p:stCondLst>
                                         </p:cTn>
                                         <p:tgtEl>
-                                          <p:spTgt spid="54"/>
+                                          <p:spTgt spid="37"/>
                                         </p:tgtEl>
                                         <p:attrNameLst>
                                           <p:attrName>style.visibility</p:attrName>
@@ -19561,7 +20324,61 @@
                                           </p:stCondLst>
                                         </p:cTn>
                                         <p:tgtEl>
-                                          <p:spTgt spid="18"/>
+                                          <p:spTgt spid="133"/>
+                                        </p:tgtEl>
+                                        <p:attrNameLst>
+                                          <p:attrName>style.visibility</p:attrName>
+                                        </p:attrNameLst>
+                                      </p:cBhvr>
+                                      <p:to>
+                                        <p:strVal val="visible"/>
+                                      </p:to>
+                                    </p:set>
+                                  </p:childTnLst>
+                                </p:cTn>
+                              </p:par>
+                              <p:par>
+                                <p:cTn id="37" presetID="1" presetClass="entr" presetSubtype="0" fill="hold" grpId="0" nodeType="withEffect">
+                                  <p:stCondLst>
+                                    <p:cond delay="0"/>
+                                  </p:stCondLst>
+                                  <p:childTnLst>
+                                    <p:set>
+                                      <p:cBhvr>
+                                        <p:cTn id="38" dur="1" fill="hold">
+                                          <p:stCondLst>
+                                            <p:cond delay="0"/>
+                                          </p:stCondLst>
+                                        </p:cTn>
+                                        <p:tgtEl>
+                                          <p:spTgt spid="54"/>
+                                        </p:tgtEl>
+                                        <p:attrNameLst>
+                                          <p:attrName>style.visibility</p:attrName>
+                                        </p:attrNameLst>
+                                      </p:cBhvr>
+                                      <p:to>
+                                        <p:strVal val="visible"/>
+                                      </p:to>
+                                    </p:set>
+                                  </p:childTnLst>
+                                </p:cTn>
+                              </p:par>
+                              <p:par>
+                                <p:cTn id="39" presetID="1" presetClass="entr" presetSubtype="0" fill="hold" nodeType="withEffect">
+                                  <p:stCondLst>
+                                    <p:cond delay="0"/>
+                                  </p:stCondLst>
+                                  <p:childTnLst>
+                                    <p:set>
+                                      <p:cBhvr>
+                                        <p:cTn id="40" dur="1" fill="hold">
+                                          <p:stCondLst>
+                                            <p:cond delay="0"/>
+                                          </p:stCondLst>
+                                        </p:cTn>
+                                        <p:tgtEl>
+                                          <p:spTgt spid="21"/>
                                         </p:tgtEl>
                                         <p:attrNameLst>
                                           <p:attrName>style.visibility</p:attrName>
@@ -19581,32 +20398,32 @@
                     </p:cTn>
                   </p:par>
                   <p:par>
-                    <p:cTn id="37" fill="hold">
+                    <p:cTn id="41" fill="hold">
                       <p:stCondLst>
                         <p:cond delay="indefinite"/>
                       </p:stCondLst>
                       <p:childTnLst>
                         <p:par>
-                          <p:cTn id="38" fill="hold">
+                          <p:cTn id="42" fill="hold">
                             <p:stCondLst>
                               <p:cond delay="0"/>
                             </p:stCondLst>
                             <p:childTnLst>
                               <p:par>
-                                <p:cTn id="39" presetID="1" presetClass="entr" presetSubtype="0" fill="hold" grpId="0" nodeType="clickEffect">
+                                <p:cTn id="43" presetID="1" presetClass="entr" presetSubtype="0" fill="hold" nodeType="clickEffect">
                                   <p:stCondLst>
                                     <p:cond delay="0"/>
                                   </p:stCondLst>
                                   <p:childTnLst>
                                     <p:set>
                                       <p:cBhvr>
-                                        <p:cTn id="40" dur="1" fill="hold">
+                                        <p:cTn id="44" dur="1" fill="hold">
                                           <p:stCondLst>
                                             <p:cond delay="0"/>
                                           </p:stCondLst>
                                         </p:cTn>
                                         <p:tgtEl>
-                                          <p:spTgt spid="56"/>
+                                          <p:spTgt spid="18"/>
                                         </p:tgtEl>
                                         <p:attrNameLst>
                                           <p:attrName>style.visibility</p:attrName>
@@ -19620,61 +20437,7 @@
                                 </p:cTn>
                               </p:par>
                               <p:par>
-                                <p:cTn id="41" presetID="1" presetClass="entr" presetSubtype="0" fill="hold" grpId="0" nodeType="withEffect">
-                                  <p:stCondLst>
-                                    <p:cond delay="0"/>
-                                  </p:stCondLst>
-                                  <p:childTnLst>
-                                    <p:set>
-                                      <p:cBhvr>
-                                        <p:cTn id="42" dur="1" fill="hold">
-                                          <p:stCondLst>
-                                            <p:cond delay="0"/>
-                                          </p:stCondLst>
-                                        </p:cTn>
-                                        <p:tgtEl>
-                                          <p:spTgt spid="69"/>
-                                        </p:tgtEl>
-                                        <p:attrNameLst>
-                                          <p:attrName>style.visibility</p:attrName>
-                                        </p:attrNameLst>
-                                      </p:cBhvr>
-                                      <p:to>
-                                        <p:strVal val="visible"/>
-                                      </p:to>
-                                    </p:set>
-                                  </p:childTnLst>
-                                </p:cTn>
-                              </p:par>
-                              <p:par>
-                                <p:cTn id="43" presetID="1" presetClass="entr" presetSubtype="0" fill="hold" nodeType="withEffect">
-                                  <p:stCondLst>
-                                    <p:cond delay="0"/>
-                                  </p:stCondLst>
-                                  <p:childTnLst>
-                                    <p:set>
-                                      <p:cBhvr>
-                                        <p:cTn id="44" dur="1" fill="hold">
-                                          <p:stCondLst>
-                                            <p:cond delay="0"/>
-                                          </p:stCondLst>
-                                        </p:cTn>
-                                        <p:tgtEl>
-                                          <p:spTgt spid="47"/>
-                                        </p:tgtEl>
-                                        <p:attrNameLst>
-                                          <p:attrName>style.visibility</p:attrName>
-                                        </p:attrNameLst>
-                                      </p:cBhvr>
-                                      <p:to>
-                                        <p:strVal val="visible"/>
-                                      </p:to>
-                                    </p:set>
-                                  </p:childTnLst>
-                                </p:cTn>
-                              </p:par>
-                              <p:par>
-                                <p:cTn id="45" presetID="1" presetClass="entr" presetSubtype="0" fill="hold" grpId="0" nodeType="withEffect">
+                                <p:cTn id="45" presetID="1" presetClass="entr" presetSubtype="0" fill="hold" nodeType="withEffect">
                                   <p:stCondLst>
                                     <p:cond delay="0"/>
                                   </p:stCondLst>
@@ -19687,7 +20450,7 @@
                                           </p:stCondLst>
                                         </p:cTn>
                                         <p:tgtEl>
-                                          <p:spTgt spid="144"/>
+                                          <p:spTgt spid="27"/>
                                         </p:tgtEl>
                                         <p:attrNameLst>
                                           <p:attrName>style.visibility</p:attrName>
@@ -19714,7 +20477,7 @@
                                           </p:stCondLst>
                                         </p:cTn>
                                         <p:tgtEl>
-                                          <p:spTgt spid="139"/>
+                                          <p:spTgt spid="44"/>
                                         </p:tgtEl>
                                         <p:attrNameLst>
                                           <p:attrName>style.visibility</p:attrName>
@@ -19727,26 +20490,35 @@
                                   </p:childTnLst>
                                 </p:cTn>
                               </p:par>
-                            </p:childTnLst>
-                          </p:cTn>
-                        </p:par>
-                      </p:childTnLst>
-                    </p:cTn>
-                  </p:par>
-                  <p:par>
-                    <p:cTn id="49" fill="hold">
-                      <p:stCondLst>
-                        <p:cond delay="indefinite"/>
-                      </p:stCondLst>
-                      <p:childTnLst>
-                        <p:par>
-                          <p:cTn id="50" fill="hold">
-                            <p:stCondLst>
-                              <p:cond delay="0"/>
-                            </p:stCondLst>
-                            <p:childTnLst>
                               <p:par>
-                                <p:cTn id="51" presetID="1" presetClass="entr" presetSubtype="0" fill="hold" nodeType="clickEffect">
+                                <p:cTn id="49" presetID="1" presetClass="entr" presetSubtype="0" fill="hold" nodeType="withEffect">
+                                  <p:stCondLst>
+                                    <p:cond delay="0"/>
+                                  </p:stCondLst>
+                                  <p:childTnLst>
+                                    <p:set>
+                                      <p:cBhvr>
+                                        <p:cTn id="50" dur="1" fill="hold">
+                                          <p:stCondLst>
+                                            <p:cond delay="0"/>
+                                          </p:stCondLst>
+                                        </p:cTn>
+                                        <p:tgtEl>
+                                          <p:spTgt spid="3"/>
+                                        </p:tgtEl>
+                                        <p:attrNameLst>
+                                          <p:attrName>style.visibility</p:attrName>
+                                        </p:attrNameLst>
+                                      </p:cBhvr>
+                                      <p:to>
+                                        <p:strVal val="visible"/>
+                                      </p:to>
+                                    </p:set>
+                                  </p:childTnLst>
+                                </p:cTn>
+                              </p:par>
+                              <p:par>
+                                <p:cTn id="51" presetID="1" presetClass="entr" presetSubtype="0" fill="hold" grpId="0" nodeType="withEffect">
                                   <p:stCondLst>
                                     <p:cond delay="0"/>
                                   </p:stCondLst>
@@ -19759,7 +20531,7 @@
                                           </p:stCondLst>
                                         </p:cTn>
                                         <p:tgtEl>
-                                          <p:spTgt spid="34"/>
+                                          <p:spTgt spid="50"/>
                                         </p:tgtEl>
                                         <p:attrNameLst>
                                           <p:attrName>style.visibility</p:attrName>
@@ -19791,7 +20563,7 @@
                             </p:stCondLst>
                             <p:childTnLst>
                               <p:par>
-                                <p:cTn id="55" presetID="1" presetClass="entr" presetSubtype="0" fill="hold" nodeType="clickEffect">
+                                <p:cTn id="55" presetID="1" presetClass="entr" presetSubtype="0" fill="hold" grpId="0" nodeType="clickEffect">
                                   <p:stCondLst>
                                     <p:cond delay="0"/>
                                   </p:stCondLst>
@@ -19804,7 +20576,7 @@
                                           </p:stCondLst>
                                         </p:cTn>
                                         <p:tgtEl>
-                                          <p:spTgt spid="40"/>
+                                          <p:spTgt spid="56"/>
                                         </p:tgtEl>
                                         <p:attrNameLst>
                                           <p:attrName>style.visibility</p:attrName>
@@ -19831,6 +20603,186 @@
                                           </p:stCondLst>
                                         </p:cTn>
                                         <p:tgtEl>
+                                          <p:spTgt spid="69"/>
+                                        </p:tgtEl>
+                                        <p:attrNameLst>
+                                          <p:attrName>style.visibility</p:attrName>
+                                        </p:attrNameLst>
+                                      </p:cBhvr>
+                                      <p:to>
+                                        <p:strVal val="visible"/>
+                                      </p:to>
+                                    </p:set>
+                                  </p:childTnLst>
+                                </p:cTn>
+                              </p:par>
+                              <p:par>
+                                <p:cTn id="59" presetID="1" presetClass="entr" presetSubtype="0" fill="hold" nodeType="withEffect">
+                                  <p:stCondLst>
+                                    <p:cond delay="0"/>
+                                  </p:stCondLst>
+                                  <p:childTnLst>
+                                    <p:set>
+                                      <p:cBhvr>
+                                        <p:cTn id="60" dur="1" fill="hold">
+                                          <p:stCondLst>
+                                            <p:cond delay="0"/>
+                                          </p:stCondLst>
+                                        </p:cTn>
+                                        <p:tgtEl>
+                                          <p:spTgt spid="47"/>
+                                        </p:tgtEl>
+                                        <p:attrNameLst>
+                                          <p:attrName>style.visibility</p:attrName>
+                                        </p:attrNameLst>
+                                      </p:cBhvr>
+                                      <p:to>
+                                        <p:strVal val="visible"/>
+                                      </p:to>
+                                    </p:set>
+                                  </p:childTnLst>
+                                </p:cTn>
+                              </p:par>
+                              <p:par>
+                                <p:cTn id="61" presetID="1" presetClass="entr" presetSubtype="0" fill="hold" grpId="0" nodeType="withEffect">
+                                  <p:stCondLst>
+                                    <p:cond delay="0"/>
+                                  </p:stCondLst>
+                                  <p:childTnLst>
+                                    <p:set>
+                                      <p:cBhvr>
+                                        <p:cTn id="62" dur="1" fill="hold">
+                                          <p:stCondLst>
+                                            <p:cond delay="0"/>
+                                          </p:stCondLst>
+                                        </p:cTn>
+                                        <p:tgtEl>
+                                          <p:spTgt spid="144"/>
+                                        </p:tgtEl>
+                                        <p:attrNameLst>
+                                          <p:attrName>style.visibility</p:attrName>
+                                        </p:attrNameLst>
+                                      </p:cBhvr>
+                                      <p:to>
+                                        <p:strVal val="visible"/>
+                                      </p:to>
+                                    </p:set>
+                                  </p:childTnLst>
+                                </p:cTn>
+                              </p:par>
+                              <p:par>
+                                <p:cTn id="63" presetID="1" presetClass="entr" presetSubtype="0" fill="hold" nodeType="withEffect">
+                                  <p:stCondLst>
+                                    <p:cond delay="0"/>
+                                  </p:stCondLst>
+                                  <p:childTnLst>
+                                    <p:set>
+                                      <p:cBhvr>
+                                        <p:cTn id="64" dur="1" fill="hold">
+                                          <p:stCondLst>
+                                            <p:cond delay="0"/>
+                                          </p:stCondLst>
+                                        </p:cTn>
+                                        <p:tgtEl>
+                                          <p:spTgt spid="139"/>
+                                        </p:tgtEl>
+                                        <p:attrNameLst>
+                                          <p:attrName>style.visibility</p:attrName>
+                                        </p:attrNameLst>
+                                      </p:cBhvr>
+                                      <p:to>
+                                        <p:strVal val="visible"/>
+                                      </p:to>
+                                    </p:set>
+                                  </p:childTnLst>
+                                </p:cTn>
+                              </p:par>
+                            </p:childTnLst>
+                          </p:cTn>
+                        </p:par>
+                      </p:childTnLst>
+                    </p:cTn>
+                  </p:par>
+                  <p:par>
+                    <p:cTn id="65" fill="hold">
+                      <p:stCondLst>
+                        <p:cond delay="indefinite"/>
+                      </p:stCondLst>
+                      <p:childTnLst>
+                        <p:par>
+                          <p:cTn id="66" fill="hold">
+                            <p:stCondLst>
+                              <p:cond delay="0"/>
+                            </p:stCondLst>
+                            <p:childTnLst>
+                              <p:par>
+                                <p:cTn id="67" presetID="1" presetClass="entr" presetSubtype="0" fill="hold" nodeType="clickEffect">
+                                  <p:stCondLst>
+                                    <p:cond delay="0"/>
+                                  </p:stCondLst>
+                                  <p:childTnLst>
+                                    <p:set>
+                                      <p:cBhvr>
+                                        <p:cTn id="68" dur="1" fill="hold">
+                                          <p:stCondLst>
+                                            <p:cond delay="0"/>
+                                          </p:stCondLst>
+                                        </p:cTn>
+                                        <p:tgtEl>
+                                          <p:spTgt spid="34"/>
+                                        </p:tgtEl>
+                                        <p:attrNameLst>
+                                          <p:attrName>style.visibility</p:attrName>
+                                        </p:attrNameLst>
+                                      </p:cBhvr>
+                                      <p:to>
+                                        <p:strVal val="visible"/>
+                                      </p:to>
+                                    </p:set>
+                                  </p:childTnLst>
+                                </p:cTn>
+                              </p:par>
+                              <p:par>
+                                <p:cTn id="69" presetID="1" presetClass="entr" presetSubtype="0" fill="hold" nodeType="withEffect">
+                                  <p:stCondLst>
+                                    <p:cond delay="0"/>
+                                  </p:stCondLst>
+                                  <p:childTnLst>
+                                    <p:set>
+                                      <p:cBhvr>
+                                        <p:cTn id="70" dur="1" fill="hold">
+                                          <p:stCondLst>
+                                            <p:cond delay="0"/>
+                                          </p:stCondLst>
+                                        </p:cTn>
+                                        <p:tgtEl>
+                                          <p:spTgt spid="40"/>
+                                        </p:tgtEl>
+                                        <p:attrNameLst>
+                                          <p:attrName>style.visibility</p:attrName>
+                                        </p:attrNameLst>
+                                      </p:cBhvr>
+                                      <p:to>
+                                        <p:strVal val="visible"/>
+                                      </p:to>
+                                    </p:set>
+                                  </p:childTnLst>
+                                </p:cTn>
+                              </p:par>
+                              <p:par>
+                                <p:cTn id="71" presetID="1" presetClass="entr" presetSubtype="0" fill="hold" grpId="0" nodeType="withEffect">
+                                  <p:stCondLst>
+                                    <p:cond delay="0"/>
+                                  </p:stCondLst>
+                                  <p:childTnLst>
+                                    <p:set>
+                                      <p:cBhvr>
+                                        <p:cTn id="72" dur="1" fill="hold">
+                                          <p:stCondLst>
+                                            <p:cond delay="0"/>
+                                          </p:stCondLst>
+                                        </p:cTn>
+                                        <p:tgtEl>
                                           <p:spTgt spid="62"/>
                                         </p:tgtEl>
                                         <p:attrNameLst>
@@ -19845,14 +20797,14 @@
                                 </p:cTn>
                               </p:par>
                               <p:par>
-                                <p:cTn id="59" presetID="1" presetClass="entr" presetSubtype="0" fill="hold" grpId="0" nodeType="withEffect">
+                                <p:cTn id="73" presetID="1" presetClass="entr" presetSubtype="0" fill="hold" grpId="0" nodeType="withEffect">
                                   <p:stCondLst>
                                     <p:cond delay="0"/>
                                   </p:stCondLst>
                                   <p:childTnLst>
                                     <p:set>
                                       <p:cBhvr>
-                                        <p:cTn id="60" dur="1" fill="hold">
+                                        <p:cTn id="74" dur="1" fill="hold">
                                           <p:stCondLst>
                                             <p:cond delay="0"/>
                                           </p:stCondLst>
@@ -19907,6 +20859,7 @@
       <p:bldP spid="144" grpId="0" animBg="1"/>
       <p:bldP spid="62" grpId="0" animBg="1"/>
       <p:bldP spid="63" grpId="0" animBg="1"/>
+      <p:bldP spid="50" grpId="0" animBg="1"/>
     </p:bldLst>
   </p:timing>
 </p:sld>
@@ -21183,7 +22136,7 @@
             </a:r>
             <a:r>
               <a:rPr lang="fr-FR" dirty="0"/>
-              <a:t>dans S3 depuis une BDD interne</a:t>
+              <a:t>vers Amazon S3</a:t>
             </a:r>
           </a:p>
         </p:txBody>
@@ -24261,35 +25214,6 @@
 </file>
 
 <file path=customXml/item1.xml><?xml version="1.0" encoding="utf-8"?>
-<?mso-contentType ?>
-<FormTemplates xmlns="http://schemas.microsoft.com/sharepoint/v3/contenttype/forms">
-  <Display>DocumentLibraryForm</Display>
-  <Edit>DocumentLibraryForm</Edit>
-  <New>DocumentLibraryForm</New>
-</FormTemplates>
-</file>
-
-<file path=customXml/item2.xml><?xml version="1.0" encoding="utf-8"?>
-<p:properties xmlns:p="http://schemas.microsoft.com/office/2006/metadata/properties" xmlns:xsi="http://www.w3.org/2001/XMLSchema-instance" xmlns:pc="http://schemas.microsoft.com/office/infopath/2007/PartnerControls">
-  <documentManagement>
-    <_ip_UnifiedCompliancePolicyUIAction xmlns="http://schemas.microsoft.com/sharepoint/v3" xsi:nil="true"/>
-    <Image xmlns="71af3243-3dd4-4a8d-8c0d-dd76da1f02a5">
-      <Url xsi:nil="true"/>
-      <Description xsi:nil="true"/>
-    </Image>
-    <Status xmlns="71af3243-3dd4-4a8d-8c0d-dd76da1f02a5">Not started</Status>
-    <Background xmlns="71af3243-3dd4-4a8d-8c0d-dd76da1f02a5">false</Background>
-    <_ip_UnifiedCompliancePolicyProperties xmlns="http://schemas.microsoft.com/sharepoint/v3" xsi:nil="true"/>
-    <ImageTagsTaxHTField xmlns="71af3243-3dd4-4a8d-8c0d-dd76da1f02a5">
-      <Terms xmlns="http://schemas.microsoft.com/office/infopath/2007/PartnerControls"/>
-    </ImageTagsTaxHTField>
-    <TaxCatchAll xmlns="230e9df3-be65-4c73-a93b-d1236ebd677e" xsi:nil="true"/>
-    <MediaServiceKeyPoints xmlns="71af3243-3dd4-4a8d-8c0d-dd76da1f02a5" xsi:nil="true"/>
-  </documentManagement>
-</p:properties>
-</file>
-
-<file path=customXml/item3.xml><?xml version="1.0" encoding="utf-8"?>
 <ct:contentTypeSchema xmlns:ct="http://schemas.microsoft.com/office/2006/metadata/contentType" xmlns:ma="http://schemas.microsoft.com/office/2006/metadata/properties/metaAttributes" ct:_="" ma:_="" ma:contentTypeName="Document" ma:contentTypeID="0x01010079F111ED35F8CC479449609E8A0923A6" ma:contentTypeVersion="27" ma:contentTypeDescription="Create a new document." ma:contentTypeScope="" ma:versionID="c6f9a84f66a9c8b9a21755b9ffafb945">
   <xsd:schema xmlns:xsd="http://www.w3.org/2001/XMLSchema" xmlns:xs="http://www.w3.org/2001/XMLSchema" xmlns:p="http://schemas.microsoft.com/office/2006/metadata/properties" xmlns:ns1="http://schemas.microsoft.com/sharepoint/v3" xmlns:ns2="71af3243-3dd4-4a8d-8c0d-dd76da1f02a5" xmlns:ns3="16c05727-aa75-4e4a-9b5f-8a80a1165891" xmlns:ns4="230e9df3-be65-4c73-a93b-d1236ebd677e" targetNamespace="http://schemas.microsoft.com/office/2006/metadata/properties" ma:root="true" ma:fieldsID="27df39e3e7036dff54f89ddd5805ce72" ns1:_="" ns2:_="" ns3:_="" ns4:_="">
     <xsd:import namespace="http://schemas.microsoft.com/sharepoint/v3"/>
@@ -24595,27 +25519,36 @@
 </ct:contentTypeSchema>
 </file>
 
-<file path=customXml/itemProps1.xml><?xml version="1.0" encoding="utf-8"?>
-<ds:datastoreItem xmlns:ds="http://schemas.openxmlformats.org/officeDocument/2006/customXml" ds:itemID="{79BF405E-7930-4D5C-ABB3-493E9D6D6CEA}">
-  <ds:schemaRefs>
-    <ds:schemaRef ds:uri="http://schemas.microsoft.com/sharepoint/v3/contenttype/forms"/>
-  </ds:schemaRefs>
-</ds:datastoreItem>
+<file path=customXml/item2.xml><?xml version="1.0" encoding="utf-8"?>
+<p:properties xmlns:p="http://schemas.microsoft.com/office/2006/metadata/properties" xmlns:xsi="http://www.w3.org/2001/XMLSchema-instance" xmlns:pc="http://schemas.microsoft.com/office/infopath/2007/PartnerControls">
+  <documentManagement>
+    <_ip_UnifiedCompliancePolicyUIAction xmlns="http://schemas.microsoft.com/sharepoint/v3" xsi:nil="true"/>
+    <Image xmlns="71af3243-3dd4-4a8d-8c0d-dd76da1f02a5">
+      <Url xsi:nil="true"/>
+      <Description xsi:nil="true"/>
+    </Image>
+    <Status xmlns="71af3243-3dd4-4a8d-8c0d-dd76da1f02a5">Not started</Status>
+    <Background xmlns="71af3243-3dd4-4a8d-8c0d-dd76da1f02a5">false</Background>
+    <_ip_UnifiedCompliancePolicyProperties xmlns="http://schemas.microsoft.com/sharepoint/v3" xsi:nil="true"/>
+    <ImageTagsTaxHTField xmlns="71af3243-3dd4-4a8d-8c0d-dd76da1f02a5">
+      <Terms xmlns="http://schemas.microsoft.com/office/infopath/2007/PartnerControls"/>
+    </ImageTagsTaxHTField>
+    <TaxCatchAll xmlns="230e9df3-be65-4c73-a93b-d1236ebd677e" xsi:nil="true"/>
+    <MediaServiceKeyPoints xmlns="71af3243-3dd4-4a8d-8c0d-dd76da1f02a5" xsi:nil="true"/>
+  </documentManagement>
+</p:properties>
 </file>
 
-<file path=customXml/itemProps2.xml><?xml version="1.0" encoding="utf-8"?>
-<ds:datastoreItem xmlns:ds="http://schemas.openxmlformats.org/officeDocument/2006/customXml" ds:itemID="{6EA97235-BEC4-4F82-87A8-2F5DAD53B5F9}">
-  <ds:schemaRefs>
-    <ds:schemaRef ds:uri="http://schemas.microsoft.com/office/2006/metadata/properties"/>
-    <ds:schemaRef ds:uri="http://schemas.microsoft.com/office/infopath/2007/PartnerControls"/>
-    <ds:schemaRef ds:uri="http://schemas.microsoft.com/sharepoint/v3"/>
-    <ds:schemaRef ds:uri="71af3243-3dd4-4a8d-8c0d-dd76da1f02a5"/>
-    <ds:schemaRef ds:uri="230e9df3-be65-4c73-a93b-d1236ebd677e"/>
-  </ds:schemaRefs>
-</ds:datastoreItem>
+<file path=customXml/item3.xml><?xml version="1.0" encoding="utf-8"?>
+<?mso-contentType ?>
+<FormTemplates xmlns="http://schemas.microsoft.com/sharepoint/v3/contenttype/forms">
+  <Display>DocumentLibraryForm</Display>
+  <Edit>DocumentLibraryForm</Edit>
+  <New>DocumentLibraryForm</New>
+</FormTemplates>
 </file>
 
-<file path=customXml/itemProps3.xml><?xml version="1.0" encoding="utf-8"?>
+<file path=customXml/itemProps1.xml><?xml version="1.0" encoding="utf-8"?>
 <ds:datastoreItem xmlns:ds="http://schemas.openxmlformats.org/officeDocument/2006/customXml" ds:itemID="{2C1F447F-FAA8-4106-988B-648F3C8EDB2D}">
   <ds:schemaRefs>
     <ds:schemaRef ds:uri="http://schemas.microsoft.com/office/2006/metadata/contentType"/>
@@ -24636,6 +25569,26 @@
 </ds:datastoreItem>
 </file>
 
+<file path=customXml/itemProps2.xml><?xml version="1.0" encoding="utf-8"?>
+<ds:datastoreItem xmlns:ds="http://schemas.openxmlformats.org/officeDocument/2006/customXml" ds:itemID="{6EA97235-BEC4-4F82-87A8-2F5DAD53B5F9}">
+  <ds:schemaRefs>
+    <ds:schemaRef ds:uri="http://schemas.microsoft.com/office/2006/metadata/properties"/>
+    <ds:schemaRef ds:uri="http://schemas.microsoft.com/office/infopath/2007/PartnerControls"/>
+    <ds:schemaRef ds:uri="http://schemas.microsoft.com/sharepoint/v3"/>
+    <ds:schemaRef ds:uri="71af3243-3dd4-4a8d-8c0d-dd76da1f02a5"/>
+    <ds:schemaRef ds:uri="230e9df3-be65-4c73-a93b-d1236ebd677e"/>
+  </ds:schemaRefs>
+</ds:datastoreItem>
+</file>
+
+<file path=customXml/itemProps3.xml><?xml version="1.0" encoding="utf-8"?>
+<ds:datastoreItem xmlns:ds="http://schemas.openxmlformats.org/officeDocument/2006/customXml" ds:itemID="{79BF405E-7930-4D5C-ABB3-493E9D6D6CEA}">
+  <ds:schemaRefs>
+    <ds:schemaRef ds:uri="http://schemas.microsoft.com/sharepoint/v3/contenttype/forms"/>
+  </ds:schemaRefs>
+</ds:datastoreItem>
+</file>
+
 <file path=docMetadata/LabelInfo.xml><?xml version="1.0" encoding="utf-8"?>
 <clbl:labelList xmlns:clbl="http://schemas.microsoft.com/office/2020/mipLabelMetadata"/>
 </file>